--- a/Milestones/M10 defence/M10.pptx
+++ b/Milestones/M10 defence/M10.pptx
@@ -28,17 +28,17 @@
     <p:sldId id="291" r:id="rId16"/>
     <p:sldId id="298" r:id="rId17"/>
     <p:sldId id="299" r:id="rId18"/>
-    <p:sldId id="305" r:id="rId19"/>
-    <p:sldId id="297" r:id="rId20"/>
-    <p:sldId id="307" r:id="rId21"/>
-    <p:sldId id="309" r:id="rId22"/>
-    <p:sldId id="308" r:id="rId23"/>
-    <p:sldId id="292" r:id="rId24"/>
-    <p:sldId id="318" r:id="rId25"/>
-    <p:sldId id="310" r:id="rId26"/>
-    <p:sldId id="275" r:id="rId27"/>
-    <p:sldId id="269" r:id="rId28"/>
-    <p:sldId id="271" r:id="rId29"/>
+    <p:sldId id="319" r:id="rId19"/>
+    <p:sldId id="305" r:id="rId20"/>
+    <p:sldId id="320" r:id="rId21"/>
+    <p:sldId id="307" r:id="rId22"/>
+    <p:sldId id="309" r:id="rId23"/>
+    <p:sldId id="308" r:id="rId24"/>
+    <p:sldId id="292" r:id="rId25"/>
+    <p:sldId id="318" r:id="rId26"/>
+    <p:sldId id="310" r:id="rId27"/>
+    <p:sldId id="275" r:id="rId28"/>
+    <p:sldId id="269" r:id="rId29"/>
   </p:sldIdLst>
   <p:sldSz cx="12192000" cy="6858000"/>
   <p:notesSz cx="6858000" cy="9144000"/>
@@ -2178,919 +2178,6 @@
     </c:plotArea>
     <c:plotVisOnly val="1"/>
     <c:dispBlanksAs val="gap"/>
-    <c:showDLblsOverMax val="0"/>
-  </c:chart>
-  <c:spPr>
-    <a:noFill/>
-    <a:ln>
-      <a:noFill/>
-    </a:ln>
-    <a:effectLst/>
-  </c:spPr>
-  <c:txPr>
-    <a:bodyPr/>
-    <a:lstStyle/>
-    <a:p>
-      <a:pPr>
-        <a:defRPr/>
-      </a:pPr>
-      <a:endParaRPr lang="en-US"/>
-    </a:p>
-  </c:txPr>
-  <c:externalData r:id="rId3">
-    <c:autoUpdate val="0"/>
-  </c:externalData>
-</c:chartSpace>
-</file>
-
-<file path=ppt/charts/chart7.xml><?xml version="1.0" encoding="utf-8"?>
-<c:chartSpace xmlns:c="http://schemas.openxmlformats.org/drawingml/2006/chart" xmlns:a="http://schemas.openxmlformats.org/drawingml/2006/main" xmlns:r="http://schemas.openxmlformats.org/officeDocument/2006/relationships" xmlns:c16r2="http://schemas.microsoft.com/office/drawing/2015/06/chart">
-  <c:date1904 val="0"/>
-  <c:lang val="en-US"/>
-  <c:roundedCorners val="0"/>
-  <mc:AlternateContent xmlns:mc="http://schemas.openxmlformats.org/markup-compatibility/2006">
-    <mc:Choice xmlns:c14="http://schemas.microsoft.com/office/drawing/2007/8/2/chart" Requires="c14">
-      <c14:style val="102"/>
-    </mc:Choice>
-    <mc:Fallback>
-      <c:style val="2"/>
-    </mc:Fallback>
-  </mc:AlternateContent>
-  <c:chart>
-    <c:autoTitleDeleted val="1"/>
-    <c:plotArea>
-      <c:layout>
-        <c:manualLayout>
-          <c:layoutTarget val="inner"/>
-          <c:xMode val="edge"/>
-          <c:yMode val="edge"/>
-          <c:x val="0.12511739214234791"/>
-          <c:y val="0.17111880046136102"/>
-          <c:w val="0.81363149336275065"/>
-          <c:h val="0.6419220953782161"/>
-        </c:manualLayout>
-      </c:layout>
-      <c:lineChart>
-        <c:grouping val="standard"/>
-        <c:varyColors val="0"/>
-        <c:ser>
-          <c:idx val="1"/>
-          <c:order val="0"/>
-          <c:tx>
-            <c:v>Gepland</c:v>
-          </c:tx>
-          <c:spPr>
-            <a:ln w="28575" cap="rnd">
-              <a:solidFill>
-                <a:schemeClr val="accent2"/>
-              </a:solidFill>
-              <a:round/>
-            </a:ln>
-            <a:effectLst/>
-          </c:spPr>
-          <c:marker>
-            <c:symbol val="none"/>
-          </c:marker>
-          <c:cat>
-            <c:numRef>
-              <c:f>Sheet1!$B$4:$B$30</c:f>
-              <c:numCache>
-                <c:formatCode>m/d/yyyy</c:formatCode>
-                <c:ptCount val="27"/>
-                <c:pt idx="0">
-                  <c:v>44760</c:v>
-                </c:pt>
-                <c:pt idx="1">
-                  <c:v>44767</c:v>
-                </c:pt>
-                <c:pt idx="2">
-                  <c:v>44774</c:v>
-                </c:pt>
-                <c:pt idx="3">
-                  <c:v>44781</c:v>
-                </c:pt>
-                <c:pt idx="4">
-                  <c:v>44788</c:v>
-                </c:pt>
-                <c:pt idx="5">
-                  <c:v>44795</c:v>
-                </c:pt>
-                <c:pt idx="6">
-                  <c:v>44802</c:v>
-                </c:pt>
-                <c:pt idx="7">
-                  <c:v>44809</c:v>
-                </c:pt>
-                <c:pt idx="8">
-                  <c:v>44816</c:v>
-                </c:pt>
-                <c:pt idx="9">
-                  <c:v>44823</c:v>
-                </c:pt>
-                <c:pt idx="10">
-                  <c:v>44830</c:v>
-                </c:pt>
-                <c:pt idx="11">
-                  <c:v>44837</c:v>
-                </c:pt>
-                <c:pt idx="12">
-                  <c:v>44844</c:v>
-                </c:pt>
-                <c:pt idx="13">
-                  <c:v>44851</c:v>
-                </c:pt>
-                <c:pt idx="14">
-                  <c:v>44858</c:v>
-                </c:pt>
-                <c:pt idx="15">
-                  <c:v>44865</c:v>
-                </c:pt>
-                <c:pt idx="16">
-                  <c:v>44872</c:v>
-                </c:pt>
-                <c:pt idx="17">
-                  <c:v>44879</c:v>
-                </c:pt>
-                <c:pt idx="18">
-                  <c:v>44886</c:v>
-                </c:pt>
-                <c:pt idx="19">
-                  <c:v>44893</c:v>
-                </c:pt>
-                <c:pt idx="20">
-                  <c:v>44900</c:v>
-                </c:pt>
-                <c:pt idx="21">
-                  <c:v>44907</c:v>
-                </c:pt>
-                <c:pt idx="22">
-                  <c:v>44914</c:v>
-                </c:pt>
-                <c:pt idx="23">
-                  <c:v>44921</c:v>
-                </c:pt>
-                <c:pt idx="24">
-                  <c:v>44928</c:v>
-                </c:pt>
-                <c:pt idx="25">
-                  <c:v>44935</c:v>
-                </c:pt>
-                <c:pt idx="26">
-                  <c:v>44942</c:v>
-                </c:pt>
-              </c:numCache>
-            </c:numRef>
-          </c:cat>
-          <c:val>
-            <c:numRef>
-              <c:f>Sheet1!$F$4:$F$30</c:f>
-              <c:numCache>
-                <c:formatCode>General</c:formatCode>
-                <c:ptCount val="27"/>
-                <c:pt idx="0">
-                  <c:v>30</c:v>
-                </c:pt>
-                <c:pt idx="1">
-                  <c:v>50</c:v>
-                </c:pt>
-                <c:pt idx="2">
-                  <c:v>70</c:v>
-                </c:pt>
-                <c:pt idx="3">
-                  <c:v>90</c:v>
-                </c:pt>
-                <c:pt idx="4">
-                  <c:v>105</c:v>
-                </c:pt>
-                <c:pt idx="5">
-                  <c:v>105</c:v>
-                </c:pt>
-                <c:pt idx="6">
-                  <c:v>130</c:v>
-                </c:pt>
-                <c:pt idx="7">
-                  <c:v>160</c:v>
-                </c:pt>
-                <c:pt idx="8">
-                  <c:v>185</c:v>
-                </c:pt>
-                <c:pt idx="9">
-                  <c:v>215</c:v>
-                </c:pt>
-                <c:pt idx="10">
-                  <c:v>255</c:v>
-                </c:pt>
-                <c:pt idx="11">
-                  <c:v>295</c:v>
-                </c:pt>
-                <c:pt idx="12">
-                  <c:v>311</c:v>
-                </c:pt>
-                <c:pt idx="13">
-                  <c:v>327</c:v>
-                </c:pt>
-                <c:pt idx="14">
-                  <c:v>367</c:v>
-                </c:pt>
-                <c:pt idx="15">
-                  <c:v>402</c:v>
-                </c:pt>
-                <c:pt idx="16">
-                  <c:v>437</c:v>
-                </c:pt>
-                <c:pt idx="17">
-                  <c:v>472</c:v>
-                </c:pt>
-                <c:pt idx="18">
-                  <c:v>507</c:v>
-                </c:pt>
-                <c:pt idx="19">
-                  <c:v>542</c:v>
-                </c:pt>
-                <c:pt idx="20">
-                  <c:v>577</c:v>
-                </c:pt>
-                <c:pt idx="21">
-                  <c:v>612</c:v>
-                </c:pt>
-                <c:pt idx="22">
-                  <c:v>647</c:v>
-                </c:pt>
-                <c:pt idx="23">
-                  <c:v>682</c:v>
-                </c:pt>
-                <c:pt idx="24">
-                  <c:v>702</c:v>
-                </c:pt>
-                <c:pt idx="25">
-                  <c:v>722</c:v>
-                </c:pt>
-              </c:numCache>
-            </c:numRef>
-          </c:val>
-          <c:smooth val="0"/>
-          <c:extLst>
-            <c:ext xmlns:c16="http://schemas.microsoft.com/office/drawing/2014/chart" uri="{C3380CC4-5D6E-409C-BE32-E72D297353CC}">
-              <c16:uniqueId val="{00000000-C4DE-4B90-946E-848F0BD3D8AF}"/>
-            </c:ext>
-          </c:extLst>
-        </c:ser>
-        <c:ser>
-          <c:idx val="0"/>
-          <c:order val="1"/>
-          <c:tx>
-            <c:v>Reeds gedaan</c:v>
-          </c:tx>
-          <c:spPr>
-            <a:ln w="28575" cap="rnd">
-              <a:solidFill>
-                <a:schemeClr val="accent1"/>
-              </a:solidFill>
-              <a:round/>
-            </a:ln>
-            <a:effectLst/>
-          </c:spPr>
-          <c:marker>
-            <c:symbol val="none"/>
-          </c:marker>
-          <c:cat>
-            <c:numRef>
-              <c:f>Sheet1!$B$4:$B$30</c:f>
-              <c:numCache>
-                <c:formatCode>m/d/yyyy</c:formatCode>
-                <c:ptCount val="27"/>
-                <c:pt idx="0">
-                  <c:v>44760</c:v>
-                </c:pt>
-                <c:pt idx="1">
-                  <c:v>44767</c:v>
-                </c:pt>
-                <c:pt idx="2">
-                  <c:v>44774</c:v>
-                </c:pt>
-                <c:pt idx="3">
-                  <c:v>44781</c:v>
-                </c:pt>
-                <c:pt idx="4">
-                  <c:v>44788</c:v>
-                </c:pt>
-                <c:pt idx="5">
-                  <c:v>44795</c:v>
-                </c:pt>
-                <c:pt idx="6">
-                  <c:v>44802</c:v>
-                </c:pt>
-                <c:pt idx="7">
-                  <c:v>44809</c:v>
-                </c:pt>
-                <c:pt idx="8">
-                  <c:v>44816</c:v>
-                </c:pt>
-                <c:pt idx="9">
-                  <c:v>44823</c:v>
-                </c:pt>
-                <c:pt idx="10">
-                  <c:v>44830</c:v>
-                </c:pt>
-                <c:pt idx="11">
-                  <c:v>44837</c:v>
-                </c:pt>
-                <c:pt idx="12">
-                  <c:v>44844</c:v>
-                </c:pt>
-                <c:pt idx="13">
-                  <c:v>44851</c:v>
-                </c:pt>
-                <c:pt idx="14">
-                  <c:v>44858</c:v>
-                </c:pt>
-                <c:pt idx="15">
-                  <c:v>44865</c:v>
-                </c:pt>
-                <c:pt idx="16">
-                  <c:v>44872</c:v>
-                </c:pt>
-                <c:pt idx="17">
-                  <c:v>44879</c:v>
-                </c:pt>
-                <c:pt idx="18">
-                  <c:v>44886</c:v>
-                </c:pt>
-                <c:pt idx="19">
-                  <c:v>44893</c:v>
-                </c:pt>
-                <c:pt idx="20">
-                  <c:v>44900</c:v>
-                </c:pt>
-                <c:pt idx="21">
-                  <c:v>44907</c:v>
-                </c:pt>
-                <c:pt idx="22">
-                  <c:v>44914</c:v>
-                </c:pt>
-                <c:pt idx="23">
-                  <c:v>44921</c:v>
-                </c:pt>
-                <c:pt idx="24">
-                  <c:v>44928</c:v>
-                </c:pt>
-                <c:pt idx="25">
-                  <c:v>44935</c:v>
-                </c:pt>
-                <c:pt idx="26">
-                  <c:v>44942</c:v>
-                </c:pt>
-              </c:numCache>
-            </c:numRef>
-          </c:cat>
-          <c:val>
-            <c:numRef>
-              <c:f>Sheet1!$G$4:$G$30</c:f>
-              <c:numCache>
-                <c:formatCode>General</c:formatCode>
-                <c:ptCount val="27"/>
-                <c:pt idx="0">
-                  <c:v>37</c:v>
-                </c:pt>
-                <c:pt idx="1">
-                  <c:v>63</c:v>
-                </c:pt>
-                <c:pt idx="2">
-                  <c:v>83</c:v>
-                </c:pt>
-                <c:pt idx="3">
-                  <c:v>109</c:v>
-                </c:pt>
-                <c:pt idx="4">
-                  <c:v>115</c:v>
-                </c:pt>
-                <c:pt idx="5">
-                  <c:v>115</c:v>
-                </c:pt>
-                <c:pt idx="6">
-                  <c:v>140</c:v>
-                </c:pt>
-                <c:pt idx="7">
-                  <c:v>174</c:v>
-                </c:pt>
-                <c:pt idx="8">
-                  <c:v>200</c:v>
-                </c:pt>
-                <c:pt idx="9">
-                  <c:v>235</c:v>
-                </c:pt>
-                <c:pt idx="10">
-                  <c:v>278</c:v>
-                </c:pt>
-                <c:pt idx="11">
-                  <c:v>311</c:v>
-                </c:pt>
-                <c:pt idx="12">
-                  <c:v>330</c:v>
-                </c:pt>
-                <c:pt idx="13">
-                  <c:v>367</c:v>
-                </c:pt>
-                <c:pt idx="14">
-                  <c:v>411</c:v>
-                </c:pt>
-                <c:pt idx="15">
-                  <c:v>450</c:v>
-                </c:pt>
-                <c:pt idx="16">
-                  <c:v>489</c:v>
-                </c:pt>
-                <c:pt idx="17">
-                  <c:v>532</c:v>
-                </c:pt>
-                <c:pt idx="18">
-                  <c:v>557</c:v>
-                </c:pt>
-                <c:pt idx="19">
-                  <c:v>610</c:v>
-                </c:pt>
-                <c:pt idx="20">
-                  <c:v>645</c:v>
-                </c:pt>
-                <c:pt idx="21">
-                  <c:v>665</c:v>
-                </c:pt>
-                <c:pt idx="22">
-                  <c:v>684</c:v>
-                </c:pt>
-                <c:pt idx="23">
-                  <c:v>684</c:v>
-                </c:pt>
-                <c:pt idx="24">
-                  <c:v>684</c:v>
-                </c:pt>
-                <c:pt idx="25">
-                  <c:v>684</c:v>
-                </c:pt>
-              </c:numCache>
-            </c:numRef>
-          </c:val>
-          <c:smooth val="0"/>
-          <c:extLst>
-            <c:ext xmlns:c16="http://schemas.microsoft.com/office/drawing/2014/chart" uri="{C3380CC4-5D6E-409C-BE32-E72D297353CC}">
-              <c16:uniqueId val="{00000001-C4DE-4B90-946E-848F0BD3D8AF}"/>
-            </c:ext>
-          </c:extLst>
-        </c:ser>
-        <c:dLbls>
-          <c:showLegendKey val="0"/>
-          <c:showVal val="0"/>
-          <c:showCatName val="0"/>
-          <c:showSerName val="0"/>
-          <c:showPercent val="0"/>
-          <c:showBubbleSize val="0"/>
-        </c:dLbls>
-        <c:smooth val="0"/>
-        <c:axId val="1327462400"/>
-        <c:axId val="1327462816"/>
-        <c:extLst>
-          <c:ext xmlns:c15="http://schemas.microsoft.com/office/drawing/2012/chart" uri="{02D57815-91ED-43cb-92C2-25804820EDAC}">
-            <c15:filteredLineSeries>
-              <c15:ser>
-                <c:idx val="2"/>
-                <c:order val="2"/>
-                <c:spPr>
-                  <a:ln w="28575" cap="rnd">
-                    <a:solidFill>
-                      <a:schemeClr val="accent3"/>
-                    </a:solidFill>
-                    <a:round/>
-                  </a:ln>
-                  <a:effectLst/>
-                </c:spPr>
-                <c:marker>
-                  <c:symbol val="none"/>
-                </c:marker>
-                <c:cat>
-                  <c:numRef>
-                    <c:extLst>
-                      <c:ext uri="{02D57815-91ED-43cb-92C2-25804820EDAC}">
-                        <c15:formulaRef>
-                          <c15:sqref>Sheet1!$B$4:$B$30</c15:sqref>
-                        </c15:formulaRef>
-                      </c:ext>
-                    </c:extLst>
-                    <c:numCache>
-                      <c:formatCode>m/d/yyyy</c:formatCode>
-                      <c:ptCount val="27"/>
-                      <c:pt idx="0">
-                        <c:v>44760</c:v>
-                      </c:pt>
-                      <c:pt idx="1">
-                        <c:v>44767</c:v>
-                      </c:pt>
-                      <c:pt idx="2">
-                        <c:v>44774</c:v>
-                      </c:pt>
-                      <c:pt idx="3">
-                        <c:v>44781</c:v>
-                      </c:pt>
-                      <c:pt idx="4">
-                        <c:v>44788</c:v>
-                      </c:pt>
-                      <c:pt idx="5">
-                        <c:v>44795</c:v>
-                      </c:pt>
-                      <c:pt idx="6">
-                        <c:v>44802</c:v>
-                      </c:pt>
-                      <c:pt idx="7">
-                        <c:v>44809</c:v>
-                      </c:pt>
-                      <c:pt idx="8">
-                        <c:v>44816</c:v>
-                      </c:pt>
-                      <c:pt idx="9">
-                        <c:v>44823</c:v>
-                      </c:pt>
-                      <c:pt idx="10">
-                        <c:v>44830</c:v>
-                      </c:pt>
-                      <c:pt idx="11">
-                        <c:v>44837</c:v>
-                      </c:pt>
-                      <c:pt idx="12">
-                        <c:v>44844</c:v>
-                      </c:pt>
-                      <c:pt idx="13">
-                        <c:v>44851</c:v>
-                      </c:pt>
-                      <c:pt idx="14">
-                        <c:v>44858</c:v>
-                      </c:pt>
-                      <c:pt idx="15">
-                        <c:v>44865</c:v>
-                      </c:pt>
-                      <c:pt idx="16">
-                        <c:v>44872</c:v>
-                      </c:pt>
-                      <c:pt idx="17">
-                        <c:v>44879</c:v>
-                      </c:pt>
-                      <c:pt idx="18">
-                        <c:v>44886</c:v>
-                      </c:pt>
-                      <c:pt idx="19">
-                        <c:v>44893</c:v>
-                      </c:pt>
-                      <c:pt idx="20">
-                        <c:v>44900</c:v>
-                      </c:pt>
-                      <c:pt idx="21">
-                        <c:v>44907</c:v>
-                      </c:pt>
-                      <c:pt idx="22">
-                        <c:v>44914</c:v>
-                      </c:pt>
-                      <c:pt idx="23">
-                        <c:v>44921</c:v>
-                      </c:pt>
-                      <c:pt idx="24">
-                        <c:v>44928</c:v>
-                      </c:pt>
-                      <c:pt idx="25">
-                        <c:v>44935</c:v>
-                      </c:pt>
-                      <c:pt idx="26">
-                        <c:v>44942</c:v>
-                      </c:pt>
-                    </c:numCache>
-                  </c:numRef>
-                </c:cat>
-                <c:val>
-                  <c:numRef>
-                    <c:extLst>
-                      <c:ext uri="{02D57815-91ED-43cb-92C2-25804820EDAC}">
-                        <c15:formulaRef>
-                          <c15:sqref>Sheet1!$H$4:$H$30</c15:sqref>
-                        </c15:formulaRef>
-                      </c:ext>
-                    </c:extLst>
-                    <c:numCache>
-                      <c:formatCode>General</c:formatCode>
-                      <c:ptCount val="27"/>
-                      <c:pt idx="0">
-                        <c:v>0</c:v>
-                      </c:pt>
-                      <c:pt idx="1">
-                        <c:v>0</c:v>
-                      </c:pt>
-                      <c:pt idx="2">
-                        <c:v>0</c:v>
-                      </c:pt>
-                      <c:pt idx="3">
-                        <c:v>0</c:v>
-                      </c:pt>
-                      <c:pt idx="4">
-                        <c:v>0</c:v>
-                      </c:pt>
-                      <c:pt idx="5">
-                        <c:v>0</c:v>
-                      </c:pt>
-                      <c:pt idx="6">
-                        <c:v>0</c:v>
-                      </c:pt>
-                      <c:pt idx="7">
-                        <c:v>0</c:v>
-                      </c:pt>
-                      <c:pt idx="8">
-                        <c:v>0</c:v>
-                      </c:pt>
-                      <c:pt idx="9">
-                        <c:v>0</c:v>
-                      </c:pt>
-                      <c:pt idx="10">
-                        <c:v>0</c:v>
-                      </c:pt>
-                      <c:pt idx="11">
-                        <c:v>0</c:v>
-                      </c:pt>
-                      <c:pt idx="12">
-                        <c:v>0</c:v>
-                      </c:pt>
-                      <c:pt idx="13">
-                        <c:v>0</c:v>
-                      </c:pt>
-                      <c:pt idx="14">
-                        <c:v>0</c:v>
-                      </c:pt>
-                      <c:pt idx="15">
-                        <c:v>0</c:v>
-                      </c:pt>
-                      <c:pt idx="16">
-                        <c:v>0</c:v>
-                      </c:pt>
-                      <c:pt idx="17">
-                        <c:v>0</c:v>
-                      </c:pt>
-                      <c:pt idx="18">
-                        <c:v>0</c:v>
-                      </c:pt>
-                      <c:pt idx="19">
-                        <c:v>0</c:v>
-                      </c:pt>
-                      <c:pt idx="20">
-                        <c:v>0</c:v>
-                      </c:pt>
-                      <c:pt idx="21">
-                        <c:v>0</c:v>
-                      </c:pt>
-                      <c:pt idx="22">
-                        <c:v>0</c:v>
-                      </c:pt>
-                      <c:pt idx="23">
-                        <c:v>0</c:v>
-                      </c:pt>
-                      <c:pt idx="24">
-                        <c:v>0</c:v>
-                      </c:pt>
-                      <c:pt idx="25">
-                        <c:v>0</c:v>
-                      </c:pt>
-                      <c:pt idx="26">
-                        <c:v>0</c:v>
-                      </c:pt>
-                    </c:numCache>
-                  </c:numRef>
-                </c:val>
-                <c:smooth val="0"/>
-                <c:extLst>
-                  <c:ext xmlns:c16="http://schemas.microsoft.com/office/drawing/2014/chart" uri="{C3380CC4-5D6E-409C-BE32-E72D297353CC}">
-                    <c16:uniqueId val="{00000002-C4DE-4B90-946E-848F0BD3D8AF}"/>
-                  </c:ext>
-                </c:extLst>
-              </c15:ser>
-            </c15:filteredLineSeries>
-          </c:ext>
-        </c:extLst>
-      </c:lineChart>
-      <c:dateAx>
-        <c:axId val="1327462400"/>
-        <c:scaling>
-          <c:orientation val="minMax"/>
-          <c:max val="44938"/>
-        </c:scaling>
-        <c:delete val="0"/>
-        <c:axPos val="b"/>
-        <c:numFmt formatCode="m/d/yyyy" sourceLinked="1"/>
-        <c:majorTickMark val="none"/>
-        <c:minorTickMark val="none"/>
-        <c:tickLblPos val="nextTo"/>
-        <c:spPr>
-          <a:noFill/>
-          <a:ln w="9525" cap="flat" cmpd="sng" algn="ctr">
-            <a:solidFill>
-              <a:schemeClr val="tx1">
-                <a:lumMod val="15000"/>
-                <a:lumOff val="85000"/>
-              </a:schemeClr>
-            </a:solidFill>
-            <a:round/>
-          </a:ln>
-          <a:effectLst/>
-        </c:spPr>
-        <c:txPr>
-          <a:bodyPr rot="-1500000" spcFirstLastPara="1" vertOverflow="ellipsis" wrap="square" anchor="ctr" anchorCtr="1"/>
-          <a:lstStyle/>
-          <a:p>
-            <a:pPr>
-              <a:defRPr sz="1800" b="1" i="0" u="none" strike="noStrike" kern="1200" baseline="0">
-                <a:solidFill>
-                  <a:schemeClr val="tx1">
-                    <a:lumMod val="65000"/>
-                    <a:lumOff val="35000"/>
-                  </a:schemeClr>
-                </a:solidFill>
-                <a:latin typeface="+mn-lt"/>
-                <a:ea typeface="+mn-ea"/>
-                <a:cs typeface="+mn-cs"/>
-              </a:defRPr>
-            </a:pPr>
-            <a:endParaRPr lang="en-US"/>
-          </a:p>
-        </c:txPr>
-        <c:crossAx val="1327462816"/>
-        <c:crosses val="autoZero"/>
-        <c:auto val="1"/>
-        <c:lblOffset val="100"/>
-        <c:baseTimeUnit val="days"/>
-        <c:majorUnit val="10"/>
-        <c:majorTimeUnit val="days"/>
-      </c:dateAx>
-      <c:valAx>
-        <c:axId val="1327462816"/>
-        <c:scaling>
-          <c:orientation val="minMax"/>
-        </c:scaling>
-        <c:delete val="0"/>
-        <c:axPos val="l"/>
-        <c:majorGridlines>
-          <c:spPr>
-            <a:ln w="9525" cap="flat" cmpd="sng" algn="ctr">
-              <a:solidFill>
-                <a:schemeClr val="tx1">
-                  <a:lumMod val="15000"/>
-                  <a:lumOff val="85000"/>
-                </a:schemeClr>
-              </a:solidFill>
-              <a:round/>
-            </a:ln>
-            <a:effectLst/>
-          </c:spPr>
-        </c:majorGridlines>
-        <c:title>
-          <c:tx>
-            <c:rich>
-              <a:bodyPr rot="-5400000" spcFirstLastPara="1" vertOverflow="ellipsis" vert="horz" wrap="square" anchor="ctr" anchorCtr="1"/>
-              <a:lstStyle/>
-              <a:p>
-                <a:pPr>
-                  <a:defRPr sz="1000" b="0" i="0" u="none" strike="noStrike" kern="1200" baseline="0">
-                    <a:solidFill>
-                      <a:schemeClr val="tx1">
-                        <a:lumMod val="65000"/>
-                        <a:lumOff val="35000"/>
-                      </a:schemeClr>
-                    </a:solidFill>
-                    <a:latin typeface="+mn-lt"/>
-                    <a:ea typeface="+mn-ea"/>
-                    <a:cs typeface="+mn-cs"/>
-                  </a:defRPr>
-                </a:pPr>
-                <a:r>
-                  <a:rPr lang="en-US"/>
-                  <a:t>Uur</a:t>
-                </a:r>
-              </a:p>
-            </c:rich>
-          </c:tx>
-          <c:overlay val="0"/>
-          <c:spPr>
-            <a:noFill/>
-            <a:ln>
-              <a:noFill/>
-            </a:ln>
-            <a:effectLst/>
-          </c:spPr>
-          <c:txPr>
-            <a:bodyPr rot="-5400000" spcFirstLastPara="1" vertOverflow="ellipsis" vert="horz" wrap="square" anchor="ctr" anchorCtr="1"/>
-            <a:lstStyle/>
-            <a:p>
-              <a:pPr>
-                <a:defRPr sz="1000" b="0" i="0" u="none" strike="noStrike" kern="1200" baseline="0">
-                  <a:solidFill>
-                    <a:schemeClr val="tx1">
-                      <a:lumMod val="65000"/>
-                      <a:lumOff val="35000"/>
-                    </a:schemeClr>
-                  </a:solidFill>
-                  <a:latin typeface="+mn-lt"/>
-                  <a:ea typeface="+mn-ea"/>
-                  <a:cs typeface="+mn-cs"/>
-                </a:defRPr>
-              </a:pPr>
-              <a:endParaRPr lang="en-US"/>
-            </a:p>
-          </c:txPr>
-        </c:title>
-        <c:numFmt formatCode="General" sourceLinked="1"/>
-        <c:majorTickMark val="none"/>
-        <c:minorTickMark val="none"/>
-        <c:tickLblPos val="nextTo"/>
-        <c:spPr>
-          <a:noFill/>
-          <a:ln>
-            <a:noFill/>
-          </a:ln>
-          <a:effectLst/>
-        </c:spPr>
-        <c:txPr>
-          <a:bodyPr rot="-60000000" spcFirstLastPara="1" vertOverflow="ellipsis" vert="horz" wrap="square" anchor="ctr" anchorCtr="1"/>
-          <a:lstStyle/>
-          <a:p>
-            <a:pPr>
-              <a:defRPr sz="1200" b="0" i="0" u="none" strike="noStrike" kern="1200" baseline="0">
-                <a:solidFill>
-                  <a:schemeClr val="tx1">
-                    <a:lumMod val="65000"/>
-                    <a:lumOff val="35000"/>
-                  </a:schemeClr>
-                </a:solidFill>
-                <a:latin typeface="+mn-lt"/>
-                <a:ea typeface="+mn-ea"/>
-                <a:cs typeface="+mn-cs"/>
-              </a:defRPr>
-            </a:pPr>
-            <a:endParaRPr lang="en-US"/>
-          </a:p>
-        </c:txPr>
-        <c:crossAx val="1327462400"/>
-        <c:crosses val="autoZero"/>
-        <c:crossBetween val="between"/>
-      </c:valAx>
-      <c:spPr>
-        <a:noFill/>
-        <a:ln>
-          <a:noFill/>
-        </a:ln>
-        <a:effectLst/>
-      </c:spPr>
-    </c:plotArea>
-    <c:legend>
-      <c:legendPos val="r"/>
-      <c:layout>
-        <c:manualLayout>
-          <c:xMode val="edge"/>
-          <c:yMode val="edge"/>
-          <c:x val="0.12693299737532809"/>
-          <c:y val="0.17321744816500015"/>
-          <c:w val="0.15508405234670625"/>
-          <c:h val="0.12407026789635482"/>
-        </c:manualLayout>
-      </c:layout>
-      <c:overlay val="0"/>
-      <c:spPr>
-        <a:noFill/>
-        <a:ln>
-          <a:noFill/>
-        </a:ln>
-        <a:effectLst/>
-      </c:spPr>
-      <c:txPr>
-        <a:bodyPr rot="0" spcFirstLastPara="1" vertOverflow="ellipsis" vert="horz" wrap="square" anchor="ctr" anchorCtr="1"/>
-        <a:lstStyle/>
-        <a:p>
-          <a:pPr>
-            <a:defRPr sz="1600" b="1" i="0" u="none" strike="noStrike" kern="1200" baseline="0">
-              <a:solidFill>
-                <a:schemeClr val="tx1">
-                  <a:lumMod val="65000"/>
-                  <a:lumOff val="35000"/>
-                </a:schemeClr>
-              </a:solidFill>
-              <a:latin typeface="+mn-lt"/>
-              <a:ea typeface="+mn-ea"/>
-              <a:cs typeface="+mn-cs"/>
-            </a:defRPr>
-          </a:pPr>
-          <a:endParaRPr lang="en-US"/>
-        </a:p>
-      </c:txPr>
-    </c:legend>
-    <c:plotVisOnly val="1"/>
-    <c:dispBlanksAs val="gap"/>
-    <c:extLst>
-      <c:ext xmlns:c16r3="http://schemas.microsoft.com/office/drawing/2017/03/chart" uri="{56B9EC1D-385E-4148-901F-78D8002777C0}">
-        <c16r3:dataDisplayOptions16>
-          <c16r3:dispNaAsBlank val="1"/>
-        </c16r3:dataDisplayOptions16>
-      </c:ext>
-    </c:extLst>
     <c:showDLblsOverMax val="0"/>
   </c:chart>
   <c:spPr>
@@ -3317,46 +2404,6 @@
 </file>
 
 <file path=ppt/charts/colors6.xml><?xml version="1.0" encoding="utf-8"?>
-<cs:colorStyle xmlns:cs="http://schemas.microsoft.com/office/drawing/2012/chartStyle" xmlns:a="http://schemas.openxmlformats.org/drawingml/2006/main" meth="cycle" id="10">
-  <a:schemeClr val="accent1"/>
-  <a:schemeClr val="accent2"/>
-  <a:schemeClr val="accent3"/>
-  <a:schemeClr val="accent4"/>
-  <a:schemeClr val="accent5"/>
-  <a:schemeClr val="accent6"/>
-  <cs:variation/>
-  <cs:variation>
-    <a:lumMod val="60000"/>
-  </cs:variation>
-  <cs:variation>
-    <a:lumMod val="80000"/>
-    <a:lumOff val="20000"/>
-  </cs:variation>
-  <cs:variation>
-    <a:lumMod val="80000"/>
-  </cs:variation>
-  <cs:variation>
-    <a:lumMod val="60000"/>
-    <a:lumOff val="40000"/>
-  </cs:variation>
-  <cs:variation>
-    <a:lumMod val="50000"/>
-  </cs:variation>
-  <cs:variation>
-    <a:lumMod val="70000"/>
-    <a:lumOff val="30000"/>
-  </cs:variation>
-  <cs:variation>
-    <a:lumMod val="70000"/>
-  </cs:variation>
-  <cs:variation>
-    <a:lumMod val="50000"/>
-    <a:lumOff val="50000"/>
-  </cs:variation>
-</cs:colorStyle>
-</file>
-
-<file path=ppt/charts/colors7.xml><?xml version="1.0" encoding="utf-8"?>
 <cs:colorStyle xmlns:cs="http://schemas.microsoft.com/office/drawing/2012/chartStyle" xmlns:a="http://schemas.openxmlformats.org/drawingml/2006/main" meth="cycle" id="10">
   <a:schemeClr val="accent1"/>
   <a:schemeClr val="accent2"/>
@@ -6414,543 +5461,6 @@
 </cs:chartStyle>
 </file>
 
-<file path=ppt/charts/style7.xml><?xml version="1.0" encoding="utf-8"?>
-<cs:chartStyle xmlns:cs="http://schemas.microsoft.com/office/drawing/2012/chartStyle" xmlns:a="http://schemas.openxmlformats.org/drawingml/2006/main" id="227">
-  <cs:axisTitle>
-    <cs:lnRef idx="0"/>
-    <cs:fillRef idx="0"/>
-    <cs:effectRef idx="0"/>
-    <cs:fontRef idx="minor">
-      <a:schemeClr val="tx1">
-        <a:lumMod val="65000"/>
-        <a:lumOff val="35000"/>
-      </a:schemeClr>
-    </cs:fontRef>
-    <cs:defRPr sz="1000" kern="1200"/>
-  </cs:axisTitle>
-  <cs:categoryAxis>
-    <cs:lnRef idx="0"/>
-    <cs:fillRef idx="0"/>
-    <cs:effectRef idx="0"/>
-    <cs:fontRef idx="minor">
-      <a:schemeClr val="tx1">
-        <a:lumMod val="65000"/>
-        <a:lumOff val="35000"/>
-      </a:schemeClr>
-    </cs:fontRef>
-    <cs:spPr>
-      <a:ln w="9525" cap="flat" cmpd="sng" algn="ctr">
-        <a:solidFill>
-          <a:schemeClr val="tx1">
-            <a:lumMod val="15000"/>
-            <a:lumOff val="85000"/>
-          </a:schemeClr>
-        </a:solidFill>
-        <a:round/>
-      </a:ln>
-    </cs:spPr>
-    <cs:defRPr sz="900" kern="1200"/>
-  </cs:categoryAxis>
-  <cs:chartArea mods="allowNoFillOverride allowNoLineOverride">
-    <cs:lnRef idx="0"/>
-    <cs:fillRef idx="0"/>
-    <cs:effectRef idx="0"/>
-    <cs:fontRef idx="minor">
-      <a:schemeClr val="tx1"/>
-    </cs:fontRef>
-    <cs:spPr>
-      <a:solidFill>
-        <a:schemeClr val="bg1"/>
-      </a:solidFill>
-      <a:ln w="9525" cap="flat" cmpd="sng" algn="ctr">
-        <a:solidFill>
-          <a:schemeClr val="tx1">
-            <a:lumMod val="15000"/>
-            <a:lumOff val="85000"/>
-          </a:schemeClr>
-        </a:solidFill>
-        <a:round/>
-      </a:ln>
-    </cs:spPr>
-    <cs:defRPr sz="1000" kern="1200"/>
-  </cs:chartArea>
-  <cs:dataLabel>
-    <cs:lnRef idx="0"/>
-    <cs:fillRef idx="0"/>
-    <cs:effectRef idx="0"/>
-    <cs:fontRef idx="minor">
-      <a:schemeClr val="tx1">
-        <a:lumMod val="75000"/>
-        <a:lumOff val="25000"/>
-      </a:schemeClr>
-    </cs:fontRef>
-    <cs:defRPr sz="900" kern="1200"/>
-  </cs:dataLabel>
-  <cs:dataLabelCallout>
-    <cs:lnRef idx="0"/>
-    <cs:fillRef idx="0"/>
-    <cs:effectRef idx="0"/>
-    <cs:fontRef idx="minor">
-      <a:schemeClr val="dk1">
-        <a:lumMod val="65000"/>
-        <a:lumOff val="35000"/>
-      </a:schemeClr>
-    </cs:fontRef>
-    <cs:spPr>
-      <a:solidFill>
-        <a:schemeClr val="lt1"/>
-      </a:solidFill>
-      <a:ln>
-        <a:solidFill>
-          <a:schemeClr val="dk1">
-            <a:lumMod val="25000"/>
-            <a:lumOff val="75000"/>
-          </a:schemeClr>
-        </a:solidFill>
-      </a:ln>
-    </cs:spPr>
-    <cs:defRPr sz="900" kern="1200"/>
-    <cs:bodyPr rot="0" spcFirstLastPara="1" vertOverflow="clip" horzOverflow="clip" vert="horz" wrap="square" lIns="36576" tIns="18288" rIns="36576" bIns="18288" anchor="ctr" anchorCtr="1">
-      <a:spAutoFit/>
-    </cs:bodyPr>
-  </cs:dataLabelCallout>
-  <cs:dataPoint>
-    <cs:lnRef idx="0"/>
-    <cs:fillRef idx="1">
-      <cs:styleClr val="auto"/>
-    </cs:fillRef>
-    <cs:effectRef idx="0"/>
-    <cs:fontRef idx="minor">
-      <a:schemeClr val="tx1"/>
-    </cs:fontRef>
-    <cs:spPr>
-      <a:solidFill>
-        <a:schemeClr val="phClr"/>
-      </a:solidFill>
-    </cs:spPr>
-  </cs:dataPoint>
-  <cs:dataPoint3D>
-    <cs:lnRef idx="0"/>
-    <cs:fillRef idx="1">
-      <cs:styleClr val="auto"/>
-    </cs:fillRef>
-    <cs:effectRef idx="0"/>
-    <cs:fontRef idx="minor">
-      <a:schemeClr val="tx1"/>
-    </cs:fontRef>
-    <cs:spPr>
-      <a:solidFill>
-        <a:schemeClr val="phClr"/>
-      </a:solidFill>
-    </cs:spPr>
-  </cs:dataPoint3D>
-  <cs:dataPointLine>
-    <cs:lnRef idx="0">
-      <cs:styleClr val="auto"/>
-    </cs:lnRef>
-    <cs:fillRef idx="1"/>
-    <cs:effectRef idx="0"/>
-    <cs:fontRef idx="minor">
-      <a:schemeClr val="tx1"/>
-    </cs:fontRef>
-    <cs:spPr>
-      <a:ln w="28575" cap="rnd">
-        <a:solidFill>
-          <a:schemeClr val="phClr"/>
-        </a:solidFill>
-        <a:round/>
-      </a:ln>
-    </cs:spPr>
-  </cs:dataPointLine>
-  <cs:dataPointMarker>
-    <cs:lnRef idx="0">
-      <cs:styleClr val="auto"/>
-    </cs:lnRef>
-    <cs:fillRef idx="1">
-      <cs:styleClr val="auto"/>
-    </cs:fillRef>
-    <cs:effectRef idx="0"/>
-    <cs:fontRef idx="minor">
-      <a:schemeClr val="tx1"/>
-    </cs:fontRef>
-    <cs:spPr>
-      <a:solidFill>
-        <a:schemeClr val="phClr"/>
-      </a:solidFill>
-      <a:ln w="9525">
-        <a:solidFill>
-          <a:schemeClr val="phClr"/>
-        </a:solidFill>
-      </a:ln>
-    </cs:spPr>
-  </cs:dataPointMarker>
-  <cs:dataPointMarkerLayout symbol="circle" size="5"/>
-  <cs:dataPointWireframe>
-    <cs:lnRef idx="0">
-      <cs:styleClr val="auto"/>
-    </cs:lnRef>
-    <cs:fillRef idx="1"/>
-    <cs:effectRef idx="0"/>
-    <cs:fontRef idx="minor">
-      <a:schemeClr val="tx1"/>
-    </cs:fontRef>
-    <cs:spPr>
-      <a:ln w="9525" cap="rnd">
-        <a:solidFill>
-          <a:schemeClr val="phClr"/>
-        </a:solidFill>
-        <a:round/>
-      </a:ln>
-    </cs:spPr>
-  </cs:dataPointWireframe>
-  <cs:dataTable>
-    <cs:lnRef idx="0"/>
-    <cs:fillRef idx="0"/>
-    <cs:effectRef idx="0"/>
-    <cs:fontRef idx="minor">
-      <a:schemeClr val="tx1">
-        <a:lumMod val="65000"/>
-        <a:lumOff val="35000"/>
-      </a:schemeClr>
-    </cs:fontRef>
-    <cs:spPr>
-      <a:noFill/>
-      <a:ln w="9525" cap="flat" cmpd="sng" algn="ctr">
-        <a:solidFill>
-          <a:schemeClr val="tx1">
-            <a:lumMod val="15000"/>
-            <a:lumOff val="85000"/>
-          </a:schemeClr>
-        </a:solidFill>
-        <a:round/>
-      </a:ln>
-    </cs:spPr>
-    <cs:defRPr sz="900" kern="1200"/>
-  </cs:dataTable>
-  <cs:downBar>
-    <cs:lnRef idx="0"/>
-    <cs:fillRef idx="0"/>
-    <cs:effectRef idx="0"/>
-    <cs:fontRef idx="minor">
-      <a:schemeClr val="dk1"/>
-    </cs:fontRef>
-    <cs:spPr>
-      <a:solidFill>
-        <a:schemeClr val="dk1">
-          <a:lumMod val="65000"/>
-          <a:lumOff val="35000"/>
-        </a:schemeClr>
-      </a:solidFill>
-      <a:ln w="9525">
-        <a:solidFill>
-          <a:schemeClr val="tx1">
-            <a:lumMod val="65000"/>
-            <a:lumOff val="35000"/>
-          </a:schemeClr>
-        </a:solidFill>
-      </a:ln>
-    </cs:spPr>
-  </cs:downBar>
-  <cs:dropLine>
-    <cs:lnRef idx="0"/>
-    <cs:fillRef idx="0"/>
-    <cs:effectRef idx="0"/>
-    <cs:fontRef idx="minor">
-      <a:schemeClr val="tx1"/>
-    </cs:fontRef>
-    <cs:spPr>
-      <a:ln w="9525" cap="flat" cmpd="sng" algn="ctr">
-        <a:solidFill>
-          <a:schemeClr val="tx1">
-            <a:lumMod val="35000"/>
-            <a:lumOff val="65000"/>
-          </a:schemeClr>
-        </a:solidFill>
-        <a:round/>
-      </a:ln>
-    </cs:spPr>
-  </cs:dropLine>
-  <cs:errorBar>
-    <cs:lnRef idx="0"/>
-    <cs:fillRef idx="0"/>
-    <cs:effectRef idx="0"/>
-    <cs:fontRef idx="minor">
-      <a:schemeClr val="tx1"/>
-    </cs:fontRef>
-    <cs:spPr>
-      <a:ln w="9525" cap="flat" cmpd="sng" algn="ctr">
-        <a:solidFill>
-          <a:schemeClr val="tx1">
-            <a:lumMod val="65000"/>
-            <a:lumOff val="35000"/>
-          </a:schemeClr>
-        </a:solidFill>
-        <a:round/>
-      </a:ln>
-    </cs:spPr>
-  </cs:errorBar>
-  <cs:floor>
-    <cs:lnRef idx="0"/>
-    <cs:fillRef idx="0"/>
-    <cs:effectRef idx="0"/>
-    <cs:fontRef idx="minor">
-      <a:schemeClr val="tx1"/>
-    </cs:fontRef>
-    <cs:spPr>
-      <a:noFill/>
-      <a:ln>
-        <a:noFill/>
-      </a:ln>
-    </cs:spPr>
-  </cs:floor>
-  <cs:gridlineMajor>
-    <cs:lnRef idx="0"/>
-    <cs:fillRef idx="0"/>
-    <cs:effectRef idx="0"/>
-    <cs:fontRef idx="minor">
-      <a:schemeClr val="tx1"/>
-    </cs:fontRef>
-    <cs:spPr>
-      <a:ln w="9525" cap="flat" cmpd="sng" algn="ctr">
-        <a:solidFill>
-          <a:schemeClr val="tx1">
-            <a:lumMod val="15000"/>
-            <a:lumOff val="85000"/>
-          </a:schemeClr>
-        </a:solidFill>
-        <a:round/>
-      </a:ln>
-    </cs:spPr>
-  </cs:gridlineMajor>
-  <cs:gridlineMinor>
-    <cs:lnRef idx="0"/>
-    <cs:fillRef idx="0"/>
-    <cs:effectRef idx="0"/>
-    <cs:fontRef idx="minor">
-      <a:schemeClr val="tx1"/>
-    </cs:fontRef>
-    <cs:spPr>
-      <a:ln w="9525" cap="flat" cmpd="sng" algn="ctr">
-        <a:solidFill>
-          <a:schemeClr val="tx1">
-            <a:lumMod val="5000"/>
-            <a:lumOff val="95000"/>
-          </a:schemeClr>
-        </a:solidFill>
-        <a:round/>
-      </a:ln>
-    </cs:spPr>
-  </cs:gridlineMinor>
-  <cs:hiLoLine>
-    <cs:lnRef idx="0"/>
-    <cs:fillRef idx="0"/>
-    <cs:effectRef idx="0"/>
-    <cs:fontRef idx="minor">
-      <a:schemeClr val="tx1"/>
-    </cs:fontRef>
-    <cs:spPr>
-      <a:ln w="9525" cap="flat" cmpd="sng" algn="ctr">
-        <a:solidFill>
-          <a:schemeClr val="tx1">
-            <a:lumMod val="75000"/>
-            <a:lumOff val="25000"/>
-          </a:schemeClr>
-        </a:solidFill>
-        <a:round/>
-      </a:ln>
-    </cs:spPr>
-  </cs:hiLoLine>
-  <cs:leaderLine>
-    <cs:lnRef idx="0"/>
-    <cs:fillRef idx="0"/>
-    <cs:effectRef idx="0"/>
-    <cs:fontRef idx="minor">
-      <a:schemeClr val="tx1"/>
-    </cs:fontRef>
-    <cs:spPr>
-      <a:ln w="9525" cap="flat" cmpd="sng" algn="ctr">
-        <a:solidFill>
-          <a:schemeClr val="tx1">
-            <a:lumMod val="35000"/>
-            <a:lumOff val="65000"/>
-          </a:schemeClr>
-        </a:solidFill>
-        <a:round/>
-      </a:ln>
-    </cs:spPr>
-  </cs:leaderLine>
-  <cs:legend>
-    <cs:lnRef idx="0"/>
-    <cs:fillRef idx="0"/>
-    <cs:effectRef idx="0"/>
-    <cs:fontRef idx="minor">
-      <a:schemeClr val="tx1">
-        <a:lumMod val="65000"/>
-        <a:lumOff val="35000"/>
-      </a:schemeClr>
-    </cs:fontRef>
-    <cs:defRPr sz="900" kern="1200"/>
-  </cs:legend>
-  <cs:plotArea mods="allowNoFillOverride allowNoLineOverride">
-    <cs:lnRef idx="0"/>
-    <cs:fillRef idx="0"/>
-    <cs:effectRef idx="0"/>
-    <cs:fontRef idx="minor">
-      <a:schemeClr val="tx1"/>
-    </cs:fontRef>
-  </cs:plotArea>
-  <cs:plotArea3D mods="allowNoFillOverride allowNoLineOverride">
-    <cs:lnRef idx="0"/>
-    <cs:fillRef idx="0"/>
-    <cs:effectRef idx="0"/>
-    <cs:fontRef idx="minor">
-      <a:schemeClr val="tx1"/>
-    </cs:fontRef>
-  </cs:plotArea3D>
-  <cs:seriesAxis>
-    <cs:lnRef idx="0"/>
-    <cs:fillRef idx="0"/>
-    <cs:effectRef idx="0"/>
-    <cs:fontRef idx="minor">
-      <a:schemeClr val="tx1">
-        <a:lumMod val="65000"/>
-        <a:lumOff val="35000"/>
-      </a:schemeClr>
-    </cs:fontRef>
-    <cs:defRPr sz="900" kern="1200"/>
-  </cs:seriesAxis>
-  <cs:seriesLine>
-    <cs:lnRef idx="0"/>
-    <cs:fillRef idx="0"/>
-    <cs:effectRef idx="0"/>
-    <cs:fontRef idx="minor">
-      <a:schemeClr val="tx1"/>
-    </cs:fontRef>
-    <cs:spPr>
-      <a:ln w="9525" cap="flat" cmpd="sng" algn="ctr">
-        <a:solidFill>
-          <a:schemeClr val="tx1">
-            <a:lumMod val="35000"/>
-            <a:lumOff val="65000"/>
-          </a:schemeClr>
-        </a:solidFill>
-        <a:round/>
-      </a:ln>
-    </cs:spPr>
-  </cs:seriesLine>
-  <cs:title>
-    <cs:lnRef idx="0"/>
-    <cs:fillRef idx="0"/>
-    <cs:effectRef idx="0"/>
-    <cs:fontRef idx="minor">
-      <a:schemeClr val="tx1">
-        <a:lumMod val="65000"/>
-        <a:lumOff val="35000"/>
-      </a:schemeClr>
-    </cs:fontRef>
-    <cs:defRPr sz="1400" b="0" kern="1200" spc="0" baseline="0"/>
-  </cs:title>
-  <cs:trendline>
-    <cs:lnRef idx="0">
-      <cs:styleClr val="auto"/>
-    </cs:lnRef>
-    <cs:fillRef idx="0"/>
-    <cs:effectRef idx="0"/>
-    <cs:fontRef idx="minor">
-      <a:schemeClr val="tx1"/>
-    </cs:fontRef>
-    <cs:spPr>
-      <a:ln w="19050" cap="rnd">
-        <a:solidFill>
-          <a:schemeClr val="phClr"/>
-        </a:solidFill>
-        <a:prstDash val="sysDot"/>
-      </a:ln>
-    </cs:spPr>
-  </cs:trendline>
-  <cs:trendlineLabel>
-    <cs:lnRef idx="0"/>
-    <cs:fillRef idx="0"/>
-    <cs:effectRef idx="0"/>
-    <cs:fontRef idx="minor">
-      <a:schemeClr val="tx1">
-        <a:lumMod val="65000"/>
-        <a:lumOff val="35000"/>
-      </a:schemeClr>
-    </cs:fontRef>
-    <cs:defRPr sz="900" kern="1200"/>
-  </cs:trendlineLabel>
-  <cs:upBar>
-    <cs:lnRef idx="0"/>
-    <cs:fillRef idx="0"/>
-    <cs:effectRef idx="0"/>
-    <cs:fontRef idx="minor">
-      <a:schemeClr val="dk1"/>
-    </cs:fontRef>
-    <cs:spPr>
-      <a:solidFill>
-        <a:schemeClr val="lt1"/>
-      </a:solidFill>
-      <a:ln w="9525">
-        <a:solidFill>
-          <a:schemeClr val="tx1">
-            <a:lumMod val="15000"/>
-            <a:lumOff val="85000"/>
-          </a:schemeClr>
-        </a:solidFill>
-      </a:ln>
-    </cs:spPr>
-  </cs:upBar>
-  <cs:valueAxis>
-    <cs:lnRef idx="0"/>
-    <cs:fillRef idx="0"/>
-    <cs:effectRef idx="0"/>
-    <cs:fontRef idx="minor">
-      <a:schemeClr val="tx1">
-        <a:lumMod val="65000"/>
-        <a:lumOff val="35000"/>
-      </a:schemeClr>
-    </cs:fontRef>
-    <cs:defRPr sz="900" kern="1200"/>
-  </cs:valueAxis>
-  <cs:wall>
-    <cs:lnRef idx="0"/>
-    <cs:fillRef idx="0"/>
-    <cs:effectRef idx="0"/>
-    <cs:fontRef idx="minor">
-      <a:schemeClr val="tx1"/>
-    </cs:fontRef>
-    <cs:spPr>
-      <a:noFill/>
-      <a:ln>
-        <a:noFill/>
-      </a:ln>
-    </cs:spPr>
-  </cs:wall>
-</cs:chartStyle>
-</file>
-
-<file path=ppt/comments/modernComment_123_7BA579A4.xml><?xml version="1.0" encoding="utf-8"?>
-<p188:cmLst xmlns:a="http://schemas.openxmlformats.org/drawingml/2006/main" xmlns:r="http://schemas.openxmlformats.org/officeDocument/2006/relationships" xmlns:p188="http://schemas.microsoft.com/office/powerpoint/2018/8/main">
-  <p188:cm id="{EB619638-006F-4ECA-BA4B-F78590ED174E}" authorId="{00000000-0000-0000-0000-000000000000}" created="2022-12-22T13:35:15.667">
-    <pc:sldMkLst xmlns:pc="http://schemas.microsoft.com/office/powerpoint/2013/main/command">
-      <pc:docMk/>
-      <pc:sldMk cId="2074442148" sldId="291"/>
-    </pc:sldMkLst>
-    <p188:txBody>
-      <a:bodyPr/>
-      <a:lstStyle/>
-      <a:p>
-        <a:r>
-          <a:rPr lang="en-US"/>
-          <a:t>Slide kan weg gelaten worden indien meer tijd nodig is voor code uitleg</a:t>
-        </a:r>
-      </a:p>
-    </p188:txBody>
-  </p188:cm>
-</p188:cmLst>
-</file>
-
 <file path=ppt/handoutMasters/handoutMaster1.xml><?xml version="1.0" encoding="utf-8"?>
 <p:handoutMaster xmlns:a="http://schemas.openxmlformats.org/drawingml/2006/main" xmlns:r="http://schemas.openxmlformats.org/officeDocument/2006/relationships" xmlns:p="http://schemas.openxmlformats.org/presentationml/2006/main">
   <p:cSld>
@@ -7033,7 +5543,7 @@
           <a:p>
             <a:fld id="{8F591CCF-F6FD-734B-854A-5BC033593B1E}" type="datetimeFigureOut">
               <a:rPr lang="nl-NL" smtClean="0"/>
-              <a:t>10-1-2023</a:t>
+              <a:t>30-1-2023</a:t>
             </a:fld>
             <a:endParaRPr lang="nl-NL"/>
           </a:p>
@@ -7198,7 +5708,7 @@
           <a:p>
             <a:fld id="{23C66214-DB21-4647-B5DA-0D17CA592867}" type="datetimeFigureOut">
               <a:rPr lang="nl-NL" smtClean="0"/>
-              <a:t>10-1-2023</a:t>
+              <a:t>30-1-2023</a:t>
             </a:fld>
             <a:endParaRPr lang="nl-NL"/>
           </a:p>
@@ -8729,23 +7239,23 @@
           <a:p>
             <a:r>
               <a:rPr lang="nl-BE" dirty="0"/>
-              <a:t>Een laatste voorbeeld is het volgende (bug 149, </a:t>
+              <a:t>Een tweede voorbeeld is het volgende (bug 162, </a:t>
             </a:r>
             <a:r>
               <a:rPr lang="nl-BE" dirty="0" err="1"/>
-              <a:t>solver</a:t>
+              <a:t>Solver</a:t>
             </a:r>
             <a:r>
               <a:rPr lang="nl-BE" dirty="0"/>
-              <a:t> interface, crash, CTROM, </a:t>
+              <a:t> interface, crash, </a:t>
             </a:r>
             <a:r>
               <a:rPr lang="nl-BE" dirty="0" err="1"/>
-              <a:t>diff</a:t>
+              <a:t>all</a:t>
             </a:r>
             <a:r>
               <a:rPr lang="nl-BE" dirty="0"/>
-              <a:t>, gurobi)</a:t>
+              <a:t> MiniZinc, Meta)</a:t>
             </a:r>
           </a:p>
           <a:p>
@@ -8755,47 +7265,38 @@
             <a:endParaRPr lang="nl-BE" dirty="0"/>
           </a:p>
           <a:p>
+            <a:r>
+              <a:rPr lang="nl-BE" dirty="0"/>
+              <a:t>Rechts input voor MiniZinc die het probleem dan verder behandeld en ons een oplossing zou geven </a:t>
+            </a:r>
+          </a:p>
+          <a:p>
+            <a:r>
+              <a:rPr lang="nl-BE" dirty="0"/>
+              <a:t>Rechtsonder zien we de code zoals CPMpy het ziet</a:t>
+            </a:r>
+          </a:p>
+          <a:p>
             <a:endParaRPr lang="nl-BE" dirty="0"/>
           </a:p>
           <a:p>
-            <a:endParaRPr lang="nl-BE" dirty="0"/>
-          </a:p>
-          <a:p>
             <a:r>
               <a:rPr lang="nl-BE" dirty="0"/>
-              <a:t>Dit was de enigste </a:t>
+              <a:t>Deze komt doordat we in onze eigen techniek 2 (de </a:t>
             </a:r>
             <a:r>
               <a:rPr lang="nl-BE" dirty="0" err="1"/>
-              <a:t>solver</a:t>
+              <a:t>metamprphische</a:t>
             </a:r>
             <a:r>
               <a:rPr lang="nl-BE" dirty="0"/>
-              <a:t> die in hun specificaties schreef dat voor de basis van een exponent de </a:t>
-            </a:r>
-            <a:r>
-              <a:rPr lang="nl-BE" dirty="0" err="1"/>
-              <a:t>lower</a:t>
-            </a:r>
+              <a:t> tester) zelf een programmeer fout hadden gemaakt waardoor er een ‘+’ in geslopen in onze wijzigingen was geslopen </a:t>
+            </a:r>
+          </a:p>
+          <a:p>
             <a:r>
               <a:rPr lang="nl-BE" dirty="0"/>
-              <a:t> </a:t>
-            </a:r>
-            <a:r>
-              <a:rPr lang="nl-BE" dirty="0" err="1"/>
-              <a:t>bounds</a:t>
-            </a:r>
-            <a:r>
-              <a:rPr lang="nl-BE" dirty="0"/>
-              <a:t>, dus de laagste waarde, niet negatief mocht zijn. Wat dus wel mocht voor andere </a:t>
-            </a:r>
-            <a:r>
-              <a:rPr lang="nl-BE" dirty="0" err="1"/>
-              <a:t>solvers</a:t>
-            </a:r>
-            <a:r>
-              <a:rPr lang="nl-BE" dirty="0"/>
-              <a:t> </a:t>
+              <a:t>Hier kunnen we zeggen dat onze eigen bug een bug heeft kunnen vinden in CPMpy</a:t>
             </a:r>
           </a:p>
         </p:txBody>
@@ -8826,7 +7327,7 @@
     </p:spTree>
     <p:extLst>
       <p:ext uri="{BB962C8B-B14F-4D97-AF65-F5344CB8AC3E}">
-        <p14:creationId xmlns:p14="http://schemas.microsoft.com/office/powerpoint/2010/main" val="2076481783"/>
+        <p14:creationId xmlns:p14="http://schemas.microsoft.com/office/powerpoint/2010/main" val="3432075295"/>
       </p:ext>
     </p:extLst>
   </p:cSld>
@@ -8881,21 +7382,54 @@
           <a:lstStyle/>
           <a:p>
             <a:r>
+              <a:rPr lang="nl-BE" dirty="0"/>
+              <a:t>Een laatste voorbeeld is het volgende (bug 149, </a:t>
+            </a:r>
+            <a:r>
               <a:rPr lang="nl-BE" dirty="0" err="1"/>
-              <a:t>Orgineel</a:t>
+              <a:t>solver</a:t>
             </a:r>
             <a:r>
               <a:rPr lang="nl-BE" dirty="0"/>
-              <a:t> hadden we 23 issues voor mogelijke bugs aangemaakt op CPMpy hiervan zijn er 19 van overgebleven</a:t>
+              <a:t> interface, crash, CTROM, </a:t>
+            </a:r>
+            <a:r>
+              <a:rPr lang="nl-BE" dirty="0" err="1"/>
+              <a:t>diff</a:t>
+            </a:r>
+            <a:r>
+              <a:rPr lang="nl-BE" dirty="0"/>
+              <a:t>, gurobi)</a:t>
             </a:r>
           </a:p>
           <a:p>
             <a:endParaRPr lang="nl-BE" dirty="0"/>
           </a:p>
           <a:p>
+            <a:endParaRPr lang="nl-BE" dirty="0"/>
+          </a:p>
+          <a:p>
+            <a:endParaRPr lang="nl-BE" dirty="0"/>
+          </a:p>
+          <a:p>
+            <a:endParaRPr lang="nl-BE" dirty="0"/>
+          </a:p>
+          <a:p>
+            <a:r>
+              <a:rPr lang="nl-BE" dirty="0"/>
+              <a:t>Dit was de enigste </a:t>
+            </a:r>
             <a:r>
               <a:rPr lang="nl-BE" dirty="0" err="1"/>
-              <a:t>Solver</a:t>
+              <a:t>solver</a:t>
+            </a:r>
+            <a:r>
+              <a:rPr lang="nl-BE" dirty="0"/>
+              <a:t> die in hun specificaties schreef dat voor de basis van een exponent de </a:t>
+            </a:r>
+            <a:r>
+              <a:rPr lang="nl-BE" dirty="0" err="1"/>
+              <a:t>lower</a:t>
             </a:r>
             <a:r>
               <a:rPr lang="nl-BE" dirty="0"/>
@@ -8903,88 +7437,20 @@
             </a:r>
             <a:r>
               <a:rPr lang="nl-BE" dirty="0" err="1"/>
-              <a:t>known</a:t>
+              <a:t>bounds</a:t>
             </a:r>
             <a:r>
               <a:rPr lang="nl-BE" dirty="0"/>
-              <a:t> MiniZinc installatie error on Windows</a:t>
-            </a:r>
-          </a:p>
-          <a:p>
-            <a:endParaRPr lang="nl-BE" dirty="0"/>
-          </a:p>
-          <a:p>
-            <a:endParaRPr lang="nl-BE" dirty="0"/>
-          </a:p>
-          <a:p>
+              <a:t>, dus de laagste waarde, niet negatief mocht zijn. Wat dus wel mocht voor andere </a:t>
+            </a:r>
             <a:r>
               <a:rPr lang="nl-BE" dirty="0" err="1"/>
-              <a:t>Pysat</a:t>
-            </a:r>
-            <a:r>
-              <a:rPr lang="nl-BE" dirty="0"/>
-              <a:t> minder bugs = meeste voorbeelden zijn CP problemen (globale </a:t>
-            </a:r>
-            <a:r>
-              <a:rPr lang="nl-BE" dirty="0" err="1"/>
-              <a:t>constraints</a:t>
-            </a:r>
-            <a:r>
-              <a:rPr lang="nl-BE" dirty="0"/>
-              <a:t>) en nog niet alles is geïmplementeerd hiervoor, waardoor onze technieken nog niet vaak stopte door </a:t>
-            </a:r>
-            <a:r>
-              <a:rPr lang="nl-BE" dirty="0" err="1"/>
-              <a:t>not</a:t>
+              <a:t>solvers</a:t>
             </a:r>
             <a:r>
               <a:rPr lang="nl-BE" dirty="0"/>
               <a:t> </a:t>
             </a:r>
-            <a:r>
-              <a:rPr lang="nl-BE" dirty="0" err="1"/>
-              <a:t>implemented</a:t>
-            </a:r>
-            <a:r>
-              <a:rPr lang="nl-BE" dirty="0"/>
-              <a:t> </a:t>
-            </a:r>
-            <a:r>
-              <a:rPr lang="nl-BE" dirty="0" err="1"/>
-              <a:t>errors</a:t>
-            </a:r>
-            <a:endParaRPr lang="nl-BE" dirty="0"/>
-          </a:p>
-          <a:p>
-            <a:endParaRPr lang="nl-BE" dirty="0"/>
-          </a:p>
-          <a:p>
-            <a:r>
-              <a:rPr lang="nl-BE" dirty="0"/>
-              <a:t>Bugs gevonden in </a:t>
-            </a:r>
-            <a:r>
-              <a:rPr lang="nl-BE" dirty="0" err="1"/>
-              <a:t>OR-Tools</a:t>
-            </a:r>
-            <a:r>
-              <a:rPr lang="nl-BE" dirty="0"/>
-              <a:t> komen ook voor in Gurobi, omdat de transformaties in CPMpy vaak overlappende code hadden (</a:t>
-            </a:r>
-            <a:r>
-              <a:rPr lang="nl-BE" dirty="0" err="1"/>
-              <a:t>normalizatie</a:t>
-            </a:r>
-            <a:r>
-              <a:rPr lang="nl-BE" dirty="0"/>
-              <a:t>-code)</a:t>
-            </a:r>
-          </a:p>
-          <a:p>
-            <a:endParaRPr lang="nl-BE" dirty="0"/>
-          </a:p>
-          <a:p>
-            <a:endParaRPr lang="nl-BE" dirty="0"/>
           </a:p>
         </p:txBody>
       </p:sp>
@@ -9014,7 +7480,7 @@
     </p:spTree>
     <p:extLst>
       <p:ext uri="{BB962C8B-B14F-4D97-AF65-F5344CB8AC3E}">
-        <p14:creationId xmlns:p14="http://schemas.microsoft.com/office/powerpoint/2010/main" val="3430902612"/>
+        <p14:creationId xmlns:p14="http://schemas.microsoft.com/office/powerpoint/2010/main" val="2076481783"/>
       </p:ext>
     </p:extLst>
   </p:cSld>
@@ -9069,15 +7535,110 @@
           <a:lstStyle/>
           <a:p>
             <a:r>
+              <a:rPr lang="nl-BE" dirty="0" err="1"/>
+              <a:t>Orgineel</a:t>
+            </a:r>
+            <a:r>
               <a:rPr lang="nl-BE" dirty="0"/>
-              <a:t>Voor zij die een beetje overrompeld werden door de vorige slide, mijn excuses</a:t>
-            </a:r>
-          </a:p>
-          <a:p>
+              <a:t> hadden we 23 issues voor mogelijke bugs aangemaakt op CPMpy hiervan zijn er 19 van overgebleven</a:t>
+            </a:r>
+          </a:p>
+          <a:p>
+            <a:endParaRPr lang="nl-BE" dirty="0"/>
+          </a:p>
+          <a:p>
+            <a:r>
+              <a:rPr lang="nl-BE" dirty="0" err="1"/>
+              <a:t>Solver</a:t>
+            </a:r>
             <a:r>
               <a:rPr lang="nl-BE" dirty="0"/>
-              <a:t>Ik heb hier nog enkele meer overzichtelijke grafieken die dat hopelijk wat compenseren</a:t>
-            </a:r>
+              <a:t> </a:t>
+            </a:r>
+            <a:r>
+              <a:rPr lang="nl-BE" dirty="0" err="1"/>
+              <a:t>known</a:t>
+            </a:r>
+            <a:r>
+              <a:rPr lang="nl-BE" dirty="0"/>
+              <a:t> MiniZinc installatie error on Windows</a:t>
+            </a:r>
+          </a:p>
+          <a:p>
+            <a:endParaRPr lang="nl-BE" dirty="0"/>
+          </a:p>
+          <a:p>
+            <a:endParaRPr lang="nl-BE" dirty="0"/>
+          </a:p>
+          <a:p>
+            <a:r>
+              <a:rPr lang="nl-BE" dirty="0" err="1"/>
+              <a:t>Pysat</a:t>
+            </a:r>
+            <a:r>
+              <a:rPr lang="nl-BE" dirty="0"/>
+              <a:t> minder bugs = meeste voorbeelden zijn CP problemen (globale </a:t>
+            </a:r>
+            <a:r>
+              <a:rPr lang="nl-BE" dirty="0" err="1"/>
+              <a:t>constraints</a:t>
+            </a:r>
+            <a:r>
+              <a:rPr lang="nl-BE" dirty="0"/>
+              <a:t>) en nog niet alles is geïmplementeerd hiervoor, waardoor onze technieken nog niet vaak stopte door </a:t>
+            </a:r>
+            <a:r>
+              <a:rPr lang="nl-BE" dirty="0" err="1"/>
+              <a:t>not</a:t>
+            </a:r>
+            <a:r>
+              <a:rPr lang="nl-BE" dirty="0"/>
+              <a:t> </a:t>
+            </a:r>
+            <a:r>
+              <a:rPr lang="nl-BE" dirty="0" err="1"/>
+              <a:t>implemented</a:t>
+            </a:r>
+            <a:r>
+              <a:rPr lang="nl-BE" dirty="0"/>
+              <a:t> </a:t>
+            </a:r>
+            <a:r>
+              <a:rPr lang="nl-BE" dirty="0" err="1"/>
+              <a:t>errors</a:t>
+            </a:r>
+            <a:endParaRPr lang="nl-BE" dirty="0"/>
+          </a:p>
+          <a:p>
+            <a:endParaRPr lang="nl-BE" dirty="0"/>
+          </a:p>
+          <a:p>
+            <a:r>
+              <a:rPr lang="nl-BE" dirty="0"/>
+              <a:t>Bugs gevonden in </a:t>
+            </a:r>
+            <a:r>
+              <a:rPr lang="nl-BE" dirty="0" err="1"/>
+              <a:t>OR-Tools</a:t>
+            </a:r>
+            <a:r>
+              <a:rPr lang="nl-BE" dirty="0"/>
+              <a:t> komen ook voor in Gurobi, omdat de transformaties in CPMpy vaak overlappende code hadden (</a:t>
+            </a:r>
+            <a:r>
+              <a:rPr lang="nl-BE" dirty="0" err="1"/>
+              <a:t>normalizatie</a:t>
+            </a:r>
+            <a:r>
+              <a:rPr lang="nl-BE" dirty="0"/>
+              <a:t>-code)</a:t>
+            </a:r>
+          </a:p>
+          <a:p>
+            <a:endParaRPr lang="nl-BE" dirty="0"/>
+          </a:p>
+          <a:p>
+            <a:endParaRPr lang="nl-BE" dirty="0"/>
           </a:p>
         </p:txBody>
       </p:sp>
@@ -9107,7 +7668,7 @@
     </p:spTree>
     <p:extLst>
       <p:ext uri="{BB962C8B-B14F-4D97-AF65-F5344CB8AC3E}">
-        <p14:creationId xmlns:p14="http://schemas.microsoft.com/office/powerpoint/2010/main" val="726145375"/>
+        <p14:creationId xmlns:p14="http://schemas.microsoft.com/office/powerpoint/2010/main" val="512409480"/>
       </p:ext>
     </p:extLst>
   </p:cSld>
@@ -9237,6 +7798,12 @@
               <a:rPr lang="nl-BE" dirty="0"/>
               <a:t> en de door ons gebruikte CPMpy</a:t>
             </a:r>
+          </a:p>
+          <a:p>
+            <a:endParaRPr lang="nl-BE" dirty="0"/>
+          </a:p>
+          <a:p>
+            <a:endParaRPr lang="nl-BE" dirty="0"/>
           </a:p>
         </p:txBody>
       </p:sp>
@@ -9320,7 +7887,16 @@
           <a:bodyPr/>
           <a:lstStyle/>
           <a:p>
-            <a:endParaRPr lang="nl-BE" dirty="0"/>
+            <a:r>
+              <a:rPr lang="nl-BE" dirty="0"/>
+              <a:t>Voor zij die een beetje overrompeld werden door de vorige slide, mijn excuses</a:t>
+            </a:r>
+          </a:p>
+          <a:p>
+            <a:r>
+              <a:rPr lang="nl-BE" dirty="0"/>
+              <a:t>Ik heb hier nog enkele meer overzichtelijke grafieken die dat hopelijk wat compenseren</a:t>
+            </a:r>
           </a:p>
         </p:txBody>
       </p:sp>
@@ -9350,7 +7926,7 @@
     </p:spTree>
     <p:extLst>
       <p:ext uri="{BB962C8B-B14F-4D97-AF65-F5344CB8AC3E}">
-        <p14:creationId xmlns:p14="http://schemas.microsoft.com/office/powerpoint/2010/main" val="841274498"/>
+        <p14:creationId xmlns:p14="http://schemas.microsoft.com/office/powerpoint/2010/main" val="726145375"/>
       </p:ext>
     </p:extLst>
   </p:cSld>
@@ -9404,6 +7980,12 @@
           <a:bodyPr/>
           <a:lstStyle/>
           <a:p>
+            <a:r>
+              <a:rPr lang="nl-BE" dirty="0"/>
+              <a:t>442</a:t>
+            </a:r>
+          </a:p>
+          <a:p>
             <a:endParaRPr lang="nl-BE" dirty="0"/>
           </a:p>
         </p:txBody>
@@ -9434,7 +8016,7 @@
     </p:spTree>
     <p:extLst>
       <p:ext uri="{BB962C8B-B14F-4D97-AF65-F5344CB8AC3E}">
-        <p14:creationId xmlns:p14="http://schemas.microsoft.com/office/powerpoint/2010/main" val="820268770"/>
+        <p14:creationId xmlns:p14="http://schemas.microsoft.com/office/powerpoint/2010/main" val="841274498"/>
       </p:ext>
     </p:extLst>
   </p:cSld>
@@ -9488,75 +8070,7 @@
           <a:bodyPr/>
           <a:lstStyle/>
           <a:p>
-            <a:r>
-              <a:rPr lang="nl-BE" dirty="0"/>
-              <a:t>Dus wat hebben we vandaag allemaal geleerd </a:t>
-            </a:r>
-          </a:p>
-          <a:p>
-            <a:r>
-              <a:rPr lang="nl-BE" dirty="0"/>
-              <a:t>geen van de technieken is volledig automatisch door de vaak frequente gelijkaardige fouten</a:t>
-            </a:r>
-          </a:p>
-          <a:p>
-            <a:r>
-              <a:rPr lang="nl-BE" dirty="0"/>
-              <a:t>Metamorphic testen is niet automatisch door de definities van </a:t>
-            </a:r>
-            <a:r>
-              <a:rPr lang="nl-BE" dirty="0" err="1"/>
-              <a:t>metamorphische</a:t>
-            </a:r>
-            <a:r>
-              <a:rPr lang="nl-BE" dirty="0"/>
-              <a:t> relaties die nodig zijn en we nu nog niet kunnen maken want we weten niet hoe die in de toekomst er uit zullen zien</a:t>
-            </a:r>
-          </a:p>
-          <a:p>
             <a:endParaRPr lang="nl-BE" dirty="0"/>
-          </a:p>
-          <a:p>
-            <a:endParaRPr lang="nl-BE" dirty="0"/>
-          </a:p>
-          <a:p>
-            <a:endParaRPr lang="nl-BE" dirty="0"/>
-          </a:p>
-          <a:p>
-            <a:r>
-              <a:rPr lang="nl-BE" dirty="0"/>
-              <a:t>Geen van de technieken kun dus alle 19 bugs op zijn eigen vinden waardoor we besluiten en aanraden om een combinatie van technieken te gebruiken </a:t>
-            </a:r>
-          </a:p>
-          <a:p>
-            <a:r>
-              <a:rPr lang="nl-BE" dirty="0"/>
-              <a:t>Ook zijn onze technieken niet vol automatisch en meteen inzetbaar in </a:t>
-            </a:r>
-            <a:r>
-              <a:rPr lang="nl-BE" dirty="0" err="1"/>
-              <a:t>continuous</a:t>
-            </a:r>
-            <a:r>
-              <a:rPr lang="nl-BE" dirty="0"/>
-              <a:t> </a:t>
-            </a:r>
-            <a:r>
-              <a:rPr lang="nl-BE" dirty="0" err="1"/>
-              <a:t>intergration</a:t>
-            </a:r>
-            <a:r>
-              <a:rPr lang="nl-BE" dirty="0"/>
-              <a:t> </a:t>
-            </a:r>
-            <a:r>
-              <a:rPr lang="nl-BE" dirty="0" err="1"/>
-              <a:t>and</a:t>
-            </a:r>
-            <a:r>
-              <a:rPr lang="nl-BE" dirty="0"/>
-              <a:t> delivery, maar het is zeker mogelijk</a:t>
-            </a:r>
           </a:p>
         </p:txBody>
       </p:sp>
@@ -9586,7 +8100,7 @@
     </p:spTree>
     <p:extLst>
       <p:ext uri="{BB962C8B-B14F-4D97-AF65-F5344CB8AC3E}">
-        <p14:creationId xmlns:p14="http://schemas.microsoft.com/office/powerpoint/2010/main" val="3257750595"/>
+        <p14:creationId xmlns:p14="http://schemas.microsoft.com/office/powerpoint/2010/main" val="820268770"/>
       </p:ext>
     </p:extLst>
   </p:cSld>
@@ -9642,29 +8156,73 @@
           <a:p>
             <a:r>
               <a:rPr lang="nl-BE" dirty="0"/>
-              <a:t>Met deze thesis hebben we het volgende bijgedragen</a:t>
+              <a:t>Dus wat hebben we vandaag allemaal geleerd </a:t>
             </a:r>
           </a:p>
           <a:p>
             <a:r>
               <a:rPr lang="nl-BE" dirty="0"/>
-              <a:t>We hebben onderzocht hoe we kritieke bugs in CP kunnen vinden, dit via 3 manieren</a:t>
+              <a:t>geen van de technieken is volledig automatisch door de vaak frequente gelijkaardige fouten</a:t>
             </a:r>
           </a:p>
           <a:p>
             <a:r>
               <a:rPr lang="nl-BE" dirty="0"/>
-              <a:t>We hebben onderzocht welke manieren de meeste fouten vonden</a:t>
-            </a:r>
-          </a:p>
-          <a:p>
+              <a:t>Metamorphic testen is niet automatisch door de definities van </a:t>
+            </a:r>
+            <a:r>
+              <a:rPr lang="nl-BE" dirty="0" err="1"/>
+              <a:t>metamorphische</a:t>
+            </a:r>
             <a:r>
               <a:rPr lang="nl-BE" dirty="0"/>
-              <a:t>CPMpy verlost van enkele bugs</a:t>
+              <a:t> relaties die nodig zijn en we nu nog niet kunnen maken want we weten niet hoe die in de toekomst er uit zullen zien</a:t>
             </a:r>
           </a:p>
           <a:p>
             <a:endParaRPr lang="nl-BE" dirty="0"/>
+          </a:p>
+          <a:p>
+            <a:endParaRPr lang="nl-BE" dirty="0"/>
+          </a:p>
+          <a:p>
+            <a:endParaRPr lang="nl-BE" dirty="0"/>
+          </a:p>
+          <a:p>
+            <a:r>
+              <a:rPr lang="nl-BE" dirty="0"/>
+              <a:t>Geen van de technieken kun dus alle 19 bugs op zijn eigen vinden waardoor we besluiten en aanraden om een combinatie van technieken te gebruiken </a:t>
+            </a:r>
+          </a:p>
+          <a:p>
+            <a:r>
+              <a:rPr lang="nl-BE" dirty="0"/>
+              <a:t>Ook zijn onze technieken niet vol automatisch en meteen inzetbaar in </a:t>
+            </a:r>
+            <a:r>
+              <a:rPr lang="nl-BE" dirty="0" err="1"/>
+              <a:t>continuous</a:t>
+            </a:r>
+            <a:r>
+              <a:rPr lang="nl-BE" dirty="0"/>
+              <a:t> </a:t>
+            </a:r>
+            <a:r>
+              <a:rPr lang="nl-BE" dirty="0" err="1"/>
+              <a:t>intergration</a:t>
+            </a:r>
+            <a:r>
+              <a:rPr lang="nl-BE" dirty="0"/>
+              <a:t> </a:t>
+            </a:r>
+            <a:r>
+              <a:rPr lang="nl-BE" dirty="0" err="1"/>
+              <a:t>and</a:t>
+            </a:r>
+            <a:r>
+              <a:rPr lang="nl-BE" dirty="0"/>
+              <a:t> delivery, maar het is zeker mogelijk</a:t>
+            </a:r>
           </a:p>
         </p:txBody>
       </p:sp>
@@ -9694,7 +8252,7 @@
     </p:spTree>
     <p:extLst>
       <p:ext uri="{BB962C8B-B14F-4D97-AF65-F5344CB8AC3E}">
-        <p14:creationId xmlns:p14="http://schemas.microsoft.com/office/powerpoint/2010/main" val="2034200507"/>
+        <p14:creationId xmlns:p14="http://schemas.microsoft.com/office/powerpoint/2010/main" val="3257750595"/>
       </p:ext>
     </p:extLst>
   </p:cSld>
@@ -9750,87 +8308,25 @@
           <a:p>
             <a:r>
               <a:rPr lang="nl-BE" dirty="0"/>
-              <a:t>Dus wat hebben we vandaag allemaal geleerd </a:t>
+              <a:t>Met deze thesis hebben we het volgende bijgedragen</a:t>
             </a:r>
           </a:p>
           <a:p>
             <a:r>
               <a:rPr lang="nl-BE" dirty="0"/>
-              <a:t>geen van de technieken is volledig automatisch door de vaak frequente gelijkaardige fouten</a:t>
-            </a:r>
-          </a:p>
-          <a:p>
-            <a:endParaRPr lang="nl-BE" dirty="0"/>
+              <a:t>We hebben onderzocht hoe we kritieke bugs in CP kunnen vinden, dit via 3 manieren</a:t>
+            </a:r>
           </a:p>
           <a:p>
             <a:r>
               <a:rPr lang="nl-BE" dirty="0"/>
-              <a:t>Blijft nuttig om de testen uit te voeren</a:t>
-            </a:r>
-          </a:p>
-          <a:p>
-            <a:endParaRPr lang="nl-BE" dirty="0"/>
+              <a:t>We hebben onderzocht welke manieren de meeste fouten vonden</a:t>
+            </a:r>
           </a:p>
           <a:p>
             <a:r>
               <a:rPr lang="nl-BE" dirty="0"/>
-              <a:t>Configuratie ruimte laten testen CPMpy heeft directe toegang tot de </a:t>
-            </a:r>
-            <a:r>
-              <a:rPr lang="nl-BE" dirty="0" err="1"/>
-              <a:t>solvers</a:t>
-            </a:r>
-            <a:r>
-              <a:rPr lang="nl-BE" dirty="0"/>
-              <a:t> en kan ook </a:t>
-            </a:r>
-            <a:r>
-              <a:rPr lang="nl-BE" dirty="0" err="1"/>
-              <a:t>solverspecifieke</a:t>
-            </a:r>
-            <a:r>
-              <a:rPr lang="nl-BE" dirty="0"/>
-              <a:t> tips mee geven voor onder andere </a:t>
-            </a:r>
-            <a:r>
-              <a:rPr lang="nl-BE" dirty="0" err="1"/>
-              <a:t>efficientie</a:t>
-            </a:r>
-            <a:r>
-              <a:rPr lang="nl-BE" dirty="0"/>
-              <a:t>. Zoals </a:t>
-            </a:r>
-            <a:r>
-              <a:rPr lang="nl-BE" dirty="0" err="1"/>
-              <a:t>Peisens</a:t>
-            </a:r>
-            <a:r>
-              <a:rPr lang="nl-BE" dirty="0"/>
-              <a:t> en co doen zouden we ook deze ruimte kunnen testen bovenop de </a:t>
-            </a:r>
-            <a:r>
-              <a:rPr lang="nl-BE" dirty="0" err="1"/>
-              <a:t>inputs</a:t>
-            </a:r>
-            <a:r>
-              <a:rPr lang="nl-BE" dirty="0"/>
-              <a:t> die we al mee geven. Stel u voor dat er een bepaalde bug enkel voorkomt met een bepaald input en een configuratie die wel of niet aan </a:t>
-            </a:r>
-            <a:r>
-              <a:rPr lang="nl-BE" dirty="0" err="1"/>
-              <a:t>symmtrie</a:t>
-            </a:r>
-            <a:r>
-              <a:rPr lang="nl-BE" dirty="0"/>
-              <a:t> </a:t>
-            </a:r>
-            <a:r>
-              <a:rPr lang="nl-BE" dirty="0" err="1"/>
-              <a:t>breaking</a:t>
-            </a:r>
-            <a:r>
-              <a:rPr lang="nl-BE" dirty="0"/>
-              <a:t> doet</a:t>
+              <a:t>CPMpy verlost van enkele bugs</a:t>
             </a:r>
           </a:p>
           <a:p>
@@ -9864,7 +8360,7 @@
     </p:spTree>
     <p:extLst>
       <p:ext uri="{BB962C8B-B14F-4D97-AF65-F5344CB8AC3E}">
-        <p14:creationId xmlns:p14="http://schemas.microsoft.com/office/powerpoint/2010/main" val="1096661756"/>
+        <p14:creationId xmlns:p14="http://schemas.microsoft.com/office/powerpoint/2010/main" val="2034200507"/>
       </p:ext>
     </p:extLst>
   </p:cSld>
@@ -9920,61 +8416,63 @@
           <a:p>
             <a:r>
               <a:rPr lang="nl-BE" dirty="0"/>
-              <a:t>CP is veel expressiever bij voorbeeld een alldifferent schrijven in constraint </a:t>
+              <a:t>Dus wat hebben we vandaag allemaal geleerd </a:t>
+            </a:r>
+          </a:p>
+          <a:p>
+            <a:r>
+              <a:rPr lang="nl-BE" dirty="0"/>
+              <a:t>geen van de technieken is volledig automatisch door de vaak frequente gelijkaardige fouten</a:t>
+            </a:r>
+          </a:p>
+          <a:p>
+            <a:endParaRPr lang="nl-BE" dirty="0"/>
+          </a:p>
+          <a:p>
+            <a:r>
+              <a:rPr lang="nl-BE" dirty="0"/>
+              <a:t>Blijft nuttig om de testen uit te voeren</a:t>
+            </a:r>
+          </a:p>
+          <a:p>
+            <a:endParaRPr lang="nl-BE" dirty="0"/>
+          </a:p>
+          <a:p>
+            <a:r>
+              <a:rPr lang="nl-BE" dirty="0"/>
+              <a:t>Configuratie ruimte laten testen CPMpy heeft directe toegang tot de </a:t>
             </a:r>
             <a:r>
               <a:rPr lang="nl-BE" dirty="0" err="1"/>
-              <a:t>programming</a:t>
+              <a:t>solvers</a:t>
             </a:r>
             <a:r>
               <a:rPr lang="nl-BE" dirty="0"/>
-              <a:t> is veel makkelijker dan in SAT</a:t>
-            </a:r>
-          </a:p>
-          <a:p>
+              <a:t> en kan ook </a:t>
+            </a:r>
+            <a:r>
+              <a:rPr lang="nl-BE" dirty="0" err="1"/>
+              <a:t>solverspecifieke</a:t>
+            </a:r>
             <a:r>
               <a:rPr lang="nl-BE" dirty="0"/>
-              <a:t>En vaak bouwen </a:t>
+              <a:t> tips mee geven voor onder andere </a:t>
             </a:r>
             <a:r>
               <a:rPr lang="nl-BE" dirty="0" err="1"/>
-              <a:t>constraints</a:t>
+              <a:t>efficientie</a:t>
             </a:r>
             <a:r>
               <a:rPr lang="nl-BE" dirty="0"/>
-              <a:t> verder op elkaar waardoor er complexe samenstellingen gevormd worden en dat dan aan de </a:t>
+              <a:t>. Zoals </a:t>
             </a:r>
             <a:r>
               <a:rPr lang="nl-BE" dirty="0" err="1"/>
-              <a:t>solver</a:t>
+              <a:t>Peisens</a:t>
             </a:r>
             <a:r>
               <a:rPr lang="nl-BE" dirty="0"/>
-              <a:t> gegeven worden om op te lossen</a:t>
-            </a:r>
-          </a:p>
-          <a:p>
-            <a:r>
-              <a:rPr lang="nl-BE" dirty="0"/>
-              <a:t>Door deze complexe manier samenstellingen gemaakt worden kan het dus zeker zijn dat een bepaalde combinatie nog nooit getest is geweest dus met mogelijks bugs </a:t>
-            </a:r>
-          </a:p>
-          <a:p>
-            <a:endParaRPr lang="nl-BE" dirty="0"/>
-          </a:p>
-          <a:p>
-            <a:r>
-              <a:rPr lang="nl-BE" dirty="0"/>
-              <a:t>Dit willen wij onderzoeken via fuzzers, maar daar zijn een aantal problemen </a:t>
-            </a:r>
-          </a:p>
-          <a:p>
-            <a:endParaRPr lang="nl-BE" dirty="0"/>
-          </a:p>
-          <a:p>
-            <a:r>
-              <a:rPr lang="nl-BE" dirty="0"/>
-              <a:t>We zouden willekeurige </a:t>
+              <a:t> en co doen zouden we ook deze ruimte kunnen testen bovenop de </a:t>
             </a:r>
             <a:r>
               <a:rPr lang="nl-BE" dirty="0" err="1"/>
@@ -9982,105 +8480,24 @@
             </a:r>
             <a:r>
               <a:rPr lang="nl-BE" dirty="0"/>
-              <a:t> kunnen geven aan de </a:t>
+              <a:t> die we al mee geven. Stel u voor dat er een bepaalde bug enkel voorkomt met een bepaald input en een configuratie die wel of niet aan </a:t>
             </a:r>
             <a:r>
               <a:rPr lang="nl-BE" dirty="0" err="1"/>
-              <a:t>solvers</a:t>
+              <a:t>symmtrie</a:t>
             </a:r>
             <a:r>
               <a:rPr lang="nl-BE" dirty="0"/>
-              <a:t> en kijken of ze crashen maar dan gaan we voornamelijk enkel de input </a:t>
+              <a:t> </a:t>
             </a:r>
             <a:r>
               <a:rPr lang="nl-BE" dirty="0" err="1"/>
-              <a:t>parsers</a:t>
+              <a:t>breaking</a:t>
             </a:r>
             <a:r>
               <a:rPr lang="nl-BE" dirty="0"/>
-              <a:t> testen, we willen dieper in het programma testen en eigenlijk willen we ook zoeken naar die </a:t>
-            </a:r>
-            <a:r>
-              <a:rPr lang="nl-BE" b="1" dirty="0"/>
-              <a:t>kritieke</a:t>
-            </a:r>
-            <a:r>
-              <a:rPr lang="nl-BE" dirty="0"/>
-              <a:t> bugs waar de </a:t>
-            </a:r>
-            <a:r>
-              <a:rPr lang="nl-BE" dirty="0" err="1"/>
-              <a:t>solvers</a:t>
-            </a:r>
-            <a:r>
-              <a:rPr lang="nl-BE" dirty="0"/>
-              <a:t> onterecht foute oplossingen geeft </a:t>
-            </a:r>
-            <a:r>
-              <a:rPr lang="nl-BE" dirty="0" err="1"/>
-              <a:t>ipv</a:t>
-            </a:r>
-            <a:r>
-              <a:rPr lang="nl-BE" dirty="0"/>
-              <a:t> crashes</a:t>
-            </a:r>
-          </a:p>
-          <a:p>
-            <a:r>
-              <a:rPr lang="nl-BE" dirty="0"/>
-              <a:t>om dit te doen moeten we van </a:t>
-            </a:r>
-            <a:r>
-              <a:rPr lang="nl-BE" dirty="0" err="1"/>
-              <a:t>seeds</a:t>
-            </a:r>
-            <a:r>
-              <a:rPr lang="nl-BE" dirty="0"/>
-              <a:t> files vertrekken en de input veranderen om zo dieper te kunnen testen </a:t>
-            </a:r>
-          </a:p>
-          <a:p>
-            <a:pPr marL="0" marR="0" lvl="0" indent="0" algn="l" defTabSz="914400" rtl="0" eaLnBrk="1" fontAlgn="auto" latinLnBrk="0" hangingPunct="1">
-              <a:lnSpc>
-                <a:spcPct val="100000"/>
-              </a:lnSpc>
-              <a:spcBef>
-                <a:spcPts val="0"/>
-              </a:spcBef>
-              <a:spcAft>
-                <a:spcPts val="0"/>
-              </a:spcAft>
-              <a:buClrTx/>
-              <a:buSzTx/>
-              <a:buFontTx/>
-              <a:buNone/>
-              <a:tabLst/>
-              <a:defRPr/>
-            </a:pPr>
-            <a:r>
-              <a:rPr lang="nl-BE" dirty="0"/>
-              <a:t>Maar deze veranderingen geven dan weer problemen met zich mee, we willen enkel veranderingen aanbrengen die geldig zijn volgens de taal want testen op onzin is nutteloos</a:t>
-            </a:r>
-          </a:p>
-          <a:p>
-            <a:endParaRPr lang="nl-BE" dirty="0"/>
-          </a:p>
-          <a:p>
-            <a:r>
-              <a:rPr lang="nl-BE" dirty="0"/>
-              <a:t>En het grootste probleem is dat we willen geen veranderingen willen aanbrengen waarvan we het eindresultaat niet weten anders weten we niet of de </a:t>
-            </a:r>
-            <a:r>
-              <a:rPr lang="nl-BE" dirty="0" err="1"/>
-              <a:t>solver</a:t>
-            </a:r>
-            <a:r>
-              <a:rPr lang="nl-BE" dirty="0"/>
-              <a:t> het juiste antwoord heeft gegeven</a:t>
-            </a:r>
-          </a:p>
-          <a:p>
-            <a:endParaRPr lang="nl-BE" dirty="0"/>
+              <a:t> doet</a:t>
+            </a:r>
           </a:p>
           <a:p>
             <a:endParaRPr lang="nl-BE" dirty="0"/>
@@ -10113,7 +8530,7 @@
     </p:spTree>
     <p:extLst>
       <p:ext uri="{BB962C8B-B14F-4D97-AF65-F5344CB8AC3E}">
-        <p14:creationId xmlns:p14="http://schemas.microsoft.com/office/powerpoint/2010/main" val="618219892"/>
+        <p14:creationId xmlns:p14="http://schemas.microsoft.com/office/powerpoint/2010/main" val="1096661756"/>
       </p:ext>
     </p:extLst>
   </p:cSld>
@@ -10168,158 +8585,171 @@
           <a:lstStyle/>
           <a:p>
             <a:r>
-              <a:rPr lang="en-GB" dirty="0"/>
-              <a:t>Meer </a:t>
-            </a:r>
-            <a:r>
-              <a:rPr lang="en-GB" dirty="0" err="1"/>
-              <a:t>visueler</a:t>
-            </a:r>
-            <a:r>
-              <a:rPr lang="en-GB" dirty="0"/>
-              <a:t>, </a:t>
-            </a:r>
-          </a:p>
-          <a:p>
-            <a:r>
-              <a:rPr lang="en-GB" dirty="0" err="1"/>
-              <a:t>meer</a:t>
-            </a:r>
-            <a:r>
-              <a:rPr lang="en-GB" dirty="0"/>
-              <a:t> </a:t>
-            </a:r>
-            <a:r>
-              <a:rPr lang="en-GB" dirty="0" err="1"/>
-              <a:t>levendiger</a:t>
-            </a:r>
-            <a:r>
-              <a:rPr lang="en-GB" dirty="0"/>
-              <a:t>?</a:t>
-            </a:r>
-          </a:p>
-          <a:p>
-            <a:r>
-              <a:rPr lang="en-GB" dirty="0"/>
-              <a:t>Wat </a:t>
-            </a:r>
-            <a:r>
-              <a:rPr lang="en-GB" dirty="0" err="1"/>
-              <a:t>moet</a:t>
-            </a:r>
-            <a:r>
-              <a:rPr lang="en-GB" dirty="0"/>
-              <a:t> er </a:t>
-            </a:r>
-            <a:r>
-              <a:rPr lang="en-GB" dirty="0" err="1"/>
-              <a:t>weg</a:t>
-            </a:r>
-            <a:r>
-              <a:rPr lang="en-GB" dirty="0"/>
-              <a:t> </a:t>
-            </a:r>
-            <a:r>
-              <a:rPr lang="en-GB" dirty="0" err="1"/>
-              <a:t>voor</a:t>
-            </a:r>
-            <a:r>
-              <a:rPr lang="en-GB" dirty="0"/>
-              <a:t> </a:t>
-            </a:r>
-            <a:r>
-              <a:rPr lang="en-GB" dirty="0" err="1"/>
-              <a:t>tijd</a:t>
-            </a:r>
-            <a:r>
-              <a:rPr lang="en-GB" dirty="0"/>
-              <a:t>? </a:t>
-            </a:r>
-            <a:r>
-              <a:rPr lang="en-GB" dirty="0" err="1"/>
-              <a:t>Ik</a:t>
-            </a:r>
-            <a:r>
-              <a:rPr lang="en-GB" dirty="0"/>
-              <a:t> </a:t>
-            </a:r>
-            <a:r>
-              <a:rPr lang="en-GB" dirty="0" err="1"/>
-              <a:t>kan</a:t>
-            </a:r>
-            <a:r>
-              <a:rPr lang="en-GB" dirty="0"/>
-              <a:t> </a:t>
-            </a:r>
-            <a:r>
-              <a:rPr lang="en-GB" dirty="0" err="1"/>
-              <a:t>nog</a:t>
-            </a:r>
-            <a:r>
-              <a:rPr lang="en-GB" dirty="0"/>
-              <a:t> </a:t>
-            </a:r>
-            <a:r>
-              <a:rPr lang="en-GB" dirty="0" err="1"/>
-              <a:t>interesante</a:t>
-            </a:r>
-            <a:r>
-              <a:rPr lang="en-GB" dirty="0"/>
-              <a:t> </a:t>
-            </a:r>
-            <a:r>
-              <a:rPr lang="en-GB" dirty="0" err="1"/>
-              <a:t>dingen</a:t>
-            </a:r>
-            <a:r>
-              <a:rPr lang="en-GB" dirty="0"/>
-              <a:t> </a:t>
-            </a:r>
-            <a:r>
-              <a:rPr lang="en-GB" dirty="0" err="1"/>
-              <a:t>zeggen</a:t>
-            </a:r>
-            <a:r>
-              <a:rPr lang="en-GB" dirty="0"/>
-              <a:t> over de Seeds </a:t>
-            </a:r>
-            <a:r>
-              <a:rPr lang="en-GB" dirty="0" err="1"/>
-              <a:t>en</a:t>
-            </a:r>
-            <a:r>
-              <a:rPr lang="en-GB" dirty="0"/>
-              <a:t> semantic fusion die </a:t>
-            </a:r>
-            <a:r>
-              <a:rPr lang="en-GB" dirty="0" err="1"/>
-              <a:t>ik</a:t>
-            </a:r>
-            <a:r>
-              <a:rPr lang="en-GB" dirty="0"/>
-              <a:t> </a:t>
-            </a:r>
-            <a:r>
-              <a:rPr lang="en-GB" dirty="0" err="1"/>
-              <a:t>heb</a:t>
-            </a:r>
-            <a:r>
-              <a:rPr lang="en-GB" dirty="0"/>
-              <a:t> </a:t>
-            </a:r>
-            <a:r>
-              <a:rPr lang="en-GB" dirty="0" err="1"/>
-              <a:t>moeten</a:t>
-            </a:r>
-            <a:r>
-              <a:rPr lang="en-GB" dirty="0"/>
-              <a:t> </a:t>
-            </a:r>
-            <a:r>
-              <a:rPr lang="en-GB"/>
-              <a:t>weglaten</a:t>
-            </a:r>
-            <a:endParaRPr lang="en-US" dirty="0"/>
+              <a:rPr lang="nl-BE" dirty="0"/>
+              <a:t>CP is veel expressiever bij voorbeeld een alldifferent schrijven in constraint </a:t>
+            </a:r>
+            <a:r>
+              <a:rPr lang="nl-BE" dirty="0" err="1"/>
+              <a:t>programming</a:t>
+            </a:r>
+            <a:r>
+              <a:rPr lang="nl-BE" dirty="0"/>
+              <a:t> is veel makkelijker dan in SAT</a:t>
+            </a:r>
+          </a:p>
+          <a:p>
+            <a:r>
+              <a:rPr lang="nl-BE" dirty="0"/>
+              <a:t>En vaak bouwen </a:t>
+            </a:r>
+            <a:r>
+              <a:rPr lang="nl-BE" dirty="0" err="1"/>
+              <a:t>constraints</a:t>
+            </a:r>
+            <a:r>
+              <a:rPr lang="nl-BE" dirty="0"/>
+              <a:t> verder op elkaar waardoor er complexe samenstellingen gevormd worden en dat dan aan de </a:t>
+            </a:r>
+            <a:r>
+              <a:rPr lang="nl-BE" dirty="0" err="1"/>
+              <a:t>solver</a:t>
+            </a:r>
+            <a:r>
+              <a:rPr lang="nl-BE" dirty="0"/>
+              <a:t> gegeven worden om op te lossen</a:t>
+            </a:r>
+          </a:p>
+          <a:p>
+            <a:r>
+              <a:rPr lang="nl-BE" dirty="0"/>
+              <a:t>Door deze complexe manier samenstellingen gemaakt worden kan het dus zeker zijn dat een bepaalde combinatie nog nooit getest is geweest dus met mogelijks bugs </a:t>
+            </a:r>
+          </a:p>
+          <a:p>
+            <a:endParaRPr lang="nl-BE" dirty="0"/>
+          </a:p>
+          <a:p>
+            <a:r>
+              <a:rPr lang="nl-BE" dirty="0"/>
+              <a:t>Dit willen wij onderzoeken via fuzzers, maar daar zijn een aantal problemen </a:t>
+            </a:r>
+          </a:p>
+          <a:p>
+            <a:endParaRPr lang="nl-BE" dirty="0"/>
+          </a:p>
+          <a:p>
+            <a:r>
+              <a:rPr lang="nl-BE" dirty="0"/>
+              <a:t>We zouden willekeurige </a:t>
+            </a:r>
+            <a:r>
+              <a:rPr lang="nl-BE" dirty="0" err="1"/>
+              <a:t>inputs</a:t>
+            </a:r>
+            <a:r>
+              <a:rPr lang="nl-BE" dirty="0"/>
+              <a:t> kunnen geven aan de </a:t>
+            </a:r>
+            <a:r>
+              <a:rPr lang="nl-BE" dirty="0" err="1"/>
+              <a:t>solvers</a:t>
+            </a:r>
+            <a:r>
+              <a:rPr lang="nl-BE" dirty="0"/>
+              <a:t> en kijken of ze crashen maar dan gaan we voornamelijk enkel de input </a:t>
+            </a:r>
+            <a:r>
+              <a:rPr lang="nl-BE" dirty="0" err="1"/>
+              <a:t>parsers</a:t>
+            </a:r>
+            <a:r>
+              <a:rPr lang="nl-BE" dirty="0"/>
+              <a:t> testen, we willen dieper in het programma testen en eigenlijk willen we ook zoeken naar die </a:t>
+            </a:r>
+            <a:r>
+              <a:rPr lang="nl-BE" b="1" dirty="0"/>
+              <a:t>kritieke</a:t>
+            </a:r>
+            <a:r>
+              <a:rPr lang="nl-BE" dirty="0"/>
+              <a:t> bugs waar de </a:t>
+            </a:r>
+            <a:r>
+              <a:rPr lang="nl-BE" dirty="0" err="1"/>
+              <a:t>solvers</a:t>
+            </a:r>
+            <a:r>
+              <a:rPr lang="nl-BE" dirty="0"/>
+              <a:t> onterecht foute oplossingen geeft </a:t>
+            </a:r>
+            <a:r>
+              <a:rPr lang="nl-BE" dirty="0" err="1"/>
+              <a:t>ipv</a:t>
+            </a:r>
+            <a:r>
+              <a:rPr lang="nl-BE" dirty="0"/>
+              <a:t> crashes</a:t>
+            </a:r>
+          </a:p>
+          <a:p>
+            <a:r>
+              <a:rPr lang="nl-BE" dirty="0"/>
+              <a:t>om dit te doen moeten we van </a:t>
+            </a:r>
+            <a:r>
+              <a:rPr lang="nl-BE" dirty="0" err="1"/>
+              <a:t>seeds</a:t>
+            </a:r>
+            <a:r>
+              <a:rPr lang="nl-BE" dirty="0"/>
+              <a:t> files vertrekken en de input veranderen om zo dieper te kunnen testen </a:t>
+            </a:r>
+          </a:p>
+          <a:p>
+            <a:pPr marL="0" marR="0" lvl="0" indent="0" algn="l" defTabSz="914400" rtl="0" eaLnBrk="1" fontAlgn="auto" latinLnBrk="0" hangingPunct="1">
+              <a:lnSpc>
+                <a:spcPct val="100000"/>
+              </a:lnSpc>
+              <a:spcBef>
+                <a:spcPts val="0"/>
+              </a:spcBef>
+              <a:spcAft>
+                <a:spcPts val="0"/>
+              </a:spcAft>
+              <a:buClrTx/>
+              <a:buSzTx/>
+              <a:buFontTx/>
+              <a:buNone/>
+              <a:tabLst/>
+              <a:defRPr/>
+            </a:pPr>
+            <a:r>
+              <a:rPr lang="nl-BE" dirty="0"/>
+              <a:t>Maar deze veranderingen geven dan weer problemen met zich mee, we willen enkel veranderingen aanbrengen die geldig zijn volgens de taal want testen op onzin is nutteloos</a:t>
+            </a:r>
+          </a:p>
+          <a:p>
+            <a:endParaRPr lang="nl-BE" dirty="0"/>
+          </a:p>
+          <a:p>
+            <a:r>
+              <a:rPr lang="nl-BE" dirty="0"/>
+              <a:t>En het grootste probleem is dat we willen geen veranderingen willen aanbrengen waarvan we het eindresultaat niet weten anders weten we niet of de </a:t>
+            </a:r>
+            <a:r>
+              <a:rPr lang="nl-BE" dirty="0" err="1"/>
+              <a:t>solver</a:t>
+            </a:r>
+            <a:r>
+              <a:rPr lang="nl-BE" dirty="0"/>
+              <a:t> het juiste antwoord heeft gegeven</a:t>
+            </a:r>
+          </a:p>
+          <a:p>
+            <a:endParaRPr lang="nl-BE" dirty="0"/>
+          </a:p>
+          <a:p>
+            <a:endParaRPr lang="nl-BE" dirty="0"/>
           </a:p>
         </p:txBody>
       </p:sp>
@@ -10349,7 +8779,7 @@
     </p:spTree>
     <p:extLst>
       <p:ext uri="{BB962C8B-B14F-4D97-AF65-F5344CB8AC3E}">
-        <p14:creationId xmlns:p14="http://schemas.microsoft.com/office/powerpoint/2010/main" val="3811035388"/>
+        <p14:creationId xmlns:p14="http://schemas.microsoft.com/office/powerpoint/2010/main" val="618219892"/>
       </p:ext>
     </p:extLst>
   </p:cSld>
@@ -10403,144 +8833,7 @@
           <a:bodyPr/>
           <a:lstStyle/>
           <a:p>
-            <a:pPr marL="0" marR="0" lvl="0" indent="0" algn="l" defTabSz="914400" rtl="0" eaLnBrk="1" fontAlgn="auto" latinLnBrk="0" hangingPunct="1">
-              <a:lnSpc>
-                <a:spcPct val="100000"/>
-              </a:lnSpc>
-              <a:spcBef>
-                <a:spcPts val="0"/>
-              </a:spcBef>
-              <a:spcAft>
-                <a:spcPts val="0"/>
-              </a:spcAft>
-              <a:buClrTx/>
-              <a:buSzTx/>
-              <a:buFontTx/>
-              <a:buNone/>
-              <a:tabLst/>
-              <a:defRPr/>
-            </a:pPr>
-            <a:r>
-              <a:rPr lang="nl-BE" noProof="0" dirty="0"/>
-              <a:t>V = vandaag</a:t>
-            </a:r>
-          </a:p>
-          <a:p>
-            <a:endParaRPr lang="nl-BE" noProof="0" dirty="0"/>
-          </a:p>
-          <a:p>
-            <a:r>
-              <a:rPr lang="nl-BE" noProof="0" dirty="0" err="1"/>
-              <a:t>LiteratuurStudie</a:t>
-            </a:r>
-            <a:r>
-              <a:rPr lang="nl-BE" noProof="0" dirty="0"/>
-              <a:t> = Reading, </a:t>
-            </a:r>
-            <a:r>
-              <a:rPr lang="nl-BE" noProof="0" dirty="0" err="1"/>
-              <a:t>understanding</a:t>
-            </a:r>
-            <a:r>
-              <a:rPr lang="nl-BE" noProof="0" dirty="0"/>
-              <a:t>, </a:t>
-            </a:r>
-            <a:r>
-              <a:rPr lang="nl-BE" noProof="0" dirty="0" err="1"/>
-              <a:t>writing</a:t>
-            </a:r>
-            <a:r>
-              <a:rPr lang="nl-BE" noProof="0" dirty="0"/>
-              <a:t>-LOOP</a:t>
-            </a:r>
-          </a:p>
-          <a:p>
-            <a:r>
-              <a:rPr lang="nl-BE" noProof="0" dirty="0"/>
-              <a:t>Uitvoering = </a:t>
-            </a:r>
-            <a:r>
-              <a:rPr lang="nl-BE" noProof="0" dirty="0" err="1"/>
-              <a:t>Failed</a:t>
-            </a:r>
-            <a:r>
-              <a:rPr lang="nl-BE" noProof="0" dirty="0"/>
-              <a:t> </a:t>
-            </a:r>
-            <a:r>
-              <a:rPr lang="nl-BE" noProof="0" dirty="0" err="1"/>
-              <a:t>attempt</a:t>
-            </a:r>
-            <a:r>
-              <a:rPr lang="nl-BE" noProof="0" dirty="0"/>
-              <a:t> + tools | </a:t>
-            </a:r>
-            <a:r>
-              <a:rPr lang="nl-BE" noProof="0" dirty="0" err="1"/>
-              <a:t>Modifying</a:t>
-            </a:r>
-            <a:r>
-              <a:rPr lang="nl-BE" noProof="0" dirty="0"/>
-              <a:t> STORM | </a:t>
-            </a:r>
-            <a:r>
-              <a:rPr lang="nl-BE" noProof="0" dirty="0" err="1"/>
-              <a:t>Differential</a:t>
-            </a:r>
-            <a:r>
-              <a:rPr lang="nl-BE" noProof="0" dirty="0"/>
-              <a:t> (</a:t>
-            </a:r>
-            <a:r>
-              <a:rPr lang="nl-BE" noProof="0" dirty="0" err="1"/>
-              <a:t>solver</a:t>
-            </a:r>
-            <a:r>
-              <a:rPr lang="nl-BE" noProof="0" dirty="0"/>
-              <a:t>) </a:t>
-            </a:r>
-            <a:r>
-              <a:rPr lang="nl-BE" noProof="0" dirty="0" err="1"/>
-              <a:t>Testing</a:t>
-            </a:r>
-            <a:r>
-              <a:rPr lang="nl-BE" noProof="0" dirty="0"/>
-              <a:t> | Metamorphic </a:t>
-            </a:r>
-            <a:r>
-              <a:rPr lang="nl-BE" noProof="0" dirty="0" err="1"/>
-              <a:t>testing</a:t>
-            </a:r>
-            <a:r>
-              <a:rPr lang="nl-BE" noProof="0" dirty="0"/>
-              <a:t> | tools, Running, processing, </a:t>
-            </a:r>
-            <a:r>
-              <a:rPr lang="nl-BE" noProof="0" dirty="0" err="1"/>
-              <a:t>reporting</a:t>
-            </a:r>
-            <a:br>
-              <a:rPr lang="nl-BE" noProof="0" dirty="0"/>
-            </a:br>
-            <a:r>
-              <a:rPr lang="nl-BE" noProof="0" dirty="0"/>
-              <a:t>Verwerken = schrijven nalezen</a:t>
-            </a:r>
-          </a:p>
-          <a:p>
-            <a:r>
-              <a:rPr lang="nl-BE" noProof="0" dirty="0"/>
-              <a:t>	Toestemming 	19 dec 	| jan indienen aanvraag 14 jan (=officiële deadline, lol), pakt 4 jan </a:t>
-            </a:r>
-          </a:p>
-          <a:p>
-            <a:r>
-              <a:rPr lang="nl-BE" noProof="0" dirty="0"/>
-              <a:t>(indienen 12 jan)</a:t>
-            </a:r>
-          </a:p>
-          <a:p>
-            <a:endParaRPr lang="nl-BE" noProof="0" dirty="0"/>
+            <a:endParaRPr lang="en-US" dirty="0"/>
           </a:p>
         </p:txBody>
       </p:sp>
@@ -10570,7 +8863,7 @@
     </p:spTree>
     <p:extLst>
       <p:ext uri="{BB962C8B-B14F-4D97-AF65-F5344CB8AC3E}">
-        <p14:creationId xmlns:p14="http://schemas.microsoft.com/office/powerpoint/2010/main" val="1696400377"/>
+        <p14:creationId xmlns:p14="http://schemas.microsoft.com/office/powerpoint/2010/main" val="3811035388"/>
       </p:ext>
     </p:extLst>
   </p:cSld>
@@ -10768,6 +9061,37 @@
             </a:r>
             <a:endParaRPr lang="nl-BE" dirty="0"/>
           </a:p>
+          <a:p>
+            <a:r>
+              <a:rPr lang="nl-BE" dirty="0"/>
+              <a:t>En omdat Constraint </a:t>
+            </a:r>
+            <a:r>
+              <a:rPr lang="nl-BE" dirty="0" err="1"/>
+              <a:t>programming</a:t>
+            </a:r>
+            <a:r>
+              <a:rPr lang="nl-BE" dirty="0"/>
+              <a:t> vaak steunt op composities van beperkingen die mogelijk nog nooit in deze samenstelling zijn gezien door de </a:t>
+            </a:r>
+            <a:r>
+              <a:rPr lang="nl-BE" dirty="0" err="1"/>
+              <a:t>solver</a:t>
+            </a:r>
+            <a:r>
+              <a:rPr lang="nl-BE" dirty="0"/>
+              <a:t> </a:t>
+            </a:r>
+          </a:p>
+          <a:p>
+            <a:r>
+              <a:rPr lang="nl-BE" dirty="0"/>
+              <a:t>Kan het zijn dat hier fouten zijn ingeslopen. Het zijn deze bugs die wij willen vinden.</a:t>
+            </a:r>
+          </a:p>
+          <a:p>
+            <a:endParaRPr lang="nl-BE" dirty="0"/>
+          </a:p>
         </p:txBody>
       </p:sp>
       <p:sp>
@@ -10866,30 +9190,11 @@
           <a:p>
             <a:r>
               <a:rPr lang="nl-BE" dirty="0"/>
-              <a:t>Wel bugs zijn nooit gewenst, jammer genoeg zitten ze bijna wel overal. En omdat Constraint </a:t>
-            </a:r>
-            <a:r>
-              <a:rPr lang="nl-BE" dirty="0" err="1"/>
-              <a:t>programming</a:t>
-            </a:r>
-            <a:r>
-              <a:rPr lang="nl-BE" dirty="0"/>
-              <a:t> vaak steunt op composities van beperkingen die mogelijk nog nooit in deze samenstelling zijn gezien door de </a:t>
-            </a:r>
-            <a:r>
-              <a:rPr lang="nl-BE" dirty="0" err="1"/>
-              <a:t>solver</a:t>
-            </a:r>
-            <a:r>
-              <a:rPr lang="nl-BE" dirty="0"/>
-              <a:t> </a:t>
-            </a:r>
-          </a:p>
-          <a:p>
-            <a:r>
-              <a:rPr lang="nl-BE" dirty="0"/>
-              <a:t>Kan het zijn dat hier fouten zijn ingeslopen. Het zijn deze bugs die wij willen vinden.</a:t>
-            </a:r>
+              <a:t>Wel bugs zijn nooit gewenst, jammer genoeg zitten ze bijna wel overal. En omdat deze zo moeilijker te zoeken zijn in  de CP wereld gaan wij op 3 verschillende manieren achter bugs zoeken.</a:t>
+            </a:r>
+          </a:p>
+          <a:p>
+            <a:endParaRPr lang="nl-BE" dirty="0"/>
           </a:p>
           <a:p>
             <a:endParaRPr lang="nl-BE" dirty="0"/>
@@ -12393,7 +10698,7 @@
           <a:p>
             <a:fld id="{A6AC6004-332E-443B-AEE9-F68B98D86626}" type="datetime1">
               <a:rPr lang="nl-BE" smtClean="0"/>
-              <a:t>10/01/2023</a:t>
+              <a:t>30/01/2023</a:t>
             </a:fld>
             <a:endParaRPr lang="nl-NL"/>
           </a:p>
@@ -12676,7 +10981,7 @@
           <a:p>
             <a:fld id="{18BB5DFC-17D3-47A0-B171-B4E4D1575E7B}" type="datetime1">
               <a:rPr lang="nl-BE" smtClean="0"/>
-              <a:t>10/01/2023</a:t>
+              <a:t>30/01/2023</a:t>
             </a:fld>
             <a:endParaRPr lang="nl-NL"/>
           </a:p>
@@ -13006,7 +11311,7 @@
           <a:p>
             <a:fld id="{DFE966B0-6D13-414C-BF72-6FF6C60AEC98}" type="datetime1">
               <a:rPr lang="nl-BE" smtClean="0"/>
-              <a:t>10/01/2023</a:t>
+              <a:t>30/01/2023</a:t>
             </a:fld>
             <a:endParaRPr lang="nl-NL"/>
           </a:p>
@@ -13326,7 +11631,7 @@
           <a:p>
             <a:fld id="{C812C44A-F540-4B98-810B-5F6EB90D9C13}" type="datetime1">
               <a:rPr lang="nl-BE" smtClean="0"/>
-              <a:t>10/01/2023</a:t>
+              <a:t>30/01/2023</a:t>
             </a:fld>
             <a:endParaRPr lang="nl-NL" dirty="0"/>
           </a:p>
@@ -13647,7 +11952,7 @@
           <a:p>
             <a:fld id="{8363B599-027A-42E4-AF08-DCDA683C2C05}" type="datetime1">
               <a:rPr lang="nl-BE" smtClean="0"/>
-              <a:t>10/01/2023</a:t>
+              <a:t>30/01/2023</a:t>
             </a:fld>
             <a:endParaRPr lang="nl-NL" dirty="0"/>
           </a:p>
@@ -13789,7 +12094,7 @@
           <a:p>
             <a:fld id="{896510B4-3146-4BB8-B92E-62730CD81C72}" type="datetime1">
               <a:rPr lang="nl-BE" smtClean="0"/>
-              <a:t>10/01/2023</a:t>
+              <a:t>30/01/2023</a:t>
             </a:fld>
             <a:endParaRPr lang="nl-NL"/>
           </a:p>
@@ -14273,7 +12578,7 @@
           <a:p>
             <a:fld id="{9D02B56F-A388-429F-978E-7B79C73B0741}" type="datetime1">
               <a:rPr lang="nl-BE" smtClean="0"/>
-              <a:t>10/01/2023</a:t>
+              <a:t>30/01/2023</a:t>
             </a:fld>
             <a:endParaRPr lang="nl-NL" dirty="0"/>
           </a:p>
@@ -14394,7 +12699,7 @@
           <a:p>
             <a:fld id="{CFC1976B-B1C6-4CE3-88E7-0F7B3C0EB754}" type="datetime1">
               <a:rPr lang="nl-BE" smtClean="0"/>
-              <a:t>10/01/2023</a:t>
+              <a:t>30/01/2023</a:t>
             </a:fld>
             <a:endParaRPr lang="nl-NL"/>
           </a:p>
@@ -14515,7 +12820,7 @@
           <a:p>
             <a:fld id="{9D9EDC0B-32E5-488B-8BC1-103B52D9F530}" type="datetime1">
               <a:rPr lang="nl-BE" smtClean="0"/>
-              <a:t>10/01/2023</a:t>
+              <a:t>30/01/2023</a:t>
             </a:fld>
             <a:endParaRPr lang="nl-NL"/>
           </a:p>
@@ -14697,7 +13002,7 @@
           <a:p>
             <a:fld id="{47FF4611-E6C1-4123-99C9-582B0DC5EFCF}" type="datetime1">
               <a:rPr lang="nl-BE" smtClean="0"/>
-              <a:t>10/01/2023</a:t>
+              <a:t>30/01/2023</a:t>
             </a:fld>
             <a:endParaRPr lang="nl-NL" dirty="0"/>
           </a:p>
@@ -14981,7 +13286,7 @@
           <a:p>
             <a:fld id="{7E5B4B50-A2A3-4C24-AE79-A292DD23C44A}" type="datetime1">
               <a:rPr lang="nl-BE" smtClean="0"/>
-              <a:t>10/01/2023</a:t>
+              <a:t>30/01/2023</a:t>
             </a:fld>
             <a:endParaRPr lang="nl-NL" dirty="0"/>
           </a:p>
@@ -15622,7 +13927,7 @@
           <a:p>
             <a:fld id="{560602C3-E89F-44D5-8AA8-1213C1FA739E}" type="datetime1">
               <a:rPr lang="nl-BE" smtClean="0"/>
-              <a:t>10/01/2023</a:t>
+              <a:t>30/01/2023</a:t>
             </a:fld>
             <a:endParaRPr lang="nl-NL" dirty="0"/>
           </a:p>
@@ -16263,22 +14568,19 @@
           <a:p>
             <a:pPr lvl="1"/>
             <a:r>
+              <a:rPr lang="nl-BE" dirty="0" err="1"/>
+              <a:t>AllDifferent</a:t>
+            </a:r>
+            <a:r>
               <a:rPr lang="nl-BE" dirty="0"/>
-              <a:t>alldifferent([var1, var2, var3]) wordt [var1 != var2, var2 != var3, var3!=var1]</a:t>
+              <a:t>([var1, var2, var3]) wordt [var1 != var2, var2 != var3, var3!=var1]</a:t>
             </a:r>
           </a:p>
           <a:p>
             <a:pPr lvl="1"/>
             <a:r>
               <a:rPr lang="nl-BE" dirty="0"/>
-              <a:t>(boolean) constraint == 1</a:t>
-            </a:r>
-          </a:p>
-          <a:p>
-            <a:pPr lvl="1"/>
-            <a:r>
-              <a:rPr lang="nl-BE" dirty="0"/>
-              <a:t>(boolean) constraint </a:t>
+              <a:t>(Boolean) constraint (</a:t>
             </a:r>
             <a:r>
               <a:rPr lang="nl-BE" dirty="0" err="1"/>
@@ -16286,7 +14588,7 @@
             </a:r>
             <a:r>
               <a:rPr lang="nl-BE" dirty="0"/>
-              <a:t> True</a:t>
+              <a:t> True)</a:t>
             </a:r>
           </a:p>
           <a:p>
@@ -16301,6 +14603,15 @@
             <a:r>
               <a:rPr lang="nl-BE" dirty="0"/>
               <a:t>…</a:t>
+            </a:r>
+          </a:p>
+          <a:p>
+            <a:endParaRPr lang="nl-BE" dirty="0"/>
+          </a:p>
+          <a:p>
+            <a:r>
+              <a:rPr lang="nl-BE" dirty="0"/>
+              <a:t>Flexibiliteit</a:t>
             </a:r>
           </a:p>
         </p:txBody>
@@ -16707,8 +15018,12 @@
           <a:lstStyle/>
           <a:p>
             <a:r>
+              <a:rPr lang="en-US" sz="1700" dirty="0" err="1"/>
+              <a:t>Decompositie</a:t>
+            </a:r>
+            <a:r>
               <a:rPr lang="en-US" sz="1700" dirty="0"/>
-              <a:t>Expanding “alldifferent()” and “</a:t>
+              <a:t> “alldifferent()” and “</a:t>
             </a:r>
             <a:r>
               <a:rPr lang="en-US" sz="1700" dirty="0" err="1"/>
@@ -17054,7 +15369,7 @@
         </p:nvSpPr>
         <p:spPr>
           <a:xfrm>
-            <a:off x="5657017" y="3180203"/>
+            <a:off x="5668732" y="3180203"/>
             <a:ext cx="1684338" cy="2917402"/>
           </a:xfrm>
           <a:prstGeom prst="roundRect">
@@ -17137,56 +15452,14 @@
           </p:cNvPr>
           <p:cNvCxnSpPr>
             <a:cxnSpLocks/>
-            <a:stCxn id="9" idx="3"/>
             <a:endCxn id="6" idx="1"/>
           </p:cNvCxnSpPr>
           <p:nvPr/>
         </p:nvCxnSpPr>
         <p:spPr>
-          <a:xfrm flipV="1">
-            <a:off x="4984375" y="4638904"/>
-            <a:ext cx="672642" cy="8232"/>
-          </a:xfrm>
-          <a:prstGeom prst="straightConnector1">
-            <a:avLst/>
-          </a:prstGeom>
-          <a:ln w="63500">
-            <a:tailEnd type="triangle"/>
-          </a:ln>
-        </p:spPr>
-        <p:style>
-          <a:lnRef idx="1">
-            <a:schemeClr val="accent1"/>
-          </a:lnRef>
-          <a:fillRef idx="0">
-            <a:schemeClr val="accent1"/>
-          </a:fillRef>
-          <a:effectRef idx="0">
-            <a:schemeClr val="accent1"/>
-          </a:effectRef>
-          <a:fontRef idx="minor">
-            <a:schemeClr val="tx1"/>
-          </a:fontRef>
-        </p:style>
-      </p:cxnSp>
-      <p:cxnSp>
-        <p:nvCxnSpPr>
-          <p:cNvPr id="12" name="Straight Arrow Connector 11">
-            <a:extLst>
-              <a:ext uri="{FF2B5EF4-FFF2-40B4-BE49-F238E27FC236}">
-                <a16:creationId xmlns:a16="http://schemas.microsoft.com/office/drawing/2014/main" id="{F7169C00-F0A5-0F8B-B408-FF19D4E7023A}"/>
-              </a:ext>
-            </a:extLst>
-          </p:cNvPr>
-          <p:cNvCxnSpPr>
-            <a:cxnSpLocks/>
-          </p:cNvCxnSpPr>
-          <p:nvPr/>
-        </p:nvCxnSpPr>
-        <p:spPr>
           <a:xfrm>
-            <a:off x="7341354" y="3903738"/>
-            <a:ext cx="467976" cy="0"/>
+            <a:off x="4857750" y="4638904"/>
+            <a:ext cx="810982" cy="0"/>
           </a:xfrm>
           <a:prstGeom prst="straightConnector1">
             <a:avLst/>
@@ -17302,7 +15575,7 @@
         <p:spPr>
           <a:xfrm>
             <a:off x="9898053" y="3180202"/>
-            <a:ext cx="1684338" cy="1454521"/>
+            <a:ext cx="1684338" cy="1425991"/>
           </a:xfrm>
           <a:prstGeom prst="roundRect">
             <a:avLst/>
@@ -17377,13 +15650,153 @@
           </p:cNvPr>
           <p:cNvCxnSpPr>
             <a:cxnSpLocks/>
-            <a:endCxn id="15" idx="1"/>
           </p:cNvCxnSpPr>
           <p:nvPr/>
         </p:nvCxnSpPr>
         <p:spPr>
           <a:xfrm>
-            <a:off x="9493668" y="3903738"/>
+            <a:off x="9493666" y="3789352"/>
+            <a:ext cx="404385" cy="3725"/>
+          </a:xfrm>
+          <a:prstGeom prst="straightConnector1">
+            <a:avLst/>
+          </a:prstGeom>
+          <a:ln w="63500">
+            <a:tailEnd type="triangle"/>
+          </a:ln>
+        </p:spPr>
+        <p:style>
+          <a:lnRef idx="1">
+            <a:schemeClr val="accent1"/>
+          </a:lnRef>
+          <a:fillRef idx="0">
+            <a:schemeClr val="accent1"/>
+          </a:fillRef>
+          <a:effectRef idx="0">
+            <a:schemeClr val="accent1"/>
+          </a:effectRef>
+          <a:fontRef idx="minor">
+            <a:schemeClr val="tx1"/>
+          </a:fontRef>
+        </p:style>
+      </p:cxnSp>
+      <p:sp>
+        <p:nvSpPr>
+          <p:cNvPr id="20" name="Rectangle: Rounded Corners 19">
+            <a:extLst>
+              <a:ext uri="{FF2B5EF4-FFF2-40B4-BE49-F238E27FC236}">
+                <a16:creationId xmlns:a16="http://schemas.microsoft.com/office/drawing/2014/main" id="{1AF9F1A6-E769-B659-8EB5-86CAAFBD581B}"/>
+              </a:ext>
+            </a:extLst>
+          </p:cNvPr>
+          <p:cNvSpPr/>
+          <p:nvPr/>
+        </p:nvSpPr>
+        <p:spPr>
+          <a:xfrm>
+            <a:off x="7786235" y="3179323"/>
+            <a:ext cx="1684338" cy="2956051"/>
+          </a:xfrm>
+          <a:prstGeom prst="roundRect">
+            <a:avLst/>
+          </a:prstGeom>
+        </p:spPr>
+        <p:style>
+          <a:lnRef idx="2">
+            <a:schemeClr val="accent1">
+              <a:shade val="50000"/>
+            </a:schemeClr>
+          </a:lnRef>
+          <a:fillRef idx="1">
+            <a:schemeClr val="accent1"/>
+          </a:fillRef>
+          <a:effectRef idx="0">
+            <a:schemeClr val="accent1"/>
+          </a:effectRef>
+          <a:fontRef idx="minor">
+            <a:schemeClr val="lt1"/>
+          </a:fontRef>
+        </p:style>
+        <p:txBody>
+          <a:bodyPr rtlCol="0" anchor="ctr"/>
+          <a:lstStyle/>
+          <a:p>
+            <a:pPr algn="ctr"/>
+            <a:r>
+              <a:rPr lang="en-GB" dirty="0"/>
+              <a:t>CPMpy</a:t>
+            </a:r>
+            <a:endParaRPr lang="en-US" dirty="0"/>
+          </a:p>
+        </p:txBody>
+      </p:sp>
+      <p:sp>
+        <p:nvSpPr>
+          <p:cNvPr id="11" name="Rectangle: Rounded Corners 10">
+            <a:extLst>
+              <a:ext uri="{FF2B5EF4-FFF2-40B4-BE49-F238E27FC236}">
+                <a16:creationId xmlns:a16="http://schemas.microsoft.com/office/drawing/2014/main" id="{A6D79173-D5BC-1D51-361A-487E07137AB3}"/>
+              </a:ext>
+            </a:extLst>
+          </p:cNvPr>
+          <p:cNvSpPr/>
+          <p:nvPr/>
+        </p:nvSpPr>
+        <p:spPr>
+          <a:xfrm>
+            <a:off x="9898051" y="4671614"/>
+            <a:ext cx="1684338" cy="1425991"/>
+          </a:xfrm>
+          <a:prstGeom prst="roundRect">
+            <a:avLst/>
+          </a:prstGeom>
+        </p:spPr>
+        <p:style>
+          <a:lnRef idx="2">
+            <a:schemeClr val="accent1">
+              <a:shade val="50000"/>
+            </a:schemeClr>
+          </a:lnRef>
+          <a:fillRef idx="1">
+            <a:schemeClr val="accent1"/>
+          </a:fillRef>
+          <a:effectRef idx="0">
+            <a:schemeClr val="accent1"/>
+          </a:effectRef>
+          <a:fontRef idx="minor">
+            <a:schemeClr val="lt1"/>
+          </a:fontRef>
+        </p:style>
+        <p:txBody>
+          <a:bodyPr rtlCol="0" anchor="ctr"/>
+          <a:lstStyle/>
+          <a:p>
+            <a:pPr algn="ctr"/>
+            <a:r>
+              <a:rPr lang="en-GB" dirty="0"/>
+              <a:t>Solver 2</a:t>
+            </a:r>
+            <a:endParaRPr lang="en-US" dirty="0"/>
+          </a:p>
+        </p:txBody>
+      </p:sp>
+      <p:cxnSp>
+        <p:nvCxnSpPr>
+          <p:cNvPr id="27" name="Straight Arrow Connector 26">
+            <a:extLst>
+              <a:ext uri="{FF2B5EF4-FFF2-40B4-BE49-F238E27FC236}">
+                <a16:creationId xmlns:a16="http://schemas.microsoft.com/office/drawing/2014/main" id="{57427699-D96E-2233-031D-1A6548BAA9B4}"/>
+              </a:ext>
+            </a:extLst>
+          </p:cNvPr>
+          <p:cNvCxnSpPr>
+            <a:cxnSpLocks/>
+          </p:cNvCxnSpPr>
+          <p:nvPr/>
+        </p:nvCxnSpPr>
+        <p:spPr>
+          <a:xfrm flipH="1">
+            <a:off x="9469203" y="4081099"/>
             <a:ext cx="404385" cy="3725"/>
           </a:xfrm>
           <a:prstGeom prst="straightConnector1">
@@ -17410,10 +15823,10 @@
       </p:cxnSp>
       <p:cxnSp>
         <p:nvCxnSpPr>
-          <p:cNvPr id="18" name="Straight Arrow Connector 17">
+          <p:cNvPr id="30" name="Straight Arrow Connector 29">
             <a:extLst>
               <a:ext uri="{FF2B5EF4-FFF2-40B4-BE49-F238E27FC236}">
-                <a16:creationId xmlns:a16="http://schemas.microsoft.com/office/drawing/2014/main" id="{EAB2BE6E-A72A-F3DC-3F5D-F54210D3BA20}"/>
+                <a16:creationId xmlns:a16="http://schemas.microsoft.com/office/drawing/2014/main" id="{C36DD0F6-4586-B985-792E-8447F82A19EF}"/>
               </a:ext>
             </a:extLst>
           </p:cNvPr>
@@ -17423,8 +15836,8 @@
           <p:nvPr/>
         </p:nvCxnSpPr>
         <p:spPr>
-          <a:xfrm flipH="1">
-            <a:off x="9493667" y="4267368"/>
+          <a:xfrm>
+            <a:off x="9518129" y="5299975"/>
             <a:ext cx="404385" cy="3725"/>
           </a:xfrm>
           <a:prstGeom prst="straightConnector1">
@@ -17451,10 +15864,10 @@
       </p:cxnSp>
       <p:cxnSp>
         <p:nvCxnSpPr>
-          <p:cNvPr id="19" name="Straight Arrow Connector 18">
+          <p:cNvPr id="31" name="Straight Arrow Connector 30">
             <a:extLst>
               <a:ext uri="{FF2B5EF4-FFF2-40B4-BE49-F238E27FC236}">
-                <a16:creationId xmlns:a16="http://schemas.microsoft.com/office/drawing/2014/main" id="{83A5F8B5-0635-F6BC-A544-CE1043B635C6}"/>
+                <a16:creationId xmlns:a16="http://schemas.microsoft.com/office/drawing/2014/main" id="{201FE695-9947-1D7C-2ADA-B6FE8F8DD3FF}"/>
               </a:ext>
             </a:extLst>
           </p:cNvPr>
@@ -17465,190 +15878,7 @@
         </p:nvCxnSpPr>
         <p:spPr>
           <a:xfrm flipH="1">
-            <a:off x="7341354" y="4274784"/>
-            <a:ext cx="404385" cy="3725"/>
-          </a:xfrm>
-          <a:prstGeom prst="straightConnector1">
-            <a:avLst/>
-          </a:prstGeom>
-          <a:ln w="63500">
-            <a:tailEnd type="triangle"/>
-          </a:ln>
-        </p:spPr>
-        <p:style>
-          <a:lnRef idx="1">
-            <a:schemeClr val="accent1"/>
-          </a:lnRef>
-          <a:fillRef idx="0">
-            <a:schemeClr val="accent1"/>
-          </a:fillRef>
-          <a:effectRef idx="0">
-            <a:schemeClr val="accent1"/>
-          </a:effectRef>
-          <a:fontRef idx="minor">
-            <a:schemeClr val="tx1"/>
-          </a:fontRef>
-        </p:style>
-      </p:cxnSp>
-      <p:sp>
-        <p:nvSpPr>
-          <p:cNvPr id="20" name="Rectangle: Rounded Corners 19">
-            <a:extLst>
-              <a:ext uri="{FF2B5EF4-FFF2-40B4-BE49-F238E27FC236}">
-                <a16:creationId xmlns:a16="http://schemas.microsoft.com/office/drawing/2014/main" id="{1AF9F1A6-E769-B659-8EB5-86CAAFBD581B}"/>
-              </a:ext>
-            </a:extLst>
-          </p:cNvPr>
-          <p:cNvSpPr/>
-          <p:nvPr/>
-        </p:nvSpPr>
-        <p:spPr>
-          <a:xfrm>
-            <a:off x="7844139" y="3149003"/>
-            <a:ext cx="1684338" cy="2956051"/>
-          </a:xfrm>
-          <a:prstGeom prst="roundRect">
-            <a:avLst/>
-          </a:prstGeom>
-        </p:spPr>
-        <p:style>
-          <a:lnRef idx="2">
-            <a:schemeClr val="accent1">
-              <a:shade val="50000"/>
-            </a:schemeClr>
-          </a:lnRef>
-          <a:fillRef idx="1">
-            <a:schemeClr val="accent1"/>
-          </a:fillRef>
-          <a:effectRef idx="0">
-            <a:schemeClr val="accent1"/>
-          </a:effectRef>
-          <a:fontRef idx="minor">
-            <a:schemeClr val="lt1"/>
-          </a:fontRef>
-        </p:style>
-        <p:txBody>
-          <a:bodyPr rtlCol="0" anchor="ctr"/>
-          <a:lstStyle/>
-          <a:p>
-            <a:pPr algn="ctr"/>
-            <a:r>
-              <a:rPr lang="en-GB" dirty="0"/>
-              <a:t>CPMpy</a:t>
-            </a:r>
-            <a:endParaRPr lang="en-US" dirty="0"/>
-          </a:p>
-        </p:txBody>
-      </p:sp>
-      <p:cxnSp>
-        <p:nvCxnSpPr>
-          <p:cNvPr id="21" name="Straight Arrow Connector 20">
-            <a:extLst>
-              <a:ext uri="{FF2B5EF4-FFF2-40B4-BE49-F238E27FC236}">
-                <a16:creationId xmlns:a16="http://schemas.microsoft.com/office/drawing/2014/main" id="{BE1D1338-ECC6-2948-D1A3-60E4E4896BA8}"/>
-              </a:ext>
-            </a:extLst>
-          </p:cNvPr>
-          <p:cNvCxnSpPr>
-            <a:cxnSpLocks/>
-          </p:cNvCxnSpPr>
-          <p:nvPr/>
-        </p:nvCxnSpPr>
-        <p:spPr>
-          <a:xfrm>
-            <a:off x="7376163" y="5377794"/>
-            <a:ext cx="467976" cy="3725"/>
-          </a:xfrm>
-          <a:prstGeom prst="straightConnector1">
-            <a:avLst/>
-          </a:prstGeom>
-          <a:ln w="63500">
-            <a:tailEnd type="triangle"/>
-          </a:ln>
-        </p:spPr>
-        <p:style>
-          <a:lnRef idx="1">
-            <a:schemeClr val="accent1"/>
-          </a:lnRef>
-          <a:fillRef idx="0">
-            <a:schemeClr val="accent1"/>
-          </a:fillRef>
-          <a:effectRef idx="0">
-            <a:schemeClr val="accent1"/>
-          </a:effectRef>
-          <a:fontRef idx="minor">
-            <a:schemeClr val="tx1"/>
-          </a:fontRef>
-        </p:style>
-      </p:cxnSp>
-      <p:sp>
-        <p:nvSpPr>
-          <p:cNvPr id="22" name="Rectangle: Rounded Corners 21">
-            <a:extLst>
-              <a:ext uri="{FF2B5EF4-FFF2-40B4-BE49-F238E27FC236}">
-                <a16:creationId xmlns:a16="http://schemas.microsoft.com/office/drawing/2014/main" id="{1AD2C295-F709-5C6B-9547-D0A23641D462}"/>
-              </a:ext>
-            </a:extLst>
-          </p:cNvPr>
-          <p:cNvSpPr/>
-          <p:nvPr/>
-        </p:nvSpPr>
-        <p:spPr>
-          <a:xfrm>
-            <a:off x="9932862" y="4658438"/>
-            <a:ext cx="1649530" cy="1454521"/>
-          </a:xfrm>
-          <a:prstGeom prst="roundRect">
-            <a:avLst/>
-          </a:prstGeom>
-        </p:spPr>
-        <p:style>
-          <a:lnRef idx="2">
-            <a:schemeClr val="accent1">
-              <a:shade val="50000"/>
-            </a:schemeClr>
-          </a:lnRef>
-          <a:fillRef idx="1">
-            <a:schemeClr val="accent1"/>
-          </a:fillRef>
-          <a:effectRef idx="0">
-            <a:schemeClr val="accent1"/>
-          </a:effectRef>
-          <a:fontRef idx="minor">
-            <a:schemeClr val="lt1"/>
-          </a:fontRef>
-        </p:style>
-        <p:txBody>
-          <a:bodyPr rtlCol="0" anchor="ctr"/>
-          <a:lstStyle/>
-          <a:p>
-            <a:pPr algn="ctr"/>
-            <a:r>
-              <a:rPr lang="en-GB" dirty="0"/>
-              <a:t>Solver 2</a:t>
-            </a:r>
-            <a:endParaRPr lang="en-US" dirty="0"/>
-          </a:p>
-        </p:txBody>
-      </p:sp>
-      <p:cxnSp>
-        <p:nvCxnSpPr>
-          <p:cNvPr id="23" name="Straight Arrow Connector 22">
-            <a:extLst>
-              <a:ext uri="{FF2B5EF4-FFF2-40B4-BE49-F238E27FC236}">
-                <a16:creationId xmlns:a16="http://schemas.microsoft.com/office/drawing/2014/main" id="{90BCDC87-9446-67FC-F751-199FAB9447C4}"/>
-              </a:ext>
-            </a:extLst>
-          </p:cNvPr>
-          <p:cNvCxnSpPr>
-            <a:cxnSpLocks/>
-            <a:endCxn id="22" idx="1"/>
-          </p:cNvCxnSpPr>
-          <p:nvPr/>
-        </p:nvCxnSpPr>
-        <p:spPr>
-          <a:xfrm>
-            <a:off x="9528477" y="5381974"/>
+            <a:off x="9493666" y="5591722"/>
             <a:ext cx="404385" cy="3725"/>
           </a:xfrm>
           <a:prstGeom prst="straightConnector1">
@@ -17675,10 +15905,10 @@
       </p:cxnSp>
       <p:cxnSp>
         <p:nvCxnSpPr>
-          <p:cNvPr id="24" name="Straight Arrow Connector 23">
+          <p:cNvPr id="32" name="Straight Arrow Connector 31">
             <a:extLst>
               <a:ext uri="{FF2B5EF4-FFF2-40B4-BE49-F238E27FC236}">
-                <a16:creationId xmlns:a16="http://schemas.microsoft.com/office/drawing/2014/main" id="{6DFB2291-80D6-3BA2-DEC4-1A2D67F86AAE}"/>
+                <a16:creationId xmlns:a16="http://schemas.microsoft.com/office/drawing/2014/main" id="{FB8E450D-40A1-F4C5-3F46-97C518F61D4A}"/>
               </a:ext>
             </a:extLst>
           </p:cNvPr>
@@ -17688,8 +15918,8 @@
           <p:nvPr/>
         </p:nvCxnSpPr>
         <p:spPr>
-          <a:xfrm flipH="1">
-            <a:off x="9528476" y="5741424"/>
+          <a:xfrm>
+            <a:off x="7385842" y="4540055"/>
             <a:ext cx="404385" cy="3725"/>
           </a:xfrm>
           <a:prstGeom prst="straightConnector1">
@@ -17716,10 +15946,10 @@
       </p:cxnSp>
       <p:cxnSp>
         <p:nvCxnSpPr>
-          <p:cNvPr id="25" name="Straight Arrow Connector 24">
+          <p:cNvPr id="33" name="Straight Arrow Connector 32">
             <a:extLst>
               <a:ext uri="{FF2B5EF4-FFF2-40B4-BE49-F238E27FC236}">
-                <a16:creationId xmlns:a16="http://schemas.microsoft.com/office/drawing/2014/main" id="{3BE883AF-9CEC-1CBF-747A-D9BFB276EC6D}"/>
+                <a16:creationId xmlns:a16="http://schemas.microsoft.com/office/drawing/2014/main" id="{6907D749-E81D-DF30-5290-6CF9E6850BAA}"/>
               </a:ext>
             </a:extLst>
           </p:cNvPr>
@@ -17730,7 +15960,7 @@
         </p:nvCxnSpPr>
         <p:spPr>
           <a:xfrm flipH="1">
-            <a:off x="7376163" y="5748840"/>
+            <a:off x="7361379" y="4831802"/>
             <a:ext cx="404385" cy="3725"/>
           </a:xfrm>
           <a:prstGeom prst="straightConnector1">
@@ -17787,6 +16017,88 @@
       </p:grpSpPr>
       <p:sp>
         <p:nvSpPr>
+          <p:cNvPr id="14" name="TextBox 13">
+            <a:extLst>
+              <a:ext uri="{FF2B5EF4-FFF2-40B4-BE49-F238E27FC236}">
+                <a16:creationId xmlns:a16="http://schemas.microsoft.com/office/drawing/2014/main" id="{0AD65E01-2ADC-EC86-7B9D-11FF7A7A0714}"/>
+              </a:ext>
+            </a:extLst>
+          </p:cNvPr>
+          <p:cNvSpPr txBox="1"/>
+          <p:nvPr/>
+        </p:nvSpPr>
+        <p:spPr>
+          <a:xfrm>
+            <a:off x="4123766" y="3317936"/>
+            <a:ext cx="3012141" cy="2585323"/>
+          </a:xfrm>
+          <a:prstGeom prst="rect">
+            <a:avLst/>
+          </a:prstGeom>
+          <a:noFill/>
+        </p:spPr>
+        <p:txBody>
+          <a:bodyPr wrap="square" rtlCol="0">
+            <a:spAutoFit/>
+          </a:bodyPr>
+          <a:lstStyle/>
+          <a:p>
+            <a:r>
+              <a:rPr lang="en-GB" dirty="0"/>
+              <a:t>Variable declaration 1</a:t>
+            </a:r>
+          </a:p>
+          <a:p>
+            <a:r>
+              <a:rPr lang="en-GB" dirty="0"/>
+              <a:t>Variable declaration 2</a:t>
+            </a:r>
+          </a:p>
+          <a:p>
+            <a:endParaRPr lang="en-GB" dirty="0"/>
+          </a:p>
+          <a:p>
+            <a:r>
+              <a:rPr lang="en-GB" dirty="0"/>
+              <a:t>Constraint 1</a:t>
+            </a:r>
+          </a:p>
+          <a:p>
+            <a:r>
+              <a:rPr lang="en-GB" dirty="0"/>
+              <a:t>Constraint 2</a:t>
+            </a:r>
+          </a:p>
+          <a:p>
+            <a:r>
+              <a:rPr lang="en-GB" dirty="0"/>
+              <a:t>Constraint 3</a:t>
+            </a:r>
+          </a:p>
+          <a:p>
+            <a:r>
+              <a:rPr lang="en-GB" dirty="0"/>
+              <a:t>Constraint 4</a:t>
+            </a:r>
+          </a:p>
+          <a:p>
+            <a:r>
+              <a:rPr lang="en-GB" dirty="0"/>
+              <a:t>Constraint 5</a:t>
+            </a:r>
+            <a:endParaRPr lang="en-US" dirty="0"/>
+          </a:p>
+          <a:p>
+            <a:r>
+              <a:rPr lang="en-GB" dirty="0"/>
+              <a:t>Constraint 6</a:t>
+            </a:r>
+            <a:endParaRPr lang="en-US" dirty="0"/>
+          </a:p>
+        </p:txBody>
+      </p:sp>
+      <p:sp>
+        <p:nvSpPr>
           <p:cNvPr id="3" name="Footer Placeholder 2">
             <a:extLst>
               <a:ext uri="{FF2B5EF4-FFF2-40B4-BE49-F238E27FC236}">
@@ -17865,7 +16177,7 @@
           <a:p>
             <a:r>
               <a:rPr lang="nl-BE" dirty="0"/>
-              <a:t>Resultaten</a:t>
+              <a:t>Resultaten Verwerken</a:t>
             </a:r>
           </a:p>
         </p:txBody>
@@ -17949,6 +16261,119 @@
           </a:p>
         </p:txBody>
       </p:sp>
+      <p:pic>
+        <p:nvPicPr>
+          <p:cNvPr id="6" name="Picture 5">
+            <a:extLst>
+              <a:ext uri="{FF2B5EF4-FFF2-40B4-BE49-F238E27FC236}">
+                <a16:creationId xmlns:a16="http://schemas.microsoft.com/office/drawing/2014/main" id="{64613B52-E1AA-B065-4396-EC6B2BC83565}"/>
+              </a:ext>
+            </a:extLst>
+          </p:cNvPr>
+          <p:cNvPicPr>
+            <a:picLocks noChangeAspect="1"/>
+          </p:cNvPicPr>
+          <p:nvPr/>
+        </p:nvPicPr>
+        <p:blipFill rotWithShape="1">
+          <a:blip r:embed="rId3"/>
+          <a:srcRect l="9510" t="1415" b="30014"/>
+          <a:stretch/>
+        </p:blipFill>
+        <p:spPr>
+          <a:xfrm>
+            <a:off x="9628092" y="1116105"/>
+            <a:ext cx="1663299" cy="4625789"/>
+          </a:xfrm>
+          <a:prstGeom prst="rect">
+            <a:avLst/>
+          </a:prstGeom>
+        </p:spPr>
+      </p:pic>
+      <p:cxnSp>
+        <p:nvCxnSpPr>
+          <p:cNvPr id="24" name="Straight Connector 23">
+            <a:extLst>
+              <a:ext uri="{FF2B5EF4-FFF2-40B4-BE49-F238E27FC236}">
+                <a16:creationId xmlns:a16="http://schemas.microsoft.com/office/drawing/2014/main" id="{3858A4EF-6A46-924D-A366-66FF9C2B8831}"/>
+              </a:ext>
+            </a:extLst>
+          </p:cNvPr>
+          <p:cNvCxnSpPr>
+            <a:cxnSpLocks/>
+          </p:cNvCxnSpPr>
+          <p:nvPr/>
+        </p:nvCxnSpPr>
+        <p:spPr>
+          <a:xfrm flipH="1" flipV="1">
+            <a:off x="6364413" y="3317936"/>
+            <a:ext cx="3263680" cy="1176295"/>
+          </a:xfrm>
+          <a:prstGeom prst="line">
+            <a:avLst/>
+          </a:prstGeom>
+          <a:ln w="76200" cap="rnd"/>
+          <a:effectLst>
+            <a:softEdge rad="0"/>
+          </a:effectLst>
+        </p:spPr>
+        <p:style>
+          <a:lnRef idx="1">
+            <a:schemeClr val="accent1"/>
+          </a:lnRef>
+          <a:fillRef idx="0">
+            <a:schemeClr val="accent1"/>
+          </a:fillRef>
+          <a:effectRef idx="0">
+            <a:schemeClr val="accent1"/>
+          </a:effectRef>
+          <a:fontRef idx="minor">
+            <a:schemeClr val="tx1"/>
+          </a:fontRef>
+        </p:style>
+      </p:cxnSp>
+      <p:cxnSp>
+        <p:nvCxnSpPr>
+          <p:cNvPr id="26" name="Straight Connector 25">
+            <a:extLst>
+              <a:ext uri="{FF2B5EF4-FFF2-40B4-BE49-F238E27FC236}">
+                <a16:creationId xmlns:a16="http://schemas.microsoft.com/office/drawing/2014/main" id="{61DCC56B-BDB7-9129-39E3-E665E94F6A05}"/>
+              </a:ext>
+            </a:extLst>
+          </p:cNvPr>
+          <p:cNvCxnSpPr>
+            <a:cxnSpLocks/>
+          </p:cNvCxnSpPr>
+          <p:nvPr/>
+        </p:nvCxnSpPr>
+        <p:spPr>
+          <a:xfrm flipH="1">
+            <a:off x="6364413" y="4655599"/>
+            <a:ext cx="3263680" cy="1176295"/>
+          </a:xfrm>
+          <a:prstGeom prst="line">
+            <a:avLst/>
+          </a:prstGeom>
+          <a:ln w="76200" cap="rnd"/>
+          <a:effectLst>
+            <a:softEdge rad="0"/>
+          </a:effectLst>
+        </p:spPr>
+        <p:style>
+          <a:lnRef idx="1">
+            <a:schemeClr val="accent1"/>
+          </a:lnRef>
+          <a:fillRef idx="0">
+            <a:schemeClr val="accent1"/>
+          </a:fillRef>
+          <a:effectRef idx="0">
+            <a:schemeClr val="accent1"/>
+          </a:effectRef>
+          <a:fontRef idx="minor">
+            <a:schemeClr val="tx1"/>
+          </a:fontRef>
+        </p:style>
+      </p:cxnSp>
     </p:spTree>
     <p:extLst>
       <p:ext uri="{BB962C8B-B14F-4D97-AF65-F5344CB8AC3E}">
@@ -17959,11 +16384,6 @@
   <p:clrMapOvr>
     <a:masterClrMapping/>
   </p:clrMapOvr>
-  <p:extLst>
-    <p:ext uri="{6950BFC3-D8DA-4A85-94F7-54DA5524770B}">
-      <p188:commentRel xmlns:p188="http://schemas.microsoft.com/office/powerpoint/2018/8/main" r:id="rId3"/>
-    </p:ext>
-  </p:extLst>
 </p:sld>
 </file>
 
@@ -18279,10 +16699,10 @@
       </p:grpSpPr>
       <p:pic>
         <p:nvPicPr>
-          <p:cNvPr id="16" name="Picture 15">
+          <p:cNvPr id="8" name="Picture 7">
             <a:extLst>
               <a:ext uri="{FF2B5EF4-FFF2-40B4-BE49-F238E27FC236}">
-                <a16:creationId xmlns:a16="http://schemas.microsoft.com/office/drawing/2014/main" id="{1A9DB966-AAC1-EF34-5732-7AECCB620513}"/>
+                <a16:creationId xmlns:a16="http://schemas.microsoft.com/office/drawing/2014/main" id="{73301F2A-C918-F85E-F9A0-DF21C6A8AF11}"/>
               </a:ext>
             </a:extLst>
           </p:cNvPr>
@@ -18293,13 +16713,13 @@
         </p:nvPicPr>
         <p:blipFill rotWithShape="1">
           <a:blip r:embed="rId3"/>
-          <a:srcRect l="662" t="1939" b="5464"/>
+          <a:srcRect l="1295" t="2807" b="26890"/>
           <a:stretch/>
         </p:blipFill>
         <p:spPr>
           <a:xfrm>
-            <a:off x="623888" y="1247776"/>
-            <a:ext cx="7184607" cy="3303250"/>
+            <a:off x="721217" y="1359038"/>
+            <a:ext cx="8000919" cy="2491746"/>
           </a:xfrm>
           <a:prstGeom prst="rect">
             <a:avLst/>
@@ -18389,115 +16809,6 @@
             <a:r>
               <a:rPr lang="nl-BE" dirty="0"/>
               <a:t>Resultaten: Benaming van variabelen</a:t>
-            </a:r>
-          </a:p>
-        </p:txBody>
-      </p:sp>
-      <p:sp>
-        <p:nvSpPr>
-          <p:cNvPr id="8" name="TextBox 7">
-            <a:extLst>
-              <a:ext uri="{FF2B5EF4-FFF2-40B4-BE49-F238E27FC236}">
-                <a16:creationId xmlns:a16="http://schemas.microsoft.com/office/drawing/2014/main" id="{1A33D78A-780E-CA71-F951-A498D629592F}"/>
-              </a:ext>
-            </a:extLst>
-          </p:cNvPr>
-          <p:cNvSpPr txBox="1"/>
-          <p:nvPr/>
-        </p:nvSpPr>
-        <p:spPr>
-          <a:xfrm>
-            <a:off x="7534776" y="2216367"/>
-            <a:ext cx="3492023" cy="1477328"/>
-          </a:xfrm>
-          <a:prstGeom prst="rect">
-            <a:avLst/>
-          </a:prstGeom>
-          <a:noFill/>
-        </p:spPr>
-        <p:txBody>
-          <a:bodyPr wrap="square">
-            <a:spAutoFit/>
-          </a:bodyPr>
-          <a:lstStyle/>
-          <a:p>
-            <a:r>
-              <a:rPr lang="en-US" dirty="0"/>
-              <a:t>% Generated by CPMpy</a:t>
-            </a:r>
-          </a:p>
-          <a:p>
-            <a:r>
-              <a:rPr lang="en-US" dirty="0"/>
-              <a:t>include "globals.mzn";</a:t>
-            </a:r>
-          </a:p>
-          <a:p>
-            <a:endParaRPr lang="en-US" dirty="0"/>
-          </a:p>
-          <a:p>
-            <a:r>
-              <a:rPr lang="en-US" dirty="0"/>
-              <a:t>var 3..6: +int;</a:t>
-            </a:r>
-          </a:p>
-          <a:p>
-            <a:r>
-              <a:rPr lang="en-US" dirty="0"/>
-              <a:t>constraint (+int) &gt; 4;</a:t>
-            </a:r>
-          </a:p>
-        </p:txBody>
-      </p:sp>
-      <p:sp>
-        <p:nvSpPr>
-          <p:cNvPr id="14" name="TextBox 13">
-            <a:extLst>
-              <a:ext uri="{FF2B5EF4-FFF2-40B4-BE49-F238E27FC236}">
-                <a16:creationId xmlns:a16="http://schemas.microsoft.com/office/drawing/2014/main" id="{FD1A658B-8D78-03FC-AE7A-1A592B590D1E}"/>
-              </a:ext>
-            </a:extLst>
-          </p:cNvPr>
-          <p:cNvSpPr txBox="1"/>
-          <p:nvPr/>
-        </p:nvSpPr>
-        <p:spPr>
-          <a:xfrm>
-            <a:off x="7534776" y="4551026"/>
-            <a:ext cx="6093994" cy="1200329"/>
-          </a:xfrm>
-          <a:prstGeom prst="rect">
-            <a:avLst/>
-          </a:prstGeom>
-          <a:noFill/>
-        </p:spPr>
-        <p:txBody>
-          <a:bodyPr wrap="square">
-            <a:spAutoFit/>
-          </a:bodyPr>
-          <a:lstStyle/>
-          <a:p>
-            <a:r>
-              <a:rPr lang="en-US" dirty="0"/>
-              <a:t>Variables:</a:t>
-            </a:r>
-          </a:p>
-          <a:p>
-            <a:r>
-              <a:rPr lang="en-US" dirty="0"/>
-              <a:t>    +int: 3..6</a:t>
-            </a:r>
-          </a:p>
-          <a:p>
-            <a:r>
-              <a:rPr lang="en-US" dirty="0"/>
-              <a:t>Constraints:</a:t>
-            </a:r>
-          </a:p>
-          <a:p>
-            <a:r>
-              <a:rPr lang="en-US" dirty="0"/>
-              <a:t>    +int &gt; 4</a:t>
             </a:r>
           </a:p>
         </p:txBody>
@@ -18516,7 +16827,7 @@
 </file>
 
 <file path=ppt/slides/slide17.xml><?xml version="1.0" encoding="utf-8"?>
-<p:sld xmlns:a="http://schemas.openxmlformats.org/drawingml/2006/main" xmlns:r="http://schemas.openxmlformats.org/officeDocument/2006/relationships" xmlns:p="http://schemas.openxmlformats.org/presentationml/2006/main" show="0">
+<p:sld xmlns:a="http://schemas.openxmlformats.org/drawingml/2006/main" xmlns:r="http://schemas.openxmlformats.org/officeDocument/2006/relationships" xmlns:p="http://schemas.openxmlformats.org/presentationml/2006/main">
   <p:cSld>
     <p:spTree>
       <p:nvGrpSpPr>
@@ -18534,10 +16845,10 @@
       </p:grpSpPr>
       <p:pic>
         <p:nvPicPr>
-          <p:cNvPr id="6" name="Picture 5">
+          <p:cNvPr id="15" name="Picture 14">
             <a:extLst>
               <a:ext uri="{FF2B5EF4-FFF2-40B4-BE49-F238E27FC236}">
-                <a16:creationId xmlns:a16="http://schemas.microsoft.com/office/drawing/2014/main" id="{61E20E79-E5BB-DCD7-268D-68583420D3E9}"/>
+                <a16:creationId xmlns:a16="http://schemas.microsoft.com/office/drawing/2014/main" id="{5B150A1D-103D-0F08-09EE-8EA505AA0D4B}"/>
               </a:ext>
             </a:extLst>
           </p:cNvPr>
@@ -18548,13 +16859,13 @@
         </p:nvPicPr>
         <p:blipFill rotWithShape="1">
           <a:blip r:embed="rId3"/>
-          <a:srcRect l="1242" t="1937" r="4091" b="14126"/>
+          <a:srcRect l="3625" t="6461" r="-961" b="3665"/>
           <a:stretch/>
         </p:blipFill>
         <p:spPr>
           <a:xfrm>
-            <a:off x="2494280" y="1995169"/>
-            <a:ext cx="7203440" cy="2867661"/>
+            <a:off x="721216" y="1359037"/>
+            <a:ext cx="8418410" cy="3530464"/>
           </a:xfrm>
           <a:prstGeom prst="rect">
             <a:avLst/>
@@ -18643,11 +16954,334 @@
           <a:p>
             <a:r>
               <a:rPr lang="nl-BE" dirty="0"/>
+              <a:t>Resultaten: Benaming van variabelen</a:t>
+            </a:r>
+          </a:p>
+        </p:txBody>
+      </p:sp>
+      <p:sp>
+        <p:nvSpPr>
+          <p:cNvPr id="8" name="TextBox 7">
+            <a:extLst>
+              <a:ext uri="{FF2B5EF4-FFF2-40B4-BE49-F238E27FC236}">
+                <a16:creationId xmlns:a16="http://schemas.microsoft.com/office/drawing/2014/main" id="{1A33D78A-780E-CA71-F951-A498D629592F}"/>
+              </a:ext>
+            </a:extLst>
+          </p:cNvPr>
+          <p:cNvSpPr txBox="1"/>
+          <p:nvPr/>
+        </p:nvSpPr>
+        <p:spPr>
+          <a:xfrm>
+            <a:off x="9388331" y="4052862"/>
+            <a:ext cx="3667269" cy="1477328"/>
+          </a:xfrm>
+          <a:prstGeom prst="rect">
+            <a:avLst/>
+          </a:prstGeom>
+          <a:noFill/>
+        </p:spPr>
+        <p:txBody>
+          <a:bodyPr wrap="square">
+            <a:spAutoFit/>
+          </a:bodyPr>
+          <a:lstStyle/>
+          <a:p>
+            <a:r>
+              <a:rPr lang="en-US" dirty="0"/>
+              <a:t>% Generated by CPMpy</a:t>
+            </a:r>
+          </a:p>
+          <a:p>
+            <a:r>
+              <a:rPr lang="en-US" dirty="0"/>
+              <a:t>include "globals.mzn";</a:t>
+            </a:r>
+          </a:p>
+          <a:p>
+            <a:endParaRPr lang="en-US" dirty="0"/>
+          </a:p>
+          <a:p>
+            <a:r>
+              <a:rPr lang="en-US" dirty="0"/>
+              <a:t>var 0..9: +</a:t>
+            </a:r>
+            <a:r>
+              <a:rPr lang="en-US" dirty="0" err="1"/>
+              <a:t>i</a:t>
+            </a:r>
+            <a:r>
+              <a:rPr lang="en-US" dirty="0"/>
+              <a:t>;</a:t>
+            </a:r>
+          </a:p>
+          <a:p>
+            <a:r>
+              <a:rPr lang="en-US" dirty="0"/>
+              <a:t>constraint (+</a:t>
+            </a:r>
+            <a:r>
+              <a:rPr lang="en-US" dirty="0" err="1"/>
+              <a:t>i</a:t>
+            </a:r>
+            <a:r>
+              <a:rPr lang="en-US" dirty="0"/>
+              <a:t>) &gt; 0;</a:t>
+            </a:r>
+          </a:p>
+        </p:txBody>
+      </p:sp>
+      <p:sp>
+        <p:nvSpPr>
+          <p:cNvPr id="2" name="Left Brace 1">
+            <a:extLst>
+              <a:ext uri="{FF2B5EF4-FFF2-40B4-BE49-F238E27FC236}">
+                <a16:creationId xmlns:a16="http://schemas.microsoft.com/office/drawing/2014/main" id="{65E81299-8ACE-8B3A-AE3B-159CE38EF395}"/>
+              </a:ext>
+            </a:extLst>
+          </p:cNvPr>
+          <p:cNvSpPr/>
+          <p:nvPr/>
+        </p:nvSpPr>
+        <p:spPr>
+          <a:xfrm>
+            <a:off x="8712200" y="3986686"/>
+            <a:ext cx="995854" cy="1609681"/>
+          </a:xfrm>
+          <a:prstGeom prst="leftBrace">
+            <a:avLst>
+              <a:gd name="adj1" fmla="val 8333"/>
+              <a:gd name="adj2" fmla="val 40851"/>
+            </a:avLst>
+          </a:prstGeom>
+        </p:spPr>
+        <p:style>
+          <a:lnRef idx="1">
+            <a:schemeClr val="accent1"/>
+          </a:lnRef>
+          <a:fillRef idx="0">
+            <a:schemeClr val="accent1"/>
+          </a:fillRef>
+          <a:effectRef idx="0">
+            <a:schemeClr val="accent1"/>
+          </a:effectRef>
+          <a:fontRef idx="minor">
+            <a:schemeClr val="tx1"/>
+          </a:fontRef>
+        </p:style>
+        <p:txBody>
+          <a:bodyPr rtlCol="0" anchor="ctr"/>
+          <a:lstStyle/>
+          <a:p>
+            <a:pPr algn="ctr"/>
+            <a:endParaRPr lang="en-US"/>
+          </a:p>
+        </p:txBody>
+      </p:sp>
+      <p:pic>
+        <p:nvPicPr>
+          <p:cNvPr id="6" name="Picture 5">
+            <a:extLst>
+              <a:ext uri="{FF2B5EF4-FFF2-40B4-BE49-F238E27FC236}">
+                <a16:creationId xmlns:a16="http://schemas.microsoft.com/office/drawing/2014/main" id="{2535AD6C-1B00-826D-303F-543D33CADF1E}"/>
+              </a:ext>
+            </a:extLst>
+          </p:cNvPr>
+          <p:cNvPicPr>
+            <a:picLocks noChangeAspect="1"/>
+          </p:cNvPicPr>
+          <p:nvPr/>
+        </p:nvPicPr>
+        <p:blipFill rotWithShape="1">
+          <a:blip r:embed="rId4"/>
+          <a:srcRect l="1295" t="73473" b="1"/>
+          <a:stretch/>
+        </p:blipFill>
+        <p:spPr>
+          <a:xfrm>
+            <a:off x="734096" y="3863662"/>
+            <a:ext cx="8000919" cy="940158"/>
+          </a:xfrm>
+          <a:prstGeom prst="rect">
+            <a:avLst/>
+          </a:prstGeom>
+        </p:spPr>
+      </p:pic>
+      <p:pic>
+        <p:nvPicPr>
+          <p:cNvPr id="9" name="Picture 8">
+            <a:extLst>
+              <a:ext uri="{FF2B5EF4-FFF2-40B4-BE49-F238E27FC236}">
+                <a16:creationId xmlns:a16="http://schemas.microsoft.com/office/drawing/2014/main" id="{BFB1263B-35E6-C040-A6A7-8AB98753F5C8}"/>
+              </a:ext>
+            </a:extLst>
+          </p:cNvPr>
+          <p:cNvPicPr>
+            <a:picLocks noChangeAspect="1"/>
+          </p:cNvPicPr>
+          <p:nvPr/>
+        </p:nvPicPr>
+        <p:blipFill rotWithShape="1">
+          <a:blip r:embed="rId4"/>
+          <a:srcRect l="1576" t="23474" r="-281" b="50000"/>
+          <a:stretch/>
+        </p:blipFill>
+        <p:spPr>
+          <a:xfrm>
+            <a:off x="734096" y="2079758"/>
+            <a:ext cx="8154410" cy="958194"/>
+          </a:xfrm>
+          <a:prstGeom prst="rect">
+            <a:avLst/>
+          </a:prstGeom>
+        </p:spPr>
+      </p:pic>
+    </p:spTree>
+    <p:extLst>
+      <p:ext uri="{BB962C8B-B14F-4D97-AF65-F5344CB8AC3E}">
+        <p14:creationId xmlns:p14="http://schemas.microsoft.com/office/powerpoint/2010/main" val="2368747551"/>
+      </p:ext>
+    </p:extLst>
+  </p:cSld>
+  <p:clrMapOvr>
+    <a:masterClrMapping/>
+  </p:clrMapOvr>
+</p:sld>
+</file>
+
+<file path=ppt/slides/slide18.xml><?xml version="1.0" encoding="utf-8"?>
+<p:sld xmlns:a="http://schemas.openxmlformats.org/drawingml/2006/main" xmlns:r="http://schemas.openxmlformats.org/officeDocument/2006/relationships" xmlns:p="http://schemas.openxmlformats.org/presentationml/2006/main" show="0">
+  <p:cSld>
+    <p:spTree>
+      <p:nvGrpSpPr>
+        <p:cNvPr id="1" name=""/>
+        <p:cNvGrpSpPr/>
+        <p:nvPr/>
+      </p:nvGrpSpPr>
+      <p:grpSpPr>
+        <a:xfrm>
+          <a:off x="0" y="0"/>
+          <a:ext cx="0" cy="0"/>
+          <a:chOff x="0" y="0"/>
+          <a:chExt cx="0" cy="0"/>
+        </a:xfrm>
+      </p:grpSpPr>
+      <p:sp>
+        <p:nvSpPr>
+          <p:cNvPr id="3" name="Footer Placeholder 2">
+            <a:extLst>
+              <a:ext uri="{FF2B5EF4-FFF2-40B4-BE49-F238E27FC236}">
+                <a16:creationId xmlns:a16="http://schemas.microsoft.com/office/drawing/2014/main" id="{9DEC358F-5FE8-CFE8-C712-33F18D0AC4E7}"/>
+              </a:ext>
+            </a:extLst>
+          </p:cNvPr>
+          <p:cNvSpPr>
+            <a:spLocks noGrp="1"/>
+          </p:cNvSpPr>
+          <p:nvPr>
+            <p:ph type="ftr" sz="quarter" idx="11"/>
+          </p:nvPr>
+        </p:nvSpPr>
+        <p:spPr/>
+        <p:txBody>
+          <a:bodyPr/>
+          <a:lstStyle/>
+          <a:p>
+            <a:r>
+              <a:rPr lang="nl-NL"/>
+              <a:t>Faculteit Ingenieurswetenschappen, DTAI</a:t>
+            </a:r>
+          </a:p>
+        </p:txBody>
+      </p:sp>
+      <p:sp>
+        <p:nvSpPr>
+          <p:cNvPr id="4" name="Slide Number Placeholder 3">
+            <a:extLst>
+              <a:ext uri="{FF2B5EF4-FFF2-40B4-BE49-F238E27FC236}">
+                <a16:creationId xmlns:a16="http://schemas.microsoft.com/office/drawing/2014/main" id="{83E5AE0E-A28E-AB21-A117-4EA84A3D035F}"/>
+              </a:ext>
+            </a:extLst>
+          </p:cNvPr>
+          <p:cNvSpPr>
+            <a:spLocks noGrp="1"/>
+          </p:cNvSpPr>
+          <p:nvPr>
+            <p:ph type="sldNum" sz="quarter" idx="12"/>
+          </p:nvPr>
+        </p:nvSpPr>
+        <p:spPr/>
+        <p:txBody>
+          <a:bodyPr/>
+          <a:lstStyle/>
+          <a:p>
+            <a:fld id="{0A297500-7527-634B-90F4-69D0994C32B4}" type="slidenum">
+              <a:rPr lang="nl-NL" smtClean="0"/>
+              <a:t>18</a:t>
+            </a:fld>
+            <a:endParaRPr lang="nl-NL"/>
+          </a:p>
+        </p:txBody>
+      </p:sp>
+      <p:sp>
+        <p:nvSpPr>
+          <p:cNvPr id="5" name="Title 4">
+            <a:extLst>
+              <a:ext uri="{FF2B5EF4-FFF2-40B4-BE49-F238E27FC236}">
+                <a16:creationId xmlns:a16="http://schemas.microsoft.com/office/drawing/2014/main" id="{19E73E39-FB74-A448-89F2-15FF5A0CFE07}"/>
+              </a:ext>
+            </a:extLst>
+          </p:cNvPr>
+          <p:cNvSpPr>
+            <a:spLocks noGrp="1"/>
+          </p:cNvSpPr>
+          <p:nvPr>
+            <p:ph type="title"/>
+          </p:nvPr>
+        </p:nvSpPr>
+        <p:spPr/>
+        <p:txBody>
+          <a:bodyPr>
+            <a:normAutofit/>
+          </a:bodyPr>
+          <a:lstStyle/>
+          <a:p>
+            <a:r>
+              <a:rPr lang="nl-BE" dirty="0"/>
               <a:t>Resultaten: “Gurobi power”-bug</a:t>
             </a:r>
           </a:p>
         </p:txBody>
       </p:sp>
+      <p:pic>
+        <p:nvPicPr>
+          <p:cNvPr id="7" name="Picture 6">
+            <a:extLst>
+              <a:ext uri="{FF2B5EF4-FFF2-40B4-BE49-F238E27FC236}">
+                <a16:creationId xmlns:a16="http://schemas.microsoft.com/office/drawing/2014/main" id="{5D76AF1B-7AEE-DF76-07AC-480D9169008C}"/>
+              </a:ext>
+            </a:extLst>
+          </p:cNvPr>
+          <p:cNvPicPr>
+            <a:picLocks noChangeAspect="1"/>
+          </p:cNvPicPr>
+          <p:nvPr/>
+        </p:nvPicPr>
+        <p:blipFill rotWithShape="1">
+          <a:blip r:embed="rId3"/>
+          <a:srcRect l="1781" t="6496" b="4697"/>
+          <a:stretch/>
+        </p:blipFill>
+        <p:spPr>
+          <a:xfrm>
+            <a:off x="732400" y="1460499"/>
+            <a:ext cx="7797800" cy="3390901"/>
+          </a:xfrm>
+          <a:prstGeom prst="rect">
+            <a:avLst/>
+          </a:prstGeom>
+        </p:spPr>
+      </p:pic>
     </p:spTree>
     <p:extLst>
       <p:ext uri="{BB962C8B-B14F-4D97-AF65-F5344CB8AC3E}">
@@ -18661,7 +17295,7 @@
 </p:sld>
 </file>
 
-<file path=ppt/slides/slide18.xml><?xml version="1.0" encoding="utf-8"?>
+<file path=ppt/slides/slide19.xml><?xml version="1.0" encoding="utf-8"?>
 <p:sld xmlns:a="http://schemas.openxmlformats.org/drawingml/2006/main" xmlns:r="http://schemas.openxmlformats.org/officeDocument/2006/relationships" xmlns:p="http://schemas.openxmlformats.org/presentationml/2006/main">
   <p:cSld>
     <p:spTree>
@@ -18729,7 +17363,7 @@
           <a:p>
             <a:fld id="{0A297500-7527-634B-90F4-69D0994C32B4}" type="slidenum">
               <a:rPr lang="nl-NL" smtClean="0"/>
-              <a:t>18</a:t>
+              <a:t>19</a:t>
             </a:fld>
             <a:endParaRPr lang="nl-NL"/>
           </a:p>
@@ -18778,14 +17412,14 @@
           <p:nvPr>
             <p:extLst>
               <p:ext uri="{D42A27DB-BD31-4B8C-83A1-F6EECF244321}">
-                <p14:modId xmlns:p14="http://schemas.microsoft.com/office/powerpoint/2010/main" val="3760432144"/>
+                <p14:modId xmlns:p14="http://schemas.microsoft.com/office/powerpoint/2010/main" val="2038726503"/>
               </p:ext>
             </p:extLst>
           </p:nvPr>
         </p:nvGraphicFramePr>
         <p:xfrm>
           <a:off x="574801" y="1100072"/>
-          <a:ext cx="11222247" cy="5109930"/>
+          <a:ext cx="11222247" cy="5089136"/>
         </p:xfrm>
         <a:graphic>
           <a:graphicData uri="http://schemas.openxmlformats.org/drawingml/2006/table">
@@ -19799,12 +18433,217 @@
                     <a:p>
                       <a:pPr algn="l" fontAlgn="b"/>
                       <a:r>
+                        <a:rPr lang="en-US" sz="1200" u="none" strike="noStrike" dirty="0">
+                          <a:effectLst/>
+                        </a:rPr>
+                        <a:t>Transformation</a:t>
+                      </a:r>
+                      <a:endParaRPr lang="en-US" sz="1200" b="0" i="0" u="none" strike="noStrike" dirty="0">
+                        <a:solidFill>
+                          <a:srgbClr val="000000"/>
+                        </a:solidFill>
+                        <a:effectLst/>
+                        <a:latin typeface="Calibri" panose="020F0502020204030204" pitchFamily="34" charset="0"/>
+                      </a:endParaRPr>
+                    </a:p>
+                  </a:txBody>
+                  <a:tcPr marL="9525" marR="9525" marT="9525" marB="0" anchor="b"/>
+                </a:tc>
+                <a:tc>
+                  <a:txBody>
+                    <a:bodyPr/>
+                    <a:lstStyle/>
+                    <a:p>
+                      <a:pPr algn="l" fontAlgn="b"/>
+                      <a:r>
                         <a:rPr lang="en-US" sz="1200" u="none" strike="noStrike">
                           <a:effectLst/>
                         </a:rPr>
-                        <a:t>Solver</a:t>
+                        <a:t>UNSATISFIABLE</a:t>
                       </a:r>
                       <a:endParaRPr lang="en-US" sz="1200" b="0" i="0" u="none" strike="noStrike">
+                        <a:solidFill>
+                          <a:srgbClr val="000000"/>
+                        </a:solidFill>
+                        <a:effectLst/>
+                        <a:latin typeface="Calibri" panose="020F0502020204030204" pitchFamily="34" charset="0"/>
+                      </a:endParaRPr>
+                    </a:p>
+                  </a:txBody>
+                  <a:tcPr marL="9525" marR="9525" marT="9525" marB="0" anchor="b"/>
+                </a:tc>
+                <a:tc>
+                  <a:txBody>
+                    <a:bodyPr/>
+                    <a:lstStyle/>
+                    <a:p>
+                      <a:pPr algn="l" fontAlgn="b"/>
+                      <a:r>
+                        <a:rPr lang="en-US" sz="1200" u="none" strike="noStrike" dirty="0">
+                          <a:effectLst/>
+                        </a:rPr>
+                        <a:t>142</a:t>
+                      </a:r>
+                      <a:endParaRPr lang="en-US" sz="1200" b="0" i="0" u="none" strike="noStrike" dirty="0">
+                        <a:solidFill>
+                          <a:srgbClr val="000000"/>
+                        </a:solidFill>
+                        <a:effectLst/>
+                        <a:latin typeface="Calibri" panose="020F0502020204030204" pitchFamily="34" charset="0"/>
+                      </a:endParaRPr>
+                    </a:p>
+                  </a:txBody>
+                  <a:tcPr marL="9525" marR="9525" marT="9525" marB="0" anchor="b">
+                    <a:lnR w="12700" cap="flat" cmpd="sng" algn="ctr">
+                      <a:solidFill>
+                        <a:schemeClr val="tx1"/>
+                      </a:solidFill>
+                      <a:prstDash val="solid"/>
+                      <a:round/>
+                      <a:headEnd type="none" w="med" len="med"/>
+                      <a:tailEnd type="none" w="med" len="med"/>
+                    </a:lnR>
+                  </a:tcPr>
+                </a:tc>
+                <a:tc>
+                  <a:txBody>
+                    <a:bodyPr/>
+                    <a:lstStyle/>
+                    <a:p>
+                      <a:pPr algn="ctr" fontAlgn="b"/>
+                      <a:r>
+                        <a:rPr lang="en-US" sz="1400" u="none" strike="noStrike">
+                          <a:effectLst/>
+                        </a:rPr>
+                        <a:t> </a:t>
+                      </a:r>
+                      <a:endParaRPr lang="en-US" sz="1400" b="0" i="0" u="none" strike="noStrike">
+                        <a:solidFill>
+                          <a:srgbClr val="000000"/>
+                        </a:solidFill>
+                        <a:effectLst/>
+                        <a:latin typeface="Calibri" panose="020F0502020204030204" pitchFamily="34" charset="0"/>
+                      </a:endParaRPr>
+                    </a:p>
+                  </a:txBody>
+                  <a:tcPr marL="9525" marR="9525" marT="9525" marB="0" anchor="b">
+                    <a:lnL w="12700" cap="flat" cmpd="sng" algn="ctr">
+                      <a:solidFill>
+                        <a:schemeClr val="tx1"/>
+                      </a:solidFill>
+                      <a:prstDash val="solid"/>
+                      <a:round/>
+                      <a:headEnd type="none" w="med" len="med"/>
+                      <a:tailEnd type="none" w="med" len="med"/>
+                    </a:lnL>
+                  </a:tcPr>
+                </a:tc>
+                <a:tc>
+                  <a:txBody>
+                    <a:bodyPr/>
+                    <a:lstStyle/>
+                    <a:p>
+                      <a:pPr algn="ctr" fontAlgn="b"/>
+                      <a:r>
+                        <a:rPr lang="en-US" sz="1400" u="none" strike="noStrike" dirty="0">
+                          <a:solidFill>
+                            <a:srgbClr val="0070C0"/>
+                          </a:solidFill>
+                          <a:effectLst/>
+                        </a:rPr>
+                        <a:t>CTORM</a:t>
+                      </a:r>
+                      <a:endParaRPr lang="en-US" sz="1400" b="0" i="0" u="none" strike="noStrike" dirty="0">
+                        <a:solidFill>
+                          <a:srgbClr val="0070C0"/>
+                        </a:solidFill>
+                        <a:effectLst/>
+                        <a:latin typeface="Calibri" panose="020F0502020204030204" pitchFamily="34" charset="0"/>
+                      </a:endParaRPr>
+                    </a:p>
+                  </a:txBody>
+                  <a:tcPr marL="9525" marR="9525" marT="9525" marB="0" anchor="b"/>
+                </a:tc>
+                <a:tc>
+                  <a:txBody>
+                    <a:bodyPr/>
+                    <a:lstStyle/>
+                    <a:p>
+                      <a:pPr algn="ctr" fontAlgn="b"/>
+                      <a:r>
+                        <a:rPr lang="en-US" sz="1400" u="none" strike="noStrike" dirty="0">
+                          <a:solidFill>
+                            <a:srgbClr val="0070C0"/>
+                          </a:solidFill>
+                          <a:effectLst/>
+                        </a:rPr>
+                        <a:t>CTORM</a:t>
+                      </a:r>
+                      <a:endParaRPr lang="en-US" sz="1400" b="0" i="0" u="none" strike="noStrike" dirty="0">
+                        <a:solidFill>
+                          <a:srgbClr val="0070C0"/>
+                        </a:solidFill>
+                        <a:effectLst/>
+                        <a:latin typeface="Calibri" panose="020F0502020204030204" pitchFamily="34" charset="0"/>
+                      </a:endParaRPr>
+                    </a:p>
+                  </a:txBody>
+                  <a:tcPr marL="9525" marR="9525" marT="9525" marB="0" anchor="b"/>
+                </a:tc>
+                <a:tc>
+                  <a:txBody>
+                    <a:bodyPr/>
+                    <a:lstStyle/>
+                    <a:p>
+                      <a:pPr algn="ctr" fontAlgn="b"/>
+                      <a:endParaRPr lang="en-US" sz="1400" b="0" i="0" u="none" strike="noStrike">
+                        <a:solidFill>
+                          <a:srgbClr val="000000"/>
+                        </a:solidFill>
+                        <a:effectLst/>
+                        <a:latin typeface="Calibri" panose="020F0502020204030204" pitchFamily="34" charset="0"/>
+                      </a:endParaRPr>
+                    </a:p>
+                  </a:txBody>
+                  <a:tcPr marL="9525" marR="9525" marT="9525" marB="0" anchor="b"/>
+                </a:tc>
+                <a:tc>
+                  <a:txBody>
+                    <a:bodyPr/>
+                    <a:lstStyle/>
+                    <a:p>
+                      <a:pPr algn="ctr" fontAlgn="b"/>
+                      <a:endParaRPr lang="en-US" sz="1400" b="0" i="0" u="none" strike="noStrike">
+                        <a:solidFill>
+                          <a:srgbClr val="000000"/>
+                        </a:solidFill>
+                        <a:effectLst/>
+                        <a:latin typeface="Calibri" panose="020F0502020204030204" pitchFamily="34" charset="0"/>
+                      </a:endParaRPr>
+                    </a:p>
+                  </a:txBody>
+                  <a:tcPr marL="9525" marR="9525" marT="9525" marB="0" anchor="b"/>
+                </a:tc>
+                <a:extLst>
+                  <a:ext uri="{0D108BD9-81ED-4DB2-BD59-A6C34878D82A}">
+                    <a16:rowId xmlns:a16="http://schemas.microsoft.com/office/drawing/2014/main" val="976475974"/>
+                  </a:ext>
+                </a:extLst>
+              </a:tr>
+              <a:tr h="232177">
+                <a:tc>
+                  <a:txBody>
+                    <a:bodyPr/>
+                    <a:lstStyle/>
+                    <a:p>
+                      <a:pPr algn="l" fontAlgn="b"/>
+                      <a:r>
+                        <a:rPr lang="en-US" sz="1200" u="none" strike="noStrike" dirty="0">
+                          <a:effectLst/>
+                        </a:rPr>
+                        <a:t>Transformation</a:t>
+                      </a:r>
+                      <a:endParaRPr lang="en-US" sz="1200" b="0" i="0" u="none" strike="noStrike" dirty="0">
                         <a:solidFill>
                           <a:srgbClr val="000000"/>
                         </a:solidFill>
@@ -19848,7 +18687,432 @@
                         <a:rPr lang="en-US" sz="1200" u="none" strike="noStrike" dirty="0">
                           <a:effectLst/>
                         </a:rPr>
-                        <a:t>156</a:t>
+                        <a:t>143</a:t>
+                      </a:r>
+                      <a:endParaRPr lang="en-US" sz="1200" b="0" i="0" u="none" strike="noStrike" dirty="0">
+                        <a:solidFill>
+                          <a:srgbClr val="000000"/>
+                        </a:solidFill>
+                        <a:effectLst/>
+                        <a:latin typeface="Calibri" panose="020F0502020204030204" pitchFamily="34" charset="0"/>
+                      </a:endParaRPr>
+                    </a:p>
+                  </a:txBody>
+                  <a:tcPr marL="9525" marR="9525" marT="9525" marB="0" anchor="b">
+                    <a:lnR w="12700" cap="flat" cmpd="sng" algn="ctr">
+                      <a:solidFill>
+                        <a:schemeClr val="tx1"/>
+                      </a:solidFill>
+                      <a:prstDash val="solid"/>
+                      <a:round/>
+                      <a:headEnd type="none" w="med" len="med"/>
+                      <a:tailEnd type="none" w="med" len="med"/>
+                    </a:lnR>
+                  </a:tcPr>
+                </a:tc>
+                <a:tc>
+                  <a:txBody>
+                    <a:bodyPr/>
+                    <a:lstStyle/>
+                    <a:p>
+                      <a:pPr algn="ctr" fontAlgn="b"/>
+                      <a:r>
+                        <a:rPr lang="en-US" sz="1400" u="none" strike="noStrike">
+                          <a:effectLst/>
+                        </a:rPr>
+                        <a:t> </a:t>
+                      </a:r>
+                      <a:endParaRPr lang="en-US" sz="1400" b="0" i="0" u="none" strike="noStrike">
+                        <a:solidFill>
+                          <a:srgbClr val="000000"/>
+                        </a:solidFill>
+                        <a:effectLst/>
+                        <a:latin typeface="Calibri" panose="020F0502020204030204" pitchFamily="34" charset="0"/>
+                      </a:endParaRPr>
+                    </a:p>
+                  </a:txBody>
+                  <a:tcPr marL="9525" marR="9525" marT="9525" marB="0" anchor="b">
+                    <a:lnL w="12700" cap="flat" cmpd="sng" algn="ctr">
+                      <a:solidFill>
+                        <a:schemeClr val="tx1"/>
+                      </a:solidFill>
+                      <a:prstDash val="solid"/>
+                      <a:round/>
+                      <a:headEnd type="none" w="med" len="med"/>
+                      <a:tailEnd type="none" w="med" len="med"/>
+                    </a:lnL>
+                  </a:tcPr>
+                </a:tc>
+                <a:tc>
+                  <a:txBody>
+                    <a:bodyPr/>
+                    <a:lstStyle/>
+                    <a:p>
+                      <a:pPr algn="ctr" fontAlgn="b"/>
+                      <a:r>
+                        <a:rPr lang="en-US" sz="1400" u="none" strike="noStrike" dirty="0">
+                          <a:solidFill>
+                            <a:srgbClr val="0070C0"/>
+                          </a:solidFill>
+                          <a:effectLst/>
+                        </a:rPr>
+                        <a:t>CTORM</a:t>
+                      </a:r>
+                      <a:r>
+                        <a:rPr lang="en-US" sz="1400" u="none" strike="noStrike" dirty="0">
+                          <a:effectLst/>
+                        </a:rPr>
+                        <a:t>, </a:t>
+                      </a:r>
+                      <a:r>
+                        <a:rPr lang="en-US" sz="1400" u="none" strike="noStrike" dirty="0">
+                          <a:solidFill>
+                            <a:srgbClr val="FF0000"/>
+                          </a:solidFill>
+                          <a:effectLst/>
+                        </a:rPr>
+                        <a:t>Meta</a:t>
+                      </a:r>
+                      <a:endParaRPr lang="en-US" sz="1400" b="0" i="0" u="none" strike="noStrike" dirty="0">
+                        <a:solidFill>
+                          <a:srgbClr val="FF0000"/>
+                        </a:solidFill>
+                        <a:effectLst/>
+                        <a:latin typeface="Calibri" panose="020F0502020204030204" pitchFamily="34" charset="0"/>
+                      </a:endParaRPr>
+                    </a:p>
+                  </a:txBody>
+                  <a:tcPr marL="9525" marR="9525" marT="9525" marB="0" anchor="b"/>
+                </a:tc>
+                <a:tc>
+                  <a:txBody>
+                    <a:bodyPr/>
+                    <a:lstStyle/>
+                    <a:p>
+                      <a:pPr algn="ctr" fontAlgn="b"/>
+                      <a:r>
+                        <a:rPr lang="en-US" sz="1400" u="none" strike="noStrike" dirty="0">
+                          <a:solidFill>
+                            <a:srgbClr val="0070C0"/>
+                          </a:solidFill>
+                          <a:effectLst/>
+                        </a:rPr>
+                        <a:t>CTORM</a:t>
+                      </a:r>
+                      <a:r>
+                        <a:rPr lang="en-US" sz="1400" u="none" strike="noStrike" dirty="0">
+                          <a:effectLst/>
+                        </a:rPr>
+                        <a:t>, </a:t>
+                      </a:r>
+                      <a:r>
+                        <a:rPr lang="en-US" sz="1400" u="none" strike="noStrike" dirty="0">
+                          <a:solidFill>
+                            <a:srgbClr val="FF0000"/>
+                          </a:solidFill>
+                          <a:effectLst/>
+                        </a:rPr>
+                        <a:t>Meta</a:t>
+                      </a:r>
+                      <a:endParaRPr lang="en-US" sz="1400" b="0" i="0" u="none" strike="noStrike" dirty="0">
+                        <a:solidFill>
+                          <a:srgbClr val="FF0000"/>
+                        </a:solidFill>
+                        <a:effectLst/>
+                        <a:latin typeface="Calibri" panose="020F0502020204030204" pitchFamily="34" charset="0"/>
+                      </a:endParaRPr>
+                    </a:p>
+                  </a:txBody>
+                  <a:tcPr marL="9525" marR="9525" marT="9525" marB="0" anchor="b"/>
+                </a:tc>
+                <a:tc>
+                  <a:txBody>
+                    <a:bodyPr/>
+                    <a:lstStyle/>
+                    <a:p>
+                      <a:pPr algn="ctr" fontAlgn="b"/>
+                      <a:endParaRPr lang="en-US" sz="1400" b="0" i="0" u="none" strike="noStrike" dirty="0">
+                        <a:solidFill>
+                          <a:srgbClr val="000000"/>
+                        </a:solidFill>
+                        <a:effectLst/>
+                        <a:latin typeface="Calibri" panose="020F0502020204030204" pitchFamily="34" charset="0"/>
+                      </a:endParaRPr>
+                    </a:p>
+                  </a:txBody>
+                  <a:tcPr marL="9525" marR="9525" marT="9525" marB="0" anchor="b"/>
+                </a:tc>
+                <a:tc>
+                  <a:txBody>
+                    <a:bodyPr/>
+                    <a:lstStyle/>
+                    <a:p>
+                      <a:pPr algn="ctr" fontAlgn="b"/>
+                      <a:endParaRPr lang="en-US" sz="1400" b="0" i="0" u="none" strike="noStrike">
+                        <a:solidFill>
+                          <a:srgbClr val="000000"/>
+                        </a:solidFill>
+                        <a:effectLst/>
+                        <a:latin typeface="Calibri" panose="020F0502020204030204" pitchFamily="34" charset="0"/>
+                      </a:endParaRPr>
+                    </a:p>
+                  </a:txBody>
+                  <a:tcPr marL="9525" marR="9525" marT="9525" marB="0" anchor="b"/>
+                </a:tc>
+                <a:extLst>
+                  <a:ext uri="{0D108BD9-81ED-4DB2-BD59-A6C34878D82A}">
+                    <a16:rowId xmlns:a16="http://schemas.microsoft.com/office/drawing/2014/main" val="2117656446"/>
+                  </a:ext>
+                </a:extLst>
+              </a:tr>
+              <a:tr h="232177">
+                <a:tc>
+                  <a:txBody>
+                    <a:bodyPr/>
+                    <a:lstStyle/>
+                    <a:p>
+                      <a:pPr algn="l" fontAlgn="b"/>
+                      <a:r>
+                        <a:rPr lang="en-US" sz="1200" u="none" strike="noStrike" dirty="0">
+                          <a:effectLst/>
+                        </a:rPr>
+                        <a:t>Transformation</a:t>
+                      </a:r>
+                      <a:endParaRPr lang="en-US" sz="1200" b="0" i="0" u="none" strike="noStrike" dirty="0">
+                        <a:solidFill>
+                          <a:srgbClr val="000000"/>
+                        </a:solidFill>
+                        <a:effectLst/>
+                        <a:latin typeface="Calibri" panose="020F0502020204030204" pitchFamily="34" charset="0"/>
+                      </a:endParaRPr>
+                    </a:p>
+                  </a:txBody>
+                  <a:tcPr marL="9525" marR="9525" marT="9525" marB="0" anchor="b"/>
+                </a:tc>
+                <a:tc>
+                  <a:txBody>
+                    <a:bodyPr/>
+                    <a:lstStyle/>
+                    <a:p>
+                      <a:pPr algn="l" fontAlgn="b"/>
+                      <a:r>
+                        <a:rPr lang="en-US" sz="1200" u="none" strike="noStrike" dirty="0">
+                          <a:effectLst/>
+                        </a:rPr>
+                        <a:t>crash</a:t>
+                      </a:r>
+                      <a:endParaRPr lang="en-US" sz="1200" b="0" i="0" u="none" strike="noStrike" dirty="0">
+                        <a:solidFill>
+                          <a:srgbClr val="000000"/>
+                        </a:solidFill>
+                        <a:effectLst/>
+                        <a:latin typeface="Calibri" panose="020F0502020204030204" pitchFamily="34" charset="0"/>
+                      </a:endParaRPr>
+                    </a:p>
+                  </a:txBody>
+                  <a:tcPr marL="9525" marR="9525" marT="9525" marB="0" anchor="b"/>
+                </a:tc>
+                <a:tc>
+                  <a:txBody>
+                    <a:bodyPr/>
+                    <a:lstStyle/>
+                    <a:p>
+                      <a:pPr algn="l" fontAlgn="b"/>
+                      <a:r>
+                        <a:rPr lang="en-US" sz="1200" u="none" strike="noStrike" dirty="0">
+                          <a:effectLst/>
+                        </a:rPr>
+                        <a:t>157</a:t>
+                      </a:r>
+                      <a:endParaRPr lang="en-US" sz="1200" b="0" i="0" u="none" strike="noStrike" dirty="0">
+                        <a:solidFill>
+                          <a:srgbClr val="000000"/>
+                        </a:solidFill>
+                        <a:effectLst/>
+                        <a:latin typeface="Calibri" panose="020F0502020204030204" pitchFamily="34" charset="0"/>
+                      </a:endParaRPr>
+                    </a:p>
+                  </a:txBody>
+                  <a:tcPr marL="9525" marR="9525" marT="9525" marB="0" anchor="b">
+                    <a:lnR w="12700" cap="flat" cmpd="sng" algn="ctr">
+                      <a:solidFill>
+                        <a:schemeClr val="tx1"/>
+                      </a:solidFill>
+                      <a:prstDash val="solid"/>
+                      <a:round/>
+                      <a:headEnd type="none" w="med" len="med"/>
+                      <a:tailEnd type="none" w="med" len="med"/>
+                    </a:lnR>
+                  </a:tcPr>
+                </a:tc>
+                <a:tc>
+                  <a:txBody>
+                    <a:bodyPr/>
+                    <a:lstStyle/>
+                    <a:p>
+                      <a:pPr algn="ctr" fontAlgn="b"/>
+                      <a:r>
+                        <a:rPr lang="en-US" sz="1400" u="none" strike="noStrike" dirty="0">
+                          <a:solidFill>
+                            <a:srgbClr val="FF0000"/>
+                          </a:solidFill>
+                          <a:effectLst/>
+                        </a:rPr>
+                        <a:t>Meta</a:t>
+                      </a:r>
+                      <a:endParaRPr lang="en-US" sz="1400" b="0" i="0" u="none" strike="noStrike" dirty="0">
+                        <a:solidFill>
+                          <a:srgbClr val="FF0000"/>
+                        </a:solidFill>
+                        <a:effectLst/>
+                        <a:latin typeface="Calibri" panose="020F0502020204030204" pitchFamily="34" charset="0"/>
+                      </a:endParaRPr>
+                    </a:p>
+                  </a:txBody>
+                  <a:tcPr marL="9525" marR="9525" marT="9525" marB="0" anchor="b">
+                    <a:lnL w="12700" cap="flat" cmpd="sng" algn="ctr">
+                      <a:solidFill>
+                        <a:schemeClr val="tx1"/>
+                      </a:solidFill>
+                      <a:prstDash val="solid"/>
+                      <a:round/>
+                      <a:headEnd type="none" w="med" len="med"/>
+                      <a:tailEnd type="none" w="med" len="med"/>
+                    </a:lnL>
+                  </a:tcPr>
+                </a:tc>
+                <a:tc>
+                  <a:txBody>
+                    <a:bodyPr/>
+                    <a:lstStyle/>
+                    <a:p>
+                      <a:pPr algn="ctr" fontAlgn="b"/>
+                      <a:endParaRPr lang="en-US" sz="1400" b="0" i="0" u="none" strike="noStrike">
+                        <a:solidFill>
+                          <a:srgbClr val="000000"/>
+                        </a:solidFill>
+                        <a:effectLst/>
+                        <a:latin typeface="Calibri" panose="020F0502020204030204" pitchFamily="34" charset="0"/>
+                      </a:endParaRPr>
+                    </a:p>
+                  </a:txBody>
+                  <a:tcPr marL="9525" marR="9525" marT="9525" marB="0" anchor="b"/>
+                </a:tc>
+                <a:tc>
+                  <a:txBody>
+                    <a:bodyPr/>
+                    <a:lstStyle/>
+                    <a:p>
+                      <a:pPr algn="ctr" fontAlgn="b"/>
+                      <a:endParaRPr lang="en-US" sz="1400" b="0" i="0" u="none" strike="noStrike">
+                        <a:solidFill>
+                          <a:srgbClr val="000000"/>
+                        </a:solidFill>
+                        <a:effectLst/>
+                        <a:latin typeface="Calibri" panose="020F0502020204030204" pitchFamily="34" charset="0"/>
+                      </a:endParaRPr>
+                    </a:p>
+                  </a:txBody>
+                  <a:tcPr marL="9525" marR="9525" marT="9525" marB="0" anchor="b"/>
+                </a:tc>
+                <a:tc>
+                  <a:txBody>
+                    <a:bodyPr/>
+                    <a:lstStyle/>
+                    <a:p>
+                      <a:pPr algn="ctr" fontAlgn="b"/>
+                      <a:endParaRPr lang="en-US" sz="1400" b="0" i="0" u="none" strike="noStrike" dirty="0">
+                        <a:solidFill>
+                          <a:srgbClr val="000000"/>
+                        </a:solidFill>
+                        <a:effectLst/>
+                        <a:latin typeface="Calibri" panose="020F0502020204030204" pitchFamily="34" charset="0"/>
+                      </a:endParaRPr>
+                    </a:p>
+                  </a:txBody>
+                  <a:tcPr marL="9525" marR="9525" marT="9525" marB="0" anchor="b"/>
+                </a:tc>
+                <a:tc>
+                  <a:txBody>
+                    <a:bodyPr/>
+                    <a:lstStyle/>
+                    <a:p>
+                      <a:pPr algn="ctr" fontAlgn="b"/>
+                      <a:endParaRPr lang="en-US" sz="1400" b="0" i="0" u="none" strike="noStrike">
+                        <a:solidFill>
+                          <a:srgbClr val="000000"/>
+                        </a:solidFill>
+                        <a:effectLst/>
+                        <a:latin typeface="Calibri" panose="020F0502020204030204" pitchFamily="34" charset="0"/>
+                      </a:endParaRPr>
+                    </a:p>
+                  </a:txBody>
+                  <a:tcPr marL="9525" marR="9525" marT="9525" marB="0" anchor="b"/>
+                </a:tc>
+                <a:extLst>
+                  <a:ext uri="{0D108BD9-81ED-4DB2-BD59-A6C34878D82A}">
+                    <a16:rowId xmlns:a16="http://schemas.microsoft.com/office/drawing/2014/main" val="2979038379"/>
+                  </a:ext>
+                </a:extLst>
+              </a:tr>
+              <a:tr h="232177">
+                <a:tc>
+                  <a:txBody>
+                    <a:bodyPr/>
+                    <a:lstStyle/>
+                    <a:p>
+                      <a:pPr algn="l" fontAlgn="b"/>
+                      <a:r>
+                        <a:rPr lang="en-US" sz="1200" u="none" strike="noStrike" dirty="0">
+                          <a:effectLst/>
+                        </a:rPr>
+                        <a:t>Transformation</a:t>
+                      </a:r>
+                      <a:endParaRPr lang="en-US" sz="1200" b="0" i="0" u="none" strike="noStrike" dirty="0">
+                        <a:solidFill>
+                          <a:srgbClr val="000000"/>
+                        </a:solidFill>
+                        <a:effectLst/>
+                        <a:latin typeface="Calibri" panose="020F0502020204030204" pitchFamily="34" charset="0"/>
+                      </a:endParaRPr>
+                    </a:p>
+                  </a:txBody>
+                  <a:tcPr marL="9525" marR="9525" marT="9525" marB="0" anchor="b"/>
+                </a:tc>
+                <a:tc>
+                  <a:txBody>
+                    <a:bodyPr/>
+                    <a:lstStyle/>
+                    <a:p>
+                      <a:pPr algn="l" fontAlgn="b"/>
+                      <a:r>
+                        <a:rPr lang="en-US" sz="1200" u="none" strike="noStrike" dirty="0">
+                          <a:effectLst/>
+                        </a:rPr>
+                        <a:t>crash</a:t>
+                      </a:r>
+                      <a:endParaRPr lang="en-US" sz="1200" b="0" i="0" u="none" strike="noStrike" dirty="0">
+                        <a:solidFill>
+                          <a:srgbClr val="000000"/>
+                        </a:solidFill>
+                        <a:effectLst/>
+                        <a:latin typeface="Calibri" panose="020F0502020204030204" pitchFamily="34" charset="0"/>
+                      </a:endParaRPr>
+                    </a:p>
+                  </a:txBody>
+                  <a:tcPr marL="9525" marR="9525" marT="9525" marB="0" anchor="b"/>
+                </a:tc>
+                <a:tc>
+                  <a:txBody>
+                    <a:bodyPr/>
+                    <a:lstStyle/>
+                    <a:p>
+                      <a:pPr algn="l" fontAlgn="b"/>
+                      <a:r>
+                        <a:rPr lang="en-US" sz="1200" u="none" strike="noStrike" dirty="0">
+                          <a:effectLst/>
+                        </a:rPr>
+                        <a:t>164</a:t>
                       </a:r>
                       <a:endParaRPr lang="en-US" sz="1200" b="0" i="0" u="none" strike="noStrike" dirty="0">
                         <a:solidFill>
@@ -19947,6 +19211,396 @@
                       <a:r>
                         <a:rPr lang="en-US" sz="1400" u="none" strike="noStrike" dirty="0">
                           <a:solidFill>
+                            <a:srgbClr val="FF0000"/>
+                          </a:solidFill>
+                          <a:effectLst/>
+                        </a:rPr>
+                        <a:t>Meta</a:t>
+                      </a:r>
+                      <a:endParaRPr lang="en-US" sz="1400" b="0" i="0" u="none" strike="noStrike" dirty="0">
+                        <a:solidFill>
+                          <a:srgbClr val="FF0000"/>
+                        </a:solidFill>
+                        <a:effectLst/>
+                        <a:latin typeface="Calibri" panose="020F0502020204030204" pitchFamily="34" charset="0"/>
+                      </a:endParaRPr>
+                    </a:p>
+                  </a:txBody>
+                  <a:tcPr marL="9525" marR="9525" marT="9525" marB="0" anchor="b"/>
+                </a:tc>
+                <a:tc>
+                  <a:txBody>
+                    <a:bodyPr/>
+                    <a:lstStyle/>
+                    <a:p>
+                      <a:pPr algn="ctr" fontAlgn="b"/>
+                      <a:endParaRPr lang="en-US" sz="1400" b="0" i="0" u="none" strike="noStrike">
+                        <a:solidFill>
+                          <a:srgbClr val="000000"/>
+                        </a:solidFill>
+                        <a:effectLst/>
+                        <a:latin typeface="Calibri" panose="020F0502020204030204" pitchFamily="34" charset="0"/>
+                      </a:endParaRPr>
+                    </a:p>
+                  </a:txBody>
+                  <a:tcPr marL="9525" marR="9525" marT="9525" marB="0" anchor="b"/>
+                </a:tc>
+                <a:extLst>
+                  <a:ext uri="{0D108BD9-81ED-4DB2-BD59-A6C34878D82A}">
+                    <a16:rowId xmlns:a16="http://schemas.microsoft.com/office/drawing/2014/main" val="3452205732"/>
+                  </a:ext>
+                </a:extLst>
+              </a:tr>
+              <a:tr h="232177">
+                <a:tc>
+                  <a:txBody>
+                    <a:bodyPr/>
+                    <a:lstStyle/>
+                    <a:p>
+                      <a:pPr algn="l" fontAlgn="b"/>
+                      <a:r>
+                        <a:rPr lang="en-US" sz="1200" u="none" strike="noStrike" dirty="0">
+                          <a:effectLst/>
+                        </a:rPr>
+                        <a:t>Transformation</a:t>
+                      </a:r>
+                      <a:endParaRPr lang="en-US" sz="1200" b="0" i="0" u="none" strike="noStrike" dirty="0">
+                        <a:solidFill>
+                          <a:srgbClr val="000000"/>
+                        </a:solidFill>
+                        <a:effectLst/>
+                        <a:latin typeface="Calibri" panose="020F0502020204030204" pitchFamily="34" charset="0"/>
+                      </a:endParaRPr>
+                    </a:p>
+                  </a:txBody>
+                  <a:tcPr marL="9525" marR="9525" marT="9525" marB="0" anchor="b"/>
+                </a:tc>
+                <a:tc>
+                  <a:txBody>
+                    <a:bodyPr/>
+                    <a:lstStyle/>
+                    <a:p>
+                      <a:pPr algn="l" fontAlgn="b"/>
+                      <a:r>
+                        <a:rPr lang="en-US" sz="1200" u="none" strike="noStrike">
+                          <a:effectLst/>
+                        </a:rPr>
+                        <a:t>crash</a:t>
+                      </a:r>
+                      <a:endParaRPr lang="en-US" sz="1200" b="0" i="0" u="none" strike="noStrike">
+                        <a:solidFill>
+                          <a:srgbClr val="000000"/>
+                        </a:solidFill>
+                        <a:effectLst/>
+                        <a:latin typeface="Calibri" panose="020F0502020204030204" pitchFamily="34" charset="0"/>
+                      </a:endParaRPr>
+                    </a:p>
+                  </a:txBody>
+                  <a:tcPr marL="9525" marR="9525" marT="9525" marB="0" anchor="b"/>
+                </a:tc>
+                <a:tc>
+                  <a:txBody>
+                    <a:bodyPr/>
+                    <a:lstStyle/>
+                    <a:p>
+                      <a:pPr algn="l" fontAlgn="b"/>
+                      <a:r>
+                        <a:rPr lang="en-US" sz="1200" u="none" strike="noStrike" dirty="0">
+                          <a:effectLst/>
+                        </a:rPr>
+                        <a:t>165</a:t>
+                      </a:r>
+                      <a:endParaRPr lang="en-US" sz="1200" b="0" i="0" u="none" strike="noStrike" dirty="0">
+                        <a:solidFill>
+                          <a:srgbClr val="000000"/>
+                        </a:solidFill>
+                        <a:effectLst/>
+                        <a:latin typeface="Calibri" panose="020F0502020204030204" pitchFamily="34" charset="0"/>
+                      </a:endParaRPr>
+                    </a:p>
+                  </a:txBody>
+                  <a:tcPr marL="9525" marR="9525" marT="9525" marB="0" anchor="b">
+                    <a:lnR w="12700" cap="flat" cmpd="sng" algn="ctr">
+                      <a:solidFill>
+                        <a:schemeClr val="tx1"/>
+                      </a:solidFill>
+                      <a:prstDash val="solid"/>
+                      <a:round/>
+                      <a:headEnd type="none" w="med" len="med"/>
+                      <a:tailEnd type="none" w="med" len="med"/>
+                    </a:lnR>
+                  </a:tcPr>
+                </a:tc>
+                <a:tc>
+                  <a:txBody>
+                    <a:bodyPr/>
+                    <a:lstStyle/>
+                    <a:p>
+                      <a:pPr algn="ctr" fontAlgn="b"/>
+                      <a:r>
+                        <a:rPr lang="en-US" sz="1400" u="none" strike="noStrike" dirty="0">
+                          <a:effectLst/>
+                        </a:rPr>
+                        <a:t> </a:t>
+                      </a:r>
+                      <a:endParaRPr lang="en-US" sz="1400" b="0" i="0" u="none" strike="noStrike" dirty="0">
+                        <a:solidFill>
+                          <a:srgbClr val="000000"/>
+                        </a:solidFill>
+                        <a:effectLst/>
+                        <a:latin typeface="Calibri" panose="020F0502020204030204" pitchFamily="34" charset="0"/>
+                      </a:endParaRPr>
+                    </a:p>
+                  </a:txBody>
+                  <a:tcPr marL="9525" marR="9525" marT="9525" marB="0" anchor="b">
+                    <a:lnL w="12700" cap="flat" cmpd="sng" algn="ctr">
+                      <a:solidFill>
+                        <a:schemeClr val="tx1"/>
+                      </a:solidFill>
+                      <a:prstDash val="solid"/>
+                      <a:round/>
+                      <a:headEnd type="none" w="med" len="med"/>
+                      <a:tailEnd type="none" w="med" len="med"/>
+                    </a:lnL>
+                  </a:tcPr>
+                </a:tc>
+                <a:tc>
+                  <a:txBody>
+                    <a:bodyPr/>
+                    <a:lstStyle/>
+                    <a:p>
+                      <a:pPr algn="ctr" fontAlgn="b"/>
+                      <a:endParaRPr lang="en-US" sz="1400" b="0" i="0" u="none" strike="noStrike" dirty="0">
+                        <a:solidFill>
+                          <a:srgbClr val="000000"/>
+                        </a:solidFill>
+                        <a:effectLst/>
+                        <a:latin typeface="Calibri" panose="020F0502020204030204" pitchFamily="34" charset="0"/>
+                      </a:endParaRPr>
+                    </a:p>
+                  </a:txBody>
+                  <a:tcPr marL="9525" marR="9525" marT="9525" marB="0" anchor="b"/>
+                </a:tc>
+                <a:tc>
+                  <a:txBody>
+                    <a:bodyPr/>
+                    <a:lstStyle/>
+                    <a:p>
+                      <a:pPr algn="ctr" fontAlgn="b"/>
+                      <a:endParaRPr lang="en-US" sz="1400" b="0" i="0" u="none" strike="noStrike" dirty="0">
+                        <a:solidFill>
+                          <a:srgbClr val="000000"/>
+                        </a:solidFill>
+                        <a:effectLst/>
+                        <a:latin typeface="Calibri" panose="020F0502020204030204" pitchFamily="34" charset="0"/>
+                      </a:endParaRPr>
+                    </a:p>
+                  </a:txBody>
+                  <a:tcPr marL="9525" marR="9525" marT="9525" marB="0" anchor="b"/>
+                </a:tc>
+                <a:tc>
+                  <a:txBody>
+                    <a:bodyPr/>
+                    <a:lstStyle/>
+                    <a:p>
+                      <a:pPr algn="ctr" fontAlgn="b"/>
+                      <a:r>
+                        <a:rPr lang="en-US" sz="1400" u="none" strike="noStrike" dirty="0">
+                          <a:solidFill>
+                            <a:srgbClr val="FF0000"/>
+                          </a:solidFill>
+                          <a:effectLst/>
+                        </a:rPr>
+                        <a:t>Meta</a:t>
+                      </a:r>
+                      <a:r>
+                        <a:rPr lang="en-US" sz="1400" u="none" strike="noStrike" dirty="0">
+                          <a:effectLst/>
+                        </a:rPr>
+                        <a:t>, </a:t>
+                      </a:r>
+                      <a:r>
+                        <a:rPr lang="en-US" sz="1400" u="none" strike="noStrike" dirty="0">
+                          <a:solidFill>
+                            <a:srgbClr val="765B16"/>
+                          </a:solidFill>
+                          <a:effectLst/>
+                        </a:rPr>
+                        <a:t>Diff</a:t>
+                      </a:r>
+                      <a:endParaRPr lang="en-US" sz="1400" b="0" i="0" u="none" strike="noStrike" dirty="0">
+                        <a:solidFill>
+                          <a:srgbClr val="765B16"/>
+                        </a:solidFill>
+                        <a:effectLst/>
+                        <a:latin typeface="Calibri" panose="020F0502020204030204" pitchFamily="34" charset="0"/>
+                      </a:endParaRPr>
+                    </a:p>
+                  </a:txBody>
+                  <a:tcPr marL="9525" marR="9525" marT="9525" marB="0" anchor="b"/>
+                </a:tc>
+                <a:tc>
+                  <a:txBody>
+                    <a:bodyPr/>
+                    <a:lstStyle/>
+                    <a:p>
+                      <a:pPr algn="ctr" fontAlgn="b"/>
+                      <a:endParaRPr lang="en-US" sz="1400" b="0" i="0" u="none" strike="noStrike" dirty="0">
+                        <a:solidFill>
+                          <a:srgbClr val="000000"/>
+                        </a:solidFill>
+                        <a:effectLst/>
+                        <a:latin typeface="Calibri" panose="020F0502020204030204" pitchFamily="34" charset="0"/>
+                      </a:endParaRPr>
+                    </a:p>
+                  </a:txBody>
+                  <a:tcPr marL="9525" marR="9525" marT="9525" marB="0" anchor="b"/>
+                </a:tc>
+                <a:extLst>
+                  <a:ext uri="{0D108BD9-81ED-4DB2-BD59-A6C34878D82A}">
+                    <a16:rowId xmlns:a16="http://schemas.microsoft.com/office/drawing/2014/main" val="1141146610"/>
+                  </a:ext>
+                </a:extLst>
+              </a:tr>
+              <a:tr h="232177">
+                <a:tc>
+                  <a:txBody>
+                    <a:bodyPr/>
+                    <a:lstStyle/>
+                    <a:p>
+                      <a:pPr algn="l" fontAlgn="b"/>
+                      <a:r>
+                        <a:rPr lang="en-US" sz="1200" u="none" strike="noStrike" dirty="0">
+                          <a:effectLst/>
+                        </a:rPr>
+                        <a:t>Transformation</a:t>
+                      </a:r>
+                      <a:endParaRPr lang="en-US" sz="1200" b="0" i="0" u="none" strike="noStrike" dirty="0">
+                        <a:solidFill>
+                          <a:srgbClr val="000000"/>
+                        </a:solidFill>
+                        <a:effectLst/>
+                        <a:latin typeface="Calibri" panose="020F0502020204030204" pitchFamily="34" charset="0"/>
+                      </a:endParaRPr>
+                    </a:p>
+                  </a:txBody>
+                  <a:tcPr marL="9525" marR="9525" marT="9525" marB="0" anchor="b"/>
+                </a:tc>
+                <a:tc>
+                  <a:txBody>
+                    <a:bodyPr/>
+                    <a:lstStyle/>
+                    <a:p>
+                      <a:pPr algn="l" fontAlgn="b"/>
+                      <a:r>
+                        <a:rPr lang="en-US" sz="1200" u="none" strike="noStrike">
+                          <a:effectLst/>
+                        </a:rPr>
+                        <a:t>UNSATISFIABLE</a:t>
+                      </a:r>
+                      <a:endParaRPr lang="en-US" sz="1200" b="0" i="0" u="none" strike="noStrike">
+                        <a:solidFill>
+                          <a:srgbClr val="000000"/>
+                        </a:solidFill>
+                        <a:effectLst/>
+                        <a:latin typeface="Calibri" panose="020F0502020204030204" pitchFamily="34" charset="0"/>
+                      </a:endParaRPr>
+                    </a:p>
+                  </a:txBody>
+                  <a:tcPr marL="9525" marR="9525" marT="9525" marB="0" anchor="b"/>
+                </a:tc>
+                <a:tc>
+                  <a:txBody>
+                    <a:bodyPr/>
+                    <a:lstStyle/>
+                    <a:p>
+                      <a:pPr algn="l" fontAlgn="b"/>
+                      <a:r>
+                        <a:rPr lang="en-US" sz="1200" u="none" strike="noStrike" dirty="0">
+                          <a:effectLst/>
+                        </a:rPr>
+                        <a:t>168</a:t>
+                      </a:r>
+                      <a:endParaRPr lang="en-US" sz="1200" b="0" i="0" u="none" strike="noStrike" dirty="0">
+                        <a:solidFill>
+                          <a:srgbClr val="000000"/>
+                        </a:solidFill>
+                        <a:effectLst/>
+                        <a:latin typeface="Calibri" panose="020F0502020204030204" pitchFamily="34" charset="0"/>
+                      </a:endParaRPr>
+                    </a:p>
+                  </a:txBody>
+                  <a:tcPr marL="9525" marR="9525" marT="9525" marB="0" anchor="b">
+                    <a:lnR w="12700" cap="flat" cmpd="sng" algn="ctr">
+                      <a:solidFill>
+                        <a:schemeClr val="tx1"/>
+                      </a:solidFill>
+                      <a:prstDash val="solid"/>
+                      <a:round/>
+                      <a:headEnd type="none" w="med" len="med"/>
+                      <a:tailEnd type="none" w="med" len="med"/>
+                    </a:lnR>
+                  </a:tcPr>
+                </a:tc>
+                <a:tc>
+                  <a:txBody>
+                    <a:bodyPr/>
+                    <a:lstStyle/>
+                    <a:p>
+                      <a:pPr algn="ctr" fontAlgn="b"/>
+                      <a:r>
+                        <a:rPr lang="en-US" sz="1400" u="none" strike="noStrike" dirty="0">
+                          <a:effectLst/>
+                        </a:rPr>
+                        <a:t> </a:t>
+                      </a:r>
+                      <a:endParaRPr lang="en-US" sz="1400" b="0" i="0" u="none" strike="noStrike" dirty="0">
+                        <a:solidFill>
+                          <a:srgbClr val="000000"/>
+                        </a:solidFill>
+                        <a:effectLst/>
+                        <a:latin typeface="Calibri" panose="020F0502020204030204" pitchFamily="34" charset="0"/>
+                      </a:endParaRPr>
+                    </a:p>
+                  </a:txBody>
+                  <a:tcPr marL="9525" marR="9525" marT="9525" marB="0" anchor="b">
+                    <a:lnL w="12700" cap="flat" cmpd="sng" algn="ctr">
+                      <a:solidFill>
+                        <a:schemeClr val="tx1"/>
+                      </a:solidFill>
+                      <a:prstDash val="solid"/>
+                      <a:round/>
+                      <a:headEnd type="none" w="med" len="med"/>
+                      <a:tailEnd type="none" w="med" len="med"/>
+                    </a:lnL>
+                  </a:tcPr>
+                </a:tc>
+                <a:tc>
+                  <a:txBody>
+                    <a:bodyPr/>
+                    <a:lstStyle/>
+                    <a:p>
+                      <a:pPr algn="ctr" fontAlgn="b"/>
+                      <a:endParaRPr lang="en-US" sz="1400" b="0" i="0" u="none" strike="noStrike" dirty="0">
+                        <a:solidFill>
+                          <a:srgbClr val="000000"/>
+                        </a:solidFill>
+                        <a:effectLst/>
+                        <a:latin typeface="Calibri" panose="020F0502020204030204" pitchFamily="34" charset="0"/>
+                      </a:endParaRPr>
+                    </a:p>
+                  </a:txBody>
+                  <a:tcPr marL="9525" marR="9525" marT="9525" marB="0" anchor="b"/>
+                </a:tc>
+                <a:tc>
+                  <a:txBody>
+                    <a:bodyPr/>
+                    <a:lstStyle/>
+                    <a:p>
+                      <a:pPr algn="ctr" fontAlgn="b"/>
+                      <a:r>
+                        <a:rPr lang="en-US" sz="1400" u="none" strike="noStrike" dirty="0">
+                          <a:solidFill>
                             <a:srgbClr val="0070C0"/>
                           </a:solidFill>
                           <a:effectLst/>
@@ -20000,7 +19654,24 @@
                     <a:lstStyle/>
                     <a:p>
                       <a:pPr algn="ctr" fontAlgn="b"/>
-                      <a:endParaRPr lang="en-US" sz="1400" b="0" i="0" u="none" strike="noStrike">
+                      <a:endParaRPr lang="en-US" sz="1400" b="0" i="0" u="none" strike="noStrike" dirty="0">
+                        <a:solidFill>
+                          <a:srgbClr val="000000"/>
+                        </a:solidFill>
+                        <a:effectLst/>
+                        <a:latin typeface="Calibri" panose="020F0502020204030204" pitchFamily="34" charset="0"/>
+                      </a:endParaRPr>
+                    </a:p>
+                  </a:txBody>
+                  <a:tcPr marL="9525" marR="9525" marT="9525" marB="0" anchor="b"/>
+                </a:tc>
+                <a:tc>
+                  <a:txBody>
+                    <a:bodyPr/>
+                    <a:lstStyle/>
+                    <a:p>
+                      <a:pPr algn="ctr" fontAlgn="b"/>
+                      <a:endParaRPr lang="en-US" sz="1400" b="0" i="0" u="none" strike="noStrike" dirty="0">
                         <a:solidFill>
                           <a:srgbClr val="000000"/>
                         </a:solidFill>
@@ -20013,7 +19684,7 @@
                 </a:tc>
                 <a:extLst>
                   <a:ext uri="{0D108BD9-81ED-4DB2-BD59-A6C34878D82A}">
-                    <a16:rowId xmlns:a16="http://schemas.microsoft.com/office/drawing/2014/main" val="645611804"/>
+                    <a16:rowId xmlns:a16="http://schemas.microsoft.com/office/drawing/2014/main" val="1741268784"/>
                   </a:ext>
                 </a:extLst>
               </a:tr>
@@ -20025,12 +19696,247 @@
                     <a:p>
                       <a:pPr algn="l" fontAlgn="b"/>
                       <a:r>
+                        <a:rPr lang="en-US" sz="1200" u="none" strike="noStrike" dirty="0">
+                          <a:effectLst/>
+                        </a:rPr>
+                        <a:t>Transformation</a:t>
+                      </a:r>
+                      <a:endParaRPr lang="en-US" sz="1200" b="0" i="0" u="none" strike="noStrike" dirty="0">
+                        <a:solidFill>
+                          <a:srgbClr val="000000"/>
+                        </a:solidFill>
+                        <a:effectLst/>
+                        <a:latin typeface="Calibri" panose="020F0502020204030204" pitchFamily="34" charset="0"/>
+                      </a:endParaRPr>
+                    </a:p>
+                  </a:txBody>
+                  <a:tcPr marL="9525" marR="9525" marT="9525" marB="0" anchor="b"/>
+                </a:tc>
+                <a:tc>
+                  <a:txBody>
+                    <a:bodyPr/>
+                    <a:lstStyle/>
+                    <a:p>
+                      <a:pPr algn="l" fontAlgn="b"/>
+                      <a:r>
                         <a:rPr lang="en-US" sz="1200" u="none" strike="noStrike">
+                          <a:effectLst/>
+                        </a:rPr>
+                        <a:t>(UN)SATISFIABLE</a:t>
+                      </a:r>
+                      <a:endParaRPr lang="en-US" sz="1200" b="0" i="0" u="none" strike="noStrike">
+                        <a:solidFill>
+                          <a:srgbClr val="000000"/>
+                        </a:solidFill>
+                        <a:effectLst/>
+                        <a:latin typeface="Calibri" panose="020F0502020204030204" pitchFamily="34" charset="0"/>
+                      </a:endParaRPr>
+                    </a:p>
+                  </a:txBody>
+                  <a:tcPr marL="9525" marR="9525" marT="9525" marB="0" anchor="b"/>
+                </a:tc>
+                <a:tc>
+                  <a:txBody>
+                    <a:bodyPr/>
+                    <a:lstStyle/>
+                    <a:p>
+                      <a:pPr algn="l" fontAlgn="b"/>
+                      <a:r>
+                        <a:rPr lang="en-US" sz="1200" u="none" strike="noStrike" dirty="0">
+                          <a:effectLst/>
+                        </a:rPr>
+                        <a:t>170</a:t>
+                      </a:r>
+                      <a:endParaRPr lang="en-US" sz="1200" b="0" i="0" u="none" strike="noStrike" dirty="0">
+                        <a:solidFill>
+                          <a:srgbClr val="000000"/>
+                        </a:solidFill>
+                        <a:effectLst/>
+                        <a:latin typeface="Calibri" panose="020F0502020204030204" pitchFamily="34" charset="0"/>
+                      </a:endParaRPr>
+                    </a:p>
+                  </a:txBody>
+                  <a:tcPr marL="9525" marR="9525" marT="9525" marB="0" anchor="b">
+                    <a:lnR w="12700" cap="flat" cmpd="sng" algn="ctr">
+                      <a:solidFill>
+                        <a:schemeClr val="tx1"/>
+                      </a:solidFill>
+                      <a:prstDash val="solid"/>
+                      <a:round/>
+                      <a:headEnd type="none" w="med" len="med"/>
+                      <a:tailEnd type="none" w="med" len="med"/>
+                    </a:lnR>
+                  </a:tcPr>
+                </a:tc>
+                <a:tc>
+                  <a:txBody>
+                    <a:bodyPr/>
+                    <a:lstStyle/>
+                    <a:p>
+                      <a:pPr algn="ctr" fontAlgn="b"/>
+                      <a:r>
+                        <a:rPr lang="en-US" sz="1400" u="none" strike="noStrike">
+                          <a:effectLst/>
+                        </a:rPr>
+                        <a:t> </a:t>
+                      </a:r>
+                      <a:endParaRPr lang="en-US" sz="1400" b="0" i="0" u="none" strike="noStrike">
+                        <a:solidFill>
+                          <a:srgbClr val="000000"/>
+                        </a:solidFill>
+                        <a:effectLst/>
+                        <a:latin typeface="Calibri" panose="020F0502020204030204" pitchFamily="34" charset="0"/>
+                      </a:endParaRPr>
+                    </a:p>
+                  </a:txBody>
+                  <a:tcPr marL="9525" marR="9525" marT="9525" marB="0" anchor="b">
+                    <a:lnL w="12700" cap="flat" cmpd="sng" algn="ctr">
+                      <a:solidFill>
+                        <a:schemeClr val="tx1"/>
+                      </a:solidFill>
+                      <a:prstDash val="solid"/>
+                      <a:round/>
+                      <a:headEnd type="none" w="med" len="med"/>
+                      <a:tailEnd type="none" w="med" len="med"/>
+                    </a:lnL>
+                  </a:tcPr>
+                </a:tc>
+                <a:tc>
+                  <a:txBody>
+                    <a:bodyPr/>
+                    <a:lstStyle/>
+                    <a:p>
+                      <a:pPr algn="ctr" fontAlgn="b"/>
+                      <a:r>
+                        <a:rPr lang="en-US" sz="1400" u="none" strike="noStrike" dirty="0">
+                          <a:solidFill>
+                            <a:srgbClr val="0070C0"/>
+                          </a:solidFill>
+                          <a:effectLst/>
+                        </a:rPr>
+                        <a:t>CTORM</a:t>
+                      </a:r>
+                      <a:r>
+                        <a:rPr lang="en-US" sz="1400" u="none" strike="noStrike" dirty="0">
+                          <a:effectLst/>
+                        </a:rPr>
+                        <a:t>, </a:t>
+                      </a:r>
+                      <a:r>
+                        <a:rPr lang="en-US" sz="1400" u="none" strike="noStrike" dirty="0">
+                          <a:solidFill>
+                            <a:srgbClr val="FF0000"/>
+                          </a:solidFill>
+                          <a:effectLst/>
+                        </a:rPr>
+                        <a:t>Meta</a:t>
+                      </a:r>
+                      <a:endParaRPr lang="en-US" sz="1400" b="0" i="0" u="none" strike="noStrike" dirty="0">
+                        <a:solidFill>
+                          <a:srgbClr val="FF0000"/>
+                        </a:solidFill>
+                        <a:effectLst/>
+                        <a:latin typeface="Calibri" panose="020F0502020204030204" pitchFamily="34" charset="0"/>
+                      </a:endParaRPr>
+                    </a:p>
+                  </a:txBody>
+                  <a:tcPr marL="9525" marR="9525" marT="9525" marB="0" anchor="b"/>
+                </a:tc>
+                <a:tc>
+                  <a:txBody>
+                    <a:bodyPr/>
+                    <a:lstStyle/>
+                    <a:p>
+                      <a:pPr algn="ctr" fontAlgn="b"/>
+                      <a:r>
+                        <a:rPr lang="en-US" sz="1400" u="none" strike="noStrike" dirty="0">
+                          <a:solidFill>
+                            <a:srgbClr val="0070C0"/>
+                          </a:solidFill>
+                          <a:effectLst/>
+                        </a:rPr>
+                        <a:t>CTORM</a:t>
+                      </a:r>
+                      <a:r>
+                        <a:rPr lang="en-US" sz="1400" u="none" strike="noStrike" dirty="0">
+                          <a:effectLst/>
+                        </a:rPr>
+                        <a:t>, </a:t>
+                      </a:r>
+                      <a:r>
+                        <a:rPr lang="en-US" sz="1400" u="none" strike="noStrike" dirty="0">
+                          <a:solidFill>
+                            <a:srgbClr val="FF0000"/>
+                          </a:solidFill>
+                          <a:effectLst/>
+                        </a:rPr>
+                        <a:t>Meta</a:t>
+                      </a:r>
+                      <a:endParaRPr lang="en-US" sz="1400" b="0" i="0" u="none" strike="noStrike" dirty="0">
+                        <a:solidFill>
+                          <a:srgbClr val="FF0000"/>
+                        </a:solidFill>
+                        <a:effectLst/>
+                        <a:latin typeface="Calibri" panose="020F0502020204030204" pitchFamily="34" charset="0"/>
+                      </a:endParaRPr>
+                    </a:p>
+                  </a:txBody>
+                  <a:tcPr marL="9525" marR="9525" marT="9525" marB="0" anchor="b"/>
+                </a:tc>
+                <a:tc>
+                  <a:txBody>
+                    <a:bodyPr/>
+                    <a:lstStyle/>
+                    <a:p>
+                      <a:pPr algn="ctr" fontAlgn="b"/>
+                      <a:endParaRPr lang="en-US" sz="1400" b="0" i="0" u="none" strike="noStrike" dirty="0">
+                        <a:solidFill>
+                          <a:srgbClr val="000000"/>
+                        </a:solidFill>
+                        <a:effectLst/>
+                        <a:latin typeface="Calibri" panose="020F0502020204030204" pitchFamily="34" charset="0"/>
+                      </a:endParaRPr>
+                    </a:p>
+                  </a:txBody>
+                  <a:tcPr marL="9525" marR="9525" marT="9525" marB="0" anchor="b"/>
+                </a:tc>
+                <a:tc>
+                  <a:txBody>
+                    <a:bodyPr/>
+                    <a:lstStyle/>
+                    <a:p>
+                      <a:pPr algn="ctr" fontAlgn="b"/>
+                      <a:endParaRPr lang="en-US" sz="1400" b="0" i="0" u="none" strike="noStrike" dirty="0">
+                        <a:solidFill>
+                          <a:srgbClr val="000000"/>
+                        </a:solidFill>
+                        <a:effectLst/>
+                        <a:latin typeface="Calibri" panose="020F0502020204030204" pitchFamily="34" charset="0"/>
+                      </a:endParaRPr>
+                    </a:p>
+                  </a:txBody>
+                  <a:tcPr marL="9525" marR="9525" marT="9525" marB="0" anchor="b"/>
+                </a:tc>
+                <a:extLst>
+                  <a:ext uri="{0D108BD9-81ED-4DB2-BD59-A6C34878D82A}">
+                    <a16:rowId xmlns:a16="http://schemas.microsoft.com/office/drawing/2014/main" val="2550397830"/>
+                  </a:ext>
+                </a:extLst>
+              </a:tr>
+              <a:tr h="232177">
+                <a:tc>
+                  <a:txBody>
+                    <a:bodyPr/>
+                    <a:lstStyle/>
+                    <a:p>
+                      <a:pPr algn="l" fontAlgn="b"/>
+                      <a:r>
+                        <a:rPr lang="en-US" sz="1200" u="none" strike="noStrike" dirty="0">
                           <a:effectLst/>
                         </a:rPr>
                         <a:t>Solver Interface</a:t>
                       </a:r>
-                      <a:endParaRPr lang="en-US" sz="1200" b="0" i="0" u="none" strike="noStrike">
+                      <a:endParaRPr lang="en-US" sz="1200" b="0" i="0" u="none" strike="noStrike" dirty="0">
                         <a:solidFill>
                           <a:srgbClr val="000000"/>
                         </a:solidFill>
@@ -20194,7 +20100,7 @@
                     <a:lstStyle/>
                     <a:p>
                       <a:pPr algn="ctr" fontAlgn="b"/>
-                      <a:endParaRPr lang="en-US" sz="1400" b="0" i="0" u="none" strike="noStrike">
+                      <a:endParaRPr lang="en-US" sz="1400" b="0" i="0" u="none" strike="noStrike" dirty="0">
                         <a:solidFill>
                           <a:srgbClr val="000000"/>
                         </a:solidFill>
@@ -20211,7 +20117,7 @@
                     <a:lstStyle/>
                     <a:p>
                       <a:pPr algn="ctr" fontAlgn="b"/>
-                      <a:endParaRPr lang="en-US" sz="1400" b="0" i="0" u="none" strike="noStrike">
+                      <a:endParaRPr lang="en-US" sz="1400" b="0" i="0" u="none" strike="noStrike" dirty="0">
                         <a:solidFill>
                           <a:srgbClr val="000000"/>
                         </a:solidFill>
@@ -20236,12 +20142,12 @@
                     <a:p>
                       <a:pPr algn="l" fontAlgn="b"/>
                       <a:r>
-                        <a:rPr lang="en-US" sz="1200" u="none" strike="noStrike">
+                        <a:rPr lang="en-US" sz="1200" u="none" strike="noStrike" dirty="0">
                           <a:effectLst/>
                         </a:rPr>
                         <a:t>Solver Interface</a:t>
                       </a:r>
-                      <a:endParaRPr lang="en-US" sz="1200" b="0" i="0" u="none" strike="noStrike">
+                      <a:endParaRPr lang="en-US" sz="1200" b="0" i="0" u="none" strike="noStrike" dirty="0">
                         <a:solidFill>
                           <a:srgbClr val="000000"/>
                         </a:solidFill>
@@ -20833,12 +20739,12 @@
                     <a:p>
                       <a:pPr algn="l" fontAlgn="b"/>
                       <a:r>
-                        <a:rPr lang="en-US" sz="1200" u="none" strike="noStrike">
+                        <a:rPr lang="en-US" sz="1200" u="none" strike="noStrike" dirty="0">
                           <a:effectLst/>
                         </a:rPr>
                         <a:t>Solver Interface</a:t>
                       </a:r>
-                      <a:endParaRPr lang="en-US" sz="1200" b="0" i="0" u="none" strike="noStrike">
+                      <a:endParaRPr lang="en-US" sz="1200" b="0" i="0" u="none" strike="noStrike" dirty="0">
                         <a:solidFill>
                           <a:srgbClr val="000000"/>
                         </a:solidFill>
@@ -21034,7 +20940,7 @@
                     <a:lstStyle/>
                     <a:p>
                       <a:pPr algn="ctr" fontAlgn="b"/>
-                      <a:endParaRPr lang="en-US" sz="1400" b="0" i="0" u="none" strike="noStrike">
+                      <a:endParaRPr lang="en-US" sz="1400" b="0" i="0" u="none" strike="noStrike" dirty="0">
                         <a:solidFill>
                           <a:srgbClr val="000000"/>
                         </a:solidFill>
@@ -21285,12 +21191,12 @@
                     <a:p>
                       <a:pPr algn="l" fontAlgn="b"/>
                       <a:r>
-                        <a:rPr lang="en-US" sz="1200" u="none" strike="noStrike">
+                        <a:rPr lang="en-US" sz="1200" u="none" strike="noStrike" dirty="0">
                           <a:effectLst/>
                         </a:rPr>
                         <a:t>Solver Interface</a:t>
                       </a:r>
-                      <a:endParaRPr lang="en-US" sz="1200" b="0" i="0" u="none" strike="noStrike">
+                      <a:endParaRPr lang="en-US" sz="1200" b="0" i="0" u="none" strike="noStrike" dirty="0">
                         <a:solidFill>
                           <a:srgbClr val="000000"/>
                         </a:solidFill>
@@ -21692,35 +21598,12 @@
                     <a:p>
                       <a:pPr algn="l" fontAlgn="b"/>
                       <a:r>
-                        <a:rPr lang="en-US" sz="1200" u="none" strike="noStrike">
+                        <a:rPr lang="en-US" sz="1200" u="none" strike="noStrike" dirty="0">
                           <a:effectLst/>
                         </a:rPr>
-                        <a:t>Transformation</a:t>
+                        <a:t>Solver</a:t>
                       </a:r>
-                      <a:endParaRPr lang="en-US" sz="1200" b="0" i="0" u="none" strike="noStrike">
-                        <a:solidFill>
-                          <a:srgbClr val="000000"/>
-                        </a:solidFill>
-                        <a:effectLst/>
-                        <a:latin typeface="Calibri" panose="020F0502020204030204" pitchFamily="34" charset="0"/>
-                      </a:endParaRPr>
-                    </a:p>
-                  </a:txBody>
-                  <a:tcPr marL="9525" marR="9525" marT="9525" marB="0" anchor="b"/>
-                </a:tc>
-                <a:tc>
-                  <a:txBody>
-                    <a:bodyPr/>
-                    <a:lstStyle/>
-                    <a:p>
-                      <a:pPr algn="l" fontAlgn="b"/>
-                      <a:r>
-                        <a:rPr lang="en-US" sz="1200" u="none" strike="noStrike">
-                          <a:effectLst/>
-                        </a:rPr>
-                        <a:t>UNSATISFIABLE</a:t>
-                      </a:r>
-                      <a:endParaRPr lang="en-US" sz="1200" b="0" i="0" u="none" strike="noStrike">
+                      <a:endParaRPr lang="en-US" sz="1200" b="0" i="0" u="none" strike="noStrike" dirty="0">
                         <a:solidFill>
                           <a:srgbClr val="000000"/>
                         </a:solidFill>
@@ -21741,191 +21624,9 @@
                         <a:rPr lang="en-US" sz="1200" u="none" strike="noStrike" dirty="0">
                           <a:effectLst/>
                         </a:rPr>
-                        <a:t>142</a:t>
+                        <a:t>crash</a:t>
                       </a:r>
                       <a:endParaRPr lang="en-US" sz="1200" b="0" i="0" u="none" strike="noStrike" dirty="0">
-                        <a:solidFill>
-                          <a:srgbClr val="000000"/>
-                        </a:solidFill>
-                        <a:effectLst/>
-                        <a:latin typeface="Calibri" panose="020F0502020204030204" pitchFamily="34" charset="0"/>
-                      </a:endParaRPr>
-                    </a:p>
-                  </a:txBody>
-                  <a:tcPr marL="9525" marR="9525" marT="9525" marB="0" anchor="b">
-                    <a:lnR w="12700" cap="flat" cmpd="sng" algn="ctr">
-                      <a:solidFill>
-                        <a:schemeClr val="tx1"/>
-                      </a:solidFill>
-                      <a:prstDash val="solid"/>
-                      <a:round/>
-                      <a:headEnd type="none" w="med" len="med"/>
-                      <a:tailEnd type="none" w="med" len="med"/>
-                    </a:lnR>
-                  </a:tcPr>
-                </a:tc>
-                <a:tc>
-                  <a:txBody>
-                    <a:bodyPr/>
-                    <a:lstStyle/>
-                    <a:p>
-                      <a:pPr algn="ctr" fontAlgn="b"/>
-                      <a:r>
-                        <a:rPr lang="en-US" sz="1400" u="none" strike="noStrike">
-                          <a:effectLst/>
-                        </a:rPr>
-                        <a:t> </a:t>
-                      </a:r>
-                      <a:endParaRPr lang="en-US" sz="1400" b="0" i="0" u="none" strike="noStrike">
-                        <a:solidFill>
-                          <a:srgbClr val="000000"/>
-                        </a:solidFill>
-                        <a:effectLst/>
-                        <a:latin typeface="Calibri" panose="020F0502020204030204" pitchFamily="34" charset="0"/>
-                      </a:endParaRPr>
-                    </a:p>
-                  </a:txBody>
-                  <a:tcPr marL="9525" marR="9525" marT="9525" marB="0" anchor="b">
-                    <a:lnL w="12700" cap="flat" cmpd="sng" algn="ctr">
-                      <a:solidFill>
-                        <a:schemeClr val="tx1"/>
-                      </a:solidFill>
-                      <a:prstDash val="solid"/>
-                      <a:round/>
-                      <a:headEnd type="none" w="med" len="med"/>
-                      <a:tailEnd type="none" w="med" len="med"/>
-                    </a:lnL>
-                  </a:tcPr>
-                </a:tc>
-                <a:tc>
-                  <a:txBody>
-                    <a:bodyPr/>
-                    <a:lstStyle/>
-                    <a:p>
-                      <a:pPr algn="ctr" fontAlgn="b"/>
-                      <a:r>
-                        <a:rPr lang="en-US" sz="1400" u="none" strike="noStrike" dirty="0">
-                          <a:solidFill>
-                            <a:srgbClr val="0070C0"/>
-                          </a:solidFill>
-                          <a:effectLst/>
-                        </a:rPr>
-                        <a:t>CTORM</a:t>
-                      </a:r>
-                      <a:endParaRPr lang="en-US" sz="1400" b="0" i="0" u="none" strike="noStrike" dirty="0">
-                        <a:solidFill>
-                          <a:srgbClr val="0070C0"/>
-                        </a:solidFill>
-                        <a:effectLst/>
-                        <a:latin typeface="Calibri" panose="020F0502020204030204" pitchFamily="34" charset="0"/>
-                      </a:endParaRPr>
-                    </a:p>
-                  </a:txBody>
-                  <a:tcPr marL="9525" marR="9525" marT="9525" marB="0" anchor="b"/>
-                </a:tc>
-                <a:tc>
-                  <a:txBody>
-                    <a:bodyPr/>
-                    <a:lstStyle/>
-                    <a:p>
-                      <a:pPr algn="ctr" fontAlgn="b"/>
-                      <a:r>
-                        <a:rPr lang="en-US" sz="1400" u="none" strike="noStrike" dirty="0">
-                          <a:solidFill>
-                            <a:srgbClr val="0070C0"/>
-                          </a:solidFill>
-                          <a:effectLst/>
-                        </a:rPr>
-                        <a:t>CTORM</a:t>
-                      </a:r>
-                      <a:endParaRPr lang="en-US" sz="1400" b="0" i="0" u="none" strike="noStrike" dirty="0">
-                        <a:solidFill>
-                          <a:srgbClr val="0070C0"/>
-                        </a:solidFill>
-                        <a:effectLst/>
-                        <a:latin typeface="Calibri" panose="020F0502020204030204" pitchFamily="34" charset="0"/>
-                      </a:endParaRPr>
-                    </a:p>
-                  </a:txBody>
-                  <a:tcPr marL="9525" marR="9525" marT="9525" marB="0" anchor="b"/>
-                </a:tc>
-                <a:tc>
-                  <a:txBody>
-                    <a:bodyPr/>
-                    <a:lstStyle/>
-                    <a:p>
-                      <a:pPr algn="ctr" fontAlgn="b"/>
-                      <a:endParaRPr lang="en-US" sz="1400" b="0" i="0" u="none" strike="noStrike">
-                        <a:solidFill>
-                          <a:srgbClr val="000000"/>
-                        </a:solidFill>
-                        <a:effectLst/>
-                        <a:latin typeface="Calibri" panose="020F0502020204030204" pitchFamily="34" charset="0"/>
-                      </a:endParaRPr>
-                    </a:p>
-                  </a:txBody>
-                  <a:tcPr marL="9525" marR="9525" marT="9525" marB="0" anchor="b"/>
-                </a:tc>
-                <a:tc>
-                  <a:txBody>
-                    <a:bodyPr/>
-                    <a:lstStyle/>
-                    <a:p>
-                      <a:pPr algn="ctr" fontAlgn="b"/>
-                      <a:endParaRPr lang="en-US" sz="1400" b="0" i="0" u="none" strike="noStrike">
-                        <a:solidFill>
-                          <a:srgbClr val="000000"/>
-                        </a:solidFill>
-                        <a:effectLst/>
-                        <a:latin typeface="Calibri" panose="020F0502020204030204" pitchFamily="34" charset="0"/>
-                      </a:endParaRPr>
-                    </a:p>
-                  </a:txBody>
-                  <a:tcPr marL="9525" marR="9525" marT="9525" marB="0" anchor="b"/>
-                </a:tc>
-                <a:extLst>
-                  <a:ext uri="{0D108BD9-81ED-4DB2-BD59-A6C34878D82A}">
-                    <a16:rowId xmlns:a16="http://schemas.microsoft.com/office/drawing/2014/main" val="1688641568"/>
-                  </a:ext>
-                </a:extLst>
-              </a:tr>
-              <a:tr h="232177">
-                <a:tc>
-                  <a:txBody>
-                    <a:bodyPr/>
-                    <a:lstStyle/>
-                    <a:p>
-                      <a:pPr algn="l" fontAlgn="b"/>
-                      <a:r>
-                        <a:rPr lang="en-US" sz="1200" u="none" strike="noStrike">
-                          <a:effectLst/>
-                        </a:rPr>
-                        <a:t>Transformation</a:t>
-                      </a:r>
-                      <a:endParaRPr lang="en-US" sz="1200" b="0" i="0" u="none" strike="noStrike">
-                        <a:solidFill>
-                          <a:srgbClr val="000000"/>
-                        </a:solidFill>
-                        <a:effectLst/>
-                        <a:latin typeface="Calibri" panose="020F0502020204030204" pitchFamily="34" charset="0"/>
-                      </a:endParaRPr>
-                    </a:p>
-                  </a:txBody>
-                  <a:tcPr marL="9525" marR="9525" marT="9525" marB="0" anchor="b"/>
-                </a:tc>
-                <a:tc>
-                  <a:txBody>
-                    <a:bodyPr/>
-                    <a:lstStyle/>
-                    <a:p>
-                      <a:pPr algn="l" fontAlgn="b"/>
-                      <a:r>
-                        <a:rPr lang="en-US" sz="1200" u="none" strike="noStrike">
-                          <a:effectLst/>
-                        </a:rPr>
-                        <a:t>crash</a:t>
-                      </a:r>
-                      <a:endParaRPr lang="en-US" sz="1200" b="0" i="0" u="none" strike="noStrike">
                         <a:solidFill>
                           <a:srgbClr val="000000"/>
                         </a:solidFill>
@@ -21946,242 +21647,7 @@
                         <a:rPr lang="en-US" sz="1200" u="none" strike="noStrike" dirty="0">
                           <a:effectLst/>
                         </a:rPr>
-                        <a:t>143</a:t>
-                      </a:r>
-                      <a:endParaRPr lang="en-US" sz="1200" b="0" i="0" u="none" strike="noStrike" dirty="0">
-                        <a:solidFill>
-                          <a:srgbClr val="000000"/>
-                        </a:solidFill>
-                        <a:effectLst/>
-                        <a:latin typeface="Calibri" panose="020F0502020204030204" pitchFamily="34" charset="0"/>
-                      </a:endParaRPr>
-                    </a:p>
-                  </a:txBody>
-                  <a:tcPr marL="9525" marR="9525" marT="9525" marB="0" anchor="b">
-                    <a:lnR w="12700" cap="flat" cmpd="sng" algn="ctr">
-                      <a:solidFill>
-                        <a:schemeClr val="tx1"/>
-                      </a:solidFill>
-                      <a:prstDash val="solid"/>
-                      <a:round/>
-                      <a:headEnd type="none" w="med" len="med"/>
-                      <a:tailEnd type="none" w="med" len="med"/>
-                    </a:lnR>
-                  </a:tcPr>
-                </a:tc>
-                <a:tc>
-                  <a:txBody>
-                    <a:bodyPr/>
-                    <a:lstStyle/>
-                    <a:p>
-                      <a:pPr algn="ctr" fontAlgn="b"/>
-                      <a:r>
-                        <a:rPr lang="en-US" sz="1400" u="none" strike="noStrike">
-                          <a:effectLst/>
-                        </a:rPr>
-                        <a:t> </a:t>
-                      </a:r>
-                      <a:endParaRPr lang="en-US" sz="1400" b="0" i="0" u="none" strike="noStrike">
-                        <a:solidFill>
-                          <a:srgbClr val="000000"/>
-                        </a:solidFill>
-                        <a:effectLst/>
-                        <a:latin typeface="Calibri" panose="020F0502020204030204" pitchFamily="34" charset="0"/>
-                      </a:endParaRPr>
-                    </a:p>
-                  </a:txBody>
-                  <a:tcPr marL="9525" marR="9525" marT="9525" marB="0" anchor="b">
-                    <a:lnL w="12700" cap="flat" cmpd="sng" algn="ctr">
-                      <a:solidFill>
-                        <a:schemeClr val="tx1"/>
-                      </a:solidFill>
-                      <a:prstDash val="solid"/>
-                      <a:round/>
-                      <a:headEnd type="none" w="med" len="med"/>
-                      <a:tailEnd type="none" w="med" len="med"/>
-                    </a:lnL>
-                  </a:tcPr>
-                </a:tc>
-                <a:tc>
-                  <a:txBody>
-                    <a:bodyPr/>
-                    <a:lstStyle/>
-                    <a:p>
-                      <a:pPr algn="ctr" fontAlgn="b"/>
-                      <a:r>
-                        <a:rPr lang="en-US" sz="1400" u="none" strike="noStrike" dirty="0">
-                          <a:solidFill>
-                            <a:srgbClr val="0070C0"/>
-                          </a:solidFill>
-                          <a:effectLst/>
-                        </a:rPr>
-                        <a:t>CTORM</a:t>
-                      </a:r>
-                      <a:r>
-                        <a:rPr lang="en-US" sz="1400" u="none" strike="noStrike" dirty="0">
-                          <a:effectLst/>
-                        </a:rPr>
-                        <a:t>, </a:t>
-                      </a:r>
-                      <a:r>
-                        <a:rPr lang="en-US" sz="1400" u="none" strike="noStrike" dirty="0">
-                          <a:solidFill>
-                            <a:srgbClr val="FF0000"/>
-                          </a:solidFill>
-                          <a:effectLst/>
-                        </a:rPr>
-                        <a:t>Meta</a:t>
-                      </a:r>
-                      <a:endParaRPr lang="en-US" sz="1400" b="0" i="0" u="none" strike="noStrike" dirty="0">
-                        <a:solidFill>
-                          <a:srgbClr val="FF0000"/>
-                        </a:solidFill>
-                        <a:effectLst/>
-                        <a:latin typeface="Calibri" panose="020F0502020204030204" pitchFamily="34" charset="0"/>
-                      </a:endParaRPr>
-                    </a:p>
-                  </a:txBody>
-                  <a:tcPr marL="9525" marR="9525" marT="9525" marB="0" anchor="b"/>
-                </a:tc>
-                <a:tc>
-                  <a:txBody>
-                    <a:bodyPr/>
-                    <a:lstStyle/>
-                    <a:p>
-                      <a:pPr algn="ctr" fontAlgn="b"/>
-                      <a:r>
-                        <a:rPr lang="en-US" sz="1400" u="none" strike="noStrike" dirty="0">
-                          <a:solidFill>
-                            <a:srgbClr val="0070C0"/>
-                          </a:solidFill>
-                          <a:effectLst/>
-                        </a:rPr>
-                        <a:t>CTORM</a:t>
-                      </a:r>
-                      <a:r>
-                        <a:rPr lang="en-US" sz="1400" u="none" strike="noStrike" dirty="0">
-                          <a:effectLst/>
-                        </a:rPr>
-                        <a:t>, </a:t>
-                      </a:r>
-                      <a:r>
-                        <a:rPr lang="en-US" sz="1400" u="none" strike="noStrike" dirty="0">
-                          <a:solidFill>
-                            <a:srgbClr val="FF0000"/>
-                          </a:solidFill>
-                          <a:effectLst/>
-                        </a:rPr>
-                        <a:t>Meta</a:t>
-                      </a:r>
-                      <a:endParaRPr lang="en-US" sz="1400" b="0" i="0" u="none" strike="noStrike" dirty="0">
-                        <a:solidFill>
-                          <a:srgbClr val="FF0000"/>
-                        </a:solidFill>
-                        <a:effectLst/>
-                        <a:latin typeface="Calibri" panose="020F0502020204030204" pitchFamily="34" charset="0"/>
-                      </a:endParaRPr>
-                    </a:p>
-                  </a:txBody>
-                  <a:tcPr marL="9525" marR="9525" marT="9525" marB="0" anchor="b"/>
-                </a:tc>
-                <a:tc>
-                  <a:txBody>
-                    <a:bodyPr/>
-                    <a:lstStyle/>
-                    <a:p>
-                      <a:pPr algn="ctr" fontAlgn="b"/>
-                      <a:endParaRPr lang="en-US" sz="1400" b="0" i="0" u="none" strike="noStrike" dirty="0">
-                        <a:solidFill>
-                          <a:srgbClr val="000000"/>
-                        </a:solidFill>
-                        <a:effectLst/>
-                        <a:latin typeface="Calibri" panose="020F0502020204030204" pitchFamily="34" charset="0"/>
-                      </a:endParaRPr>
-                    </a:p>
-                  </a:txBody>
-                  <a:tcPr marL="9525" marR="9525" marT="9525" marB="0" anchor="b"/>
-                </a:tc>
-                <a:tc>
-                  <a:txBody>
-                    <a:bodyPr/>
-                    <a:lstStyle/>
-                    <a:p>
-                      <a:pPr algn="ctr" fontAlgn="b"/>
-                      <a:endParaRPr lang="en-US" sz="1400" b="0" i="0" u="none" strike="noStrike">
-                        <a:solidFill>
-                          <a:srgbClr val="000000"/>
-                        </a:solidFill>
-                        <a:effectLst/>
-                        <a:latin typeface="Calibri" panose="020F0502020204030204" pitchFamily="34" charset="0"/>
-                      </a:endParaRPr>
-                    </a:p>
-                  </a:txBody>
-                  <a:tcPr marL="9525" marR="9525" marT="9525" marB="0" anchor="b"/>
-                </a:tc>
-                <a:extLst>
-                  <a:ext uri="{0D108BD9-81ED-4DB2-BD59-A6C34878D82A}">
-                    <a16:rowId xmlns:a16="http://schemas.microsoft.com/office/drawing/2014/main" val="1143161819"/>
-                  </a:ext>
-                </a:extLst>
-              </a:tr>
-              <a:tr h="232177">
-                <a:tc>
-                  <a:txBody>
-                    <a:bodyPr/>
-                    <a:lstStyle/>
-                    <a:p>
-                      <a:pPr algn="l" fontAlgn="b"/>
-                      <a:r>
-                        <a:rPr lang="en-US" sz="1200" u="none" strike="noStrike">
-                          <a:effectLst/>
-                        </a:rPr>
-                        <a:t>Transformation</a:t>
-                      </a:r>
-                      <a:endParaRPr lang="en-US" sz="1200" b="0" i="0" u="none" strike="noStrike">
-                        <a:solidFill>
-                          <a:srgbClr val="000000"/>
-                        </a:solidFill>
-                        <a:effectLst/>
-                        <a:latin typeface="Calibri" panose="020F0502020204030204" pitchFamily="34" charset="0"/>
-                      </a:endParaRPr>
-                    </a:p>
-                  </a:txBody>
-                  <a:tcPr marL="9525" marR="9525" marT="9525" marB="0" anchor="b"/>
-                </a:tc>
-                <a:tc>
-                  <a:txBody>
-                    <a:bodyPr/>
-                    <a:lstStyle/>
-                    <a:p>
-                      <a:pPr algn="l" fontAlgn="b"/>
-                      <a:r>
-                        <a:rPr lang="en-US" sz="1200" u="none" strike="noStrike">
-                          <a:effectLst/>
-                        </a:rPr>
-                        <a:t>crash</a:t>
-                      </a:r>
-                      <a:endParaRPr lang="en-US" sz="1200" b="0" i="0" u="none" strike="noStrike">
-                        <a:solidFill>
-                          <a:srgbClr val="000000"/>
-                        </a:solidFill>
-                        <a:effectLst/>
-                        <a:latin typeface="Calibri" panose="020F0502020204030204" pitchFamily="34" charset="0"/>
-                      </a:endParaRPr>
-                    </a:p>
-                  </a:txBody>
-                  <a:tcPr marL="9525" marR="9525" marT="9525" marB="0" anchor="b"/>
-                </a:tc>
-                <a:tc>
-                  <a:txBody>
-                    <a:bodyPr/>
-                    <a:lstStyle/>
-                    <a:p>
-                      <a:pPr algn="l" fontAlgn="b"/>
-                      <a:r>
-                        <a:rPr lang="en-US" sz="1200" u="none" strike="noStrike" dirty="0">
-                          <a:effectLst/>
-                        </a:rPr>
-                        <a:t>157</a:t>
+                        <a:t>156</a:t>
                       </a:r>
                       <a:endParaRPr lang="en-US" sz="1200" b="0" i="0" u="none" strike="noStrike" dirty="0">
                         <a:solidFill>
@@ -22212,201 +21678,11 @@
                       <a:pPr algn="ctr" fontAlgn="b"/>
                       <a:r>
                         <a:rPr lang="en-US" sz="1400" u="none" strike="noStrike" dirty="0">
-                          <a:solidFill>
-                            <a:srgbClr val="FF0000"/>
-                          </a:solidFill>
-                          <a:effectLst/>
-                        </a:rPr>
-                        <a:t>Meta</a:t>
-                      </a:r>
-                      <a:endParaRPr lang="en-US" sz="1400" b="0" i="0" u="none" strike="noStrike" dirty="0">
-                        <a:solidFill>
-                          <a:srgbClr val="FF0000"/>
-                        </a:solidFill>
-                        <a:effectLst/>
-                        <a:latin typeface="Calibri" panose="020F0502020204030204" pitchFamily="34" charset="0"/>
-                      </a:endParaRPr>
-                    </a:p>
-                  </a:txBody>
-                  <a:tcPr marL="9525" marR="9525" marT="9525" marB="0" anchor="b">
-                    <a:lnL w="12700" cap="flat" cmpd="sng" algn="ctr">
-                      <a:solidFill>
-                        <a:schemeClr val="tx1"/>
-                      </a:solidFill>
-                      <a:prstDash val="solid"/>
-                      <a:round/>
-                      <a:headEnd type="none" w="med" len="med"/>
-                      <a:tailEnd type="none" w="med" len="med"/>
-                    </a:lnL>
-                  </a:tcPr>
-                </a:tc>
-                <a:tc>
-                  <a:txBody>
-                    <a:bodyPr/>
-                    <a:lstStyle/>
-                    <a:p>
-                      <a:pPr algn="ctr" fontAlgn="b"/>
-                      <a:endParaRPr lang="en-US" sz="1400" b="0" i="0" u="none" strike="noStrike">
-                        <a:solidFill>
-                          <a:srgbClr val="000000"/>
-                        </a:solidFill>
-                        <a:effectLst/>
-                        <a:latin typeface="Calibri" panose="020F0502020204030204" pitchFamily="34" charset="0"/>
-                      </a:endParaRPr>
-                    </a:p>
-                  </a:txBody>
-                  <a:tcPr marL="9525" marR="9525" marT="9525" marB="0" anchor="b"/>
-                </a:tc>
-                <a:tc>
-                  <a:txBody>
-                    <a:bodyPr/>
-                    <a:lstStyle/>
-                    <a:p>
-                      <a:pPr algn="ctr" fontAlgn="b"/>
-                      <a:endParaRPr lang="en-US" sz="1400" b="0" i="0" u="none" strike="noStrike">
-                        <a:solidFill>
-                          <a:srgbClr val="000000"/>
-                        </a:solidFill>
-                        <a:effectLst/>
-                        <a:latin typeface="Calibri" panose="020F0502020204030204" pitchFamily="34" charset="0"/>
-                      </a:endParaRPr>
-                    </a:p>
-                  </a:txBody>
-                  <a:tcPr marL="9525" marR="9525" marT="9525" marB="0" anchor="b"/>
-                </a:tc>
-                <a:tc>
-                  <a:txBody>
-                    <a:bodyPr/>
-                    <a:lstStyle/>
-                    <a:p>
-                      <a:pPr algn="ctr" fontAlgn="b"/>
-                      <a:endParaRPr lang="en-US" sz="1400" b="0" i="0" u="none" strike="noStrike" dirty="0">
-                        <a:solidFill>
-                          <a:srgbClr val="000000"/>
-                        </a:solidFill>
-                        <a:effectLst/>
-                        <a:latin typeface="Calibri" panose="020F0502020204030204" pitchFamily="34" charset="0"/>
-                      </a:endParaRPr>
-                    </a:p>
-                  </a:txBody>
-                  <a:tcPr marL="9525" marR="9525" marT="9525" marB="0" anchor="b"/>
-                </a:tc>
-                <a:tc>
-                  <a:txBody>
-                    <a:bodyPr/>
-                    <a:lstStyle/>
-                    <a:p>
-                      <a:pPr algn="ctr" fontAlgn="b"/>
-                      <a:endParaRPr lang="en-US" sz="1400" b="0" i="0" u="none" strike="noStrike">
-                        <a:solidFill>
-                          <a:srgbClr val="000000"/>
-                        </a:solidFill>
-                        <a:effectLst/>
-                        <a:latin typeface="Calibri" panose="020F0502020204030204" pitchFamily="34" charset="0"/>
-                      </a:endParaRPr>
-                    </a:p>
-                  </a:txBody>
-                  <a:tcPr marL="9525" marR="9525" marT="9525" marB="0" anchor="b"/>
-                </a:tc>
-                <a:extLst>
-                  <a:ext uri="{0D108BD9-81ED-4DB2-BD59-A6C34878D82A}">
-                    <a16:rowId xmlns:a16="http://schemas.microsoft.com/office/drawing/2014/main" val="220547431"/>
-                  </a:ext>
-                </a:extLst>
-              </a:tr>
-              <a:tr h="232177">
-                <a:tc>
-                  <a:txBody>
-                    <a:bodyPr/>
-                    <a:lstStyle/>
-                    <a:p>
-                      <a:pPr algn="l" fontAlgn="b"/>
-                      <a:r>
-                        <a:rPr lang="en-US" sz="1200" u="none" strike="noStrike">
-                          <a:effectLst/>
-                        </a:rPr>
-                        <a:t>Transformation</a:t>
-                      </a:r>
-                      <a:endParaRPr lang="en-US" sz="1200" b="0" i="0" u="none" strike="noStrike">
-                        <a:solidFill>
-                          <a:srgbClr val="000000"/>
-                        </a:solidFill>
-                        <a:effectLst/>
-                        <a:latin typeface="Calibri" panose="020F0502020204030204" pitchFamily="34" charset="0"/>
-                      </a:endParaRPr>
-                    </a:p>
-                  </a:txBody>
-                  <a:tcPr marL="9525" marR="9525" marT="9525" marB="0" anchor="b"/>
-                </a:tc>
-                <a:tc>
-                  <a:txBody>
-                    <a:bodyPr/>
-                    <a:lstStyle/>
-                    <a:p>
-                      <a:pPr algn="l" fontAlgn="b"/>
-                      <a:r>
-                        <a:rPr lang="en-US" sz="1200" u="none" strike="noStrike">
-                          <a:effectLst/>
-                        </a:rPr>
-                        <a:t>crash</a:t>
-                      </a:r>
-                      <a:endParaRPr lang="en-US" sz="1200" b="0" i="0" u="none" strike="noStrike">
-                        <a:solidFill>
-                          <a:srgbClr val="000000"/>
-                        </a:solidFill>
-                        <a:effectLst/>
-                        <a:latin typeface="Calibri" panose="020F0502020204030204" pitchFamily="34" charset="0"/>
-                      </a:endParaRPr>
-                    </a:p>
-                  </a:txBody>
-                  <a:tcPr marL="9525" marR="9525" marT="9525" marB="0" anchor="b"/>
-                </a:tc>
-                <a:tc>
-                  <a:txBody>
-                    <a:bodyPr/>
-                    <a:lstStyle/>
-                    <a:p>
-                      <a:pPr algn="l" fontAlgn="b"/>
-                      <a:r>
-                        <a:rPr lang="en-US" sz="1200" u="none" strike="noStrike" dirty="0">
-                          <a:effectLst/>
-                        </a:rPr>
-                        <a:t>164</a:t>
-                      </a:r>
-                      <a:endParaRPr lang="en-US" sz="1200" b="0" i="0" u="none" strike="noStrike" dirty="0">
-                        <a:solidFill>
-                          <a:srgbClr val="000000"/>
-                        </a:solidFill>
-                        <a:effectLst/>
-                        <a:latin typeface="Calibri" panose="020F0502020204030204" pitchFamily="34" charset="0"/>
-                      </a:endParaRPr>
-                    </a:p>
-                  </a:txBody>
-                  <a:tcPr marL="9525" marR="9525" marT="9525" marB="0" anchor="b">
-                    <a:lnR w="12700" cap="flat" cmpd="sng" algn="ctr">
-                      <a:solidFill>
-                        <a:schemeClr val="tx1"/>
-                      </a:solidFill>
-                      <a:prstDash val="solid"/>
-                      <a:round/>
-                      <a:headEnd type="none" w="med" len="med"/>
-                      <a:tailEnd type="none" w="med" len="med"/>
-                    </a:lnR>
-                  </a:tcPr>
-                </a:tc>
-                <a:tc>
-                  <a:txBody>
-                    <a:bodyPr/>
-                    <a:lstStyle/>
-                    <a:p>
-                      <a:pPr algn="ctr" fontAlgn="b"/>
-                      <a:r>
-                        <a:rPr lang="en-US" sz="1400" u="none" strike="noStrike">
                           <a:effectLst/>
                         </a:rPr>
                         <a:t> </a:t>
                       </a:r>
-                      <a:endParaRPr lang="en-US" sz="1400" b="0" i="0" u="none" strike="noStrike">
+                      <a:endParaRPr lang="en-US" sz="1400" b="0" i="0" u="none" strike="noStrike" dirty="0">
                         <a:solidFill>
                           <a:srgbClr val="000000"/>
                         </a:solidFill>
@@ -22433,277 +21709,6 @@
                     <a:lstStyle/>
                     <a:p>
                       <a:pPr algn="ctr" fontAlgn="b"/>
-                      <a:endParaRPr lang="en-US" sz="1400" b="0" i="0" u="none" strike="noStrike">
-                        <a:solidFill>
-                          <a:srgbClr val="000000"/>
-                        </a:solidFill>
-                        <a:effectLst/>
-                        <a:latin typeface="Calibri" panose="020F0502020204030204" pitchFamily="34" charset="0"/>
-                      </a:endParaRPr>
-                    </a:p>
-                  </a:txBody>
-                  <a:tcPr marL="9525" marR="9525" marT="9525" marB="0" anchor="b"/>
-                </a:tc>
-                <a:tc>
-                  <a:txBody>
-                    <a:bodyPr/>
-                    <a:lstStyle/>
-                    <a:p>
-                      <a:pPr algn="ctr" fontAlgn="b"/>
-                      <a:endParaRPr lang="en-US" sz="1400" b="0" i="0" u="none" strike="noStrike">
-                        <a:solidFill>
-                          <a:srgbClr val="000000"/>
-                        </a:solidFill>
-                        <a:effectLst/>
-                        <a:latin typeface="Calibri" panose="020F0502020204030204" pitchFamily="34" charset="0"/>
-                      </a:endParaRPr>
-                    </a:p>
-                  </a:txBody>
-                  <a:tcPr marL="9525" marR="9525" marT="9525" marB="0" anchor="b"/>
-                </a:tc>
-                <a:tc>
-                  <a:txBody>
-                    <a:bodyPr/>
-                    <a:lstStyle/>
-                    <a:p>
-                      <a:pPr algn="ctr" fontAlgn="b"/>
-                      <a:r>
-                        <a:rPr lang="en-US" sz="1400" u="none" strike="noStrike" dirty="0">
-                          <a:solidFill>
-                            <a:srgbClr val="FF0000"/>
-                          </a:solidFill>
-                          <a:effectLst/>
-                        </a:rPr>
-                        <a:t>Meta</a:t>
-                      </a:r>
-                      <a:endParaRPr lang="en-US" sz="1400" b="0" i="0" u="none" strike="noStrike" dirty="0">
-                        <a:solidFill>
-                          <a:srgbClr val="FF0000"/>
-                        </a:solidFill>
-                        <a:effectLst/>
-                        <a:latin typeface="Calibri" panose="020F0502020204030204" pitchFamily="34" charset="0"/>
-                      </a:endParaRPr>
-                    </a:p>
-                  </a:txBody>
-                  <a:tcPr marL="9525" marR="9525" marT="9525" marB="0" anchor="b"/>
-                </a:tc>
-                <a:tc>
-                  <a:txBody>
-                    <a:bodyPr/>
-                    <a:lstStyle/>
-                    <a:p>
-                      <a:pPr algn="ctr" fontAlgn="b"/>
-                      <a:endParaRPr lang="en-US" sz="1400" b="0" i="0" u="none" strike="noStrike">
-                        <a:solidFill>
-                          <a:srgbClr val="000000"/>
-                        </a:solidFill>
-                        <a:effectLst/>
-                        <a:latin typeface="Calibri" panose="020F0502020204030204" pitchFamily="34" charset="0"/>
-                      </a:endParaRPr>
-                    </a:p>
-                  </a:txBody>
-                  <a:tcPr marL="9525" marR="9525" marT="9525" marB="0" anchor="b"/>
-                </a:tc>
-                <a:extLst>
-                  <a:ext uri="{0D108BD9-81ED-4DB2-BD59-A6C34878D82A}">
-                    <a16:rowId xmlns:a16="http://schemas.microsoft.com/office/drawing/2014/main" val="1970500012"/>
-                  </a:ext>
-                </a:extLst>
-              </a:tr>
-              <a:tr h="232177">
-                <a:tc>
-                  <a:txBody>
-                    <a:bodyPr/>
-                    <a:lstStyle/>
-                    <a:p>
-                      <a:pPr algn="l" fontAlgn="b"/>
-                      <a:r>
-                        <a:rPr lang="en-US" sz="1200" u="none" strike="noStrike">
-                          <a:effectLst/>
-                        </a:rPr>
-                        <a:t>Transformation</a:t>
-                      </a:r>
-                      <a:endParaRPr lang="en-US" sz="1200" b="0" i="0" u="none" strike="noStrike">
-                        <a:solidFill>
-                          <a:srgbClr val="000000"/>
-                        </a:solidFill>
-                        <a:effectLst/>
-                        <a:latin typeface="Calibri" panose="020F0502020204030204" pitchFamily="34" charset="0"/>
-                      </a:endParaRPr>
-                    </a:p>
-                  </a:txBody>
-                  <a:tcPr marL="9525" marR="9525" marT="9525" marB="0" anchor="b"/>
-                </a:tc>
-                <a:tc>
-                  <a:txBody>
-                    <a:bodyPr/>
-                    <a:lstStyle/>
-                    <a:p>
-                      <a:pPr algn="l" fontAlgn="b"/>
-                      <a:r>
-                        <a:rPr lang="en-US" sz="1200" u="none" strike="noStrike">
-                          <a:effectLst/>
-                        </a:rPr>
-                        <a:t>crash</a:t>
-                      </a:r>
-                      <a:endParaRPr lang="en-US" sz="1200" b="0" i="0" u="none" strike="noStrike">
-                        <a:solidFill>
-                          <a:srgbClr val="000000"/>
-                        </a:solidFill>
-                        <a:effectLst/>
-                        <a:latin typeface="Calibri" panose="020F0502020204030204" pitchFamily="34" charset="0"/>
-                      </a:endParaRPr>
-                    </a:p>
-                  </a:txBody>
-                  <a:tcPr marL="9525" marR="9525" marT="9525" marB="0" anchor="b"/>
-                </a:tc>
-                <a:tc>
-                  <a:txBody>
-                    <a:bodyPr/>
-                    <a:lstStyle/>
-                    <a:p>
-                      <a:pPr algn="l" fontAlgn="b"/>
-                      <a:r>
-                        <a:rPr lang="en-US" sz="1200" u="none" strike="noStrike" dirty="0">
-                          <a:effectLst/>
-                        </a:rPr>
-                        <a:t>165</a:t>
-                      </a:r>
-                      <a:endParaRPr lang="en-US" sz="1200" b="0" i="0" u="none" strike="noStrike" dirty="0">
-                        <a:solidFill>
-                          <a:srgbClr val="000000"/>
-                        </a:solidFill>
-                        <a:effectLst/>
-                        <a:latin typeface="Calibri" panose="020F0502020204030204" pitchFamily="34" charset="0"/>
-                      </a:endParaRPr>
-                    </a:p>
-                  </a:txBody>
-                  <a:tcPr marL="9525" marR="9525" marT="9525" marB="0" anchor="b">
-                    <a:lnR w="12700" cap="flat" cmpd="sng" algn="ctr">
-                      <a:solidFill>
-                        <a:schemeClr val="tx1"/>
-                      </a:solidFill>
-                      <a:prstDash val="solid"/>
-                      <a:round/>
-                      <a:headEnd type="none" w="med" len="med"/>
-                      <a:tailEnd type="none" w="med" len="med"/>
-                    </a:lnR>
-                  </a:tcPr>
-                </a:tc>
-                <a:tc>
-                  <a:txBody>
-                    <a:bodyPr/>
-                    <a:lstStyle/>
-                    <a:p>
-                      <a:pPr algn="ctr" fontAlgn="b"/>
-                      <a:r>
-                        <a:rPr lang="en-US" sz="1400" u="none" strike="noStrike">
-                          <a:effectLst/>
-                        </a:rPr>
-                        <a:t> </a:t>
-                      </a:r>
-                      <a:endParaRPr lang="en-US" sz="1400" b="0" i="0" u="none" strike="noStrike">
-                        <a:solidFill>
-                          <a:srgbClr val="000000"/>
-                        </a:solidFill>
-                        <a:effectLst/>
-                        <a:latin typeface="Calibri" panose="020F0502020204030204" pitchFamily="34" charset="0"/>
-                      </a:endParaRPr>
-                    </a:p>
-                  </a:txBody>
-                  <a:tcPr marL="9525" marR="9525" marT="9525" marB="0" anchor="b">
-                    <a:lnL w="12700" cap="flat" cmpd="sng" algn="ctr">
-                      <a:solidFill>
-                        <a:schemeClr val="tx1"/>
-                      </a:solidFill>
-                      <a:prstDash val="solid"/>
-                      <a:round/>
-                      <a:headEnd type="none" w="med" len="med"/>
-                      <a:tailEnd type="none" w="med" len="med"/>
-                    </a:lnL>
-                  </a:tcPr>
-                </a:tc>
-                <a:tc>
-                  <a:txBody>
-                    <a:bodyPr/>
-                    <a:lstStyle/>
-                    <a:p>
-                      <a:pPr algn="ctr" fontAlgn="b"/>
-                      <a:endParaRPr lang="en-US" sz="1400" b="0" i="0" u="none" strike="noStrike">
-                        <a:solidFill>
-                          <a:srgbClr val="000000"/>
-                        </a:solidFill>
-                        <a:effectLst/>
-                        <a:latin typeface="Calibri" panose="020F0502020204030204" pitchFamily="34" charset="0"/>
-                      </a:endParaRPr>
-                    </a:p>
-                  </a:txBody>
-                  <a:tcPr marL="9525" marR="9525" marT="9525" marB="0" anchor="b"/>
-                </a:tc>
-                <a:tc>
-                  <a:txBody>
-                    <a:bodyPr/>
-                    <a:lstStyle/>
-                    <a:p>
-                      <a:pPr algn="ctr" fontAlgn="b"/>
-                      <a:endParaRPr lang="en-US" sz="1400" b="0" i="0" u="none" strike="noStrike">
-                        <a:solidFill>
-                          <a:srgbClr val="000000"/>
-                        </a:solidFill>
-                        <a:effectLst/>
-                        <a:latin typeface="Calibri" panose="020F0502020204030204" pitchFamily="34" charset="0"/>
-                      </a:endParaRPr>
-                    </a:p>
-                  </a:txBody>
-                  <a:tcPr marL="9525" marR="9525" marT="9525" marB="0" anchor="b"/>
-                </a:tc>
-                <a:tc>
-                  <a:txBody>
-                    <a:bodyPr/>
-                    <a:lstStyle/>
-                    <a:p>
-                      <a:pPr algn="ctr" fontAlgn="b"/>
-                      <a:r>
-                        <a:rPr lang="en-US" sz="1400" u="none" strike="noStrike" dirty="0">
-                          <a:solidFill>
-                            <a:srgbClr val="FF0000"/>
-                          </a:solidFill>
-                          <a:effectLst/>
-                        </a:rPr>
-                        <a:t>Meta</a:t>
-                      </a:r>
-                      <a:r>
-                        <a:rPr lang="en-US" sz="1400" u="none" strike="noStrike" dirty="0">
-                          <a:effectLst/>
-                        </a:rPr>
-                        <a:t>, </a:t>
-                      </a:r>
-                      <a:r>
-                        <a:rPr lang="en-US" sz="1400" u="none" strike="noStrike" dirty="0">
-                          <a:solidFill>
-                            <a:srgbClr val="765B16"/>
-                          </a:solidFill>
-                          <a:effectLst/>
-                        </a:rPr>
-                        <a:t>Diff</a:t>
-                      </a:r>
-                      <a:endParaRPr lang="en-US" sz="1400" b="0" i="0" u="none" strike="noStrike" dirty="0">
-                        <a:solidFill>
-                          <a:srgbClr val="765B16"/>
-                        </a:solidFill>
-                        <a:effectLst/>
-                        <a:latin typeface="Calibri" panose="020F0502020204030204" pitchFamily="34" charset="0"/>
-                      </a:endParaRPr>
-                    </a:p>
-                  </a:txBody>
-                  <a:tcPr marL="9525" marR="9525" marT="9525" marB="0" anchor="b"/>
-                </a:tc>
-                <a:tc>
-                  <a:txBody>
-                    <a:bodyPr/>
-                    <a:lstStyle/>
-                    <a:p>
-                      <a:pPr algn="ctr" fontAlgn="b"/>
                       <a:endParaRPr lang="en-US" sz="1400" b="0" i="0" u="none" strike="noStrike" dirty="0">
                         <a:solidFill>
                           <a:srgbClr val="000000"/>
@@ -22714,125 +21719,6 @@
                     </a:p>
                   </a:txBody>
                   <a:tcPr marL="9525" marR="9525" marT="9525" marB="0" anchor="b"/>
-                </a:tc>
-                <a:extLst>
-                  <a:ext uri="{0D108BD9-81ED-4DB2-BD59-A6C34878D82A}">
-                    <a16:rowId xmlns:a16="http://schemas.microsoft.com/office/drawing/2014/main" val="1331539315"/>
-                  </a:ext>
-                </a:extLst>
-              </a:tr>
-              <a:tr h="252971">
-                <a:tc>
-                  <a:txBody>
-                    <a:bodyPr/>
-                    <a:lstStyle/>
-                    <a:p>
-                      <a:pPr algn="l" fontAlgn="b"/>
-                      <a:r>
-                        <a:rPr lang="en-US" sz="1200" u="none" strike="noStrike">
-                          <a:effectLst/>
-                        </a:rPr>
-                        <a:t>Transformation</a:t>
-                      </a:r>
-                      <a:endParaRPr lang="en-US" sz="1200" b="0" i="0" u="none" strike="noStrike">
-                        <a:solidFill>
-                          <a:srgbClr val="000000"/>
-                        </a:solidFill>
-                        <a:effectLst/>
-                        <a:latin typeface="Calibri" panose="020F0502020204030204" pitchFamily="34" charset="0"/>
-                      </a:endParaRPr>
-                    </a:p>
-                  </a:txBody>
-                  <a:tcPr marL="9525" marR="9525" marT="9525" marB="0" anchor="b"/>
-                </a:tc>
-                <a:tc>
-                  <a:txBody>
-                    <a:bodyPr/>
-                    <a:lstStyle/>
-                    <a:p>
-                      <a:pPr algn="l" fontAlgn="b"/>
-                      <a:r>
-                        <a:rPr lang="en-US" sz="1200" u="none" strike="noStrike">
-                          <a:effectLst/>
-                        </a:rPr>
-                        <a:t>UNSATISFIABLE</a:t>
-                      </a:r>
-                      <a:endParaRPr lang="en-US" sz="1200" b="0" i="0" u="none" strike="noStrike">
-                        <a:solidFill>
-                          <a:srgbClr val="000000"/>
-                        </a:solidFill>
-                        <a:effectLst/>
-                        <a:latin typeface="Calibri" panose="020F0502020204030204" pitchFamily="34" charset="0"/>
-                      </a:endParaRPr>
-                    </a:p>
-                  </a:txBody>
-                  <a:tcPr marL="9525" marR="9525" marT="9525" marB="0" anchor="b"/>
-                </a:tc>
-                <a:tc>
-                  <a:txBody>
-                    <a:bodyPr/>
-                    <a:lstStyle/>
-                    <a:p>
-                      <a:pPr algn="l" fontAlgn="b"/>
-                      <a:r>
-                        <a:rPr lang="en-US" sz="1200" u="none" strike="noStrike" dirty="0">
-                          <a:effectLst/>
-                        </a:rPr>
-                        <a:t>168</a:t>
-                      </a:r>
-                      <a:endParaRPr lang="en-US" sz="1200" b="0" i="0" u="none" strike="noStrike" dirty="0">
-                        <a:solidFill>
-                          <a:srgbClr val="000000"/>
-                        </a:solidFill>
-                        <a:effectLst/>
-                        <a:latin typeface="Calibri" panose="020F0502020204030204" pitchFamily="34" charset="0"/>
-                      </a:endParaRPr>
-                    </a:p>
-                  </a:txBody>
-                  <a:tcPr marL="9525" marR="9525" marT="9525" marB="0" anchor="b">
-                    <a:lnR w="12700" cap="flat" cmpd="sng" algn="ctr">
-                      <a:solidFill>
-                        <a:schemeClr val="tx1"/>
-                      </a:solidFill>
-                      <a:prstDash val="solid"/>
-                      <a:round/>
-                      <a:headEnd type="none" w="med" len="med"/>
-                      <a:tailEnd type="none" w="med" len="med"/>
-                    </a:lnR>
-                  </a:tcPr>
-                </a:tc>
-                <a:tc>
-                  <a:txBody>
-                    <a:bodyPr/>
-                    <a:lstStyle/>
-                    <a:p>
-                      <a:pPr algn="ctr" fontAlgn="b"/>
-                      <a:r>
-                        <a:rPr lang="en-US" sz="1400" u="none" strike="noStrike">
-                          <a:effectLst/>
-                        </a:rPr>
-                        <a:t> </a:t>
-                      </a:r>
-                      <a:endParaRPr lang="en-US" sz="1400" b="0" i="0" u="none" strike="noStrike">
-                        <a:solidFill>
-                          <a:srgbClr val="000000"/>
-                        </a:solidFill>
-                        <a:effectLst/>
-                        <a:latin typeface="Calibri" panose="020F0502020204030204" pitchFamily="34" charset="0"/>
-                      </a:endParaRPr>
-                    </a:p>
-                  </a:txBody>
-                  <a:tcPr marL="9525" marR="9525" marT="9525" marB="0" anchor="b">
-                    <a:lnL w="12700" cap="flat" cmpd="sng" algn="ctr">
-                      <a:solidFill>
-                        <a:schemeClr val="tx1"/>
-                      </a:solidFill>
-                      <a:prstDash val="solid"/>
-                      <a:round/>
-                      <a:headEnd type="none" w="med" len="med"/>
-                      <a:tailEnd type="none" w="med" len="med"/>
-                    </a:lnL>
-                  </a:tcPr>
                 </a:tc>
                 <a:tc>
                   <a:txBody>
@@ -22913,23 +21799,6 @@
                     <a:lstStyle/>
                     <a:p>
                       <a:pPr algn="ctr" fontAlgn="b"/>
-                      <a:endParaRPr lang="en-US" sz="1400" b="0" i="0" u="none" strike="noStrike">
-                        <a:solidFill>
-                          <a:srgbClr val="000000"/>
-                        </a:solidFill>
-                        <a:effectLst/>
-                        <a:latin typeface="Calibri" panose="020F0502020204030204" pitchFamily="34" charset="0"/>
-                      </a:endParaRPr>
-                    </a:p>
-                  </a:txBody>
-                  <a:tcPr marL="9525" marR="9525" marT="9525" marB="0" anchor="b"/>
-                </a:tc>
-                <a:tc>
-                  <a:txBody>
-                    <a:bodyPr/>
-                    <a:lstStyle/>
-                    <a:p>
-                      <a:pPr algn="ctr" fontAlgn="b"/>
                       <a:endParaRPr lang="en-US" sz="1400" b="0" i="0" u="none" strike="noStrike" dirty="0">
                         <a:solidFill>
                           <a:srgbClr val="000000"/>
@@ -22943,242 +21812,7 @@
                 </a:tc>
                 <a:extLst>
                   <a:ext uri="{0D108BD9-81ED-4DB2-BD59-A6C34878D82A}">
-                    <a16:rowId xmlns:a16="http://schemas.microsoft.com/office/drawing/2014/main" val="1171060002"/>
-                  </a:ext>
-                </a:extLst>
-              </a:tr>
-              <a:tr h="232177">
-                <a:tc>
-                  <a:txBody>
-                    <a:bodyPr/>
-                    <a:lstStyle/>
-                    <a:p>
-                      <a:pPr algn="l" fontAlgn="b"/>
-                      <a:r>
-                        <a:rPr lang="en-US" sz="1200" u="none" strike="noStrike">
-                          <a:effectLst/>
-                        </a:rPr>
-                        <a:t>Transformation</a:t>
-                      </a:r>
-                      <a:endParaRPr lang="en-US" sz="1200" b="0" i="0" u="none" strike="noStrike">
-                        <a:solidFill>
-                          <a:srgbClr val="000000"/>
-                        </a:solidFill>
-                        <a:effectLst/>
-                        <a:latin typeface="Calibri" panose="020F0502020204030204" pitchFamily="34" charset="0"/>
-                      </a:endParaRPr>
-                    </a:p>
-                  </a:txBody>
-                  <a:tcPr marL="9525" marR="9525" marT="9525" marB="0" anchor="b"/>
-                </a:tc>
-                <a:tc>
-                  <a:txBody>
-                    <a:bodyPr/>
-                    <a:lstStyle/>
-                    <a:p>
-                      <a:pPr algn="l" fontAlgn="b"/>
-                      <a:r>
-                        <a:rPr lang="en-US" sz="1200" u="none" strike="noStrike">
-                          <a:effectLst/>
-                        </a:rPr>
-                        <a:t>(UN)SATISFIABLE</a:t>
-                      </a:r>
-                      <a:endParaRPr lang="en-US" sz="1200" b="0" i="0" u="none" strike="noStrike">
-                        <a:solidFill>
-                          <a:srgbClr val="000000"/>
-                        </a:solidFill>
-                        <a:effectLst/>
-                        <a:latin typeface="Calibri" panose="020F0502020204030204" pitchFamily="34" charset="0"/>
-                      </a:endParaRPr>
-                    </a:p>
-                  </a:txBody>
-                  <a:tcPr marL="9525" marR="9525" marT="9525" marB="0" anchor="b"/>
-                </a:tc>
-                <a:tc>
-                  <a:txBody>
-                    <a:bodyPr/>
-                    <a:lstStyle/>
-                    <a:p>
-                      <a:pPr algn="l" fontAlgn="b"/>
-                      <a:r>
-                        <a:rPr lang="en-US" sz="1200" u="none" strike="noStrike" dirty="0">
-                          <a:effectLst/>
-                        </a:rPr>
-                        <a:t>170</a:t>
-                      </a:r>
-                      <a:endParaRPr lang="en-US" sz="1200" b="0" i="0" u="none" strike="noStrike" dirty="0">
-                        <a:solidFill>
-                          <a:srgbClr val="000000"/>
-                        </a:solidFill>
-                        <a:effectLst/>
-                        <a:latin typeface="Calibri" panose="020F0502020204030204" pitchFamily="34" charset="0"/>
-                      </a:endParaRPr>
-                    </a:p>
-                  </a:txBody>
-                  <a:tcPr marL="9525" marR="9525" marT="9525" marB="0" anchor="b">
-                    <a:lnR w="12700" cap="flat" cmpd="sng" algn="ctr">
-                      <a:solidFill>
-                        <a:schemeClr val="tx1"/>
-                      </a:solidFill>
-                      <a:prstDash val="solid"/>
-                      <a:round/>
-                      <a:headEnd type="none" w="med" len="med"/>
-                      <a:tailEnd type="none" w="med" len="med"/>
-                    </a:lnR>
-                  </a:tcPr>
-                </a:tc>
-                <a:tc>
-                  <a:txBody>
-                    <a:bodyPr/>
-                    <a:lstStyle/>
-                    <a:p>
-                      <a:pPr algn="ctr" fontAlgn="b"/>
-                      <a:r>
-                        <a:rPr lang="en-US" sz="1400" u="none" strike="noStrike">
-                          <a:effectLst/>
-                        </a:rPr>
-                        <a:t> </a:t>
-                      </a:r>
-                      <a:endParaRPr lang="en-US" sz="1400" b="0" i="0" u="none" strike="noStrike">
-                        <a:solidFill>
-                          <a:srgbClr val="000000"/>
-                        </a:solidFill>
-                        <a:effectLst/>
-                        <a:latin typeface="Calibri" panose="020F0502020204030204" pitchFamily="34" charset="0"/>
-                      </a:endParaRPr>
-                    </a:p>
-                  </a:txBody>
-                  <a:tcPr marL="9525" marR="9525" marT="9525" marB="0" anchor="b">
-                    <a:lnL w="12700" cap="flat" cmpd="sng" algn="ctr">
-                      <a:solidFill>
-                        <a:schemeClr val="tx1"/>
-                      </a:solidFill>
-                      <a:prstDash val="solid"/>
-                      <a:round/>
-                      <a:headEnd type="none" w="med" len="med"/>
-                      <a:tailEnd type="none" w="med" len="med"/>
-                    </a:lnL>
-                  </a:tcPr>
-                </a:tc>
-                <a:tc>
-                  <a:txBody>
-                    <a:bodyPr/>
-                    <a:lstStyle/>
-                    <a:p>
-                      <a:pPr algn="ctr" fontAlgn="b"/>
-                      <a:r>
-                        <a:rPr lang="en-US" sz="1400" u="none" strike="noStrike" dirty="0">
-                          <a:solidFill>
-                            <a:srgbClr val="0070C0"/>
-                          </a:solidFill>
-                          <a:effectLst/>
-                        </a:rPr>
-                        <a:t>CTORM</a:t>
-                      </a:r>
-                      <a:r>
-                        <a:rPr lang="en-US" sz="1400" u="none" strike="noStrike" dirty="0">
-                          <a:effectLst/>
-                        </a:rPr>
-                        <a:t>, </a:t>
-                      </a:r>
-                      <a:r>
-                        <a:rPr lang="en-US" sz="1400" u="none" strike="noStrike" dirty="0">
-                          <a:solidFill>
-                            <a:srgbClr val="FF0000"/>
-                          </a:solidFill>
-                          <a:effectLst/>
-                        </a:rPr>
-                        <a:t>Meta</a:t>
-                      </a:r>
-                      <a:endParaRPr lang="en-US" sz="1400" b="0" i="0" u="none" strike="noStrike" dirty="0">
-                        <a:solidFill>
-                          <a:srgbClr val="FF0000"/>
-                        </a:solidFill>
-                        <a:effectLst/>
-                        <a:latin typeface="Calibri" panose="020F0502020204030204" pitchFamily="34" charset="0"/>
-                      </a:endParaRPr>
-                    </a:p>
-                  </a:txBody>
-                  <a:tcPr marL="9525" marR="9525" marT="9525" marB="0" anchor="b"/>
-                </a:tc>
-                <a:tc>
-                  <a:txBody>
-                    <a:bodyPr/>
-                    <a:lstStyle/>
-                    <a:p>
-                      <a:pPr algn="ctr" fontAlgn="b"/>
-                      <a:r>
-                        <a:rPr lang="en-US" sz="1400" u="none" strike="noStrike" dirty="0">
-                          <a:solidFill>
-                            <a:srgbClr val="0070C0"/>
-                          </a:solidFill>
-                          <a:effectLst/>
-                        </a:rPr>
-                        <a:t>CTORM</a:t>
-                      </a:r>
-                      <a:r>
-                        <a:rPr lang="en-US" sz="1400" u="none" strike="noStrike" dirty="0">
-                          <a:effectLst/>
-                        </a:rPr>
-                        <a:t>, </a:t>
-                      </a:r>
-                      <a:r>
-                        <a:rPr lang="en-US" sz="1400" u="none" strike="noStrike" dirty="0">
-                          <a:solidFill>
-                            <a:srgbClr val="FF0000"/>
-                          </a:solidFill>
-                          <a:effectLst/>
-                        </a:rPr>
-                        <a:t>Meta</a:t>
-                      </a:r>
-                      <a:endParaRPr lang="en-US" sz="1400" b="0" i="0" u="none" strike="noStrike" dirty="0">
-                        <a:solidFill>
-                          <a:srgbClr val="FF0000"/>
-                        </a:solidFill>
-                        <a:effectLst/>
-                        <a:latin typeface="Calibri" panose="020F0502020204030204" pitchFamily="34" charset="0"/>
-                      </a:endParaRPr>
-                    </a:p>
-                  </a:txBody>
-                  <a:tcPr marL="9525" marR="9525" marT="9525" marB="0" anchor="b"/>
-                </a:tc>
-                <a:tc>
-                  <a:txBody>
-                    <a:bodyPr/>
-                    <a:lstStyle/>
-                    <a:p>
-                      <a:pPr algn="ctr" fontAlgn="b"/>
-                      <a:endParaRPr lang="en-US" sz="1400" b="0" i="0" u="none" strike="noStrike">
-                        <a:solidFill>
-                          <a:srgbClr val="000000"/>
-                        </a:solidFill>
-                        <a:effectLst/>
-                        <a:latin typeface="Calibri" panose="020F0502020204030204" pitchFamily="34" charset="0"/>
-                      </a:endParaRPr>
-                    </a:p>
-                  </a:txBody>
-                  <a:tcPr marL="9525" marR="9525" marT="9525" marB="0" anchor="b"/>
-                </a:tc>
-                <a:tc>
-                  <a:txBody>
-                    <a:bodyPr/>
-                    <a:lstStyle/>
-                    <a:p>
-                      <a:pPr algn="ctr" fontAlgn="b"/>
-                      <a:endParaRPr lang="en-US" sz="1400" b="0" i="0" u="none" strike="noStrike" dirty="0">
-                        <a:solidFill>
-                          <a:srgbClr val="000000"/>
-                        </a:solidFill>
-                        <a:effectLst/>
-                        <a:latin typeface="Calibri" panose="020F0502020204030204" pitchFamily="34" charset="0"/>
-                      </a:endParaRPr>
-                    </a:p>
-                  </a:txBody>
-                  <a:tcPr marL="9525" marR="9525" marT="9525" marB="0" anchor="b"/>
-                </a:tc>
-                <a:extLst>
-                  <a:ext uri="{0D108BD9-81ED-4DB2-BD59-A6C34878D82A}">
-                    <a16:rowId xmlns:a16="http://schemas.microsoft.com/office/drawing/2014/main" val="2841540367"/>
+                    <a16:rowId xmlns:a16="http://schemas.microsoft.com/office/drawing/2014/main" val="1688641568"/>
                   </a:ext>
                 </a:extLst>
               </a:tr>
@@ -23189,7 +21823,7 @@
     </p:spTree>
     <p:extLst>
       <p:ext uri="{BB962C8B-B14F-4D97-AF65-F5344CB8AC3E}">
-        <p14:creationId xmlns:p14="http://schemas.microsoft.com/office/powerpoint/2010/main" val="1074834860"/>
+        <p14:creationId xmlns:p14="http://schemas.microsoft.com/office/powerpoint/2010/main" val="968541602"/>
       </p:ext>
     </p:extLst>
   </p:cSld>
@@ -23199,7 +21833,7 @@
 </p:sld>
 </file>
 
-<file path=ppt/slides/slide19.xml><?xml version="1.0" encoding="utf-8"?>
+<file path=ppt/slides/slide2.xml><?xml version="1.0" encoding="utf-8"?>
 <p:sld xmlns:a="http://schemas.openxmlformats.org/drawingml/2006/main" xmlns:r="http://schemas.openxmlformats.org/officeDocument/2006/relationships" xmlns:p="http://schemas.openxmlformats.org/presentationml/2006/main">
   <p:cSld>
     <p:spTree>
@@ -23267,7 +21901,166 @@
           <a:p>
             <a:fld id="{0A297500-7527-634B-90F4-69D0994C32B4}" type="slidenum">
               <a:rPr lang="nl-NL" smtClean="0"/>
-              <a:t>19</a:t>
+              <a:t>2</a:t>
+            </a:fld>
+            <a:endParaRPr lang="nl-NL"/>
+          </a:p>
+        </p:txBody>
+      </p:sp>
+      <p:sp>
+        <p:nvSpPr>
+          <p:cNvPr id="5" name="Title 4">
+            <a:extLst>
+              <a:ext uri="{FF2B5EF4-FFF2-40B4-BE49-F238E27FC236}">
+                <a16:creationId xmlns:a16="http://schemas.microsoft.com/office/drawing/2014/main" id="{19E73E39-FB74-A448-89F2-15FF5A0CFE07}"/>
+              </a:ext>
+            </a:extLst>
+          </p:cNvPr>
+          <p:cNvSpPr>
+            <a:spLocks noGrp="1"/>
+          </p:cNvSpPr>
+          <p:nvPr>
+            <p:ph type="title"/>
+          </p:nvPr>
+        </p:nvSpPr>
+        <p:spPr/>
+        <p:txBody>
+          <a:bodyPr/>
+          <a:lstStyle/>
+          <a:p>
+            <a:r>
+              <a:rPr lang="nl-BE" dirty="0"/>
+              <a:t>Constraint Programming</a:t>
+            </a:r>
+          </a:p>
+        </p:txBody>
+      </p:sp>
+      <p:sp>
+        <p:nvSpPr>
+          <p:cNvPr id="8" name="Content Placeholder 7">
+            <a:extLst>
+              <a:ext uri="{FF2B5EF4-FFF2-40B4-BE49-F238E27FC236}">
+                <a16:creationId xmlns:a16="http://schemas.microsoft.com/office/drawing/2014/main" id="{349BF4B6-A4D5-F9BE-A7B7-4B3C2083EFD2}"/>
+              </a:ext>
+            </a:extLst>
+          </p:cNvPr>
+          <p:cNvSpPr>
+            <a:spLocks noGrp="1"/>
+          </p:cNvSpPr>
+          <p:nvPr>
+            <p:ph idx="1"/>
+          </p:nvPr>
+        </p:nvSpPr>
+        <p:spPr>
+          <a:xfrm>
+            <a:off x="576001" y="1656000"/>
+            <a:ext cx="11214946" cy="3998842"/>
+          </a:xfrm>
+        </p:spPr>
+        <p:txBody>
+          <a:bodyPr>
+            <a:normAutofit/>
+          </a:bodyPr>
+          <a:lstStyle/>
+          <a:p>
+            <a:r>
+              <a:rPr lang="nl-BE" dirty="0"/>
+              <a:t>Wat is CP</a:t>
+            </a:r>
+          </a:p>
+          <a:p>
+            <a:r>
+              <a:rPr lang="nl-BE" dirty="0"/>
+              <a:t>Wat maakt CP anders dan andere programmeer talen</a:t>
+            </a:r>
+          </a:p>
+          <a:p>
+            <a:endParaRPr lang="nl-BE" dirty="0"/>
+          </a:p>
+        </p:txBody>
+      </p:sp>
+    </p:spTree>
+    <p:extLst>
+      <p:ext uri="{BB962C8B-B14F-4D97-AF65-F5344CB8AC3E}">
+        <p14:creationId xmlns:p14="http://schemas.microsoft.com/office/powerpoint/2010/main" val="1665492890"/>
+      </p:ext>
+    </p:extLst>
+  </p:cSld>
+  <p:clrMapOvr>
+    <a:masterClrMapping/>
+  </p:clrMapOvr>
+</p:sld>
+</file>
+
+<file path=ppt/slides/slide20.xml><?xml version="1.0" encoding="utf-8"?>
+<p:sld xmlns:a="http://schemas.openxmlformats.org/drawingml/2006/main" xmlns:r="http://schemas.openxmlformats.org/officeDocument/2006/relationships" xmlns:p="http://schemas.openxmlformats.org/presentationml/2006/main">
+  <p:cSld>
+    <p:spTree>
+      <p:nvGrpSpPr>
+        <p:cNvPr id="1" name=""/>
+        <p:cNvGrpSpPr/>
+        <p:nvPr/>
+      </p:nvGrpSpPr>
+      <p:grpSpPr>
+        <a:xfrm>
+          <a:off x="0" y="0"/>
+          <a:ext cx="0" cy="0"/>
+          <a:chOff x="0" y="0"/>
+          <a:chExt cx="0" cy="0"/>
+        </a:xfrm>
+      </p:grpSpPr>
+      <p:sp>
+        <p:nvSpPr>
+          <p:cNvPr id="3" name="Footer Placeholder 2">
+            <a:extLst>
+              <a:ext uri="{FF2B5EF4-FFF2-40B4-BE49-F238E27FC236}">
+                <a16:creationId xmlns:a16="http://schemas.microsoft.com/office/drawing/2014/main" id="{9DEC358F-5FE8-CFE8-C712-33F18D0AC4E7}"/>
+              </a:ext>
+            </a:extLst>
+          </p:cNvPr>
+          <p:cNvSpPr>
+            <a:spLocks noGrp="1"/>
+          </p:cNvSpPr>
+          <p:nvPr>
+            <p:ph type="ftr" sz="quarter" idx="11"/>
+          </p:nvPr>
+        </p:nvSpPr>
+        <p:spPr/>
+        <p:txBody>
+          <a:bodyPr/>
+          <a:lstStyle/>
+          <a:p>
+            <a:r>
+              <a:rPr lang="nl-NL"/>
+              <a:t>Faculteit Ingenieurswetenschappen, DTAI</a:t>
+            </a:r>
+          </a:p>
+        </p:txBody>
+      </p:sp>
+      <p:sp>
+        <p:nvSpPr>
+          <p:cNvPr id="4" name="Slide Number Placeholder 3">
+            <a:extLst>
+              <a:ext uri="{FF2B5EF4-FFF2-40B4-BE49-F238E27FC236}">
+                <a16:creationId xmlns:a16="http://schemas.microsoft.com/office/drawing/2014/main" id="{83E5AE0E-A28E-AB21-A117-4EA84A3D035F}"/>
+              </a:ext>
+            </a:extLst>
+          </p:cNvPr>
+          <p:cNvSpPr>
+            <a:spLocks noGrp="1"/>
+          </p:cNvSpPr>
+          <p:nvPr>
+            <p:ph type="sldNum" sz="quarter" idx="12"/>
+          </p:nvPr>
+        </p:nvSpPr>
+        <p:spPr/>
+        <p:txBody>
+          <a:bodyPr/>
+          <a:lstStyle/>
+          <a:p>
+            <a:fld id="{0A297500-7527-634B-90F4-69D0994C32B4}" type="slidenum">
+              <a:rPr lang="nl-NL" smtClean="0"/>
+              <a:t>20</a:t>
             </a:fld>
             <a:endParaRPr lang="nl-NL"/>
           </a:p>
@@ -23379,7 +22172,7 @@
 </p:sld>
 </file>
 
-<file path=ppt/slides/slide2.xml><?xml version="1.0" encoding="utf-8"?>
+<file path=ppt/slides/slide21.xml><?xml version="1.0" encoding="utf-8"?>
 <p:sld xmlns:a="http://schemas.openxmlformats.org/drawingml/2006/main" xmlns:r="http://schemas.openxmlformats.org/officeDocument/2006/relationships" xmlns:p="http://schemas.openxmlformats.org/presentationml/2006/main">
   <p:cSld>
     <p:spTree>
@@ -23447,166 +22240,7 @@
           <a:p>
             <a:fld id="{0A297500-7527-634B-90F4-69D0994C32B4}" type="slidenum">
               <a:rPr lang="nl-NL" smtClean="0"/>
-              <a:t>2</a:t>
-            </a:fld>
-            <a:endParaRPr lang="nl-NL"/>
-          </a:p>
-        </p:txBody>
-      </p:sp>
-      <p:sp>
-        <p:nvSpPr>
-          <p:cNvPr id="5" name="Title 4">
-            <a:extLst>
-              <a:ext uri="{FF2B5EF4-FFF2-40B4-BE49-F238E27FC236}">
-                <a16:creationId xmlns:a16="http://schemas.microsoft.com/office/drawing/2014/main" id="{19E73E39-FB74-A448-89F2-15FF5A0CFE07}"/>
-              </a:ext>
-            </a:extLst>
-          </p:cNvPr>
-          <p:cNvSpPr>
-            <a:spLocks noGrp="1"/>
-          </p:cNvSpPr>
-          <p:nvPr>
-            <p:ph type="title"/>
-          </p:nvPr>
-        </p:nvSpPr>
-        <p:spPr/>
-        <p:txBody>
-          <a:bodyPr/>
-          <a:lstStyle/>
-          <a:p>
-            <a:r>
-              <a:rPr lang="nl-BE" dirty="0"/>
-              <a:t>Constraint Programming</a:t>
-            </a:r>
-          </a:p>
-        </p:txBody>
-      </p:sp>
-      <p:sp>
-        <p:nvSpPr>
-          <p:cNvPr id="8" name="Content Placeholder 7">
-            <a:extLst>
-              <a:ext uri="{FF2B5EF4-FFF2-40B4-BE49-F238E27FC236}">
-                <a16:creationId xmlns:a16="http://schemas.microsoft.com/office/drawing/2014/main" id="{349BF4B6-A4D5-F9BE-A7B7-4B3C2083EFD2}"/>
-              </a:ext>
-            </a:extLst>
-          </p:cNvPr>
-          <p:cNvSpPr>
-            <a:spLocks noGrp="1"/>
-          </p:cNvSpPr>
-          <p:nvPr>
-            <p:ph idx="1"/>
-          </p:nvPr>
-        </p:nvSpPr>
-        <p:spPr>
-          <a:xfrm>
-            <a:off x="576001" y="1656000"/>
-            <a:ext cx="11214946" cy="3998842"/>
-          </a:xfrm>
-        </p:spPr>
-        <p:txBody>
-          <a:bodyPr>
-            <a:normAutofit/>
-          </a:bodyPr>
-          <a:lstStyle/>
-          <a:p>
-            <a:r>
-              <a:rPr lang="nl-BE" dirty="0"/>
-              <a:t>Wat is CP</a:t>
-            </a:r>
-          </a:p>
-          <a:p>
-            <a:r>
-              <a:rPr lang="nl-BE" dirty="0"/>
-              <a:t>Wat maakt CP anders dan andere programmeer talen</a:t>
-            </a:r>
-          </a:p>
-          <a:p>
-            <a:endParaRPr lang="nl-BE" dirty="0"/>
-          </a:p>
-        </p:txBody>
-      </p:sp>
-    </p:spTree>
-    <p:extLst>
-      <p:ext uri="{BB962C8B-B14F-4D97-AF65-F5344CB8AC3E}">
-        <p14:creationId xmlns:p14="http://schemas.microsoft.com/office/powerpoint/2010/main" val="1665492890"/>
-      </p:ext>
-    </p:extLst>
-  </p:cSld>
-  <p:clrMapOvr>
-    <a:masterClrMapping/>
-  </p:clrMapOvr>
-</p:sld>
-</file>
-
-<file path=ppt/slides/slide20.xml><?xml version="1.0" encoding="utf-8"?>
-<p:sld xmlns:a="http://schemas.openxmlformats.org/drawingml/2006/main" xmlns:r="http://schemas.openxmlformats.org/officeDocument/2006/relationships" xmlns:p="http://schemas.openxmlformats.org/presentationml/2006/main">
-  <p:cSld>
-    <p:spTree>
-      <p:nvGrpSpPr>
-        <p:cNvPr id="1" name=""/>
-        <p:cNvGrpSpPr/>
-        <p:nvPr/>
-      </p:nvGrpSpPr>
-      <p:grpSpPr>
-        <a:xfrm>
-          <a:off x="0" y="0"/>
-          <a:ext cx="0" cy="0"/>
-          <a:chOff x="0" y="0"/>
-          <a:chExt cx="0" cy="0"/>
-        </a:xfrm>
-      </p:grpSpPr>
-      <p:sp>
-        <p:nvSpPr>
-          <p:cNvPr id="3" name="Footer Placeholder 2">
-            <a:extLst>
-              <a:ext uri="{FF2B5EF4-FFF2-40B4-BE49-F238E27FC236}">
-                <a16:creationId xmlns:a16="http://schemas.microsoft.com/office/drawing/2014/main" id="{9DEC358F-5FE8-CFE8-C712-33F18D0AC4E7}"/>
-              </a:ext>
-            </a:extLst>
-          </p:cNvPr>
-          <p:cNvSpPr>
-            <a:spLocks noGrp="1"/>
-          </p:cNvSpPr>
-          <p:nvPr>
-            <p:ph type="ftr" sz="quarter" idx="11"/>
-          </p:nvPr>
-        </p:nvSpPr>
-        <p:spPr/>
-        <p:txBody>
-          <a:bodyPr/>
-          <a:lstStyle/>
-          <a:p>
-            <a:r>
-              <a:rPr lang="nl-NL"/>
-              <a:t>Faculteit Ingenieurswetenschappen, DTAI</a:t>
-            </a:r>
-          </a:p>
-        </p:txBody>
-      </p:sp>
-      <p:sp>
-        <p:nvSpPr>
-          <p:cNvPr id="4" name="Slide Number Placeholder 3">
-            <a:extLst>
-              <a:ext uri="{FF2B5EF4-FFF2-40B4-BE49-F238E27FC236}">
-                <a16:creationId xmlns:a16="http://schemas.microsoft.com/office/drawing/2014/main" id="{83E5AE0E-A28E-AB21-A117-4EA84A3D035F}"/>
-              </a:ext>
-            </a:extLst>
-          </p:cNvPr>
-          <p:cNvSpPr>
-            <a:spLocks noGrp="1"/>
-          </p:cNvSpPr>
-          <p:nvPr>
-            <p:ph type="sldNum" sz="quarter" idx="12"/>
-          </p:nvPr>
-        </p:nvSpPr>
-        <p:spPr/>
-        <p:txBody>
-          <a:bodyPr/>
-          <a:lstStyle/>
-          <a:p>
-            <a:fld id="{0A297500-7527-634B-90F4-69D0994C32B4}" type="slidenum">
-              <a:rPr lang="nl-NL" smtClean="0"/>
-              <a:t>20</a:t>
+              <a:t>21</a:t>
             </a:fld>
             <a:endParaRPr lang="nl-NL"/>
           </a:p>
@@ -23736,7 +22370,7 @@
 </p:sld>
 </file>
 
-<file path=ppt/slides/slide21.xml><?xml version="1.0" encoding="utf-8"?>
+<file path=ppt/slides/slide22.xml><?xml version="1.0" encoding="utf-8"?>
 <p:sld xmlns:a="http://schemas.openxmlformats.org/drawingml/2006/main" xmlns:r="http://schemas.openxmlformats.org/officeDocument/2006/relationships" xmlns:p="http://schemas.openxmlformats.org/presentationml/2006/main">
   <p:cSld>
     <p:spTree>
@@ -23804,7 +22438,7 @@
           <a:p>
             <a:fld id="{0A297500-7527-634B-90F4-69D0994C32B4}" type="slidenum">
               <a:rPr lang="nl-NL" smtClean="0"/>
-              <a:t>21</a:t>
+              <a:t>22</a:t>
             </a:fld>
             <a:endParaRPr lang="nl-NL"/>
           </a:p>
@@ -23964,186 +22598,6 @@
 </p:sld>
 </file>
 
-<file path=ppt/slides/slide22.xml><?xml version="1.0" encoding="utf-8"?>
-<p:sld xmlns:a="http://schemas.openxmlformats.org/drawingml/2006/main" xmlns:r="http://schemas.openxmlformats.org/officeDocument/2006/relationships" xmlns:p="http://schemas.openxmlformats.org/presentationml/2006/main">
-  <p:cSld>
-    <p:spTree>
-      <p:nvGrpSpPr>
-        <p:cNvPr id="1" name=""/>
-        <p:cNvGrpSpPr/>
-        <p:nvPr/>
-      </p:nvGrpSpPr>
-      <p:grpSpPr>
-        <a:xfrm>
-          <a:off x="0" y="0"/>
-          <a:ext cx="0" cy="0"/>
-          <a:chOff x="0" y="0"/>
-          <a:chExt cx="0" cy="0"/>
-        </a:xfrm>
-      </p:grpSpPr>
-      <p:sp>
-        <p:nvSpPr>
-          <p:cNvPr id="3" name="Footer Placeholder 2">
-            <a:extLst>
-              <a:ext uri="{FF2B5EF4-FFF2-40B4-BE49-F238E27FC236}">
-                <a16:creationId xmlns:a16="http://schemas.microsoft.com/office/drawing/2014/main" id="{9DEC358F-5FE8-CFE8-C712-33F18D0AC4E7}"/>
-              </a:ext>
-            </a:extLst>
-          </p:cNvPr>
-          <p:cNvSpPr>
-            <a:spLocks noGrp="1"/>
-          </p:cNvSpPr>
-          <p:nvPr>
-            <p:ph type="ftr" sz="quarter" idx="11"/>
-          </p:nvPr>
-        </p:nvSpPr>
-        <p:spPr/>
-        <p:txBody>
-          <a:bodyPr/>
-          <a:lstStyle/>
-          <a:p>
-            <a:r>
-              <a:rPr lang="nl-NL"/>
-              <a:t>Faculteit Ingenieurswetenschappen, DTAI</a:t>
-            </a:r>
-          </a:p>
-        </p:txBody>
-      </p:sp>
-      <p:sp>
-        <p:nvSpPr>
-          <p:cNvPr id="4" name="Slide Number Placeholder 3">
-            <a:extLst>
-              <a:ext uri="{FF2B5EF4-FFF2-40B4-BE49-F238E27FC236}">
-                <a16:creationId xmlns:a16="http://schemas.microsoft.com/office/drawing/2014/main" id="{83E5AE0E-A28E-AB21-A117-4EA84A3D035F}"/>
-              </a:ext>
-            </a:extLst>
-          </p:cNvPr>
-          <p:cNvSpPr>
-            <a:spLocks noGrp="1"/>
-          </p:cNvSpPr>
-          <p:nvPr>
-            <p:ph type="sldNum" sz="quarter" idx="12"/>
-          </p:nvPr>
-        </p:nvSpPr>
-        <p:spPr/>
-        <p:txBody>
-          <a:bodyPr/>
-          <a:lstStyle/>
-          <a:p>
-            <a:fld id="{0A297500-7527-634B-90F4-69D0994C32B4}" type="slidenum">
-              <a:rPr lang="nl-NL" smtClean="0"/>
-              <a:t>22</a:t>
-            </a:fld>
-            <a:endParaRPr lang="nl-NL"/>
-          </a:p>
-        </p:txBody>
-      </p:sp>
-      <p:sp>
-        <p:nvSpPr>
-          <p:cNvPr id="5" name="Title 4">
-            <a:extLst>
-              <a:ext uri="{FF2B5EF4-FFF2-40B4-BE49-F238E27FC236}">
-                <a16:creationId xmlns:a16="http://schemas.microsoft.com/office/drawing/2014/main" id="{19E73E39-FB74-A448-89F2-15FF5A0CFE07}"/>
-              </a:ext>
-            </a:extLst>
-          </p:cNvPr>
-          <p:cNvSpPr>
-            <a:spLocks noGrp="1"/>
-          </p:cNvSpPr>
-          <p:nvPr>
-            <p:ph type="title"/>
-          </p:nvPr>
-        </p:nvSpPr>
-        <p:spPr/>
-        <p:txBody>
-          <a:bodyPr/>
-          <a:lstStyle/>
-          <a:p>
-            <a:r>
-              <a:rPr lang="nl-BE" dirty="0"/>
-              <a:t>Besluiten</a:t>
-            </a:r>
-          </a:p>
-        </p:txBody>
-      </p:sp>
-      <p:sp>
-        <p:nvSpPr>
-          <p:cNvPr id="8" name="Content Placeholder 7">
-            <a:extLst>
-              <a:ext uri="{FF2B5EF4-FFF2-40B4-BE49-F238E27FC236}">
-                <a16:creationId xmlns:a16="http://schemas.microsoft.com/office/drawing/2014/main" id="{349BF4B6-A4D5-F9BE-A7B7-4B3C2083EFD2}"/>
-              </a:ext>
-            </a:extLst>
-          </p:cNvPr>
-          <p:cNvSpPr>
-            <a:spLocks noGrp="1"/>
-          </p:cNvSpPr>
-          <p:nvPr>
-            <p:ph idx="1"/>
-          </p:nvPr>
-        </p:nvSpPr>
-        <p:spPr>
-          <a:xfrm>
-            <a:off x="576000" y="1656000"/>
-            <a:ext cx="10637432" cy="4275568"/>
-          </a:xfrm>
-        </p:spPr>
-        <p:txBody>
-          <a:bodyPr>
-            <a:normAutofit/>
-          </a:bodyPr>
-          <a:lstStyle/>
-          <a:p>
-            <a:endParaRPr lang="nl-BE" dirty="0"/>
-          </a:p>
-          <a:p>
-            <a:pPr lvl="1"/>
-            <a:r>
-              <a:rPr lang="nl-BE" dirty="0"/>
-              <a:t>Net niet automatisch </a:t>
-            </a:r>
-          </a:p>
-          <a:p>
-            <a:pPr lvl="1"/>
-            <a:endParaRPr lang="nl-BE" dirty="0"/>
-          </a:p>
-          <a:p>
-            <a:pPr lvl="1"/>
-            <a:r>
-              <a:rPr lang="nl-BE" dirty="0"/>
-              <a:t>Metamorphic testen meest flexibele</a:t>
-            </a:r>
-          </a:p>
-          <a:p>
-            <a:pPr lvl="1"/>
-            <a:endParaRPr lang="nl-BE" dirty="0"/>
-          </a:p>
-          <a:p>
-            <a:pPr lvl="1"/>
-            <a:r>
-              <a:rPr lang="nl-BE" dirty="0"/>
-              <a:t>Technieken zijn best combineerbaar</a:t>
-            </a:r>
-          </a:p>
-          <a:p>
-            <a:pPr lvl="1"/>
-            <a:endParaRPr lang="nl-BE" dirty="0"/>
-          </a:p>
-        </p:txBody>
-      </p:sp>
-    </p:spTree>
-    <p:extLst>
-      <p:ext uri="{BB962C8B-B14F-4D97-AF65-F5344CB8AC3E}">
-        <p14:creationId xmlns:p14="http://schemas.microsoft.com/office/powerpoint/2010/main" val="3799497624"/>
-      </p:ext>
-    </p:extLst>
-  </p:cSld>
-  <p:clrMapOvr>
-    <a:masterClrMapping/>
-  </p:clrMapOvr>
-</p:sld>
-</file>
-
 <file path=ppt/slides/slide23.xml><?xml version="1.0" encoding="utf-8"?>
 <p:sld xmlns:a="http://schemas.openxmlformats.org/drawingml/2006/main" xmlns:r="http://schemas.openxmlformats.org/officeDocument/2006/relationships" xmlns:p="http://schemas.openxmlformats.org/presentationml/2006/main">
   <p:cSld>
@@ -24240,10 +22694,9 @@
           <a:lstStyle/>
           <a:p>
             <a:r>
-              <a:rPr lang="nl-NL" dirty="0"/>
-              <a:t>Verwezenlijkingen</a:t>
-            </a:r>
-            <a:endParaRPr lang="nl-BE" dirty="0"/>
+              <a:rPr lang="nl-BE" dirty="0"/>
+              <a:t>Besluiten</a:t>
+            </a:r>
           </a:p>
         </p:txBody>
       </p:sp>
@@ -24281,15 +22734,7 @@
             <a:pPr lvl="1"/>
             <a:r>
               <a:rPr lang="nl-BE" dirty="0"/>
-              <a:t>Vinden van (kritieke) bugs in constraint </a:t>
-            </a:r>
-            <a:r>
-              <a:rPr lang="nl-BE" dirty="0" err="1"/>
-              <a:t>programming</a:t>
-            </a:r>
-            <a:r>
-              <a:rPr lang="nl-BE" dirty="0"/>
-              <a:t> </a:t>
+              <a:t>Net niet automatisch </a:t>
             </a:r>
           </a:p>
           <a:p>
@@ -24300,7 +22745,7 @@
             <a:pPr lvl="1"/>
             <a:r>
               <a:rPr lang="nl-BE" dirty="0"/>
-              <a:t>Ontwikkeling van STORM naar CTORM</a:t>
+              <a:t>Metamorphic testen meest flexibele</a:t>
             </a:r>
           </a:p>
           <a:p>
@@ -24311,7 +22756,7 @@
             <a:pPr lvl="1"/>
             <a:r>
               <a:rPr lang="nl-BE" dirty="0"/>
-              <a:t>19 bugs gevonden in CPMpy (waaronder kritieke bugs)</a:t>
+              <a:t>Technieken zijn best combineerbaar</a:t>
             </a:r>
           </a:p>
           <a:p>
@@ -24323,7 +22768,7 @@
     </p:spTree>
     <p:extLst>
       <p:ext uri="{BB962C8B-B14F-4D97-AF65-F5344CB8AC3E}">
-        <p14:creationId xmlns:p14="http://schemas.microsoft.com/office/powerpoint/2010/main" val="1914864454"/>
+        <p14:creationId xmlns:p14="http://schemas.microsoft.com/office/powerpoint/2010/main" val="3799497624"/>
       </p:ext>
     </p:extLst>
   </p:cSld>
@@ -24429,6 +22874,195 @@
           <a:lstStyle/>
           <a:p>
             <a:r>
+              <a:rPr lang="nl-NL" dirty="0"/>
+              <a:t>Verwezenlijkingen</a:t>
+            </a:r>
+            <a:endParaRPr lang="nl-BE" dirty="0"/>
+          </a:p>
+        </p:txBody>
+      </p:sp>
+      <p:sp>
+        <p:nvSpPr>
+          <p:cNvPr id="8" name="Content Placeholder 7">
+            <a:extLst>
+              <a:ext uri="{FF2B5EF4-FFF2-40B4-BE49-F238E27FC236}">
+                <a16:creationId xmlns:a16="http://schemas.microsoft.com/office/drawing/2014/main" id="{349BF4B6-A4D5-F9BE-A7B7-4B3C2083EFD2}"/>
+              </a:ext>
+            </a:extLst>
+          </p:cNvPr>
+          <p:cNvSpPr>
+            <a:spLocks noGrp="1"/>
+          </p:cNvSpPr>
+          <p:nvPr>
+            <p:ph idx="1"/>
+          </p:nvPr>
+        </p:nvSpPr>
+        <p:spPr>
+          <a:xfrm>
+            <a:off x="576000" y="1656000"/>
+            <a:ext cx="10637432" cy="4275568"/>
+          </a:xfrm>
+        </p:spPr>
+        <p:txBody>
+          <a:bodyPr>
+            <a:normAutofit/>
+          </a:bodyPr>
+          <a:lstStyle/>
+          <a:p>
+            <a:endParaRPr lang="nl-BE" dirty="0"/>
+          </a:p>
+          <a:p>
+            <a:pPr lvl="1"/>
+            <a:r>
+              <a:rPr lang="nl-BE" dirty="0"/>
+              <a:t>Vinden van (kritieke) bugs in constraint </a:t>
+            </a:r>
+            <a:r>
+              <a:rPr lang="nl-BE" dirty="0" err="1"/>
+              <a:t>programming</a:t>
+            </a:r>
+            <a:r>
+              <a:rPr lang="nl-BE" dirty="0"/>
+              <a:t> </a:t>
+            </a:r>
+          </a:p>
+          <a:p>
+            <a:pPr lvl="1"/>
+            <a:endParaRPr lang="nl-BE" dirty="0"/>
+          </a:p>
+          <a:p>
+            <a:pPr lvl="1"/>
+            <a:r>
+              <a:rPr lang="nl-BE" dirty="0"/>
+              <a:t>Ontwikkeling van STORM naar CTORM</a:t>
+            </a:r>
+          </a:p>
+          <a:p>
+            <a:pPr lvl="1"/>
+            <a:endParaRPr lang="nl-BE" dirty="0"/>
+          </a:p>
+          <a:p>
+            <a:pPr lvl="1"/>
+            <a:r>
+              <a:rPr lang="nl-BE" dirty="0"/>
+              <a:t>19 bugs gevonden in CPMpy (waaronder kritieke bugs)</a:t>
+            </a:r>
+          </a:p>
+          <a:p>
+            <a:pPr lvl="1"/>
+            <a:endParaRPr lang="nl-BE" dirty="0"/>
+          </a:p>
+        </p:txBody>
+      </p:sp>
+    </p:spTree>
+    <p:extLst>
+      <p:ext uri="{BB962C8B-B14F-4D97-AF65-F5344CB8AC3E}">
+        <p14:creationId xmlns:p14="http://schemas.microsoft.com/office/powerpoint/2010/main" val="1914864454"/>
+      </p:ext>
+    </p:extLst>
+  </p:cSld>
+  <p:clrMapOvr>
+    <a:masterClrMapping/>
+  </p:clrMapOvr>
+</p:sld>
+</file>
+
+<file path=ppt/slides/slide25.xml><?xml version="1.0" encoding="utf-8"?>
+<p:sld xmlns:a="http://schemas.openxmlformats.org/drawingml/2006/main" xmlns:r="http://schemas.openxmlformats.org/officeDocument/2006/relationships" xmlns:p="http://schemas.openxmlformats.org/presentationml/2006/main">
+  <p:cSld>
+    <p:spTree>
+      <p:nvGrpSpPr>
+        <p:cNvPr id="1" name=""/>
+        <p:cNvGrpSpPr/>
+        <p:nvPr/>
+      </p:nvGrpSpPr>
+      <p:grpSpPr>
+        <a:xfrm>
+          <a:off x="0" y="0"/>
+          <a:ext cx="0" cy="0"/>
+          <a:chOff x="0" y="0"/>
+          <a:chExt cx="0" cy="0"/>
+        </a:xfrm>
+      </p:grpSpPr>
+      <p:sp>
+        <p:nvSpPr>
+          <p:cNvPr id="3" name="Footer Placeholder 2">
+            <a:extLst>
+              <a:ext uri="{FF2B5EF4-FFF2-40B4-BE49-F238E27FC236}">
+                <a16:creationId xmlns:a16="http://schemas.microsoft.com/office/drawing/2014/main" id="{9DEC358F-5FE8-CFE8-C712-33F18D0AC4E7}"/>
+              </a:ext>
+            </a:extLst>
+          </p:cNvPr>
+          <p:cNvSpPr>
+            <a:spLocks noGrp="1"/>
+          </p:cNvSpPr>
+          <p:nvPr>
+            <p:ph type="ftr" sz="quarter" idx="11"/>
+          </p:nvPr>
+        </p:nvSpPr>
+        <p:spPr/>
+        <p:txBody>
+          <a:bodyPr/>
+          <a:lstStyle/>
+          <a:p>
+            <a:r>
+              <a:rPr lang="nl-NL"/>
+              <a:t>Faculteit Ingenieurswetenschappen, DTAI</a:t>
+            </a:r>
+          </a:p>
+        </p:txBody>
+      </p:sp>
+      <p:sp>
+        <p:nvSpPr>
+          <p:cNvPr id="4" name="Slide Number Placeholder 3">
+            <a:extLst>
+              <a:ext uri="{FF2B5EF4-FFF2-40B4-BE49-F238E27FC236}">
+                <a16:creationId xmlns:a16="http://schemas.microsoft.com/office/drawing/2014/main" id="{83E5AE0E-A28E-AB21-A117-4EA84A3D035F}"/>
+              </a:ext>
+            </a:extLst>
+          </p:cNvPr>
+          <p:cNvSpPr>
+            <a:spLocks noGrp="1"/>
+          </p:cNvSpPr>
+          <p:nvPr>
+            <p:ph type="sldNum" sz="quarter" idx="12"/>
+          </p:nvPr>
+        </p:nvSpPr>
+        <p:spPr/>
+        <p:txBody>
+          <a:bodyPr/>
+          <a:lstStyle/>
+          <a:p>
+            <a:fld id="{0A297500-7527-634B-90F4-69D0994C32B4}" type="slidenum">
+              <a:rPr lang="nl-NL" smtClean="0"/>
+              <a:t>25</a:t>
+            </a:fld>
+            <a:endParaRPr lang="nl-NL"/>
+          </a:p>
+        </p:txBody>
+      </p:sp>
+      <p:sp>
+        <p:nvSpPr>
+          <p:cNvPr id="5" name="Title 4">
+            <a:extLst>
+              <a:ext uri="{FF2B5EF4-FFF2-40B4-BE49-F238E27FC236}">
+                <a16:creationId xmlns:a16="http://schemas.microsoft.com/office/drawing/2014/main" id="{19E73E39-FB74-A448-89F2-15FF5A0CFE07}"/>
+              </a:ext>
+            </a:extLst>
+          </p:cNvPr>
+          <p:cNvSpPr>
+            <a:spLocks noGrp="1"/>
+          </p:cNvSpPr>
+          <p:nvPr>
+            <p:ph type="title"/>
+          </p:nvPr>
+        </p:nvSpPr>
+        <p:spPr/>
+        <p:txBody>
+          <a:bodyPr/>
+          <a:lstStyle/>
+          <a:p>
+            <a:r>
               <a:rPr lang="en-US" dirty="0"/>
               <a:t>Future work</a:t>
             </a:r>
@@ -24575,7 +23209,7 @@
 </p:sld>
 </file>
 
-<file path=ppt/slides/slide25.xml><?xml version="1.0" encoding="utf-8"?>
+<file path=ppt/slides/slide26.xml><?xml version="1.0" encoding="utf-8"?>
 <p:sld xmlns:a="http://schemas.openxmlformats.org/drawingml/2006/main" xmlns:r="http://schemas.openxmlformats.org/officeDocument/2006/relationships" xmlns:p="http://schemas.openxmlformats.org/presentationml/2006/main" show="0">
   <p:cSld>
     <p:spTree>
@@ -24643,7 +23277,7 @@
           <a:p>
             <a:fld id="{0A297500-7527-634B-90F4-69D0994C32B4}" type="slidenum">
               <a:rPr lang="nl-NL" smtClean="0"/>
-              <a:t>25</a:t>
+              <a:t>26</a:t>
             </a:fld>
             <a:endParaRPr lang="nl-NL"/>
           </a:p>
@@ -24755,7 +23389,7 @@
 </p:sld>
 </file>
 
-<file path=ppt/slides/slide26.xml><?xml version="1.0" encoding="utf-8"?>
+<file path=ppt/slides/slide27.xml><?xml version="1.0" encoding="utf-8"?>
 <p:sld xmlns:a="http://schemas.openxmlformats.org/drawingml/2006/main" xmlns:r="http://schemas.openxmlformats.org/officeDocument/2006/relationships" xmlns:p="http://schemas.openxmlformats.org/presentationml/2006/main">
   <p:cSld>
     <p:spTree>
@@ -24856,7 +23490,7 @@
           <a:p>
             <a:fld id="{0A297500-7527-634B-90F4-69D0994C32B4}" type="slidenum">
               <a:rPr lang="nl-NL" smtClean="0"/>
-              <a:t>26</a:t>
+              <a:t>27</a:t>
             </a:fld>
             <a:endParaRPr lang="nl-NL"/>
           </a:p>
@@ -24866,638 +23500,6 @@
     <p:extLst>
       <p:ext uri="{BB962C8B-B14F-4D97-AF65-F5344CB8AC3E}">
         <p14:creationId xmlns:p14="http://schemas.microsoft.com/office/powerpoint/2010/main" val="3795717357"/>
-      </p:ext>
-    </p:extLst>
-  </p:cSld>
-  <p:clrMapOvr>
-    <a:masterClrMapping/>
-  </p:clrMapOvr>
-</p:sld>
-</file>
-
-<file path=ppt/slides/slide27.xml><?xml version="1.0" encoding="utf-8"?>
-<p:sld xmlns:a="http://schemas.openxmlformats.org/drawingml/2006/main" xmlns:r="http://schemas.openxmlformats.org/officeDocument/2006/relationships" xmlns:p="http://schemas.openxmlformats.org/presentationml/2006/main" show="0">
-  <p:cSld>
-    <p:spTree>
-      <p:nvGrpSpPr>
-        <p:cNvPr id="1" name=""/>
-        <p:cNvGrpSpPr/>
-        <p:nvPr/>
-      </p:nvGrpSpPr>
-      <p:grpSpPr>
-        <a:xfrm>
-          <a:off x="0" y="0"/>
-          <a:ext cx="0" cy="0"/>
-          <a:chOff x="0" y="0"/>
-          <a:chExt cx="0" cy="0"/>
-        </a:xfrm>
-      </p:grpSpPr>
-      <p:graphicFrame>
-        <p:nvGraphicFramePr>
-          <p:cNvPr id="9" name="Chart 8">
-            <a:extLst>
-              <a:ext uri="{FF2B5EF4-FFF2-40B4-BE49-F238E27FC236}">
-                <a16:creationId xmlns:a16="http://schemas.microsoft.com/office/drawing/2014/main" id="{6A9D5CF3-AFC8-41B7-DCF0-7B552A649998}"/>
-              </a:ext>
-            </a:extLst>
-          </p:cNvPr>
-          <p:cNvGraphicFramePr>
-            <a:graphicFrameLocks/>
-          </p:cNvGraphicFramePr>
-          <p:nvPr>
-            <p:extLst>
-              <p:ext uri="{D42A27DB-BD31-4B8C-83A1-F6EECF244321}">
-                <p14:modId xmlns:p14="http://schemas.microsoft.com/office/powerpoint/2010/main" val="3250619792"/>
-              </p:ext>
-            </p:extLst>
-          </p:nvPr>
-        </p:nvGraphicFramePr>
-        <p:xfrm>
-          <a:off x="456536" y="1262584"/>
-          <a:ext cx="11160664" cy="4875141"/>
-        </p:xfrm>
-        <a:graphic>
-          <a:graphicData uri="http://schemas.openxmlformats.org/drawingml/2006/chart">
-            <c:chart xmlns:c="http://schemas.openxmlformats.org/drawingml/2006/chart" xmlns:r="http://schemas.openxmlformats.org/officeDocument/2006/relationships" r:id="rId3"/>
-          </a:graphicData>
-        </a:graphic>
-      </p:graphicFrame>
-      <p:sp>
-        <p:nvSpPr>
-          <p:cNvPr id="3" name="Footer Placeholder 2">
-            <a:extLst>
-              <a:ext uri="{FF2B5EF4-FFF2-40B4-BE49-F238E27FC236}">
-                <a16:creationId xmlns:a16="http://schemas.microsoft.com/office/drawing/2014/main" id="{9DEC358F-5FE8-CFE8-C712-33F18D0AC4E7}"/>
-              </a:ext>
-            </a:extLst>
-          </p:cNvPr>
-          <p:cNvSpPr>
-            <a:spLocks noGrp="1"/>
-          </p:cNvSpPr>
-          <p:nvPr>
-            <p:ph type="ftr" sz="quarter" idx="11"/>
-          </p:nvPr>
-        </p:nvSpPr>
-        <p:spPr>
-          <a:xfrm>
-            <a:off x="6034800" y="6202420"/>
-            <a:ext cx="4993200" cy="648000"/>
-          </a:xfrm>
-        </p:spPr>
-        <p:txBody>
-          <a:bodyPr/>
-          <a:lstStyle/>
-          <a:p>
-            <a:r>
-              <a:rPr lang="nl-NL" dirty="0"/>
-              <a:t>Faculteit Ingenieurswetenschappen, DTAI</a:t>
-            </a:r>
-          </a:p>
-        </p:txBody>
-      </p:sp>
-      <p:sp>
-        <p:nvSpPr>
-          <p:cNvPr id="4" name="Slide Number Placeholder 3">
-            <a:extLst>
-              <a:ext uri="{FF2B5EF4-FFF2-40B4-BE49-F238E27FC236}">
-                <a16:creationId xmlns:a16="http://schemas.microsoft.com/office/drawing/2014/main" id="{83E5AE0E-A28E-AB21-A117-4EA84A3D035F}"/>
-              </a:ext>
-            </a:extLst>
-          </p:cNvPr>
-          <p:cNvSpPr>
-            <a:spLocks noGrp="1"/>
-          </p:cNvSpPr>
-          <p:nvPr>
-            <p:ph type="sldNum" sz="quarter" idx="12"/>
-          </p:nvPr>
-        </p:nvSpPr>
-        <p:spPr>
-          <a:xfrm>
-            <a:off x="577200" y="5906585"/>
-            <a:ext cx="648000" cy="648000"/>
-          </a:xfrm>
-        </p:spPr>
-        <p:txBody>
-          <a:bodyPr/>
-          <a:lstStyle/>
-          <a:p>
-            <a:fld id="{0A297500-7527-634B-90F4-69D0994C32B4}" type="slidenum">
-              <a:rPr lang="nl-NL" smtClean="0"/>
-              <a:t>27</a:t>
-            </a:fld>
-            <a:endParaRPr lang="nl-NL"/>
-          </a:p>
-        </p:txBody>
-      </p:sp>
-      <p:sp>
-        <p:nvSpPr>
-          <p:cNvPr id="5" name="Title 4">
-            <a:extLst>
-              <a:ext uri="{FF2B5EF4-FFF2-40B4-BE49-F238E27FC236}">
-                <a16:creationId xmlns:a16="http://schemas.microsoft.com/office/drawing/2014/main" id="{19E73E39-FB74-A448-89F2-15FF5A0CFE07}"/>
-              </a:ext>
-            </a:extLst>
-          </p:cNvPr>
-          <p:cNvSpPr>
-            <a:spLocks noGrp="1"/>
-          </p:cNvSpPr>
-          <p:nvPr>
-            <p:ph type="title"/>
-          </p:nvPr>
-        </p:nvSpPr>
-        <p:spPr/>
-        <p:txBody>
-          <a:bodyPr/>
-          <a:lstStyle/>
-          <a:p>
-            <a:r>
-              <a:rPr lang="en-GB" dirty="0"/>
-              <a:t>Planning</a:t>
-            </a:r>
-            <a:endParaRPr lang="en-US" dirty="0"/>
-          </a:p>
-        </p:txBody>
-      </p:sp>
-      <p:sp>
-        <p:nvSpPr>
-          <p:cNvPr id="2" name="Rectangle 1">
-            <a:extLst>
-              <a:ext uri="{FF2B5EF4-FFF2-40B4-BE49-F238E27FC236}">
-                <a16:creationId xmlns:a16="http://schemas.microsoft.com/office/drawing/2014/main" id="{5D7D1E2A-8197-41DD-339C-BFC3DAF92BB3}"/>
-              </a:ext>
-            </a:extLst>
-          </p:cNvPr>
-          <p:cNvSpPr/>
-          <p:nvPr/>
-        </p:nvSpPr>
-        <p:spPr>
-          <a:xfrm>
-            <a:off x="1869756" y="4138038"/>
-            <a:ext cx="3250095" cy="1041092"/>
-          </a:xfrm>
-          <a:prstGeom prst="rect">
-            <a:avLst/>
-          </a:prstGeom>
-          <a:noFill/>
-        </p:spPr>
-        <p:style>
-          <a:lnRef idx="2">
-            <a:schemeClr val="accent1">
-              <a:shade val="50000"/>
-            </a:schemeClr>
-          </a:lnRef>
-          <a:fillRef idx="1">
-            <a:schemeClr val="accent1"/>
-          </a:fillRef>
-          <a:effectRef idx="0">
-            <a:schemeClr val="accent1"/>
-          </a:effectRef>
-          <a:fontRef idx="minor">
-            <a:schemeClr val="lt1"/>
-          </a:fontRef>
-        </p:style>
-        <p:txBody>
-          <a:bodyPr rtlCol="0" anchor="ctr"/>
-          <a:lstStyle/>
-          <a:p>
-            <a:pPr algn="ctr"/>
-            <a:endParaRPr lang="en-US"/>
-          </a:p>
-        </p:txBody>
-      </p:sp>
-      <p:sp>
-        <p:nvSpPr>
-          <p:cNvPr id="6" name="TextBox 5">
-            <a:extLst>
-              <a:ext uri="{FF2B5EF4-FFF2-40B4-BE49-F238E27FC236}">
-                <a16:creationId xmlns:a16="http://schemas.microsoft.com/office/drawing/2014/main" id="{6E556703-DC90-D0EE-0D16-104716F1C54B}"/>
-              </a:ext>
-            </a:extLst>
-          </p:cNvPr>
-          <p:cNvSpPr txBox="1"/>
-          <p:nvPr/>
-        </p:nvSpPr>
-        <p:spPr>
-          <a:xfrm>
-            <a:off x="1869755" y="3689622"/>
-            <a:ext cx="3250095" cy="369332"/>
-          </a:xfrm>
-          <a:prstGeom prst="rect">
-            <a:avLst/>
-          </a:prstGeom>
-          <a:noFill/>
-        </p:spPr>
-        <p:txBody>
-          <a:bodyPr wrap="square" rtlCol="0">
-            <a:spAutoFit/>
-          </a:bodyPr>
-          <a:lstStyle/>
-          <a:p>
-            <a:pPr algn="ctr"/>
-            <a:r>
-              <a:rPr lang="nl-BE" dirty="0"/>
-              <a:t>Literatuurstudie</a:t>
-            </a:r>
-          </a:p>
-        </p:txBody>
-      </p:sp>
-      <p:sp>
-        <p:nvSpPr>
-          <p:cNvPr id="7" name="Rectangle 6">
-            <a:extLst>
-              <a:ext uri="{FF2B5EF4-FFF2-40B4-BE49-F238E27FC236}">
-                <a16:creationId xmlns:a16="http://schemas.microsoft.com/office/drawing/2014/main" id="{F83F23BC-DC0A-8927-09C0-82BBEAAFFBC6}"/>
-              </a:ext>
-            </a:extLst>
-          </p:cNvPr>
-          <p:cNvSpPr/>
-          <p:nvPr/>
-        </p:nvSpPr>
-        <p:spPr>
-          <a:xfrm>
-            <a:off x="5080095" y="2983713"/>
-            <a:ext cx="3409122" cy="1242391"/>
-          </a:xfrm>
-          <a:prstGeom prst="rect">
-            <a:avLst/>
-          </a:prstGeom>
-          <a:noFill/>
-        </p:spPr>
-        <p:style>
-          <a:lnRef idx="2">
-            <a:schemeClr val="accent1">
-              <a:shade val="50000"/>
-            </a:schemeClr>
-          </a:lnRef>
-          <a:fillRef idx="1">
-            <a:schemeClr val="accent1"/>
-          </a:fillRef>
-          <a:effectRef idx="0">
-            <a:schemeClr val="accent1"/>
-          </a:effectRef>
-          <a:fontRef idx="minor">
-            <a:schemeClr val="lt1"/>
-          </a:fontRef>
-        </p:style>
-        <p:txBody>
-          <a:bodyPr rtlCol="0" anchor="ctr"/>
-          <a:lstStyle/>
-          <a:p>
-            <a:pPr algn="ctr"/>
-            <a:endParaRPr lang="en-US"/>
-          </a:p>
-        </p:txBody>
-      </p:sp>
-      <p:sp>
-        <p:nvSpPr>
-          <p:cNvPr id="10" name="TextBox 9">
-            <a:extLst>
-              <a:ext uri="{FF2B5EF4-FFF2-40B4-BE49-F238E27FC236}">
-                <a16:creationId xmlns:a16="http://schemas.microsoft.com/office/drawing/2014/main" id="{A33A9546-0C3A-0108-C2AC-E07B79688FFE}"/>
-              </a:ext>
-            </a:extLst>
-          </p:cNvPr>
-          <p:cNvSpPr txBox="1"/>
-          <p:nvPr/>
-        </p:nvSpPr>
-        <p:spPr>
-          <a:xfrm>
-            <a:off x="5080095" y="2614381"/>
-            <a:ext cx="3409122" cy="369332"/>
-          </a:xfrm>
-          <a:prstGeom prst="rect">
-            <a:avLst/>
-          </a:prstGeom>
-          <a:noFill/>
-        </p:spPr>
-        <p:txBody>
-          <a:bodyPr wrap="square" rtlCol="0">
-            <a:spAutoFit/>
-          </a:bodyPr>
-          <a:lstStyle/>
-          <a:p>
-            <a:pPr algn="ctr"/>
-            <a:r>
-              <a:rPr lang="nl-BE" dirty="0"/>
-              <a:t>Uitvoering</a:t>
-            </a:r>
-          </a:p>
-        </p:txBody>
-      </p:sp>
-      <p:sp>
-        <p:nvSpPr>
-          <p:cNvPr id="11" name="Rectangle 10">
-            <a:extLst>
-              <a:ext uri="{FF2B5EF4-FFF2-40B4-BE49-F238E27FC236}">
-                <a16:creationId xmlns:a16="http://schemas.microsoft.com/office/drawing/2014/main" id="{961DB885-1A21-11BE-3165-80A556AE7CFF}"/>
-              </a:ext>
-            </a:extLst>
-          </p:cNvPr>
-          <p:cNvSpPr/>
-          <p:nvPr/>
-        </p:nvSpPr>
-        <p:spPr>
-          <a:xfrm>
-            <a:off x="8389826" y="2259037"/>
-            <a:ext cx="2396299" cy="866548"/>
-          </a:xfrm>
-          <a:prstGeom prst="rect">
-            <a:avLst/>
-          </a:prstGeom>
-          <a:noFill/>
-        </p:spPr>
-        <p:style>
-          <a:lnRef idx="2">
-            <a:schemeClr val="accent1">
-              <a:shade val="50000"/>
-            </a:schemeClr>
-          </a:lnRef>
-          <a:fillRef idx="1">
-            <a:schemeClr val="accent1"/>
-          </a:fillRef>
-          <a:effectRef idx="0">
-            <a:schemeClr val="accent1"/>
-          </a:effectRef>
-          <a:fontRef idx="minor">
-            <a:schemeClr val="lt1"/>
-          </a:fontRef>
-        </p:style>
-        <p:txBody>
-          <a:bodyPr rtlCol="0" anchor="ctr"/>
-          <a:lstStyle/>
-          <a:p>
-            <a:pPr algn="ctr"/>
-            <a:endParaRPr lang="en-US"/>
-          </a:p>
-        </p:txBody>
-      </p:sp>
-      <p:sp>
-        <p:nvSpPr>
-          <p:cNvPr id="12" name="TextBox 11">
-            <a:extLst>
-              <a:ext uri="{FF2B5EF4-FFF2-40B4-BE49-F238E27FC236}">
-                <a16:creationId xmlns:a16="http://schemas.microsoft.com/office/drawing/2014/main" id="{FB8C8DDA-B1D0-3021-3FF9-3CEC7FE96361}"/>
-              </a:ext>
-            </a:extLst>
-          </p:cNvPr>
-          <p:cNvSpPr txBox="1"/>
-          <p:nvPr/>
-        </p:nvSpPr>
-        <p:spPr>
-          <a:xfrm>
-            <a:off x="8389826" y="1889705"/>
-            <a:ext cx="2638174" cy="369332"/>
-          </a:xfrm>
-          <a:prstGeom prst="rect">
-            <a:avLst/>
-          </a:prstGeom>
-          <a:noFill/>
-        </p:spPr>
-        <p:txBody>
-          <a:bodyPr wrap="square" rtlCol="0">
-            <a:spAutoFit/>
-          </a:bodyPr>
-          <a:lstStyle/>
-          <a:p>
-            <a:pPr algn="ctr"/>
-            <a:r>
-              <a:rPr lang="nl-BE" dirty="0"/>
-              <a:t>Verwerken</a:t>
-            </a:r>
-          </a:p>
-        </p:txBody>
-      </p:sp>
-      <p:cxnSp>
-        <p:nvCxnSpPr>
-          <p:cNvPr id="14" name="Straight Connector 13">
-            <a:extLst>
-              <a:ext uri="{FF2B5EF4-FFF2-40B4-BE49-F238E27FC236}">
-                <a16:creationId xmlns:a16="http://schemas.microsoft.com/office/drawing/2014/main" id="{C55237CE-C860-46F3-AD1B-A65829F037FD}"/>
-              </a:ext>
-            </a:extLst>
-          </p:cNvPr>
-          <p:cNvCxnSpPr>
-            <a:cxnSpLocks/>
-          </p:cNvCxnSpPr>
-          <p:nvPr/>
-        </p:nvCxnSpPr>
-        <p:spPr>
-          <a:xfrm flipV="1">
-            <a:off x="5661071" y="3740961"/>
-            <a:ext cx="0" cy="452819"/>
-          </a:xfrm>
-          <a:prstGeom prst="line">
-            <a:avLst/>
-          </a:prstGeom>
-        </p:spPr>
-        <p:style>
-          <a:lnRef idx="1">
-            <a:schemeClr val="accent1"/>
-          </a:lnRef>
-          <a:fillRef idx="0">
-            <a:schemeClr val="accent1"/>
-          </a:fillRef>
-          <a:effectRef idx="0">
-            <a:schemeClr val="accent1"/>
-          </a:effectRef>
-          <a:fontRef idx="minor">
-            <a:schemeClr val="tx1"/>
-          </a:fontRef>
-        </p:style>
-      </p:cxnSp>
-      <p:cxnSp>
-        <p:nvCxnSpPr>
-          <p:cNvPr id="15" name="Straight Connector 14">
-            <a:extLst>
-              <a:ext uri="{FF2B5EF4-FFF2-40B4-BE49-F238E27FC236}">
-                <a16:creationId xmlns:a16="http://schemas.microsoft.com/office/drawing/2014/main" id="{95DBA569-DB94-A099-389B-EF07BA0BB714}"/>
-              </a:ext>
-            </a:extLst>
-          </p:cNvPr>
-          <p:cNvCxnSpPr>
-            <a:cxnSpLocks/>
-          </p:cNvCxnSpPr>
-          <p:nvPr/>
-        </p:nvCxnSpPr>
-        <p:spPr>
-          <a:xfrm flipV="1">
-            <a:off x="6723365" y="3396740"/>
-            <a:ext cx="0" cy="570631"/>
-          </a:xfrm>
-          <a:prstGeom prst="line">
-            <a:avLst/>
-          </a:prstGeom>
-        </p:spPr>
-        <p:style>
-          <a:lnRef idx="1">
-            <a:schemeClr val="accent1"/>
-          </a:lnRef>
-          <a:fillRef idx="0">
-            <a:schemeClr val="accent1"/>
-          </a:fillRef>
-          <a:effectRef idx="0">
-            <a:schemeClr val="accent1"/>
-          </a:effectRef>
-          <a:fontRef idx="minor">
-            <a:schemeClr val="tx1"/>
-          </a:fontRef>
-        </p:style>
-      </p:cxnSp>
-      <p:cxnSp>
-        <p:nvCxnSpPr>
-          <p:cNvPr id="16" name="Straight Connector 15">
-            <a:extLst>
-              <a:ext uri="{FF2B5EF4-FFF2-40B4-BE49-F238E27FC236}">
-                <a16:creationId xmlns:a16="http://schemas.microsoft.com/office/drawing/2014/main" id="{76ED3ACF-26BE-D5B3-CD86-4EBC38A27487}"/>
-              </a:ext>
-            </a:extLst>
-          </p:cNvPr>
-          <p:cNvCxnSpPr>
-            <a:cxnSpLocks/>
-          </p:cNvCxnSpPr>
-          <p:nvPr/>
-        </p:nvCxnSpPr>
-        <p:spPr>
-          <a:xfrm flipV="1">
-            <a:off x="7104365" y="3211103"/>
-            <a:ext cx="0" cy="570631"/>
-          </a:xfrm>
-          <a:prstGeom prst="line">
-            <a:avLst/>
-          </a:prstGeom>
-        </p:spPr>
-        <p:style>
-          <a:lnRef idx="1">
-            <a:schemeClr val="accent1"/>
-          </a:lnRef>
-          <a:fillRef idx="0">
-            <a:schemeClr val="accent1"/>
-          </a:fillRef>
-          <a:effectRef idx="0">
-            <a:schemeClr val="accent1"/>
-          </a:effectRef>
-          <a:fontRef idx="minor">
-            <a:schemeClr val="tx1"/>
-          </a:fontRef>
-        </p:style>
-      </p:cxnSp>
-      <p:sp>
-        <p:nvSpPr>
-          <p:cNvPr id="23" name="TextBox 22">
-            <a:extLst>
-              <a:ext uri="{FF2B5EF4-FFF2-40B4-BE49-F238E27FC236}">
-                <a16:creationId xmlns:a16="http://schemas.microsoft.com/office/drawing/2014/main" id="{3891D71A-415A-D44A-7ADC-AF7331555B8B}"/>
-              </a:ext>
-            </a:extLst>
-          </p:cNvPr>
-          <p:cNvSpPr txBox="1"/>
-          <p:nvPr/>
-        </p:nvSpPr>
-        <p:spPr>
-          <a:xfrm rot="10800000">
-            <a:off x="9292256" y="4931669"/>
-            <a:ext cx="591437" cy="369332"/>
-          </a:xfrm>
-          <a:prstGeom prst="rect">
-            <a:avLst/>
-          </a:prstGeom>
-          <a:noFill/>
-        </p:spPr>
-        <p:txBody>
-          <a:bodyPr wrap="square" rtlCol="0">
-            <a:spAutoFit/>
-          </a:bodyPr>
-          <a:lstStyle/>
-          <a:p>
-            <a:pPr algn="ctr"/>
-            <a:r>
-              <a:rPr lang="en-GB" dirty="0"/>
-              <a:t>^</a:t>
-            </a:r>
-            <a:endParaRPr lang="en-US" dirty="0"/>
-          </a:p>
-        </p:txBody>
-      </p:sp>
-      <p:cxnSp>
-        <p:nvCxnSpPr>
-          <p:cNvPr id="24" name="Straight Connector 23">
-            <a:extLst>
-              <a:ext uri="{FF2B5EF4-FFF2-40B4-BE49-F238E27FC236}">
-                <a16:creationId xmlns:a16="http://schemas.microsoft.com/office/drawing/2014/main" id="{829E06D9-8F29-6182-BCCC-C8017A4C8BE1}"/>
-              </a:ext>
-            </a:extLst>
-          </p:cNvPr>
-          <p:cNvCxnSpPr>
-            <a:cxnSpLocks/>
-          </p:cNvCxnSpPr>
-          <p:nvPr/>
-        </p:nvCxnSpPr>
-        <p:spPr>
-          <a:xfrm flipV="1">
-            <a:off x="9439098" y="2413082"/>
-            <a:ext cx="0" cy="570631"/>
-          </a:xfrm>
-          <a:prstGeom prst="line">
-            <a:avLst/>
-          </a:prstGeom>
-        </p:spPr>
-        <p:style>
-          <a:lnRef idx="1">
-            <a:schemeClr val="accent1"/>
-          </a:lnRef>
-          <a:fillRef idx="0">
-            <a:schemeClr val="accent1"/>
-          </a:fillRef>
-          <a:effectRef idx="0">
-            <a:schemeClr val="accent1"/>
-          </a:effectRef>
-          <a:fontRef idx="minor">
-            <a:schemeClr val="tx1"/>
-          </a:fontRef>
-        </p:style>
-      </p:cxnSp>
-      <p:cxnSp>
-        <p:nvCxnSpPr>
-          <p:cNvPr id="8" name="Straight Connector 7">
-            <a:extLst>
-              <a:ext uri="{FF2B5EF4-FFF2-40B4-BE49-F238E27FC236}">
-                <a16:creationId xmlns:a16="http://schemas.microsoft.com/office/drawing/2014/main" id="{FC65A891-3249-E9B7-A138-0035A72405A1}"/>
-              </a:ext>
-            </a:extLst>
-          </p:cNvPr>
-          <p:cNvCxnSpPr>
-            <a:cxnSpLocks/>
-          </p:cNvCxnSpPr>
-          <p:nvPr/>
-        </p:nvCxnSpPr>
-        <p:spPr>
-          <a:xfrm flipV="1">
-            <a:off x="7762091" y="3038650"/>
-            <a:ext cx="0" cy="570631"/>
-          </a:xfrm>
-          <a:prstGeom prst="line">
-            <a:avLst/>
-          </a:prstGeom>
-        </p:spPr>
-        <p:style>
-          <a:lnRef idx="1">
-            <a:schemeClr val="accent1"/>
-          </a:lnRef>
-          <a:fillRef idx="0">
-            <a:schemeClr val="accent1"/>
-          </a:fillRef>
-          <a:effectRef idx="0">
-            <a:schemeClr val="accent1"/>
-          </a:effectRef>
-          <a:fontRef idx="minor">
-            <a:schemeClr val="tx1"/>
-          </a:fontRef>
-        </p:style>
-      </p:cxnSp>
-    </p:spTree>
-    <p:extLst>
-      <p:ext uri="{BB962C8B-B14F-4D97-AF65-F5344CB8AC3E}">
-        <p14:creationId xmlns:p14="http://schemas.microsoft.com/office/powerpoint/2010/main" val="3224088307"/>
       </p:ext>
     </p:extLst>
   </p:cSld>
@@ -26629,6 +24631,21 @@
             </a:r>
             <a:endParaRPr lang="nl-BE" dirty="0"/>
           </a:p>
+          <a:p>
+            <a:r>
+              <a:rPr lang="nl-BE" dirty="0" err="1"/>
+              <a:t>Ground</a:t>
+            </a:r>
+            <a:r>
+              <a:rPr lang="nl-BE" dirty="0"/>
+              <a:t> </a:t>
+            </a:r>
+            <a:r>
+              <a:rPr lang="nl-BE" dirty="0" err="1"/>
+              <a:t>truth</a:t>
+            </a:r>
+            <a:endParaRPr lang="nl-BE" dirty="0"/>
+          </a:p>
         </p:txBody>
       </p:sp>
     </p:spTree>
@@ -27239,49 +25256,6 @@
           </a:p>
         </p:txBody>
       </p:sp>
-      <p:cxnSp>
-        <p:nvCxnSpPr>
-          <p:cNvPr id="18" name="Straight Arrow Connector 17">
-            <a:extLst>
-              <a:ext uri="{FF2B5EF4-FFF2-40B4-BE49-F238E27FC236}">
-                <a16:creationId xmlns:a16="http://schemas.microsoft.com/office/drawing/2014/main" id="{29AADB35-A7FB-72CB-B9CF-C870A58C2AF4}"/>
-              </a:ext>
-            </a:extLst>
-          </p:cNvPr>
-          <p:cNvCxnSpPr>
-            <a:cxnSpLocks/>
-            <a:stCxn id="2" idx="3"/>
-            <a:endCxn id="15" idx="1"/>
-          </p:cNvCxnSpPr>
-          <p:nvPr/>
-        </p:nvCxnSpPr>
-        <p:spPr>
-          <a:xfrm>
-            <a:off x="7341355" y="3915457"/>
-            <a:ext cx="467976" cy="0"/>
-          </a:xfrm>
-          <a:prstGeom prst="straightConnector1">
-            <a:avLst/>
-          </a:prstGeom>
-          <a:ln w="63500">
-            <a:tailEnd type="triangle"/>
-          </a:ln>
-        </p:spPr>
-        <p:style>
-          <a:lnRef idx="1">
-            <a:schemeClr val="accent1"/>
-          </a:lnRef>
-          <a:fillRef idx="0">
-            <a:schemeClr val="accent1"/>
-          </a:fillRef>
-          <a:effectRef idx="0">
-            <a:schemeClr val="accent1"/>
-          </a:effectRef>
-          <a:fontRef idx="minor">
-            <a:schemeClr val="tx1"/>
-          </a:fontRef>
-        </p:style>
-      </p:cxnSp>
       <p:pic>
         <p:nvPicPr>
           <p:cNvPr id="2052" name="Picture 4" descr="data:image/png;base64,iVBORw0KGgoAAAANSUhEUgAAAOEAAADhCAMAAAAJbSJIAAAAe1BMVEX///8AAADz8/Pg4OCAgIBaWlqpqakgICDV1dVpaWkEBAS9vb3Z2dn6+vqqqqqurq4/Pz81NTU6OjqLi4vu7u7o6OiXl5fOzs7CwsKysrJ8fHy6urqTk5OdnZ1HR0djY2MVFRVPT08tLS10dHQmJiYYGBgODg5KSkp9fX1MBJo5AAAKaUlEQVR4nO2daWOqOhCGi6i1LbSuBatYW7uc//8L75GQSQJZAGcInMvzrUbTvCSZTCYLd3cjIyMjIyMjI8gsvoKvhe9CULINrmx9F4OQl1zhi+9iEDLPFc59F4OQUeEgyL5/LrEp0aEwvvx8ZzTFwmN/lfBgSnUofLim7mkKhsaHdTywK2RjyQdV0ZBgCo+GVLvC4yAU5q00CAypdoXsp31vpTEr5kGfalV4YD81mqm+sLE1NatC1sCndEVDYsdqItQm2hSG7Ic7ysLhwKriTZtmU/g2CDtzJWV1MdGlWRRO2M9S2sLhcM6L+qxLsih8zpPOlAVD4zUv66cuyaLwM096pS0aEsw1CRJNkllhElidoZ6Ru5fBuybFrPA9TzE6tD0jMdoao8KJud57ydrUp4wKWd9d0RcNCWYXv6sJRoXfVofVB7vLcmN2IGPT2GZSmLpc0nizvHTq7eTdZm0u0DQv8Kzy+X51+j2tqrOHmcMljddGJ4KILC/R0igxtDmnzb8eL/P0LgMcbAJhkXhyVIoKq/KTKbkQGGwal7M9xUMPViaJT8YBQ0MxVDwZkuNV0KxJoPDikvjXOT1Po5q5RdOz2SUFgR2Hyp8De0M9rg5NJuvxYWWI7fAmqnflKXFIbB6LMOTjTaBoqJZBQyEOF+l+nr1m832yCOv+aO2niTKcfRHYpcfZY6DyODumzjHcVx/k8IZqrcVJOv0MTHxOU5u5hRr00EQZLnPz1x17MKrjPBgDFz77IIc3VL3E7cYpj7HRTnxBoNcV1SLEreuL0XtNfVfeq0Mn9EHPQXCTuYlmDfRdmZU0+jYyAjA3ssmYXBrqu3JRcvBuZARcYlr9qCmSmrQ/AnlDFSGW3UlX+tXluE+icLfbhVGyP15Wui+dxAjJgj3emyjjKjFS/ioxy3QhpiTT9FUhKeqPwGurFAIrPXB2MA/qk0NF5AUSo340UQaMZ9u1Wt6fzBXj3WY/6k/WIjOy8rYnUgt7rjeU7c/qz+pOKz2QmPqUi1Lf7W1gOFWKOW00A54qv+3pGpsicNW0qUWr3ktUmmib1XilGrtuqNlfo+94rOHtVaA0AkdgLZ2hxk/ZDOJss/wTqXD3bcN+4b2Ui2VqvM2Y9cWbdcCw/GDcwSx5auv20feJNJwaA8QLmFVXlw3aIk3Uly9aEyn1odMtW35i6Ulp+3L8shTfwFtQVce5abURSj3o1jVAyaRWe3OoDiqI5ihRpwunUgBe6oSft27aiqW4Vam5P5VKgWtvwzcl959XORIo4hXn233JrfDh5K0Au6Pqv77hr2JM5mpU8B0eodRGMVxKybmFdpqoQZ/POdFaYun/8A2I4qHjzOeEl3ouPjkYni0B21fxj+6Lz8RHWLZN2G6+20EaKF/JJ1VPH2qFCTPzg7U1NBZdrmiNvFo/TIuMuBQ2u/hLhH3x3GXRs/m6b/6HZpyiIn5Z8f8tqlC3CaotosMXlbgJVnpfg46k6A5HKAvmbpAd5FosnG79zYor7QkH0fZRs22BsOO4I5Ro/IZN8Z1xoqlCqRKNc4xu2BFVoVyJfve2ZxSGlAHm1O9ZL2ik+KYOpmxem+mWl+JMkDm4uz5j32BJKbacga3xaU1hGYZiPIZmenF/lwwecjhTOFQxb6YeN0dDN8QLeslAiM9fR4QpAM0G7TnP3l+MH4pA4xYntA+wDmBoaKIm4Nb4MzV8vP8iyv/L+5jPg280hkaYGu0pMSzCPw9V3lk0AcIpVMeVeESqCACF75qy/LkxsqGsmQlYWBQGC6pN9ODVsOEi0hfmNomG3XcsU5g6UXn/MHNhEyjD475tWvOhz7T0H6l2D/Kdj+UnqnLb0eFXfaas1YBCKtcYHHumcKsvzI3nTvXNtKSQKkz7VEfhzXPvXaShsG38n3TUSmNdUUhjHNAvqLwq8Ap9hWpAoekqk1s5+lYIfqP+AoXbgVXZLk8eKvA1L/xAG4ObuXv3V4nge0OWRPnzbRdrovzdwFBCsyoUow0IrQF/gMYSgCXzd5cEjFc0Tg24NP7OlMBD/kOS/R/fg4U0QaSJ9/FYJdr+gBbMKJ8ytBCqEEIdYAJHcW4ATt74XHyCWTdFrOiXZ+517z5sfMFvptBIf9CzbgJ4jvhDFgy2VF5vPcTOU/SsIWdP+0zSuFQO7EH/UHp2caeLF5Psmz9ZmMJhD4mwV7iYfCbBd9bVJGqRL1cUUWAR/8IN1kCIhtuwPDp86eAu8HjPp0zFA4X5BW4lQhUW8wo+217vaR2c3UZcjVBsvlzAB5jRGojQBEWtiV21jxs6NzVVjkPyYQoGZsRYg9gu9Ft8omzydp3face2FBy+cE9DVCKe/ygeJe94UelsKvpO4US9/UHZSS6KgzWPg3mn/NDKO+kfUMdJ9bTuTM1bWjDB6SHS+oS6rpSUyoHy33KUBnqsyBAHWXBCRuLwU+Vg0O4oFwXPVfyAPH+1roswsBhrpaJDPOqSD8K04V1Yy8MJpnMq0rmo2xdLpQtRDD0Nzu/gBU/yRZ/Vs3k0kI4M3TpdzURW5knF5Dn3CBDt6SQ72i2XZOZuG/jFUO/Yn5AcO3NTc+Tl2VtqUarBvt17LZ/hbX/puHy8sHfHueURZdbOO47l4a6HdybLBxRbnXVWzjn7DV0YUBy75p1R7oJ9vTJZ2dWwbFaN4VL+sb/FJgeqez6tb80n6gnmvtVgLAyLWtAgq2dx4kz9GdjiuKXJQiZeShHvuVrW7zpex/Zb/ZFwGU6W2/y6I78ZT7jApStq6gRvSndiCefpI7BdWNgVxcVxQuJkaSiviYXy/aXovB/sGXmWCDfjSbMqZQrnDhQ/yV+XdubwkLBfifrbKSPp/g53FFVSuFZWmdw3a9JjvH5z3kpheVbiX6LlCtyohcLqMmHTi3yxsd1O2WBjZmmLpUL9i3wpsF6Bi6Sw3kW+RNivwMVS6LEvOq7ARVPouMiXDtcVuHgKbRf5UuK6AhdRoTA3rUvbAv5cjdtoMBVCX+xye9vGIRBXIZfY5fstUmsTvcNWWDTUTqNvb45Gg6ww7xY0GyCNhKl1cout8G6bdvqGEjfoCnsHKHT3nXTgCjfpk510M3CFDRgV9otR4ahwAHy5FZWguraAiie3pBLd3IiISFOJgxP4l2hRnx6/LGBkZLjsNrNmEO5tJiF1G88KvdsiZGPi1qPB25n0FszdcjT06ZXOLqZuORra74frnswtR4PfazybYbhJxsGgrKnm1WROevMKsnosHu6bYX79ycjISEvi/bQZxOcK0QnLr3B28zioSFTsFqRhSLXYZjgc1oD47/ulR7ccDVSXolHQJuQ9sKB33XeOy3S51QKB/fqxGWvPLxhvwaQZvos78n9k8TxvwvPQpodb7fvVrZz6+JJqM59uRRVI7yXH5uDWo8H3m52a8O/7pW1cmmE5NYlbjobevlJdh+G2eiu9PRqrp3k7HVIbZezCJgwqoj8yMlCqC/uDWravw7IkkOqWc3+UXzAyqLBTPVQ/Z1D+S11CMaX6/AdrMGfPLiL7HV5YrT6TKInGsNrIyMjIyMjIyMjIyEgP+Q8VoHYSIjF0NgAAAABJRU5ErkJggg==">
@@ -27375,8 +25349,8 @@
         </p:nvCxnSpPr>
         <p:spPr>
           <a:xfrm flipH="1">
-            <a:off x="7341355" y="4286503"/>
-            <a:ext cx="404385" cy="3725"/>
+            <a:off x="7358231" y="4039798"/>
+            <a:ext cx="434222" cy="0"/>
           </a:xfrm>
           <a:prstGeom prst="straightConnector1">
             <a:avLst/>
@@ -27508,6 +25482,47 @@
           </a:p>
         </p:txBody>
       </p:sp>
+      <p:cxnSp>
+        <p:nvCxnSpPr>
+          <p:cNvPr id="14" name="Straight Arrow Connector 13">
+            <a:extLst>
+              <a:ext uri="{FF2B5EF4-FFF2-40B4-BE49-F238E27FC236}">
+                <a16:creationId xmlns:a16="http://schemas.microsoft.com/office/drawing/2014/main" id="{B92D805C-8A22-B487-741B-B2665D91851E}"/>
+              </a:ext>
+            </a:extLst>
+          </p:cNvPr>
+          <p:cNvCxnSpPr>
+            <a:cxnSpLocks/>
+          </p:cNvCxnSpPr>
+          <p:nvPr/>
+        </p:nvCxnSpPr>
+        <p:spPr>
+          <a:xfrm>
+            <a:off x="7358231" y="3810596"/>
+            <a:ext cx="434222" cy="0"/>
+          </a:xfrm>
+          <a:prstGeom prst="straightConnector1">
+            <a:avLst/>
+          </a:prstGeom>
+          <a:ln w="63500">
+            <a:tailEnd type="triangle"/>
+          </a:ln>
+        </p:spPr>
+        <p:style>
+          <a:lnRef idx="1">
+            <a:schemeClr val="accent1"/>
+          </a:lnRef>
+          <a:fillRef idx="0">
+            <a:schemeClr val="accent1"/>
+          </a:fillRef>
+          <a:effectRef idx="0">
+            <a:schemeClr val="accent1"/>
+          </a:effectRef>
+          <a:fontRef idx="minor">
+            <a:schemeClr val="tx1"/>
+          </a:fontRef>
+        </p:style>
+      </p:cxnSp>
     </p:spTree>
     <p:extLst>
       <p:ext uri="{BB962C8B-B14F-4D97-AF65-F5344CB8AC3E}">
@@ -27909,49 +25924,6 @@
           </a:p>
         </p:txBody>
       </p:sp>
-      <p:cxnSp>
-        <p:nvCxnSpPr>
-          <p:cNvPr id="18" name="Straight Arrow Connector 17">
-            <a:extLst>
-              <a:ext uri="{FF2B5EF4-FFF2-40B4-BE49-F238E27FC236}">
-                <a16:creationId xmlns:a16="http://schemas.microsoft.com/office/drawing/2014/main" id="{29AADB35-A7FB-72CB-B9CF-C870A58C2AF4}"/>
-              </a:ext>
-            </a:extLst>
-          </p:cNvPr>
-          <p:cNvCxnSpPr>
-            <a:cxnSpLocks/>
-            <a:stCxn id="2" idx="3"/>
-            <a:endCxn id="15" idx="1"/>
-          </p:cNvCxnSpPr>
-          <p:nvPr/>
-        </p:nvCxnSpPr>
-        <p:spPr>
-          <a:xfrm>
-            <a:off x="7341354" y="3932146"/>
-            <a:ext cx="467976" cy="0"/>
-          </a:xfrm>
-          <a:prstGeom prst="straightConnector1">
-            <a:avLst/>
-          </a:prstGeom>
-          <a:ln w="63500">
-            <a:tailEnd type="triangle"/>
-          </a:ln>
-        </p:spPr>
-        <p:style>
-          <a:lnRef idx="1">
-            <a:schemeClr val="accent1"/>
-          </a:lnRef>
-          <a:fillRef idx="0">
-            <a:schemeClr val="accent1"/>
-          </a:fillRef>
-          <a:effectRef idx="0">
-            <a:schemeClr val="accent1"/>
-          </a:effectRef>
-          <a:fontRef idx="minor">
-            <a:schemeClr val="tx1"/>
-          </a:fontRef>
-        </p:style>
-      </p:cxnSp>
       <p:pic>
         <p:nvPicPr>
           <p:cNvPr id="2052" name="Picture 4" descr="data:image/png;base64,iVBORw0KGgoAAAANSUhEUgAAAOEAAADhCAMAAAAJbSJIAAAAe1BMVEX///8AAADz8/Pg4OCAgIBaWlqpqakgICDV1dVpaWkEBAS9vb3Z2dn6+vqqqqqurq4/Pz81NTU6OjqLi4vu7u7o6OiXl5fOzs7CwsKysrJ8fHy6urqTk5OdnZ1HR0djY2MVFRVPT08tLS10dHQmJiYYGBgODg5KSkp9fX1MBJo5AAAKaUlEQVR4nO2daWOqOhCGi6i1LbSuBatYW7uc//8L75GQSQJZAGcInMvzrUbTvCSZTCYLd3cjIyMjIyMjI8gsvoKvhe9CULINrmx9F4OQl1zhi+9iEDLPFc59F4OQUeEgyL5/LrEp0aEwvvx8ZzTFwmN/lfBgSnUofLim7mkKhsaHdTywK2RjyQdV0ZBgCo+GVLvC4yAU5q00CAypdoXsp31vpTEr5kGfalV4YD81mqm+sLE1NatC1sCndEVDYsdqItQm2hSG7Ic7ysLhwKriTZtmU/g2CDtzJWV1MdGlWRRO2M9S2sLhcM6L+qxLsih8zpPOlAVD4zUv66cuyaLwM096pS0aEsw1CRJNkllhElidoZ6Ru5fBuybFrPA9TzE6tD0jMdoao8KJud57ydrUp4wKWd9d0RcNCWYXv6sJRoXfVofVB7vLcmN2IGPT2GZSmLpc0nizvHTq7eTdZm0u0DQv8Kzy+X51+j2tqrOHmcMljddGJ4KILC/R0igxtDmnzb8eL/P0LgMcbAJhkXhyVIoKq/KTKbkQGGwal7M9xUMPViaJT8YBQ0MxVDwZkuNV0KxJoPDikvjXOT1Po5q5RdOz2SUFgR2Hyp8De0M9rg5NJuvxYWWI7fAmqnflKXFIbB6LMOTjTaBoqJZBQyEOF+l+nr1m832yCOv+aO2niTKcfRHYpcfZY6DyODumzjHcVx/k8IZqrcVJOv0MTHxOU5u5hRr00EQZLnPz1x17MKrjPBgDFz77IIc3VL3E7cYpj7HRTnxBoNcV1SLEreuL0XtNfVfeq0Mn9EHPQXCTuYlmDfRdmZU0+jYyAjA3ssmYXBrqu3JRcvBuZARcYlr9qCmSmrQ/AnlDFSGW3UlX+tXluE+icLfbhVGyP15Wui+dxAjJgj3emyjjKjFS/ioxy3QhpiTT9FUhKeqPwGurFAIrPXB2MA/qk0NF5AUSo340UQaMZ9u1Wt6fzBXj3WY/6k/WIjOy8rYnUgt7rjeU7c/qz+pOKz2QmPqUi1Lf7W1gOFWKOW00A54qv+3pGpsicNW0qUWr3ktUmmib1XilGrtuqNlfo+94rOHtVaA0AkdgLZ2hxk/ZDOJss/wTqXD3bcN+4b2Ui2VqvM2Y9cWbdcCw/GDcwSx5auv20feJNJwaA8QLmFVXlw3aIk3Uly9aEyn1odMtW35i6Ulp+3L8shTfwFtQVce5abURSj3o1jVAyaRWe3OoDiqI5ihRpwunUgBe6oSft27aiqW4Vam5P5VKgWtvwzcl959XORIo4hXn233JrfDh5K0Au6Pqv77hr2JM5mpU8B0eodRGMVxKybmFdpqoQZ/POdFaYun/8A2I4qHjzOeEl3ouPjkYni0B21fxj+6Lz8RHWLZN2G6+20EaKF/JJ1VPH2qFCTPzg7U1NBZdrmiNvFo/TIuMuBQ2u/hLhH3x3GXRs/m6b/6HZpyiIn5Z8f8tqlC3CaotosMXlbgJVnpfg46k6A5HKAvmbpAd5FosnG79zYor7QkH0fZRs22BsOO4I5Ro/IZN8Z1xoqlCqRKNc4xu2BFVoVyJfve2ZxSGlAHm1O9ZL2ik+KYOpmxem+mWl+JMkDm4uz5j32BJKbacga3xaU1hGYZiPIZmenF/lwwecjhTOFQxb6YeN0dDN8QLeslAiM9fR4QpAM0G7TnP3l+MH4pA4xYntA+wDmBoaKIm4Nb4MzV8vP8iyv/L+5jPg280hkaYGu0pMSzCPw9V3lk0AcIpVMeVeESqCACF75qy/LkxsqGsmQlYWBQGC6pN9ODVsOEi0hfmNomG3XcsU5g6UXn/MHNhEyjD475tWvOhz7T0H6l2D/Kdj+UnqnLb0eFXfaas1YBCKtcYHHumcKsvzI3nTvXNtKSQKkz7VEfhzXPvXaShsG38n3TUSmNdUUhjHNAvqLwq8Ap9hWpAoekqk1s5+lYIfqP+AoXbgVXZLk8eKvA1L/xAG4ObuXv3V4nge0OWRPnzbRdrovzdwFBCsyoUow0IrQF/gMYSgCXzd5cEjFc0Tg24NP7OlMBD/kOS/R/fg4U0QaSJ9/FYJdr+gBbMKJ8ytBCqEEIdYAJHcW4ATt74XHyCWTdFrOiXZ+517z5sfMFvptBIf9CzbgJ4jvhDFgy2VF5vPcTOU/SsIWdP+0zSuFQO7EH/UHp2caeLF5Psmz9ZmMJhD4mwV7iYfCbBd9bVJGqRL1cUUWAR/8IN1kCIhtuwPDp86eAu8HjPp0zFA4X5BW4lQhUW8wo+217vaR2c3UZcjVBsvlzAB5jRGojQBEWtiV21jxs6NzVVjkPyYQoGZsRYg9gu9Ft8omzydp3face2FBy+cE9DVCKe/ygeJe94UelsKvpO4US9/UHZSS6KgzWPg3mn/NDKO+kfUMdJ9bTuTM1bWjDB6SHS+oS6rpSUyoHy33KUBnqsyBAHWXBCRuLwU+Vg0O4oFwXPVfyAPH+1roswsBhrpaJDPOqSD8K04V1Yy8MJpnMq0rmo2xdLpQtRDD0Nzu/gBU/yRZ/Vs3k0kI4M3TpdzURW5knF5Dn3CBDt6SQ72i2XZOZuG/jFUO/Yn5AcO3NTc+Tl2VtqUarBvt17LZ/hbX/puHy8sHfHueURZdbOO47l4a6HdybLBxRbnXVWzjn7DV0YUBy75p1R7oJ9vTJZ2dWwbFaN4VL+sb/FJgeqez6tb80n6gnmvtVgLAyLWtAgq2dx4kz9GdjiuKXJQiZeShHvuVrW7zpex/Zb/ZFwGU6W2/y6I78ZT7jApStq6gRvSndiCefpI7BdWNgVxcVxQuJkaSiviYXy/aXovB/sGXmWCDfjSbMqZQrnDhQ/yV+XdubwkLBfifrbKSPp/g53FFVSuFZWmdw3a9JjvH5z3kpheVbiX6LlCtyohcLqMmHTi3yxsd1O2WBjZmmLpUL9i3wpsF6Bi6Sw3kW+RNivwMVS6LEvOq7ARVPouMiXDtcVuHgKbRf5UuK6AhdRoTA3rUvbAv5cjdtoMBVCX+xye9vGIRBXIZfY5fstUmsTvcNWWDTUTqNvb45Gg6ww7xY0GyCNhKl1cout8G6bdvqGEjfoCnsHKHT3nXTgCjfpk510M3CFDRgV9otR4ahwAHy5FZWguraAiie3pBLd3IiISFOJgxP4l2hRnx6/LGBkZLjsNrNmEO5tJiF1G88KvdsiZGPi1qPB25n0FszdcjT06ZXOLqZuORra74frnswtR4PfazybYbhJxsGgrKnm1WROevMKsnosHu6bYX79ycjISEvi/bQZxOcK0QnLr3B28zioSFTsFqRhSLXYZjgc1oD47/ulR7ccDVSXolHQJuQ9sKB33XeOy3S51QKB/fqxGWvPLxhvwaQZvos78n9k8TxvwvPQpodb7fvVrZz6+JJqM59uRRVI7yXH5uDWo8H3m52a8O/7pW1cmmE5NYlbjobevlJdh+G2eiu9PRqrp3k7HVIbZezCJgwqoj8yMlCqC/uDWravw7IkkOqWc3+UXzAyqLBTPVQ/Z1D+S11CMaX6/AdrMGfPLiL7HV5YrT6TKInGsNrIyMjIyMjIyMjIyEgP+Q8VoHYSIjF0NgAAAABJRU5ErkJggg==">
@@ -28043,7 +26015,7 @@
         </p:nvSpPr>
         <p:spPr>
           <a:xfrm>
-            <a:off x="9898053" y="3208610"/>
+            <a:off x="9961644" y="3204884"/>
             <a:ext cx="1684338" cy="1454521"/>
           </a:xfrm>
           <a:prstGeom prst="roundRect">
@@ -28110,24 +26082,22 @@
       </p:pic>
       <p:cxnSp>
         <p:nvCxnSpPr>
-          <p:cNvPr id="12" name="Straight Arrow Connector 11">
+          <p:cNvPr id="10" name="Straight Arrow Connector 9">
             <a:extLst>
               <a:ext uri="{FF2B5EF4-FFF2-40B4-BE49-F238E27FC236}">
-                <a16:creationId xmlns:a16="http://schemas.microsoft.com/office/drawing/2014/main" id="{2353B725-27B4-49A1-BC72-B905F112C4BC}"/>
+                <a16:creationId xmlns:a16="http://schemas.microsoft.com/office/drawing/2014/main" id="{277BDE4F-552A-000A-D6CD-3A060F950142}"/>
               </a:ext>
             </a:extLst>
           </p:cNvPr>
           <p:cNvCxnSpPr>
             <a:cxnSpLocks/>
-            <a:stCxn id="15" idx="3"/>
-            <a:endCxn id="7" idx="1"/>
           </p:cNvCxnSpPr>
           <p:nvPr/>
         </p:nvCxnSpPr>
         <p:spPr>
-          <a:xfrm>
-            <a:off x="9493668" y="3932146"/>
-            <a:ext cx="404385" cy="3725"/>
+          <a:xfrm flipH="1">
+            <a:off x="7358231" y="4039798"/>
+            <a:ext cx="434222" cy="0"/>
           </a:xfrm>
           <a:prstGeom prst="straightConnector1">
             <a:avLst/>
@@ -28153,10 +26123,10 @@
       </p:cxnSp>
       <p:cxnSp>
         <p:nvCxnSpPr>
-          <p:cNvPr id="17" name="Straight Arrow Connector 16">
+          <p:cNvPr id="13" name="Straight Arrow Connector 12">
             <a:extLst>
               <a:ext uri="{FF2B5EF4-FFF2-40B4-BE49-F238E27FC236}">
-                <a16:creationId xmlns:a16="http://schemas.microsoft.com/office/drawing/2014/main" id="{BA033D2B-8EF6-382D-FC76-EE35E6FB134A}"/>
+                <a16:creationId xmlns:a16="http://schemas.microsoft.com/office/drawing/2014/main" id="{C867578F-ACE0-41F3-8230-4FD75096EFFC}"/>
               </a:ext>
             </a:extLst>
           </p:cNvPr>
@@ -28166,9 +26136,9 @@
           <p:nvPr/>
         </p:nvCxnSpPr>
         <p:spPr>
-          <a:xfrm flipH="1">
-            <a:off x="9493667" y="4295776"/>
-            <a:ext cx="404385" cy="3725"/>
+          <a:xfrm>
+            <a:off x="7358231" y="3810596"/>
+            <a:ext cx="434222" cy="0"/>
           </a:xfrm>
           <a:prstGeom prst="straightConnector1">
             <a:avLst/>
@@ -28194,10 +26164,10 @@
       </p:cxnSp>
       <p:cxnSp>
         <p:nvCxnSpPr>
-          <p:cNvPr id="19" name="Straight Arrow Connector 18">
+          <p:cNvPr id="20" name="Straight Arrow Connector 19">
             <a:extLst>
               <a:ext uri="{FF2B5EF4-FFF2-40B4-BE49-F238E27FC236}">
-                <a16:creationId xmlns:a16="http://schemas.microsoft.com/office/drawing/2014/main" id="{21049E36-BD49-D00A-B39B-58A43F487138}"/>
+                <a16:creationId xmlns:a16="http://schemas.microsoft.com/office/drawing/2014/main" id="{F01650FD-1C41-5C51-3498-9B69E407DB11}"/>
               </a:ext>
             </a:extLst>
           </p:cNvPr>
@@ -28208,8 +26178,49 @@
         </p:nvCxnSpPr>
         <p:spPr>
           <a:xfrm flipH="1">
-            <a:off x="7341354" y="4303192"/>
-            <a:ext cx="404385" cy="3725"/>
+            <a:off x="9516614" y="4039798"/>
+            <a:ext cx="434222" cy="0"/>
+          </a:xfrm>
+          <a:prstGeom prst="straightConnector1">
+            <a:avLst/>
+          </a:prstGeom>
+          <a:ln w="63500">
+            <a:tailEnd type="triangle"/>
+          </a:ln>
+        </p:spPr>
+        <p:style>
+          <a:lnRef idx="1">
+            <a:schemeClr val="accent1"/>
+          </a:lnRef>
+          <a:fillRef idx="0">
+            <a:schemeClr val="accent1"/>
+          </a:fillRef>
+          <a:effectRef idx="0">
+            <a:schemeClr val="accent1"/>
+          </a:effectRef>
+          <a:fontRef idx="minor">
+            <a:schemeClr val="tx1"/>
+          </a:fontRef>
+        </p:style>
+      </p:cxnSp>
+      <p:cxnSp>
+        <p:nvCxnSpPr>
+          <p:cNvPr id="21" name="Straight Arrow Connector 20">
+            <a:extLst>
+              <a:ext uri="{FF2B5EF4-FFF2-40B4-BE49-F238E27FC236}">
+                <a16:creationId xmlns:a16="http://schemas.microsoft.com/office/drawing/2014/main" id="{8FA01ED2-EC4A-6158-D3E2-BD5F71A3DD92}"/>
+              </a:ext>
+            </a:extLst>
+          </p:cNvPr>
+          <p:cNvCxnSpPr>
+            <a:cxnSpLocks/>
+          </p:cNvCxnSpPr>
+          <p:nvPr/>
+        </p:nvCxnSpPr>
+        <p:spPr>
+          <a:xfrm>
+            <a:off x="9516614" y="3810596"/>
+            <a:ext cx="434222" cy="0"/>
           </a:xfrm>
           <a:prstGeom prst="straightConnector1">
             <a:avLst/>

--- a/Milestones/M10 defence/M10.pptx
+++ b/Milestones/M10 defence/M10.pptx
@@ -6,10 +6,10 @@
     <p:sldMasterId id="2147483694" r:id="rId2"/>
   </p:sldMasterIdLst>
   <p:notesMasterIdLst>
-    <p:notesMasterId r:id="rId30"/>
+    <p:notesMasterId r:id="rId31"/>
   </p:notesMasterIdLst>
   <p:handoutMasterIdLst>
-    <p:handoutMasterId r:id="rId31"/>
+    <p:handoutMasterId r:id="rId32"/>
   </p:handoutMasterIdLst>
   <p:sldIdLst>
     <p:sldId id="261" r:id="rId3"/>
@@ -38,7 +38,8 @@
     <p:sldId id="318" r:id="rId26"/>
     <p:sldId id="310" r:id="rId27"/>
     <p:sldId id="275" r:id="rId28"/>
-    <p:sldId id="269" r:id="rId29"/>
+    <p:sldId id="321" r:id="rId29"/>
+    <p:sldId id="269" r:id="rId30"/>
   </p:sldIdLst>
   <p:sldSz cx="12192000" cy="6858000"/>
   <p:notesSz cx="6858000" cy="9144000"/>
@@ -5543,7 +5544,7 @@
           <a:p>
             <a:fld id="{8F591CCF-F6FD-734B-854A-5BC033593B1E}" type="datetimeFigureOut">
               <a:rPr lang="nl-NL" smtClean="0"/>
-              <a:t>30-1-2023</a:t>
+              <a:t>31-1-2023</a:t>
             </a:fld>
             <a:endParaRPr lang="nl-NL"/>
           </a:p>
@@ -5708,7 +5709,7 @@
           <a:p>
             <a:fld id="{23C66214-DB21-4647-B5DA-0D17CA592867}" type="datetimeFigureOut">
               <a:rPr lang="nl-NL" smtClean="0"/>
-              <a:t>30-1-2023</a:t>
+              <a:t>31-1-2023</a:t>
             </a:fld>
             <a:endParaRPr lang="nl-NL"/>
           </a:p>
@@ -8440,7 +8441,7 @@
           <a:p>
             <a:r>
               <a:rPr lang="nl-BE" dirty="0"/>
-              <a:t>Configuratie ruimte laten testen CPMpy heeft directe toegang tot de </a:t>
+              <a:t>Configuratie ruimte of hyperparameters laten testen CPMpy heeft directe toegang tot de </a:t>
             </a:r>
             <a:r>
               <a:rPr lang="nl-BE" dirty="0" err="1"/>
@@ -8501,6 +8502,28 @@
           </a:p>
           <a:p>
             <a:endParaRPr lang="nl-BE" dirty="0"/>
+          </a:p>
+          <a:p>
+            <a:r>
+              <a:rPr lang="nl-BE" dirty="0"/>
+              <a:t>Depth first </a:t>
+            </a:r>
+            <a:r>
+              <a:rPr lang="nl-BE" dirty="0" err="1"/>
+              <a:t>vs</a:t>
+            </a:r>
+            <a:r>
+              <a:rPr lang="nl-BE" dirty="0"/>
+              <a:t> </a:t>
+            </a:r>
+            <a:r>
+              <a:rPr lang="nl-BE" dirty="0" err="1"/>
+              <a:t>Branch</a:t>
+            </a:r>
+            <a:r>
+              <a:rPr lang="nl-BE" dirty="0"/>
+              <a:t> first</a:t>
+            </a:r>
           </a:p>
         </p:txBody>
       </p:sp>
@@ -8833,7 +8856,7 @@
           <a:bodyPr/>
           <a:lstStyle/>
           <a:p>
-            <a:endParaRPr lang="en-US" dirty="0"/>
+            <a:endParaRPr lang="nl-BE" dirty="0"/>
           </a:p>
         </p:txBody>
       </p:sp>
@@ -8855,6 +8878,90 @@
             <a:fld id="{8954E32A-327F-AF4B-8E1F-209FBF93D26D}" type="slidenum">
               <a:rPr lang="nl-NL" smtClean="0"/>
               <a:t>27</a:t>
+            </a:fld>
+            <a:endParaRPr lang="nl-NL"/>
+          </a:p>
+        </p:txBody>
+      </p:sp>
+    </p:spTree>
+    <p:extLst>
+      <p:ext uri="{BB962C8B-B14F-4D97-AF65-F5344CB8AC3E}">
+        <p14:creationId xmlns:p14="http://schemas.microsoft.com/office/powerpoint/2010/main" val="3872452234"/>
+      </p:ext>
+    </p:extLst>
+  </p:cSld>
+  <p:clrMapOvr>
+    <a:masterClrMapping/>
+  </p:clrMapOvr>
+</p:notes>
+</file>
+
+<file path=ppt/notesSlides/notesSlide28.xml><?xml version="1.0" encoding="utf-8"?>
+<p:notes xmlns:a="http://schemas.openxmlformats.org/drawingml/2006/main" xmlns:r="http://schemas.openxmlformats.org/officeDocument/2006/relationships" xmlns:p="http://schemas.openxmlformats.org/presentationml/2006/main">
+  <p:cSld>
+    <p:spTree>
+      <p:nvGrpSpPr>
+        <p:cNvPr id="1" name=""/>
+        <p:cNvGrpSpPr/>
+        <p:nvPr/>
+      </p:nvGrpSpPr>
+      <p:grpSpPr>
+        <a:xfrm>
+          <a:off x="0" y="0"/>
+          <a:ext cx="0" cy="0"/>
+          <a:chOff x="0" y="0"/>
+          <a:chExt cx="0" cy="0"/>
+        </a:xfrm>
+      </p:grpSpPr>
+      <p:sp>
+        <p:nvSpPr>
+          <p:cNvPr id="2" name="Slide Image Placeholder 1"/>
+          <p:cNvSpPr>
+            <a:spLocks noGrp="1" noRot="1" noChangeAspect="1"/>
+          </p:cNvSpPr>
+          <p:nvPr>
+            <p:ph type="sldImg"/>
+          </p:nvPr>
+        </p:nvSpPr>
+        <p:spPr/>
+      </p:sp>
+      <p:sp>
+        <p:nvSpPr>
+          <p:cNvPr id="3" name="Notes Placeholder 2"/>
+          <p:cNvSpPr>
+            <a:spLocks noGrp="1"/>
+          </p:cNvSpPr>
+          <p:nvPr>
+            <p:ph type="body" idx="1"/>
+          </p:nvPr>
+        </p:nvSpPr>
+        <p:spPr/>
+        <p:txBody>
+          <a:bodyPr/>
+          <a:lstStyle/>
+          <a:p>
+            <a:endParaRPr lang="en-US" dirty="0"/>
+          </a:p>
+        </p:txBody>
+      </p:sp>
+      <p:sp>
+        <p:nvSpPr>
+          <p:cNvPr id="4" name="Slide Number Placeholder 3"/>
+          <p:cNvSpPr>
+            <a:spLocks noGrp="1"/>
+          </p:cNvSpPr>
+          <p:nvPr>
+            <p:ph type="sldNum" sz="quarter" idx="5"/>
+          </p:nvPr>
+        </p:nvSpPr>
+        <p:spPr/>
+        <p:txBody>
+          <a:bodyPr/>
+          <a:lstStyle/>
+          <a:p>
+            <a:fld id="{8954E32A-327F-AF4B-8E1F-209FBF93D26D}" type="slidenum">
+              <a:rPr lang="nl-NL" smtClean="0"/>
+              <a:t>28</a:t>
             </a:fld>
             <a:endParaRPr lang="nl-NL"/>
           </a:p>
@@ -10698,7 +10805,7 @@
           <a:p>
             <a:fld id="{A6AC6004-332E-443B-AEE9-F68B98D86626}" type="datetime1">
               <a:rPr lang="nl-BE" smtClean="0"/>
-              <a:t>30/01/2023</a:t>
+              <a:t>31/01/2023</a:t>
             </a:fld>
             <a:endParaRPr lang="nl-NL"/>
           </a:p>
@@ -10981,7 +11088,7 @@
           <a:p>
             <a:fld id="{18BB5DFC-17D3-47A0-B171-B4E4D1575E7B}" type="datetime1">
               <a:rPr lang="nl-BE" smtClean="0"/>
-              <a:t>30/01/2023</a:t>
+              <a:t>31/01/2023</a:t>
             </a:fld>
             <a:endParaRPr lang="nl-NL"/>
           </a:p>
@@ -11311,7 +11418,7 @@
           <a:p>
             <a:fld id="{DFE966B0-6D13-414C-BF72-6FF6C60AEC98}" type="datetime1">
               <a:rPr lang="nl-BE" smtClean="0"/>
-              <a:t>30/01/2023</a:t>
+              <a:t>31/01/2023</a:t>
             </a:fld>
             <a:endParaRPr lang="nl-NL"/>
           </a:p>
@@ -11631,7 +11738,7 @@
           <a:p>
             <a:fld id="{C812C44A-F540-4B98-810B-5F6EB90D9C13}" type="datetime1">
               <a:rPr lang="nl-BE" smtClean="0"/>
-              <a:t>30/01/2023</a:t>
+              <a:t>31/01/2023</a:t>
             </a:fld>
             <a:endParaRPr lang="nl-NL" dirty="0"/>
           </a:p>
@@ -11952,7 +12059,7 @@
           <a:p>
             <a:fld id="{8363B599-027A-42E4-AF08-DCDA683C2C05}" type="datetime1">
               <a:rPr lang="nl-BE" smtClean="0"/>
-              <a:t>30/01/2023</a:t>
+              <a:t>31/01/2023</a:t>
             </a:fld>
             <a:endParaRPr lang="nl-NL" dirty="0"/>
           </a:p>
@@ -12094,7 +12201,7 @@
           <a:p>
             <a:fld id="{896510B4-3146-4BB8-B92E-62730CD81C72}" type="datetime1">
               <a:rPr lang="nl-BE" smtClean="0"/>
-              <a:t>30/01/2023</a:t>
+              <a:t>31/01/2023</a:t>
             </a:fld>
             <a:endParaRPr lang="nl-NL"/>
           </a:p>
@@ -12578,7 +12685,7 @@
           <a:p>
             <a:fld id="{9D02B56F-A388-429F-978E-7B79C73B0741}" type="datetime1">
               <a:rPr lang="nl-BE" smtClean="0"/>
-              <a:t>30/01/2023</a:t>
+              <a:t>31/01/2023</a:t>
             </a:fld>
             <a:endParaRPr lang="nl-NL" dirty="0"/>
           </a:p>
@@ -12699,7 +12806,7 @@
           <a:p>
             <a:fld id="{CFC1976B-B1C6-4CE3-88E7-0F7B3C0EB754}" type="datetime1">
               <a:rPr lang="nl-BE" smtClean="0"/>
-              <a:t>30/01/2023</a:t>
+              <a:t>31/01/2023</a:t>
             </a:fld>
             <a:endParaRPr lang="nl-NL"/>
           </a:p>
@@ -12820,7 +12927,7 @@
           <a:p>
             <a:fld id="{9D9EDC0B-32E5-488B-8BC1-103B52D9F530}" type="datetime1">
               <a:rPr lang="nl-BE" smtClean="0"/>
-              <a:t>30/01/2023</a:t>
+              <a:t>31/01/2023</a:t>
             </a:fld>
             <a:endParaRPr lang="nl-NL"/>
           </a:p>
@@ -13002,7 +13109,7 @@
           <a:p>
             <a:fld id="{47FF4611-E6C1-4123-99C9-582B0DC5EFCF}" type="datetime1">
               <a:rPr lang="nl-BE" smtClean="0"/>
-              <a:t>30/01/2023</a:t>
+              <a:t>31/01/2023</a:t>
             </a:fld>
             <a:endParaRPr lang="nl-NL" dirty="0"/>
           </a:p>
@@ -13286,7 +13393,7 @@
           <a:p>
             <a:fld id="{7E5B4B50-A2A3-4C24-AE79-A292DD23C44A}" type="datetime1">
               <a:rPr lang="nl-BE" smtClean="0"/>
-              <a:t>30/01/2023</a:t>
+              <a:t>31/01/2023</a:t>
             </a:fld>
             <a:endParaRPr lang="nl-NL" dirty="0"/>
           </a:p>
@@ -13927,7 +14034,7 @@
           <a:p>
             <a:fld id="{560602C3-E89F-44D5-8AA8-1213C1FA739E}" type="datetime1">
               <a:rPr lang="nl-BE" smtClean="0"/>
-              <a:t>30/01/2023</a:t>
+              <a:t>31/01/2023</a:t>
             </a:fld>
             <a:endParaRPr lang="nl-NL" dirty="0"/>
           </a:p>
@@ -14350,7 +14457,15 @@
           <a:p>
             <a:r>
               <a:rPr lang="en-GB" dirty="0"/>
-              <a:t>Fuzz Testing of Constraint Programming</a:t>
+              <a:t>Fuzz </a:t>
+            </a:r>
+            <a:r>
+              <a:rPr lang="en-GB" dirty="0" err="1"/>
+              <a:t>Testen</a:t>
+            </a:r>
+            <a:r>
+              <a:rPr lang="en-GB" dirty="0"/>
+              <a:t> van Constraint Programming</a:t>
             </a:r>
             <a:endParaRPr lang="nl-NL" dirty="0"/>
           </a:p>
@@ -14523,99 +14638,162 @@
           </a:p>
         </p:txBody>
       </p:sp>
-      <p:sp>
-        <p:nvSpPr>
-          <p:cNvPr id="8" name="Content Placeholder 7">
-            <a:extLst>
-              <a:ext uri="{FF2B5EF4-FFF2-40B4-BE49-F238E27FC236}">
-                <a16:creationId xmlns:a16="http://schemas.microsoft.com/office/drawing/2014/main" id="{349BF4B6-A4D5-F9BE-A7B7-4B3C2083EFD2}"/>
-              </a:ext>
-            </a:extLst>
-          </p:cNvPr>
-          <p:cNvSpPr>
-            <a:spLocks noGrp="1"/>
-          </p:cNvSpPr>
-          <p:nvPr>
-            <p:ph idx="1"/>
-          </p:nvPr>
-        </p:nvSpPr>
-        <p:spPr>
-          <a:xfrm>
-            <a:off x="576000" y="1656000"/>
-            <a:ext cx="11041200" cy="4464000"/>
-          </a:xfrm>
-        </p:spPr>
-        <p:txBody>
-          <a:bodyPr>
-            <a:normAutofit/>
-          </a:bodyPr>
-          <a:lstStyle/>
-          <a:p>
-            <a:r>
-              <a:rPr lang="nl-BE" dirty="0"/>
-              <a:t>Andere (maar equivalente) manier oplossen </a:t>
-            </a:r>
-          </a:p>
-          <a:p>
-            <a:endParaRPr lang="nl-BE" dirty="0"/>
-          </a:p>
-          <a:p>
-            <a:r>
-              <a:rPr lang="nl-BE" dirty="0"/>
-              <a:t>Enkele Metamorphic relations</a:t>
-            </a:r>
-          </a:p>
-          <a:p>
-            <a:pPr lvl="1"/>
-            <a:r>
-              <a:rPr lang="nl-BE" dirty="0" err="1"/>
-              <a:t>AllDifferent</a:t>
-            </a:r>
-            <a:r>
-              <a:rPr lang="nl-BE" dirty="0"/>
-              <a:t>([var1, var2, var3]) wordt [var1 != var2, var2 != var3, var3!=var1]</a:t>
-            </a:r>
-          </a:p>
-          <a:p>
-            <a:pPr lvl="1"/>
-            <a:r>
-              <a:rPr lang="nl-BE" dirty="0"/>
-              <a:t>(Boolean) constraint (</a:t>
-            </a:r>
-            <a:r>
-              <a:rPr lang="nl-BE" dirty="0" err="1"/>
-              <a:t>and</a:t>
-            </a:r>
-            <a:r>
-              <a:rPr lang="nl-BE" dirty="0"/>
-              <a:t> True)</a:t>
-            </a:r>
-          </a:p>
-          <a:p>
-            <a:pPr lvl="1"/>
-            <a:r>
-              <a:rPr lang="nl-BE" dirty="0"/>
-              <a:t>A =&lt; B wordt A &lt; (B + 1)</a:t>
-            </a:r>
-          </a:p>
-          <a:p>
-            <a:pPr lvl="1"/>
-            <a:r>
-              <a:rPr lang="nl-BE" dirty="0"/>
-              <a:t>…</a:t>
-            </a:r>
-          </a:p>
-          <a:p>
-            <a:endParaRPr lang="nl-BE" dirty="0"/>
-          </a:p>
-          <a:p>
-            <a:r>
-              <a:rPr lang="nl-BE" dirty="0"/>
-              <a:t>Flexibiliteit</a:t>
-            </a:r>
-          </a:p>
-        </p:txBody>
-      </p:sp>
+      <mc:AlternateContent xmlns:mc="http://schemas.openxmlformats.org/markup-compatibility/2006">
+        <mc:Choice xmlns:a14="http://schemas.microsoft.com/office/drawing/2010/main" Requires="a14">
+          <p:sp>
+            <p:nvSpPr>
+              <p:cNvPr id="8" name="Content Placeholder 7">
+                <a:extLst>
+                  <a:ext uri="{FF2B5EF4-FFF2-40B4-BE49-F238E27FC236}">
+                    <a16:creationId xmlns:a16="http://schemas.microsoft.com/office/drawing/2014/main" id="{349BF4B6-A4D5-F9BE-A7B7-4B3C2083EFD2}"/>
+                  </a:ext>
+                </a:extLst>
+              </p:cNvPr>
+              <p:cNvSpPr>
+                <a:spLocks noGrp="1"/>
+              </p:cNvSpPr>
+              <p:nvPr>
+                <p:ph idx="1"/>
+              </p:nvPr>
+            </p:nvSpPr>
+            <p:spPr>
+              <a:xfrm>
+                <a:off x="576000" y="1656000"/>
+                <a:ext cx="11041200" cy="4464000"/>
+              </a:xfrm>
+            </p:spPr>
+            <p:txBody>
+              <a:bodyPr>
+                <a:normAutofit/>
+              </a:bodyPr>
+              <a:lstStyle/>
+              <a:p>
+                <a:r>
+                  <a:rPr lang="nl-BE" dirty="0"/>
+                  <a:t>Andere (maar equivalente) manier oplossen </a:t>
+                </a:r>
+              </a:p>
+              <a:p>
+                <a:endParaRPr lang="nl-BE" dirty="0"/>
+              </a:p>
+              <a:p>
+                <a:r>
+                  <a:rPr lang="nl-BE" dirty="0"/>
+                  <a:t>Enkele Metamorphic transformaties</a:t>
+                </a:r>
+              </a:p>
+              <a:p>
+                <a:pPr lvl="1"/>
+                <a:r>
+                  <a:rPr lang="nl-BE" dirty="0"/>
+                  <a:t>Alldifferent([var1, var2, var3]) wordt [var1 != var2, var2!=var3, var3!=var1]</a:t>
+                </a:r>
+              </a:p>
+              <a:p>
+                <a:pPr lvl="1"/>
+                <a:r>
+                  <a:rPr lang="nl-BE" dirty="0"/>
+                  <a:t>(Boolean) constraint wordt constraint </a:t>
+                </a:r>
+                <a:r>
+                  <a:rPr lang="nl-BE" dirty="0" err="1"/>
+                  <a:t>and</a:t>
+                </a:r>
+                <a:r>
+                  <a:rPr lang="nl-BE" dirty="0"/>
+                  <a:t> True </a:t>
+                </a:r>
+                <a:endParaRPr lang="en-GB" i="1" dirty="0">
+                  <a:latin typeface="Cambria Math" panose="02040503050406030204" pitchFamily="18" charset="0"/>
+                </a:endParaRPr>
+              </a:p>
+              <a:p>
+                <a:pPr lvl="1"/>
+                <a:r>
+                  <a:rPr lang="nl-BE" dirty="0">
+                    <a:ea typeface="Cambria Math" panose="02040503050406030204" pitchFamily="18" charset="0"/>
+                  </a:rPr>
+                  <a:t>A </a:t>
+                </a:r>
+                <a14:m>
+                  <m:oMath xmlns:m="http://schemas.openxmlformats.org/officeDocument/2006/math">
+                    <m:r>
+                      <a:rPr lang="nl-BE" i="1" smtClean="0">
+                        <a:latin typeface="Cambria Math" panose="02040503050406030204" pitchFamily="18" charset="0"/>
+                        <a:ea typeface="Cambria Math" panose="02040503050406030204" pitchFamily="18" charset="0"/>
+                      </a:rPr>
+                      <m:t>≤</m:t>
+                    </m:r>
+                  </m:oMath>
+                </a14:m>
+                <a:r>
+                  <a:rPr lang="nl-BE" dirty="0"/>
+                  <a:t> B wordt A &lt; (B+1)</a:t>
+                </a:r>
+              </a:p>
+              <a:p>
+                <a:pPr lvl="1"/>
+                <a:r>
+                  <a:rPr lang="nl-BE" dirty="0"/>
+                  <a:t>…</a:t>
+                </a:r>
+              </a:p>
+              <a:p>
+                <a:endParaRPr lang="nl-BE" dirty="0"/>
+              </a:p>
+              <a:p>
+                <a:r>
+                  <a:rPr lang="nl-BE" dirty="0"/>
+                  <a:t>Flexibiliteit</a:t>
+                </a:r>
+              </a:p>
+            </p:txBody>
+          </p:sp>
+        </mc:Choice>
+        <mc:Fallback>
+          <p:sp>
+            <p:nvSpPr>
+              <p:cNvPr id="8" name="Content Placeholder 7">
+                <a:extLst>
+                  <a:ext uri="{FF2B5EF4-FFF2-40B4-BE49-F238E27FC236}">
+                    <a16:creationId xmlns:a16="http://schemas.microsoft.com/office/drawing/2014/main" id="{349BF4B6-A4D5-F9BE-A7B7-4B3C2083EFD2}"/>
+                  </a:ext>
+                </a:extLst>
+              </p:cNvPr>
+              <p:cNvSpPr>
+                <a:spLocks noGrp="1" noRot="1" noChangeAspect="1" noMove="1" noResize="1" noEditPoints="1" noAdjustHandles="1" noChangeArrowheads="1" noChangeShapeType="1" noTextEdit="1"/>
+              </p:cNvSpPr>
+              <p:nvPr>
+                <p:ph idx="1"/>
+              </p:nvPr>
+            </p:nvSpPr>
+            <p:spPr>
+              <a:xfrm>
+                <a:off x="576000" y="1656000"/>
+                <a:ext cx="11041200" cy="4464000"/>
+              </a:xfrm>
+              <a:blipFill>
+                <a:blip r:embed="rId3"/>
+                <a:stretch>
+                  <a:fillRect l="-717" t="-956"/>
+                </a:stretch>
+              </a:blipFill>
+            </p:spPr>
+            <p:txBody>
+              <a:bodyPr/>
+              <a:lstStyle/>
+              <a:p>
+                <a:r>
+                  <a:rPr lang="en-US">
+                    <a:noFill/>
+                  </a:rPr>
+                  <a:t> </a:t>
+                </a:r>
+              </a:p>
+            </p:txBody>
+          </p:sp>
+        </mc:Fallback>
+      </mc:AlternateContent>
     </p:spTree>
     <p:extLst>
       <p:ext uri="{BB962C8B-B14F-4D97-AF65-F5344CB8AC3E}">
@@ -14762,12 +14940,8 @@
           <a:lstStyle/>
           <a:p>
             <a:r>
-              <a:rPr lang="nl-BE" dirty="0"/>
-              <a:t>ook </a:t>
-            </a:r>
-            <a:r>
               <a:rPr lang="nl-BE" dirty="0" err="1"/>
-              <a:t>sementic</a:t>
+              <a:t>Sementic</a:t>
             </a:r>
             <a:r>
               <a:rPr lang="nl-BE" dirty="0"/>
@@ -16513,15 +16687,11 @@
           <a:p>
             <a:r>
               <a:rPr lang="nl-BE" dirty="0"/>
-              <a:t>Resultaten: Double </a:t>
-            </a:r>
-            <a:r>
-              <a:rPr lang="nl-BE" dirty="0" err="1"/>
-              <a:t>negation</a:t>
-            </a:r>
-            <a:r>
-              <a:rPr lang="nl-BE" dirty="0"/>
-              <a:t>-bug</a:t>
+              <a:t>Resultaten: </a:t>
+            </a:r>
+            <a:r>
+              <a:rPr lang="nl-BE" i="1" dirty="0"/>
+              <a:t>Double negatie-bug</a:t>
             </a:r>
           </a:p>
         </p:txBody>
@@ -16808,7 +16978,11 @@
           <a:p>
             <a:r>
               <a:rPr lang="nl-BE" dirty="0"/>
-              <a:t>Resultaten: Benaming van variabelen</a:t>
+              <a:t>Resultaten: </a:t>
+            </a:r>
+            <a:r>
+              <a:rPr lang="nl-BE" i="1" dirty="0"/>
+              <a:t>Benaming van variabelen</a:t>
             </a:r>
           </a:p>
         </p:txBody>
@@ -16954,7 +17128,11 @@
           <a:p>
             <a:r>
               <a:rPr lang="nl-BE" dirty="0"/>
-              <a:t>Resultaten: Benaming van variabelen</a:t>
+              <a:t>Resultaten: </a:t>
+            </a:r>
+            <a:r>
+              <a:rPr lang="nl-BE" i="1" dirty="0"/>
+              <a:t>Benaming van variabelen</a:t>
             </a:r>
           </a:p>
         </p:txBody>
@@ -16988,37 +17166,79 @@
           <a:lstStyle/>
           <a:p>
             <a:r>
+              <a:rPr lang="en-US" dirty="0">
+                <a:solidFill>
+                  <a:schemeClr val="bg1">
+                    <a:lumMod val="50000"/>
+                  </a:schemeClr>
+                </a:solidFill>
+              </a:rPr>
+              <a:t>% Generated by CPMpy</a:t>
+            </a:r>
+          </a:p>
+          <a:p>
+            <a:r>
+              <a:rPr lang="en-US" dirty="0">
+                <a:solidFill>
+                  <a:srgbClr val="7030A0"/>
+                </a:solidFill>
+              </a:rPr>
+              <a:t>include</a:t>
+            </a:r>
+            <a:r>
               <a:rPr lang="en-US" dirty="0"/>
-              <a:t>% Generated by CPMpy</a:t>
-            </a:r>
-          </a:p>
-          <a:p>
+              <a:t> </a:t>
+            </a:r>
+            <a:r>
+              <a:rPr lang="en-US" dirty="0">
+                <a:solidFill>
+                  <a:srgbClr val="FF9900"/>
+                </a:solidFill>
+              </a:rPr>
+              <a:t>"globals.mzn"</a:t>
+            </a:r>
+            <a:r>
+              <a:rPr lang="en-US" b="1" dirty="0"/>
+              <a:t>;</a:t>
+            </a:r>
+          </a:p>
+          <a:p>
+            <a:endParaRPr lang="en-US" dirty="0"/>
+          </a:p>
+          <a:p>
+            <a:r>
+              <a:rPr lang="en-US" dirty="0">
+                <a:solidFill>
+                  <a:srgbClr val="7030A0"/>
+                </a:solidFill>
+              </a:rPr>
+              <a:t>var</a:t>
+            </a:r>
             <a:r>
               <a:rPr lang="en-US" dirty="0"/>
-              <a:t>include "globals.mzn";</a:t>
-            </a:r>
-          </a:p>
-          <a:p>
-            <a:endParaRPr lang="en-US" dirty="0"/>
-          </a:p>
-          <a:p>
-            <a:r>
-              <a:rPr lang="en-US" dirty="0"/>
-              <a:t>var 0..9: +</a:t>
+              <a:t> 0..9: +</a:t>
             </a:r>
             <a:r>
               <a:rPr lang="en-US" dirty="0" err="1"/>
               <a:t>i</a:t>
             </a:r>
             <a:r>
+              <a:rPr lang="en-US" b="1" dirty="0"/>
+              <a:t>;</a:t>
+            </a:r>
+          </a:p>
+          <a:p>
+            <a:r>
+              <a:rPr lang="en-US" dirty="0">
+                <a:solidFill>
+                  <a:srgbClr val="7030A0"/>
+                </a:solidFill>
+              </a:rPr>
+              <a:t>constraint</a:t>
+            </a:r>
+            <a:r>
               <a:rPr lang="en-US" dirty="0"/>
-              <a:t>;</a:t>
-            </a:r>
-          </a:p>
-          <a:p>
-            <a:r>
-              <a:rPr lang="en-US" dirty="0"/>
-              <a:t>constraint (+</a:t>
+              <a:t> (+</a:t>
             </a:r>
             <a:r>
               <a:rPr lang="en-US" dirty="0" err="1"/>
@@ -17026,7 +17246,11 @@
             </a:r>
             <a:r>
               <a:rPr lang="en-US" dirty="0"/>
-              <a:t>) &gt; 0;</a:t>
+              <a:t>) &gt; 0</a:t>
+            </a:r>
+            <a:r>
+              <a:rPr lang="en-US" b="1" dirty="0"/>
+              <a:t>;</a:t>
             </a:r>
           </a:p>
         </p:txBody>
@@ -17136,6 +17360,106 @@
           </a:prstGeom>
         </p:spPr>
       </p:pic>
+      <p:sp>
+        <p:nvSpPr>
+          <p:cNvPr id="7" name="Freeform: Shape 6">
+            <a:extLst>
+              <a:ext uri="{FF2B5EF4-FFF2-40B4-BE49-F238E27FC236}">
+                <a16:creationId xmlns:a16="http://schemas.microsoft.com/office/drawing/2014/main" id="{FF7B296C-F05A-DFC2-049B-EE93A0088C7D}"/>
+              </a:ext>
+            </a:extLst>
+          </p:cNvPr>
+          <p:cNvSpPr/>
+          <p:nvPr/>
+        </p:nvSpPr>
+        <p:spPr>
+          <a:xfrm>
+            <a:off x="10384186" y="5134769"/>
+            <a:ext cx="95696" cy="45719"/>
+          </a:xfrm>
+          <a:custGeom>
+            <a:avLst/>
+            <a:gdLst>
+              <a:gd name="connsiteX0" fmla="*/ 0 w 942975"/>
+              <a:gd name="connsiteY0" fmla="*/ 28835 h 314698"/>
+              <a:gd name="connsiteX1" fmla="*/ 257175 w 942975"/>
+              <a:gd name="connsiteY1" fmla="*/ 314585 h 314698"/>
+              <a:gd name="connsiteX2" fmla="*/ 571500 w 942975"/>
+              <a:gd name="connsiteY2" fmla="*/ 260 h 314698"/>
+              <a:gd name="connsiteX3" fmla="*/ 942975 w 942975"/>
+              <a:gd name="connsiteY3" fmla="*/ 257435 h 314698"/>
+            </a:gdLst>
+            <a:ahLst/>
+            <a:cxnLst>
+              <a:cxn ang="0">
+                <a:pos x="connsiteX0" y="connsiteY0"/>
+              </a:cxn>
+              <a:cxn ang="0">
+                <a:pos x="connsiteX1" y="connsiteY1"/>
+              </a:cxn>
+              <a:cxn ang="0">
+                <a:pos x="connsiteX2" y="connsiteY2"/>
+              </a:cxn>
+              <a:cxn ang="0">
+                <a:pos x="connsiteX3" y="connsiteY3"/>
+              </a:cxn>
+            </a:cxnLst>
+            <a:rect l="l" t="t" r="r" b="b"/>
+            <a:pathLst>
+              <a:path w="942975" h="314698">
+                <a:moveTo>
+                  <a:pt x="0" y="28835"/>
+                </a:moveTo>
+                <a:cubicBezTo>
+                  <a:pt x="80962" y="174091"/>
+                  <a:pt x="161925" y="319347"/>
+                  <a:pt x="257175" y="314585"/>
+                </a:cubicBezTo>
+                <a:cubicBezTo>
+                  <a:pt x="352425" y="309823"/>
+                  <a:pt x="457200" y="9785"/>
+                  <a:pt x="571500" y="260"/>
+                </a:cubicBezTo>
+                <a:cubicBezTo>
+                  <a:pt x="685800" y="-9265"/>
+                  <a:pt x="847725" y="245529"/>
+                  <a:pt x="942975" y="257435"/>
+                </a:cubicBezTo>
+              </a:path>
+            </a:pathLst>
+          </a:custGeom>
+          <a:noFill/>
+          <a:ln w="12700">
+            <a:solidFill>
+              <a:srgbClr val="FF0000"/>
+            </a:solidFill>
+          </a:ln>
+        </p:spPr>
+        <p:style>
+          <a:lnRef idx="2">
+            <a:schemeClr val="accent1">
+              <a:shade val="50000"/>
+            </a:schemeClr>
+          </a:lnRef>
+          <a:fillRef idx="1">
+            <a:schemeClr val="accent1"/>
+          </a:fillRef>
+          <a:effectRef idx="0">
+            <a:schemeClr val="accent1"/>
+          </a:effectRef>
+          <a:fontRef idx="minor">
+            <a:schemeClr val="lt1"/>
+          </a:fontRef>
+        </p:style>
+        <p:txBody>
+          <a:bodyPr rtlCol="0" anchor="ctr"/>
+          <a:lstStyle/>
+          <a:p>
+            <a:pPr algn="ctr"/>
+            <a:endParaRPr lang="en-US"/>
+          </a:p>
+        </p:txBody>
+      </p:sp>
     </p:spTree>
     <p:extLst>
       <p:ext uri="{BB962C8B-B14F-4D97-AF65-F5344CB8AC3E}">
@@ -17248,7 +17572,15 @@
           <a:p>
             <a:r>
               <a:rPr lang="nl-BE" dirty="0"/>
-              <a:t>Resultaten: “Gurobi power”-bug</a:t>
+              <a:t>Resultaten: </a:t>
+            </a:r>
+            <a:r>
+              <a:rPr lang="nl-BE" i="1" dirty="0"/>
+              <a:t>Gurobi exponent</a:t>
+            </a:r>
+            <a:r>
+              <a:rPr lang="nl-BE" dirty="0"/>
+              <a:t>-bug</a:t>
             </a:r>
           </a:p>
         </p:txBody>
@@ -23063,10 +23395,9 @@
           <a:lstStyle/>
           <a:p>
             <a:r>
-              <a:rPr lang="en-US" dirty="0"/>
-              <a:t>Future work</a:t>
-            </a:r>
-            <a:endParaRPr lang="nl-BE" dirty="0"/>
+              <a:rPr lang="nl-BE" dirty="0"/>
+              <a:t>Toekomstige werk</a:t>
+            </a:r>
           </a:p>
         </p:txBody>
       </p:sp>
@@ -23126,7 +23457,7 @@
             <a:pPr lvl="1"/>
             <a:r>
               <a:rPr lang="nl-BE" dirty="0"/>
-              <a:t>Ook de fijnere instellingen van </a:t>
+              <a:t>Ook de hyperparameters van </a:t>
             </a:r>
             <a:r>
               <a:rPr lang="nl-BE" dirty="0" err="1"/>
@@ -23135,6 +23466,21 @@
             <a:r>
               <a:rPr lang="nl-BE" dirty="0"/>
               <a:t> testen[2]</a:t>
+            </a:r>
+          </a:p>
+          <a:p>
+            <a:pPr lvl="2"/>
+            <a:r>
+              <a:rPr lang="nl-BE" dirty="0"/>
+              <a:t>Bv. bugs bij combinatie van </a:t>
+            </a:r>
+            <a:r>
+              <a:rPr lang="nl-BE" dirty="0" err="1"/>
+              <a:t>constraints</a:t>
+            </a:r>
+            <a:r>
+              <a:rPr lang="nl-BE" dirty="0"/>
+              <a:t> en zoek methodes</a:t>
             </a:r>
           </a:p>
           <a:p>
@@ -23390,6 +23736,198 @@
 </file>
 
 <file path=ppt/slides/slide27.xml><?xml version="1.0" encoding="utf-8"?>
+<p:sld xmlns:a="http://schemas.openxmlformats.org/drawingml/2006/main" xmlns:r="http://schemas.openxmlformats.org/officeDocument/2006/relationships" xmlns:p="http://schemas.openxmlformats.org/presentationml/2006/main" show="0">
+  <p:cSld>
+    <p:spTree>
+      <p:nvGrpSpPr>
+        <p:cNvPr id="1" name=""/>
+        <p:cNvGrpSpPr/>
+        <p:nvPr/>
+      </p:nvGrpSpPr>
+      <p:grpSpPr>
+        <a:xfrm>
+          <a:off x="0" y="0"/>
+          <a:ext cx="0" cy="0"/>
+          <a:chOff x="0" y="0"/>
+          <a:chExt cx="0" cy="0"/>
+        </a:xfrm>
+      </p:grpSpPr>
+      <p:sp>
+        <p:nvSpPr>
+          <p:cNvPr id="3" name="Footer Placeholder 2">
+            <a:extLst>
+              <a:ext uri="{FF2B5EF4-FFF2-40B4-BE49-F238E27FC236}">
+                <a16:creationId xmlns:a16="http://schemas.microsoft.com/office/drawing/2014/main" id="{9DEC358F-5FE8-CFE8-C712-33F18D0AC4E7}"/>
+              </a:ext>
+            </a:extLst>
+          </p:cNvPr>
+          <p:cNvSpPr>
+            <a:spLocks noGrp="1"/>
+          </p:cNvSpPr>
+          <p:nvPr>
+            <p:ph type="ftr" sz="quarter" idx="11"/>
+          </p:nvPr>
+        </p:nvSpPr>
+        <p:spPr/>
+        <p:txBody>
+          <a:bodyPr/>
+          <a:lstStyle/>
+          <a:p>
+            <a:r>
+              <a:rPr lang="nl-NL"/>
+              <a:t>Faculteit Ingenieurswetenschappen, DTAI</a:t>
+            </a:r>
+          </a:p>
+        </p:txBody>
+      </p:sp>
+      <p:sp>
+        <p:nvSpPr>
+          <p:cNvPr id="4" name="Slide Number Placeholder 3">
+            <a:extLst>
+              <a:ext uri="{FF2B5EF4-FFF2-40B4-BE49-F238E27FC236}">
+                <a16:creationId xmlns:a16="http://schemas.microsoft.com/office/drawing/2014/main" id="{83E5AE0E-A28E-AB21-A117-4EA84A3D035F}"/>
+              </a:ext>
+            </a:extLst>
+          </p:cNvPr>
+          <p:cNvSpPr>
+            <a:spLocks noGrp="1"/>
+          </p:cNvSpPr>
+          <p:nvPr>
+            <p:ph type="sldNum" sz="quarter" idx="12"/>
+          </p:nvPr>
+        </p:nvSpPr>
+        <p:spPr/>
+        <p:txBody>
+          <a:bodyPr/>
+          <a:lstStyle/>
+          <a:p>
+            <a:fld id="{0A297500-7527-634B-90F4-69D0994C32B4}" type="slidenum">
+              <a:rPr lang="nl-NL" smtClean="0"/>
+              <a:t>27</a:t>
+            </a:fld>
+            <a:endParaRPr lang="nl-NL"/>
+          </a:p>
+        </p:txBody>
+      </p:sp>
+      <p:sp>
+        <p:nvSpPr>
+          <p:cNvPr id="5" name="Title 4">
+            <a:extLst>
+              <a:ext uri="{FF2B5EF4-FFF2-40B4-BE49-F238E27FC236}">
+                <a16:creationId xmlns:a16="http://schemas.microsoft.com/office/drawing/2014/main" id="{19E73E39-FB74-A448-89F2-15FF5A0CFE07}"/>
+              </a:ext>
+            </a:extLst>
+          </p:cNvPr>
+          <p:cNvSpPr>
+            <a:spLocks noGrp="1"/>
+          </p:cNvSpPr>
+          <p:nvPr>
+            <p:ph type="title"/>
+          </p:nvPr>
+        </p:nvSpPr>
+        <p:spPr/>
+        <p:txBody>
+          <a:bodyPr/>
+          <a:lstStyle/>
+          <a:p>
+            <a:r>
+              <a:rPr lang="nl-BE" dirty="0" err="1"/>
+              <a:t>Seeds</a:t>
+            </a:r>
+            <a:endParaRPr lang="nl-BE" dirty="0"/>
+          </a:p>
+        </p:txBody>
+      </p:sp>
+      <p:sp>
+        <p:nvSpPr>
+          <p:cNvPr id="8" name="Content Placeholder 7">
+            <a:extLst>
+              <a:ext uri="{FF2B5EF4-FFF2-40B4-BE49-F238E27FC236}">
+                <a16:creationId xmlns:a16="http://schemas.microsoft.com/office/drawing/2014/main" id="{349BF4B6-A4D5-F9BE-A7B7-4B3C2083EFD2}"/>
+              </a:ext>
+            </a:extLst>
+          </p:cNvPr>
+          <p:cNvSpPr>
+            <a:spLocks noGrp="1"/>
+          </p:cNvSpPr>
+          <p:nvPr>
+            <p:ph idx="1"/>
+          </p:nvPr>
+        </p:nvSpPr>
+        <p:spPr/>
+        <p:txBody>
+          <a:bodyPr/>
+          <a:lstStyle/>
+          <a:p>
+            <a:r>
+              <a:rPr lang="nl-BE" dirty="0"/>
+              <a:t>CP voorbeelden van CPMpy en </a:t>
+            </a:r>
+            <a:r>
+              <a:rPr lang="nl-BE" dirty="0" err="1"/>
+              <a:t>Hakank</a:t>
+            </a:r>
+            <a:endParaRPr lang="nl-BE" dirty="0"/>
+          </a:p>
+          <a:p>
+            <a:r>
+              <a:rPr lang="nl-BE" dirty="0"/>
+              <a:t>Bijna uitsluitend positieve (</a:t>
+            </a:r>
+            <a:r>
+              <a:rPr lang="nl-BE" dirty="0" err="1"/>
+              <a:t>sat</a:t>
+            </a:r>
+            <a:r>
+              <a:rPr lang="nl-BE" dirty="0"/>
+              <a:t>) voorbeelden</a:t>
+            </a:r>
+          </a:p>
+          <a:p>
+            <a:pPr lvl="1"/>
+            <a:r>
+              <a:rPr lang="nl-BE" dirty="0"/>
+              <a:t>Vermindert de kans om </a:t>
+            </a:r>
+            <a:r>
+              <a:rPr lang="nl-BE" dirty="0" err="1"/>
+              <a:t>wrongly</a:t>
+            </a:r>
+            <a:r>
+              <a:rPr lang="nl-BE" dirty="0"/>
+              <a:t> satisfiable bugs te vinden</a:t>
+            </a:r>
+          </a:p>
+          <a:p>
+            <a:r>
+              <a:rPr lang="nl-BE" dirty="0"/>
+              <a:t>Niet diverse </a:t>
+            </a:r>
+            <a:r>
+              <a:rPr lang="nl-BE" dirty="0" err="1"/>
+              <a:t>seeds</a:t>
+            </a:r>
+            <a:r>
+              <a:rPr lang="nl-BE" dirty="0"/>
+              <a:t> = niet diverse tests</a:t>
+            </a:r>
+          </a:p>
+        </p:txBody>
+      </p:sp>
+    </p:spTree>
+    <p:extLst>
+      <p:ext uri="{BB962C8B-B14F-4D97-AF65-F5344CB8AC3E}">
+        <p14:creationId xmlns:p14="http://schemas.microsoft.com/office/powerpoint/2010/main" val="3279833021"/>
+      </p:ext>
+    </p:extLst>
+  </p:cSld>
+  <p:clrMapOvr>
+    <a:masterClrMapping/>
+  </p:clrMapOvr>
+</p:sld>
+</file>
+
+<file path=ppt/slides/slide28.xml><?xml version="1.0" encoding="utf-8"?>
 <p:sld xmlns:a="http://schemas.openxmlformats.org/drawingml/2006/main" xmlns:r="http://schemas.openxmlformats.org/officeDocument/2006/relationships" xmlns:p="http://schemas.openxmlformats.org/presentationml/2006/main">
   <p:cSld>
     <p:spTree>
@@ -23490,7 +24028,7 @@
           <a:p>
             <a:fld id="{0A297500-7527-634B-90F4-69D0994C32B4}" type="slidenum">
               <a:rPr lang="nl-NL" smtClean="0"/>
-              <a:t>27</a:t>
+              <a:t>28</a:t>
             </a:fld>
             <a:endParaRPr lang="nl-NL"/>
           </a:p>
@@ -24179,10 +24717,10 @@
       </p:sp>
       <p:pic>
         <p:nvPicPr>
-          <p:cNvPr id="9" name="Picture 8">
+          <p:cNvPr id="11" name="Picture 10">
             <a:extLst>
               <a:ext uri="{FF2B5EF4-FFF2-40B4-BE49-F238E27FC236}">
-                <a16:creationId xmlns:a16="http://schemas.microsoft.com/office/drawing/2014/main" id="{08A9415A-637D-18FF-FDB3-B8DF39E53FAC}"/>
+                <a16:creationId xmlns:a16="http://schemas.microsoft.com/office/drawing/2014/main" id="{2EB7B63D-894D-A97D-2967-F33F5EC2E5E3}"/>
               </a:ext>
             </a:extLst>
           </p:cNvPr>
@@ -24191,16 +24729,15 @@
           </p:cNvPicPr>
           <p:nvPr/>
         </p:nvPicPr>
-        <p:blipFill>
+        <p:blipFill rotWithShape="1">
           <a:blip r:embed="rId3"/>
-          <a:stretch>
-            <a:fillRect/>
-          </a:stretch>
+          <a:srcRect l="1094" t="2479"/>
+          <a:stretch/>
         </p:blipFill>
         <p:spPr>
           <a:xfrm>
-            <a:off x="3645568" y="1042153"/>
-            <a:ext cx="7749720" cy="5040029"/>
+            <a:off x="3645568" y="1108521"/>
+            <a:ext cx="7970431" cy="5115814"/>
           </a:xfrm>
           <a:prstGeom prst="rect">
             <a:avLst/>
@@ -24394,7 +24931,7 @@
             <a:pPr lvl="1"/>
             <a:r>
               <a:rPr lang="nl-BE" dirty="0"/>
-              <a:t>Verkeerde aantal oplossingen</a:t>
+              <a:t>Verkeerd aantal oplossingen</a:t>
             </a:r>
           </a:p>
         </p:txBody>
@@ -24696,7 +25233,9 @@
         </p:nvSpPr>
         <p:spPr/>
         <p:txBody>
-          <a:bodyPr/>
+          <a:bodyPr>
+            <a:normAutofit/>
+          </a:bodyPr>
           <a:lstStyle/>
           <a:p>
             <a:pPr marL="457200" indent="-457200">
@@ -24704,11 +25243,11 @@
               <a:buAutoNum type="arabicPeriod"/>
             </a:pPr>
             <a:r>
-              <a:rPr lang="en-GB" dirty="0">
+              <a:rPr lang="nl-BE" dirty="0">
                 <a:effectLst/>
                 <a:latin typeface="Arial" panose="020B0604020202020204" pitchFamily="34" charset="0"/>
               </a:rPr>
-              <a:t>What fuzzing technique will find the most bugs?</a:t>
+              <a:t>Welke technieken vinden de meeste bugs?</a:t>
             </a:r>
           </a:p>
           <a:p>
@@ -24717,15 +25256,12 @@
               <a:buAutoNum type="arabicPeriod"/>
             </a:pPr>
             <a:r>
-              <a:rPr lang="en-GB" dirty="0">
+              <a:rPr lang="nl-BE" dirty="0">
                 <a:effectLst/>
                 <a:latin typeface="Arial" panose="020B0604020202020204" pitchFamily="34" charset="0"/>
               </a:rPr>
-              <a:t>What fuzzing technique will find the most critical bugs?</a:t>
-            </a:r>
-            <a:endParaRPr lang="en-GB" dirty="0">
-              <a:latin typeface="Arial" panose="020B0604020202020204" pitchFamily="34" charset="0"/>
-            </a:endParaRPr>
+              <a:t>Welke technieken vinden de meeste kritieke bugs?</a:t>
+            </a:r>
           </a:p>
           <a:p>
             <a:pPr marL="457200" indent="-457200">
@@ -24733,11 +25269,11 @@
               <a:buAutoNum type="arabicPeriod"/>
             </a:pPr>
             <a:r>
-              <a:rPr lang="en-GB" dirty="0">
+              <a:rPr lang="nl-BE" dirty="0">
                 <a:effectLst/>
                 <a:latin typeface="Arial" panose="020B0604020202020204" pitchFamily="34" charset="0"/>
               </a:rPr>
-              <a:t>What type of bugs will be found using which fuzzing technique? </a:t>
+              <a:t>Welke type bugs worden er gevonden met welke techniek?</a:t>
             </a:r>
           </a:p>
           <a:p>
@@ -24746,15 +25282,18 @@
               <a:buAutoNum type="arabicPeriod"/>
             </a:pPr>
             <a:r>
-              <a:rPr lang="en-GB" dirty="0">
+              <a:rPr lang="nl-BE" dirty="0">
                 <a:effectLst/>
                 <a:latin typeface="Arial" panose="020B0604020202020204" pitchFamily="34" charset="0"/>
               </a:rPr>
-              <a:t>How many (critical) bugs can we find?</a:t>
-            </a:r>
-            <a:endParaRPr lang="en-GB" dirty="0">
-              <a:latin typeface="Arial" panose="020B0604020202020204" pitchFamily="34" charset="0"/>
-            </a:endParaRPr>
+              <a:t>Hoev</a:t>
+            </a:r>
+            <a:r>
+              <a:rPr lang="nl-BE" dirty="0">
+                <a:latin typeface="Arial" panose="020B0604020202020204" pitchFamily="34" charset="0"/>
+              </a:rPr>
+              <a:t>eel en hoe erg zijn de gevonden (kritieke bugs)?</a:t>
+            </a:r>
           </a:p>
           <a:p>
             <a:pPr marL="457200" indent="-457200">
@@ -24762,11 +25301,11 @@
               <a:buAutoNum type="arabicPeriod"/>
             </a:pPr>
             <a:r>
-              <a:rPr lang="en-GB" dirty="0">
+              <a:rPr lang="nl-BE" dirty="0">
                 <a:effectLst/>
                 <a:latin typeface="Arial" panose="020B0604020202020204" pitchFamily="34" charset="0"/>
               </a:rPr>
-              <a:t>What are the causes of the bugs?</a:t>
+              <a:t>Waar liggen de oorzaken van de bugs?</a:t>
             </a:r>
           </a:p>
         </p:txBody>
@@ -25007,12 +25546,20 @@
           </a:bodyPr>
           <a:lstStyle/>
           <a:p>
+            <a:pPr marL="457200" indent="-457200">
+              <a:buFont typeface="+mj-lt"/>
+              <a:buAutoNum type="arabicPeriod"/>
+            </a:pPr>
             <a:r>
               <a:rPr lang="nl-BE" dirty="0"/>
               <a:t>Test origineel</a:t>
             </a:r>
           </a:p>
           <a:p>
+            <a:pPr marL="457200" indent="-457200">
+              <a:buFont typeface="+mj-lt"/>
+              <a:buAutoNum type="arabicPeriod"/>
+            </a:pPr>
             <a:r>
               <a:rPr lang="nl-BE" b="0" noProof="0" dirty="0"/>
               <a:t>Satisfiable equivalente </a:t>
@@ -25023,6 +25570,10 @@
             </a:r>
           </a:p>
           <a:p>
+            <a:pPr marL="457200" indent="-457200">
+              <a:buFont typeface="+mj-lt"/>
+              <a:buAutoNum type="arabicPeriod"/>
+            </a:pPr>
             <a:r>
               <a:rPr lang="nl-BE" dirty="0"/>
               <a:t>Test opnieuw</a:t>
@@ -25666,18 +26217,29 @@
           </a:bodyPr>
           <a:lstStyle/>
           <a:p>
+            <a:pPr marL="0" indent="0">
+              <a:buNone/>
+            </a:pPr>
             <a:r>
               <a:rPr lang="nl-BE" dirty="0"/>
               <a:t>CPMpy-STORM</a:t>
             </a:r>
           </a:p>
           <a:p>
+            <a:pPr marL="457200" indent="-457200">
+              <a:buFont typeface="+mj-lt"/>
+              <a:buAutoNum type="arabicPeriod"/>
+            </a:pPr>
             <a:r>
               <a:rPr lang="nl-BE" dirty="0"/>
               <a:t>Test origineel</a:t>
             </a:r>
           </a:p>
           <a:p>
+            <a:pPr marL="457200" indent="-457200">
+              <a:buFont typeface="+mj-lt"/>
+              <a:buAutoNum type="arabicPeriod"/>
+            </a:pPr>
             <a:r>
               <a:rPr lang="nl-BE" b="0" noProof="0" dirty="0"/>
               <a:t>Satisfiable equivalente </a:t>
@@ -25688,6 +26250,10 @@
             </a:r>
           </a:p>
           <a:p>
+            <a:pPr marL="457200" indent="-457200">
+              <a:buFont typeface="+mj-lt"/>
+              <a:buAutoNum type="arabicPeriod"/>
+            </a:pPr>
             <a:r>
               <a:rPr lang="nl-BE" dirty="0"/>
               <a:t>Test opnieuw</a:t>

--- a/Milestones/M10 defence/M10.pptx
+++ b/Milestones/M10 defence/M10.pptx
@@ -5544,7 +5544,7 @@
           <a:p>
             <a:fld id="{8F591CCF-F6FD-734B-854A-5BC033593B1E}" type="datetimeFigureOut">
               <a:rPr lang="nl-NL" smtClean="0"/>
-              <a:t>31-1-2023</a:t>
+              <a:t>1-2-2023</a:t>
             </a:fld>
             <a:endParaRPr lang="nl-NL"/>
           </a:p>
@@ -5709,7 +5709,7 @@
           <a:p>
             <a:fld id="{23C66214-DB21-4647-B5DA-0D17CA592867}" type="datetimeFigureOut">
               <a:rPr lang="nl-NL" smtClean="0"/>
-              <a:t>31-1-2023</a:t>
+              <a:t>1-2-2023</a:t>
             </a:fld>
             <a:endParaRPr lang="nl-NL"/>
           </a:p>
@@ -10805,7 +10805,7 @@
           <a:p>
             <a:fld id="{A6AC6004-332E-443B-AEE9-F68B98D86626}" type="datetime1">
               <a:rPr lang="nl-BE" smtClean="0"/>
-              <a:t>31/01/2023</a:t>
+              <a:t>1/02/2023</a:t>
             </a:fld>
             <a:endParaRPr lang="nl-NL"/>
           </a:p>
@@ -11088,7 +11088,7 @@
           <a:p>
             <a:fld id="{18BB5DFC-17D3-47A0-B171-B4E4D1575E7B}" type="datetime1">
               <a:rPr lang="nl-BE" smtClean="0"/>
-              <a:t>31/01/2023</a:t>
+              <a:t>1/02/2023</a:t>
             </a:fld>
             <a:endParaRPr lang="nl-NL"/>
           </a:p>
@@ -11418,7 +11418,7 @@
           <a:p>
             <a:fld id="{DFE966B0-6D13-414C-BF72-6FF6C60AEC98}" type="datetime1">
               <a:rPr lang="nl-BE" smtClean="0"/>
-              <a:t>31/01/2023</a:t>
+              <a:t>1/02/2023</a:t>
             </a:fld>
             <a:endParaRPr lang="nl-NL"/>
           </a:p>
@@ -11738,7 +11738,7 @@
           <a:p>
             <a:fld id="{C812C44A-F540-4B98-810B-5F6EB90D9C13}" type="datetime1">
               <a:rPr lang="nl-BE" smtClean="0"/>
-              <a:t>31/01/2023</a:t>
+              <a:t>1/02/2023</a:t>
             </a:fld>
             <a:endParaRPr lang="nl-NL" dirty="0"/>
           </a:p>
@@ -12059,7 +12059,7 @@
           <a:p>
             <a:fld id="{8363B599-027A-42E4-AF08-DCDA683C2C05}" type="datetime1">
               <a:rPr lang="nl-BE" smtClean="0"/>
-              <a:t>31/01/2023</a:t>
+              <a:t>1/02/2023</a:t>
             </a:fld>
             <a:endParaRPr lang="nl-NL" dirty="0"/>
           </a:p>
@@ -12201,7 +12201,7 @@
           <a:p>
             <a:fld id="{896510B4-3146-4BB8-B92E-62730CD81C72}" type="datetime1">
               <a:rPr lang="nl-BE" smtClean="0"/>
-              <a:t>31/01/2023</a:t>
+              <a:t>1/02/2023</a:t>
             </a:fld>
             <a:endParaRPr lang="nl-NL"/>
           </a:p>
@@ -12685,7 +12685,7 @@
           <a:p>
             <a:fld id="{9D02B56F-A388-429F-978E-7B79C73B0741}" type="datetime1">
               <a:rPr lang="nl-BE" smtClean="0"/>
-              <a:t>31/01/2023</a:t>
+              <a:t>1/02/2023</a:t>
             </a:fld>
             <a:endParaRPr lang="nl-NL" dirty="0"/>
           </a:p>
@@ -12806,7 +12806,7 @@
           <a:p>
             <a:fld id="{CFC1976B-B1C6-4CE3-88E7-0F7B3C0EB754}" type="datetime1">
               <a:rPr lang="nl-BE" smtClean="0"/>
-              <a:t>31/01/2023</a:t>
+              <a:t>1/02/2023</a:t>
             </a:fld>
             <a:endParaRPr lang="nl-NL"/>
           </a:p>
@@ -12927,7 +12927,7 @@
           <a:p>
             <a:fld id="{9D9EDC0B-32E5-488B-8BC1-103B52D9F530}" type="datetime1">
               <a:rPr lang="nl-BE" smtClean="0"/>
-              <a:t>31/01/2023</a:t>
+              <a:t>1/02/2023</a:t>
             </a:fld>
             <a:endParaRPr lang="nl-NL"/>
           </a:p>
@@ -13109,7 +13109,7 @@
           <a:p>
             <a:fld id="{47FF4611-E6C1-4123-99C9-582B0DC5EFCF}" type="datetime1">
               <a:rPr lang="nl-BE" smtClean="0"/>
-              <a:t>31/01/2023</a:t>
+              <a:t>1/02/2023</a:t>
             </a:fld>
             <a:endParaRPr lang="nl-NL" dirty="0"/>
           </a:p>
@@ -13393,7 +13393,7 @@
           <a:p>
             <a:fld id="{7E5B4B50-A2A3-4C24-AE79-A292DD23C44A}" type="datetime1">
               <a:rPr lang="nl-BE" smtClean="0"/>
-              <a:t>31/01/2023</a:t>
+              <a:t>1/02/2023</a:t>
             </a:fld>
             <a:endParaRPr lang="nl-NL" dirty="0"/>
           </a:p>
@@ -14034,7 +14034,7 @@
           <a:p>
             <a:fld id="{560602C3-E89F-44D5-8AA8-1213C1FA739E}" type="datetime1">
               <a:rPr lang="nl-BE" smtClean="0"/>
-              <a:t>31/01/2023</a:t>
+              <a:t>1/02/2023</a:t>
             </a:fld>
             <a:endParaRPr lang="nl-NL" dirty="0"/>
           </a:p>
@@ -14638,8 +14638,8 @@
           </a:p>
         </p:txBody>
       </p:sp>
-      <mc:AlternateContent xmlns:mc="http://schemas.openxmlformats.org/markup-compatibility/2006">
-        <mc:Choice xmlns:a14="http://schemas.microsoft.com/office/drawing/2010/main" Requires="a14">
+      <mc:AlternateContent xmlns:mc="http://schemas.openxmlformats.org/markup-compatibility/2006" xmlns:a14="http://schemas.microsoft.com/office/drawing/2010/main">
+        <mc:Choice Requires="a14">
           <p:sp>
             <p:nvSpPr>
               <p:cNvPr id="8" name="Content Placeholder 7">
@@ -14750,7 +14750,7 @@
             </p:txBody>
           </p:sp>
         </mc:Choice>
-        <mc:Fallback>
+        <mc:Fallback xmlns="">
           <p:sp>
             <p:nvSpPr>
               <p:cNvPr id="8" name="Content Placeholder 7">
@@ -17192,7 +17192,7 @@
             <a:r>
               <a:rPr lang="en-US" dirty="0">
                 <a:solidFill>
-                  <a:srgbClr val="FF9900"/>
+                  <a:srgbClr val="FF6600"/>
                 </a:solidFill>
               </a:rPr>
               <a:t>"globals.mzn"</a:t>
@@ -25292,7 +25292,7 @@
               <a:rPr lang="nl-BE" dirty="0">
                 <a:latin typeface="Arial" panose="020B0604020202020204" pitchFamily="34" charset="0"/>
               </a:rPr>
-              <a:t>eel en hoe erg zijn de gevonden (kritieke bugs)?</a:t>
+              <a:t>eel en hoe erg zijn de gevonden (kritieke) bugs?</a:t>
             </a:r>
           </a:p>
           <a:p>
